--- a/Week 3 - Neural Networks in Practice/Overfitting.pptx
+++ b/Week 3 - Neural Networks in Practice/Overfitting.pptx
@@ -5,11 +5,20 @@
     <p:sldMasterId id="2147483672" r:id="rId4"/>
   </p:sldMasterIdLst>
   <p:notesMasterIdLst>
-    <p:notesMasterId r:id="rId7"/>
+    <p:notesMasterId r:id="rId16"/>
   </p:notesMasterIdLst>
   <p:sldIdLst>
     <p:sldId id="257" r:id="rId5"/>
     <p:sldId id="340" r:id="rId6"/>
+    <p:sldId id="341" r:id="rId7"/>
+    <p:sldId id="343" r:id="rId8"/>
+    <p:sldId id="344" r:id="rId9"/>
+    <p:sldId id="342" r:id="rId10"/>
+    <p:sldId id="345" r:id="rId11"/>
+    <p:sldId id="346" r:id="rId12"/>
+    <p:sldId id="347" r:id="rId13"/>
+    <p:sldId id="349" r:id="rId14"/>
+    <p:sldId id="348" r:id="rId15"/>
   </p:sldIdLst>
   <p:sldSz cx="12192000" cy="6858000"/>
   <p:notesSz cx="6858000" cy="9144000"/>
@@ -206,7 +215,7 @@
           <a:p>
             <a:fld id="{F666E1FD-E7A0-497B-BBC0-740BAAC97C64}" type="datetimeFigureOut">
               <a:rPr lang="en-PH" smtClean="0"/>
-              <a:t>4/22/24</a:t>
+              <a:t>4/25/24</a:t>
             </a:fld>
             <a:endParaRPr lang="en-PH" dirty="0"/>
           </a:p>
@@ -558,6 +567,174 @@
 </p:notes>
 </file>
 
+<file path=ppt/notesSlides/notesSlide10.xml><?xml version="1.0" encoding="utf-8"?>
+<p:notes xmlns:a="http://schemas.openxmlformats.org/drawingml/2006/main" xmlns:r="http://schemas.openxmlformats.org/officeDocument/2006/relationships" xmlns:p="http://schemas.openxmlformats.org/presentationml/2006/main">
+  <p:cSld>
+    <p:spTree>
+      <p:nvGrpSpPr>
+        <p:cNvPr id="1" name=""/>
+        <p:cNvGrpSpPr/>
+        <p:nvPr/>
+      </p:nvGrpSpPr>
+      <p:grpSpPr>
+        <a:xfrm>
+          <a:off x="0" y="0"/>
+          <a:ext cx="0" cy="0"/>
+          <a:chOff x="0" y="0"/>
+          <a:chExt cx="0" cy="0"/>
+        </a:xfrm>
+      </p:grpSpPr>
+      <p:sp>
+        <p:nvSpPr>
+          <p:cNvPr id="2" name="Slide Image Placeholder 1"/>
+          <p:cNvSpPr>
+            <a:spLocks noGrp="1" noRot="1" noChangeAspect="1"/>
+          </p:cNvSpPr>
+          <p:nvPr>
+            <p:ph type="sldImg"/>
+          </p:nvPr>
+        </p:nvSpPr>
+        <p:spPr/>
+      </p:sp>
+      <p:sp>
+        <p:nvSpPr>
+          <p:cNvPr id="3" name="Notes Placeholder 2"/>
+          <p:cNvSpPr>
+            <a:spLocks noGrp="1"/>
+          </p:cNvSpPr>
+          <p:nvPr>
+            <p:ph type="body" idx="1"/>
+          </p:nvPr>
+        </p:nvSpPr>
+        <p:spPr/>
+        <p:txBody>
+          <a:bodyPr/>
+          <a:lstStyle/>
+          <a:p>
+            <a:endParaRPr lang="en-PH" dirty="0"/>
+          </a:p>
+        </p:txBody>
+      </p:sp>
+      <p:sp>
+        <p:nvSpPr>
+          <p:cNvPr id="4" name="Slide Number Placeholder 3"/>
+          <p:cNvSpPr>
+            <a:spLocks noGrp="1"/>
+          </p:cNvSpPr>
+          <p:nvPr>
+            <p:ph type="sldNum" sz="quarter" idx="5"/>
+          </p:nvPr>
+        </p:nvSpPr>
+        <p:spPr/>
+        <p:txBody>
+          <a:bodyPr/>
+          <a:lstStyle/>
+          <a:p>
+            <a:fld id="{FE90CCE9-4AAE-4E1F-85AD-521A406D6524}" type="slidenum">
+              <a:rPr lang="en-PH" smtClean="0"/>
+              <a:t>10</a:t>
+            </a:fld>
+            <a:endParaRPr lang="en-PH" dirty="0"/>
+          </a:p>
+        </p:txBody>
+      </p:sp>
+    </p:spTree>
+    <p:extLst>
+      <p:ext uri="{BB962C8B-B14F-4D97-AF65-F5344CB8AC3E}">
+        <p14:creationId xmlns:p14="http://schemas.microsoft.com/office/powerpoint/2010/main" val="1615123698"/>
+      </p:ext>
+    </p:extLst>
+  </p:cSld>
+  <p:clrMapOvr>
+    <a:masterClrMapping/>
+  </p:clrMapOvr>
+</p:notes>
+</file>
+
+<file path=ppt/notesSlides/notesSlide11.xml><?xml version="1.0" encoding="utf-8"?>
+<p:notes xmlns:a="http://schemas.openxmlformats.org/drawingml/2006/main" xmlns:r="http://schemas.openxmlformats.org/officeDocument/2006/relationships" xmlns:p="http://schemas.openxmlformats.org/presentationml/2006/main">
+  <p:cSld>
+    <p:spTree>
+      <p:nvGrpSpPr>
+        <p:cNvPr id="1" name=""/>
+        <p:cNvGrpSpPr/>
+        <p:nvPr/>
+      </p:nvGrpSpPr>
+      <p:grpSpPr>
+        <a:xfrm>
+          <a:off x="0" y="0"/>
+          <a:ext cx="0" cy="0"/>
+          <a:chOff x="0" y="0"/>
+          <a:chExt cx="0" cy="0"/>
+        </a:xfrm>
+      </p:grpSpPr>
+      <p:sp>
+        <p:nvSpPr>
+          <p:cNvPr id="2" name="Slide Image Placeholder 1"/>
+          <p:cNvSpPr>
+            <a:spLocks noGrp="1" noRot="1" noChangeAspect="1"/>
+          </p:cNvSpPr>
+          <p:nvPr>
+            <p:ph type="sldImg"/>
+          </p:nvPr>
+        </p:nvSpPr>
+        <p:spPr/>
+      </p:sp>
+      <p:sp>
+        <p:nvSpPr>
+          <p:cNvPr id="3" name="Notes Placeholder 2"/>
+          <p:cNvSpPr>
+            <a:spLocks noGrp="1"/>
+          </p:cNvSpPr>
+          <p:nvPr>
+            <p:ph type="body" idx="1"/>
+          </p:nvPr>
+        </p:nvSpPr>
+        <p:spPr/>
+        <p:txBody>
+          <a:bodyPr/>
+          <a:lstStyle/>
+          <a:p>
+            <a:endParaRPr lang="en-PH" dirty="0"/>
+          </a:p>
+        </p:txBody>
+      </p:sp>
+      <p:sp>
+        <p:nvSpPr>
+          <p:cNvPr id="4" name="Slide Number Placeholder 3"/>
+          <p:cNvSpPr>
+            <a:spLocks noGrp="1"/>
+          </p:cNvSpPr>
+          <p:nvPr>
+            <p:ph type="sldNum" sz="quarter" idx="5"/>
+          </p:nvPr>
+        </p:nvSpPr>
+        <p:spPr/>
+        <p:txBody>
+          <a:bodyPr/>
+          <a:lstStyle/>
+          <a:p>
+            <a:fld id="{FE90CCE9-4AAE-4E1F-85AD-521A406D6524}" type="slidenum">
+              <a:rPr lang="en-PH" smtClean="0"/>
+              <a:t>11</a:t>
+            </a:fld>
+            <a:endParaRPr lang="en-PH" dirty="0"/>
+          </a:p>
+        </p:txBody>
+      </p:sp>
+    </p:spTree>
+    <p:extLst>
+      <p:ext uri="{BB962C8B-B14F-4D97-AF65-F5344CB8AC3E}">
+        <p14:creationId xmlns:p14="http://schemas.microsoft.com/office/powerpoint/2010/main" val="1422427605"/>
+      </p:ext>
+    </p:extLst>
+  </p:cSld>
+  <p:clrMapOvr>
+    <a:masterClrMapping/>
+  </p:clrMapOvr>
+</p:notes>
+</file>
+
 <file path=ppt/notesSlides/notesSlide2.xml><?xml version="1.0" encoding="utf-8"?>
 <p:notes xmlns:a="http://schemas.openxmlformats.org/drawingml/2006/main" xmlns:r="http://schemas.openxmlformats.org/officeDocument/2006/relationships" xmlns:p="http://schemas.openxmlformats.org/presentationml/2006/main">
   <p:cSld>
@@ -633,6 +810,594 @@
     <p:extLst>
       <p:ext uri="{BB962C8B-B14F-4D97-AF65-F5344CB8AC3E}">
         <p14:creationId xmlns:p14="http://schemas.microsoft.com/office/powerpoint/2010/main" val="54056192"/>
+      </p:ext>
+    </p:extLst>
+  </p:cSld>
+  <p:clrMapOvr>
+    <a:masterClrMapping/>
+  </p:clrMapOvr>
+</p:notes>
+</file>
+
+<file path=ppt/notesSlides/notesSlide3.xml><?xml version="1.0" encoding="utf-8"?>
+<p:notes xmlns:a="http://schemas.openxmlformats.org/drawingml/2006/main" xmlns:r="http://schemas.openxmlformats.org/officeDocument/2006/relationships" xmlns:p="http://schemas.openxmlformats.org/presentationml/2006/main">
+  <p:cSld>
+    <p:spTree>
+      <p:nvGrpSpPr>
+        <p:cNvPr id="1" name=""/>
+        <p:cNvGrpSpPr/>
+        <p:nvPr/>
+      </p:nvGrpSpPr>
+      <p:grpSpPr>
+        <a:xfrm>
+          <a:off x="0" y="0"/>
+          <a:ext cx="0" cy="0"/>
+          <a:chOff x="0" y="0"/>
+          <a:chExt cx="0" cy="0"/>
+        </a:xfrm>
+      </p:grpSpPr>
+      <p:sp>
+        <p:nvSpPr>
+          <p:cNvPr id="2" name="Slide Image Placeholder 1"/>
+          <p:cNvSpPr>
+            <a:spLocks noGrp="1" noRot="1" noChangeAspect="1"/>
+          </p:cNvSpPr>
+          <p:nvPr>
+            <p:ph type="sldImg"/>
+          </p:nvPr>
+        </p:nvSpPr>
+        <p:spPr/>
+      </p:sp>
+      <p:sp>
+        <p:nvSpPr>
+          <p:cNvPr id="3" name="Notes Placeholder 2"/>
+          <p:cNvSpPr>
+            <a:spLocks noGrp="1"/>
+          </p:cNvSpPr>
+          <p:nvPr>
+            <p:ph type="body" idx="1"/>
+          </p:nvPr>
+        </p:nvSpPr>
+        <p:spPr/>
+        <p:txBody>
+          <a:bodyPr/>
+          <a:lstStyle/>
+          <a:p>
+            <a:endParaRPr lang="en-PH" dirty="0"/>
+          </a:p>
+        </p:txBody>
+      </p:sp>
+      <p:sp>
+        <p:nvSpPr>
+          <p:cNvPr id="4" name="Slide Number Placeholder 3"/>
+          <p:cNvSpPr>
+            <a:spLocks noGrp="1"/>
+          </p:cNvSpPr>
+          <p:nvPr>
+            <p:ph type="sldNum" sz="quarter" idx="5"/>
+          </p:nvPr>
+        </p:nvSpPr>
+        <p:spPr/>
+        <p:txBody>
+          <a:bodyPr/>
+          <a:lstStyle/>
+          <a:p>
+            <a:fld id="{FE90CCE9-4AAE-4E1F-85AD-521A406D6524}" type="slidenum">
+              <a:rPr lang="en-PH" smtClean="0"/>
+              <a:t>3</a:t>
+            </a:fld>
+            <a:endParaRPr lang="en-PH" dirty="0"/>
+          </a:p>
+        </p:txBody>
+      </p:sp>
+    </p:spTree>
+    <p:extLst>
+      <p:ext uri="{BB962C8B-B14F-4D97-AF65-F5344CB8AC3E}">
+        <p14:creationId xmlns:p14="http://schemas.microsoft.com/office/powerpoint/2010/main" val="2383099838"/>
+      </p:ext>
+    </p:extLst>
+  </p:cSld>
+  <p:clrMapOvr>
+    <a:masterClrMapping/>
+  </p:clrMapOvr>
+</p:notes>
+</file>
+
+<file path=ppt/notesSlides/notesSlide4.xml><?xml version="1.0" encoding="utf-8"?>
+<p:notes xmlns:a="http://schemas.openxmlformats.org/drawingml/2006/main" xmlns:r="http://schemas.openxmlformats.org/officeDocument/2006/relationships" xmlns:p="http://schemas.openxmlformats.org/presentationml/2006/main">
+  <p:cSld>
+    <p:spTree>
+      <p:nvGrpSpPr>
+        <p:cNvPr id="1" name=""/>
+        <p:cNvGrpSpPr/>
+        <p:nvPr/>
+      </p:nvGrpSpPr>
+      <p:grpSpPr>
+        <a:xfrm>
+          <a:off x="0" y="0"/>
+          <a:ext cx="0" cy="0"/>
+          <a:chOff x="0" y="0"/>
+          <a:chExt cx="0" cy="0"/>
+        </a:xfrm>
+      </p:grpSpPr>
+      <p:sp>
+        <p:nvSpPr>
+          <p:cNvPr id="2" name="Slide Image Placeholder 1"/>
+          <p:cNvSpPr>
+            <a:spLocks noGrp="1" noRot="1" noChangeAspect="1"/>
+          </p:cNvSpPr>
+          <p:nvPr>
+            <p:ph type="sldImg"/>
+          </p:nvPr>
+        </p:nvSpPr>
+        <p:spPr/>
+      </p:sp>
+      <p:sp>
+        <p:nvSpPr>
+          <p:cNvPr id="3" name="Notes Placeholder 2"/>
+          <p:cNvSpPr>
+            <a:spLocks noGrp="1"/>
+          </p:cNvSpPr>
+          <p:nvPr>
+            <p:ph type="body" idx="1"/>
+          </p:nvPr>
+        </p:nvSpPr>
+        <p:spPr/>
+        <p:txBody>
+          <a:bodyPr/>
+          <a:lstStyle/>
+          <a:p>
+            <a:endParaRPr lang="en-PH" dirty="0"/>
+          </a:p>
+        </p:txBody>
+      </p:sp>
+      <p:sp>
+        <p:nvSpPr>
+          <p:cNvPr id="4" name="Slide Number Placeholder 3"/>
+          <p:cNvSpPr>
+            <a:spLocks noGrp="1"/>
+          </p:cNvSpPr>
+          <p:nvPr>
+            <p:ph type="sldNum" sz="quarter" idx="5"/>
+          </p:nvPr>
+        </p:nvSpPr>
+        <p:spPr/>
+        <p:txBody>
+          <a:bodyPr/>
+          <a:lstStyle/>
+          <a:p>
+            <a:fld id="{FE90CCE9-4AAE-4E1F-85AD-521A406D6524}" type="slidenum">
+              <a:rPr lang="en-PH" smtClean="0"/>
+              <a:t>4</a:t>
+            </a:fld>
+            <a:endParaRPr lang="en-PH" dirty="0"/>
+          </a:p>
+        </p:txBody>
+      </p:sp>
+    </p:spTree>
+    <p:extLst>
+      <p:ext uri="{BB962C8B-B14F-4D97-AF65-F5344CB8AC3E}">
+        <p14:creationId xmlns:p14="http://schemas.microsoft.com/office/powerpoint/2010/main" val="2529133576"/>
+      </p:ext>
+    </p:extLst>
+  </p:cSld>
+  <p:clrMapOvr>
+    <a:masterClrMapping/>
+  </p:clrMapOvr>
+</p:notes>
+</file>
+
+<file path=ppt/notesSlides/notesSlide5.xml><?xml version="1.0" encoding="utf-8"?>
+<p:notes xmlns:a="http://schemas.openxmlformats.org/drawingml/2006/main" xmlns:r="http://schemas.openxmlformats.org/officeDocument/2006/relationships" xmlns:p="http://schemas.openxmlformats.org/presentationml/2006/main">
+  <p:cSld>
+    <p:spTree>
+      <p:nvGrpSpPr>
+        <p:cNvPr id="1" name=""/>
+        <p:cNvGrpSpPr/>
+        <p:nvPr/>
+      </p:nvGrpSpPr>
+      <p:grpSpPr>
+        <a:xfrm>
+          <a:off x="0" y="0"/>
+          <a:ext cx="0" cy="0"/>
+          <a:chOff x="0" y="0"/>
+          <a:chExt cx="0" cy="0"/>
+        </a:xfrm>
+      </p:grpSpPr>
+      <p:sp>
+        <p:nvSpPr>
+          <p:cNvPr id="2" name="Slide Image Placeholder 1"/>
+          <p:cNvSpPr>
+            <a:spLocks noGrp="1" noRot="1" noChangeAspect="1"/>
+          </p:cNvSpPr>
+          <p:nvPr>
+            <p:ph type="sldImg"/>
+          </p:nvPr>
+        </p:nvSpPr>
+        <p:spPr/>
+      </p:sp>
+      <p:sp>
+        <p:nvSpPr>
+          <p:cNvPr id="3" name="Notes Placeholder 2"/>
+          <p:cNvSpPr>
+            <a:spLocks noGrp="1"/>
+          </p:cNvSpPr>
+          <p:nvPr>
+            <p:ph type="body" idx="1"/>
+          </p:nvPr>
+        </p:nvSpPr>
+        <p:spPr/>
+        <p:txBody>
+          <a:bodyPr/>
+          <a:lstStyle/>
+          <a:p>
+            <a:endParaRPr lang="en-PH" dirty="0"/>
+          </a:p>
+        </p:txBody>
+      </p:sp>
+      <p:sp>
+        <p:nvSpPr>
+          <p:cNvPr id="4" name="Slide Number Placeholder 3"/>
+          <p:cNvSpPr>
+            <a:spLocks noGrp="1"/>
+          </p:cNvSpPr>
+          <p:nvPr>
+            <p:ph type="sldNum" sz="quarter" idx="5"/>
+          </p:nvPr>
+        </p:nvSpPr>
+        <p:spPr/>
+        <p:txBody>
+          <a:bodyPr/>
+          <a:lstStyle/>
+          <a:p>
+            <a:fld id="{FE90CCE9-4AAE-4E1F-85AD-521A406D6524}" type="slidenum">
+              <a:rPr lang="en-PH" smtClean="0"/>
+              <a:t>5</a:t>
+            </a:fld>
+            <a:endParaRPr lang="en-PH" dirty="0"/>
+          </a:p>
+        </p:txBody>
+      </p:sp>
+    </p:spTree>
+    <p:extLst>
+      <p:ext uri="{BB962C8B-B14F-4D97-AF65-F5344CB8AC3E}">
+        <p14:creationId xmlns:p14="http://schemas.microsoft.com/office/powerpoint/2010/main" val="987522340"/>
+      </p:ext>
+    </p:extLst>
+  </p:cSld>
+  <p:clrMapOvr>
+    <a:masterClrMapping/>
+  </p:clrMapOvr>
+</p:notes>
+</file>
+
+<file path=ppt/notesSlides/notesSlide6.xml><?xml version="1.0" encoding="utf-8"?>
+<p:notes xmlns:a="http://schemas.openxmlformats.org/drawingml/2006/main" xmlns:r="http://schemas.openxmlformats.org/officeDocument/2006/relationships" xmlns:p="http://schemas.openxmlformats.org/presentationml/2006/main">
+  <p:cSld>
+    <p:spTree>
+      <p:nvGrpSpPr>
+        <p:cNvPr id="1" name=""/>
+        <p:cNvGrpSpPr/>
+        <p:nvPr/>
+      </p:nvGrpSpPr>
+      <p:grpSpPr>
+        <a:xfrm>
+          <a:off x="0" y="0"/>
+          <a:ext cx="0" cy="0"/>
+          <a:chOff x="0" y="0"/>
+          <a:chExt cx="0" cy="0"/>
+        </a:xfrm>
+      </p:grpSpPr>
+      <p:sp>
+        <p:nvSpPr>
+          <p:cNvPr id="2" name="Slide Image Placeholder 1"/>
+          <p:cNvSpPr>
+            <a:spLocks noGrp="1" noRot="1" noChangeAspect="1"/>
+          </p:cNvSpPr>
+          <p:nvPr>
+            <p:ph type="sldImg"/>
+          </p:nvPr>
+        </p:nvSpPr>
+        <p:spPr/>
+      </p:sp>
+      <p:sp>
+        <p:nvSpPr>
+          <p:cNvPr id="3" name="Notes Placeholder 2"/>
+          <p:cNvSpPr>
+            <a:spLocks noGrp="1"/>
+          </p:cNvSpPr>
+          <p:nvPr>
+            <p:ph type="body" idx="1"/>
+          </p:nvPr>
+        </p:nvSpPr>
+        <p:spPr/>
+        <p:txBody>
+          <a:bodyPr/>
+          <a:lstStyle/>
+          <a:p>
+            <a:endParaRPr lang="en-PH" dirty="0"/>
+          </a:p>
+        </p:txBody>
+      </p:sp>
+      <p:sp>
+        <p:nvSpPr>
+          <p:cNvPr id="4" name="Slide Number Placeholder 3"/>
+          <p:cNvSpPr>
+            <a:spLocks noGrp="1"/>
+          </p:cNvSpPr>
+          <p:nvPr>
+            <p:ph type="sldNum" sz="quarter" idx="5"/>
+          </p:nvPr>
+        </p:nvSpPr>
+        <p:spPr/>
+        <p:txBody>
+          <a:bodyPr/>
+          <a:lstStyle/>
+          <a:p>
+            <a:fld id="{FE90CCE9-4AAE-4E1F-85AD-521A406D6524}" type="slidenum">
+              <a:rPr lang="en-PH" smtClean="0"/>
+              <a:t>6</a:t>
+            </a:fld>
+            <a:endParaRPr lang="en-PH" dirty="0"/>
+          </a:p>
+        </p:txBody>
+      </p:sp>
+    </p:spTree>
+    <p:extLst>
+      <p:ext uri="{BB962C8B-B14F-4D97-AF65-F5344CB8AC3E}">
+        <p14:creationId xmlns:p14="http://schemas.microsoft.com/office/powerpoint/2010/main" val="396308122"/>
+      </p:ext>
+    </p:extLst>
+  </p:cSld>
+  <p:clrMapOvr>
+    <a:masterClrMapping/>
+  </p:clrMapOvr>
+</p:notes>
+</file>
+
+<file path=ppt/notesSlides/notesSlide7.xml><?xml version="1.0" encoding="utf-8"?>
+<p:notes xmlns:a="http://schemas.openxmlformats.org/drawingml/2006/main" xmlns:r="http://schemas.openxmlformats.org/officeDocument/2006/relationships" xmlns:p="http://schemas.openxmlformats.org/presentationml/2006/main">
+  <p:cSld>
+    <p:spTree>
+      <p:nvGrpSpPr>
+        <p:cNvPr id="1" name=""/>
+        <p:cNvGrpSpPr/>
+        <p:nvPr/>
+      </p:nvGrpSpPr>
+      <p:grpSpPr>
+        <a:xfrm>
+          <a:off x="0" y="0"/>
+          <a:ext cx="0" cy="0"/>
+          <a:chOff x="0" y="0"/>
+          <a:chExt cx="0" cy="0"/>
+        </a:xfrm>
+      </p:grpSpPr>
+      <p:sp>
+        <p:nvSpPr>
+          <p:cNvPr id="2" name="Slide Image Placeholder 1"/>
+          <p:cNvSpPr>
+            <a:spLocks noGrp="1" noRot="1" noChangeAspect="1"/>
+          </p:cNvSpPr>
+          <p:nvPr>
+            <p:ph type="sldImg"/>
+          </p:nvPr>
+        </p:nvSpPr>
+        <p:spPr/>
+      </p:sp>
+      <p:sp>
+        <p:nvSpPr>
+          <p:cNvPr id="3" name="Notes Placeholder 2"/>
+          <p:cNvSpPr>
+            <a:spLocks noGrp="1"/>
+          </p:cNvSpPr>
+          <p:nvPr>
+            <p:ph type="body" idx="1"/>
+          </p:nvPr>
+        </p:nvSpPr>
+        <p:spPr/>
+        <p:txBody>
+          <a:bodyPr/>
+          <a:lstStyle/>
+          <a:p>
+            <a:endParaRPr lang="en-PH" dirty="0"/>
+          </a:p>
+        </p:txBody>
+      </p:sp>
+      <p:sp>
+        <p:nvSpPr>
+          <p:cNvPr id="4" name="Slide Number Placeholder 3"/>
+          <p:cNvSpPr>
+            <a:spLocks noGrp="1"/>
+          </p:cNvSpPr>
+          <p:nvPr>
+            <p:ph type="sldNum" sz="quarter" idx="5"/>
+          </p:nvPr>
+        </p:nvSpPr>
+        <p:spPr/>
+        <p:txBody>
+          <a:bodyPr/>
+          <a:lstStyle/>
+          <a:p>
+            <a:fld id="{FE90CCE9-4AAE-4E1F-85AD-521A406D6524}" type="slidenum">
+              <a:rPr lang="en-PH" smtClean="0"/>
+              <a:t>7</a:t>
+            </a:fld>
+            <a:endParaRPr lang="en-PH" dirty="0"/>
+          </a:p>
+        </p:txBody>
+      </p:sp>
+    </p:spTree>
+    <p:extLst>
+      <p:ext uri="{BB962C8B-B14F-4D97-AF65-F5344CB8AC3E}">
+        <p14:creationId xmlns:p14="http://schemas.microsoft.com/office/powerpoint/2010/main" val="1516467336"/>
+      </p:ext>
+    </p:extLst>
+  </p:cSld>
+  <p:clrMapOvr>
+    <a:masterClrMapping/>
+  </p:clrMapOvr>
+</p:notes>
+</file>
+
+<file path=ppt/notesSlides/notesSlide8.xml><?xml version="1.0" encoding="utf-8"?>
+<p:notes xmlns:a="http://schemas.openxmlformats.org/drawingml/2006/main" xmlns:r="http://schemas.openxmlformats.org/officeDocument/2006/relationships" xmlns:p="http://schemas.openxmlformats.org/presentationml/2006/main">
+  <p:cSld>
+    <p:spTree>
+      <p:nvGrpSpPr>
+        <p:cNvPr id="1" name=""/>
+        <p:cNvGrpSpPr/>
+        <p:nvPr/>
+      </p:nvGrpSpPr>
+      <p:grpSpPr>
+        <a:xfrm>
+          <a:off x="0" y="0"/>
+          <a:ext cx="0" cy="0"/>
+          <a:chOff x="0" y="0"/>
+          <a:chExt cx="0" cy="0"/>
+        </a:xfrm>
+      </p:grpSpPr>
+      <p:sp>
+        <p:nvSpPr>
+          <p:cNvPr id="2" name="Slide Image Placeholder 1"/>
+          <p:cNvSpPr>
+            <a:spLocks noGrp="1" noRot="1" noChangeAspect="1"/>
+          </p:cNvSpPr>
+          <p:nvPr>
+            <p:ph type="sldImg"/>
+          </p:nvPr>
+        </p:nvSpPr>
+        <p:spPr/>
+      </p:sp>
+      <p:sp>
+        <p:nvSpPr>
+          <p:cNvPr id="3" name="Notes Placeholder 2"/>
+          <p:cNvSpPr>
+            <a:spLocks noGrp="1"/>
+          </p:cNvSpPr>
+          <p:nvPr>
+            <p:ph type="body" idx="1"/>
+          </p:nvPr>
+        </p:nvSpPr>
+        <p:spPr/>
+        <p:txBody>
+          <a:bodyPr/>
+          <a:lstStyle/>
+          <a:p>
+            <a:endParaRPr lang="en-PH" dirty="0"/>
+          </a:p>
+        </p:txBody>
+      </p:sp>
+      <p:sp>
+        <p:nvSpPr>
+          <p:cNvPr id="4" name="Slide Number Placeholder 3"/>
+          <p:cNvSpPr>
+            <a:spLocks noGrp="1"/>
+          </p:cNvSpPr>
+          <p:nvPr>
+            <p:ph type="sldNum" sz="quarter" idx="5"/>
+          </p:nvPr>
+        </p:nvSpPr>
+        <p:spPr/>
+        <p:txBody>
+          <a:bodyPr/>
+          <a:lstStyle/>
+          <a:p>
+            <a:fld id="{FE90CCE9-4AAE-4E1F-85AD-521A406D6524}" type="slidenum">
+              <a:rPr lang="en-PH" smtClean="0"/>
+              <a:t>8</a:t>
+            </a:fld>
+            <a:endParaRPr lang="en-PH" dirty="0"/>
+          </a:p>
+        </p:txBody>
+      </p:sp>
+    </p:spTree>
+    <p:extLst>
+      <p:ext uri="{BB962C8B-B14F-4D97-AF65-F5344CB8AC3E}">
+        <p14:creationId xmlns:p14="http://schemas.microsoft.com/office/powerpoint/2010/main" val="1988238381"/>
+      </p:ext>
+    </p:extLst>
+  </p:cSld>
+  <p:clrMapOvr>
+    <a:masterClrMapping/>
+  </p:clrMapOvr>
+</p:notes>
+</file>
+
+<file path=ppt/notesSlides/notesSlide9.xml><?xml version="1.0" encoding="utf-8"?>
+<p:notes xmlns:a="http://schemas.openxmlformats.org/drawingml/2006/main" xmlns:r="http://schemas.openxmlformats.org/officeDocument/2006/relationships" xmlns:p="http://schemas.openxmlformats.org/presentationml/2006/main">
+  <p:cSld>
+    <p:spTree>
+      <p:nvGrpSpPr>
+        <p:cNvPr id="1" name=""/>
+        <p:cNvGrpSpPr/>
+        <p:nvPr/>
+      </p:nvGrpSpPr>
+      <p:grpSpPr>
+        <a:xfrm>
+          <a:off x="0" y="0"/>
+          <a:ext cx="0" cy="0"/>
+          <a:chOff x="0" y="0"/>
+          <a:chExt cx="0" cy="0"/>
+        </a:xfrm>
+      </p:grpSpPr>
+      <p:sp>
+        <p:nvSpPr>
+          <p:cNvPr id="2" name="Slide Image Placeholder 1"/>
+          <p:cNvSpPr>
+            <a:spLocks noGrp="1" noRot="1" noChangeAspect="1"/>
+          </p:cNvSpPr>
+          <p:nvPr>
+            <p:ph type="sldImg"/>
+          </p:nvPr>
+        </p:nvSpPr>
+        <p:spPr/>
+      </p:sp>
+      <p:sp>
+        <p:nvSpPr>
+          <p:cNvPr id="3" name="Notes Placeholder 2"/>
+          <p:cNvSpPr>
+            <a:spLocks noGrp="1"/>
+          </p:cNvSpPr>
+          <p:nvPr>
+            <p:ph type="body" idx="1"/>
+          </p:nvPr>
+        </p:nvSpPr>
+        <p:spPr/>
+        <p:txBody>
+          <a:bodyPr/>
+          <a:lstStyle/>
+          <a:p>
+            <a:endParaRPr lang="en-PH" dirty="0"/>
+          </a:p>
+        </p:txBody>
+      </p:sp>
+      <p:sp>
+        <p:nvSpPr>
+          <p:cNvPr id="4" name="Slide Number Placeholder 3"/>
+          <p:cNvSpPr>
+            <a:spLocks noGrp="1"/>
+          </p:cNvSpPr>
+          <p:nvPr>
+            <p:ph type="sldNum" sz="quarter" idx="5"/>
+          </p:nvPr>
+        </p:nvSpPr>
+        <p:spPr/>
+        <p:txBody>
+          <a:bodyPr/>
+          <a:lstStyle/>
+          <a:p>
+            <a:fld id="{FE90CCE9-4AAE-4E1F-85AD-521A406D6524}" type="slidenum">
+              <a:rPr lang="en-PH" smtClean="0"/>
+              <a:t>9</a:t>
+            </a:fld>
+            <a:endParaRPr lang="en-PH" dirty="0"/>
+          </a:p>
+        </p:txBody>
+      </p:sp>
+    </p:spTree>
+    <p:extLst>
+      <p:ext uri="{BB962C8B-B14F-4D97-AF65-F5344CB8AC3E}">
+        <p14:creationId xmlns:p14="http://schemas.microsoft.com/office/powerpoint/2010/main" val="3112987702"/>
       </p:ext>
     </p:extLst>
   </p:cSld>
@@ -773,7 +1538,7 @@
           <a:p>
             <a:fld id="{0CCF0B81-6BD8-4C65-9459-815598C5F1F4}" type="datetimeFigureOut">
               <a:rPr lang="en-PH" smtClean="0"/>
-              <a:t>4/22/24</a:t>
+              <a:t>4/25/24</a:t>
             </a:fld>
             <a:endParaRPr lang="en-PH" dirty="0"/>
           </a:p>
@@ -943,7 +1708,7 @@
           <a:p>
             <a:fld id="{0CCF0B81-6BD8-4C65-9459-815598C5F1F4}" type="datetimeFigureOut">
               <a:rPr lang="en-PH" smtClean="0"/>
-              <a:t>4/22/24</a:t>
+              <a:t>4/25/24</a:t>
             </a:fld>
             <a:endParaRPr lang="en-PH" dirty="0"/>
           </a:p>
@@ -1123,7 +1888,7 @@
           <a:p>
             <a:fld id="{0CCF0B81-6BD8-4C65-9459-815598C5F1F4}" type="datetimeFigureOut">
               <a:rPr lang="en-PH" smtClean="0"/>
-              <a:t>4/22/24</a:t>
+              <a:t>4/25/24</a:t>
             </a:fld>
             <a:endParaRPr lang="en-PH" dirty="0"/>
           </a:p>
@@ -1293,7 +2058,7 @@
           <a:p>
             <a:fld id="{0CCF0B81-6BD8-4C65-9459-815598C5F1F4}" type="datetimeFigureOut">
               <a:rPr lang="en-PH" smtClean="0"/>
-              <a:t>4/22/24</a:t>
+              <a:t>4/25/24</a:t>
             </a:fld>
             <a:endParaRPr lang="en-PH" dirty="0"/>
           </a:p>
@@ -1539,7 +2304,7 @@
           <a:p>
             <a:fld id="{0CCF0B81-6BD8-4C65-9459-815598C5F1F4}" type="datetimeFigureOut">
               <a:rPr lang="en-PH" smtClean="0"/>
-              <a:t>4/22/24</a:t>
+              <a:t>4/25/24</a:t>
             </a:fld>
             <a:endParaRPr lang="en-PH" dirty="0"/>
           </a:p>
@@ -1771,7 +2536,7 @@
           <a:p>
             <a:fld id="{0CCF0B81-6BD8-4C65-9459-815598C5F1F4}" type="datetimeFigureOut">
               <a:rPr lang="en-PH" smtClean="0"/>
-              <a:t>4/22/24</a:t>
+              <a:t>4/25/24</a:t>
             </a:fld>
             <a:endParaRPr lang="en-PH" dirty="0"/>
           </a:p>
@@ -2138,7 +2903,7 @@
           <a:p>
             <a:fld id="{0CCF0B81-6BD8-4C65-9459-815598C5F1F4}" type="datetimeFigureOut">
               <a:rPr lang="en-PH" smtClean="0"/>
-              <a:t>4/22/24</a:t>
+              <a:t>4/25/24</a:t>
             </a:fld>
             <a:endParaRPr lang="en-PH" dirty="0"/>
           </a:p>
@@ -2256,7 +3021,7 @@
           <a:p>
             <a:fld id="{0CCF0B81-6BD8-4C65-9459-815598C5F1F4}" type="datetimeFigureOut">
               <a:rPr lang="en-PH" smtClean="0"/>
-              <a:t>4/22/24</a:t>
+              <a:t>4/25/24</a:t>
             </a:fld>
             <a:endParaRPr lang="en-PH" dirty="0"/>
           </a:p>
@@ -2351,7 +3116,7 @@
           <a:p>
             <a:fld id="{0CCF0B81-6BD8-4C65-9459-815598C5F1F4}" type="datetimeFigureOut">
               <a:rPr lang="en-PH" smtClean="0"/>
-              <a:t>4/22/24</a:t>
+              <a:t>4/25/24</a:t>
             </a:fld>
             <a:endParaRPr lang="en-PH" dirty="0"/>
           </a:p>
@@ -2628,7 +3393,7 @@
           <a:p>
             <a:fld id="{0CCF0B81-6BD8-4C65-9459-815598C5F1F4}" type="datetimeFigureOut">
               <a:rPr lang="en-PH" smtClean="0"/>
-              <a:t>4/22/24</a:t>
+              <a:t>4/25/24</a:t>
             </a:fld>
             <a:endParaRPr lang="en-PH" dirty="0"/>
           </a:p>
@@ -2884,7 +3649,7 @@
           <a:p>
             <a:fld id="{0CCF0B81-6BD8-4C65-9459-815598C5F1F4}" type="datetimeFigureOut">
               <a:rPr lang="en-PH" smtClean="0"/>
-              <a:t>4/22/24</a:t>
+              <a:t>4/25/24</a:t>
             </a:fld>
             <a:endParaRPr lang="en-PH" dirty="0"/>
           </a:p>
@@ -3097,7 +3862,7 @@
           <a:p>
             <a:fld id="{0CCF0B81-6BD8-4C65-9459-815598C5F1F4}" type="datetimeFigureOut">
               <a:rPr lang="en-PH" smtClean="0"/>
-              <a:t>4/22/24</a:t>
+              <a:t>4/25/24</a:t>
             </a:fld>
             <a:endParaRPr lang="en-PH" dirty="0"/>
           </a:p>
@@ -3541,8 +4306,8 @@
           <a:lstStyle/>
           <a:p>
             <a:r>
-              <a:rPr lang="en-US" sz="5000" b="1"/>
-              <a:t>Overfitting</a:t>
+              <a:rPr lang="en-US" sz="5000" b="1" dirty="0"/>
+              <a:t>Neural Networks in Practice: Overfitting</a:t>
             </a:r>
             <a:endParaRPr lang="en-PH" sz="5000" b="1" dirty="0"/>
           </a:p>
@@ -3667,6 +4432,3408 @@
     <p:extLst>
       <p:ext uri="{BB962C8B-B14F-4D97-AF65-F5344CB8AC3E}">
         <p14:creationId xmlns:p14="http://schemas.microsoft.com/office/powerpoint/2010/main" val="4005017068"/>
+      </p:ext>
+    </p:extLst>
+  </p:cSld>
+  <p:clrMapOvr>
+    <a:masterClrMapping/>
+  </p:clrMapOvr>
+</p:sld>
+</file>
+
+<file path=ppt/slides/slide10.xml><?xml version="1.0" encoding="utf-8"?>
+<p:sld xmlns:a="http://schemas.openxmlformats.org/drawingml/2006/main" xmlns:r="http://schemas.openxmlformats.org/officeDocument/2006/relationships" xmlns:p="http://schemas.openxmlformats.org/presentationml/2006/main">
+  <p:cSld>
+    <p:bg>
+      <p:bgPr>
+        <a:blipFill dpi="0" rotWithShape="1">
+          <a:blip r:embed="rId3">
+            <a:alphaModFix amt="99000"/>
+            <a:lum/>
+          </a:blip>
+          <a:srcRect/>
+          <a:stretch>
+            <a:fillRect t="89000" r="85000" b="-1000"/>
+          </a:stretch>
+        </a:blipFill>
+        <a:effectLst/>
+      </p:bgPr>
+    </p:bg>
+    <p:spTree>
+      <p:nvGrpSpPr>
+        <p:cNvPr id="1" name=""/>
+        <p:cNvGrpSpPr/>
+        <p:nvPr/>
+      </p:nvGrpSpPr>
+      <p:grpSpPr>
+        <a:xfrm>
+          <a:off x="0" y="0"/>
+          <a:ext cx="0" cy="0"/>
+          <a:chOff x="0" y="0"/>
+          <a:chExt cx="0" cy="0"/>
+        </a:xfrm>
+      </p:grpSpPr>
+      <p:sp>
+        <p:nvSpPr>
+          <p:cNvPr id="4" name="Footer Placeholder 3">
+            <a:extLst>
+              <a:ext uri="{FF2B5EF4-FFF2-40B4-BE49-F238E27FC236}">
+                <a16:creationId xmlns:a16="http://schemas.microsoft.com/office/drawing/2014/main" id="{638E7DE1-45EE-476A-A474-0F3C264AEDA3}"/>
+              </a:ext>
+            </a:extLst>
+          </p:cNvPr>
+          <p:cNvSpPr>
+            <a:spLocks noGrp="1"/>
+          </p:cNvSpPr>
+          <p:nvPr>
+            <p:ph type="ftr" sz="quarter" idx="11"/>
+          </p:nvPr>
+        </p:nvSpPr>
+        <p:spPr>
+          <a:xfrm>
+            <a:off x="0" y="6139541"/>
+            <a:ext cx="12192000" cy="718459"/>
+          </a:xfrm>
+          <a:ln w="28575">
+            <a:solidFill>
+              <a:schemeClr val="accent5">
+                <a:lumMod val="50000"/>
+              </a:schemeClr>
+            </a:solidFill>
+          </a:ln>
+        </p:spPr>
+        <p:txBody>
+          <a:bodyPr/>
+          <a:lstStyle/>
+          <a:p>
+            <a:pPr algn="r"/>
+            <a:r>
+              <a:rPr lang="en-US" b="1" dirty="0">
+                <a:solidFill>
+                  <a:schemeClr val="tx1"/>
+                </a:solidFill>
+              </a:rPr>
+              <a:t>CCDEPLRL</a:t>
+            </a:r>
+            <a:endParaRPr lang="en-PH" dirty="0"/>
+          </a:p>
+        </p:txBody>
+      </p:sp>
+      <p:sp>
+        <p:nvSpPr>
+          <p:cNvPr id="6" name="Title 1">
+            <a:extLst>
+              <a:ext uri="{FF2B5EF4-FFF2-40B4-BE49-F238E27FC236}">
+                <a16:creationId xmlns:a16="http://schemas.microsoft.com/office/drawing/2014/main" id="{78303857-FEFC-374F-1765-AD332A3050E0}"/>
+              </a:ext>
+            </a:extLst>
+          </p:cNvPr>
+          <p:cNvSpPr txBox="1">
+            <a:spLocks/>
+          </p:cNvSpPr>
+          <p:nvPr/>
+        </p:nvSpPr>
+        <p:spPr>
+          <a:xfrm>
+            <a:off x="511374" y="1054971"/>
+            <a:ext cx="11169252" cy="3138593"/>
+          </a:xfrm>
+          <a:prstGeom prst="rect">
+            <a:avLst/>
+          </a:prstGeom>
+        </p:spPr>
+        <p:txBody>
+          <a:bodyPr vert="horz" lIns="91440" tIns="45720" rIns="91440" bIns="45720" rtlCol="0" anchor="b">
+            <a:noAutofit/>
+          </a:bodyPr>
+          <a:lstStyle>
+            <a:lvl1pPr algn="ctr" defTabSz="914400" rtl="0" eaLnBrk="1" latinLnBrk="0" hangingPunct="1">
+              <a:lnSpc>
+                <a:spcPct val="90000"/>
+              </a:lnSpc>
+              <a:spcBef>
+                <a:spcPct val="0"/>
+              </a:spcBef>
+              <a:buNone/>
+              <a:defRPr sz="6000" kern="1200">
+                <a:solidFill>
+                  <a:schemeClr val="tx1"/>
+                </a:solidFill>
+                <a:latin typeface="+mj-lt"/>
+                <a:ea typeface="+mj-ea"/>
+                <a:cs typeface="+mj-cs"/>
+              </a:defRPr>
+            </a:lvl1pPr>
+          </a:lstStyle>
+          <a:p>
+            <a:pPr algn="l"/>
+            <a:endParaRPr lang="en-US" sz="2400" dirty="0">
+              <a:latin typeface="Calibri (Body)"/>
+            </a:endParaRPr>
+          </a:p>
+        </p:txBody>
+      </p:sp>
+      <p:sp>
+        <p:nvSpPr>
+          <p:cNvPr id="2" name="Title 1">
+            <a:extLst>
+              <a:ext uri="{FF2B5EF4-FFF2-40B4-BE49-F238E27FC236}">
+                <a16:creationId xmlns:a16="http://schemas.microsoft.com/office/drawing/2014/main" id="{F288F7EF-6382-AC54-6CB3-8FE80E3F5A56}"/>
+              </a:ext>
+            </a:extLst>
+          </p:cNvPr>
+          <p:cNvSpPr txBox="1">
+            <a:spLocks/>
+          </p:cNvSpPr>
+          <p:nvPr/>
+        </p:nvSpPr>
+        <p:spPr>
+          <a:xfrm>
+            <a:off x="459203" y="1283707"/>
+            <a:ext cx="11273589" cy="4290585"/>
+          </a:xfrm>
+          <a:prstGeom prst="rect">
+            <a:avLst/>
+          </a:prstGeom>
+        </p:spPr>
+        <p:txBody>
+          <a:bodyPr vert="horz" lIns="91440" tIns="45720" rIns="91440" bIns="45720" rtlCol="0" anchor="b">
+            <a:normAutofit fontScale="97500"/>
+          </a:bodyPr>
+          <a:lstStyle>
+            <a:lvl1pPr algn="ctr" defTabSz="914400" rtl="0" eaLnBrk="1" latinLnBrk="0" hangingPunct="1">
+              <a:lnSpc>
+                <a:spcPct val="90000"/>
+              </a:lnSpc>
+              <a:spcBef>
+                <a:spcPct val="0"/>
+              </a:spcBef>
+              <a:buNone/>
+              <a:defRPr sz="6000" kern="1200">
+                <a:solidFill>
+                  <a:schemeClr val="tx1"/>
+                </a:solidFill>
+                <a:latin typeface="+mj-lt"/>
+                <a:ea typeface="+mj-ea"/>
+                <a:cs typeface="+mj-cs"/>
+              </a:defRPr>
+            </a:lvl1pPr>
+          </a:lstStyle>
+          <a:p>
+            <a:pPr algn="l"/>
+            <a:endParaRPr lang="en-US" sz="2900" b="1" i="0" dirty="0">
+              <a:solidFill>
+                <a:srgbClr val="252C33"/>
+              </a:solidFill>
+              <a:effectLst/>
+              <a:latin typeface="Calibri Body"/>
+            </a:endParaRPr>
+          </a:p>
+          <a:p>
+            <a:pPr algn="l"/>
+            <a:endParaRPr lang="en-US" sz="2900" b="1" dirty="0">
+              <a:latin typeface="Calibri Body"/>
+            </a:endParaRPr>
+          </a:p>
+          <a:p>
+            <a:pPr algn="l"/>
+            <a:endParaRPr lang="en-US" sz="2900" b="1" dirty="0">
+              <a:latin typeface="Calibri Body"/>
+            </a:endParaRPr>
+          </a:p>
+          <a:p>
+            <a:pPr algn="l"/>
+            <a:endParaRPr lang="en-US" sz="2900" b="1" dirty="0">
+              <a:solidFill>
+                <a:schemeClr val="tx1">
+                  <a:lumMod val="50000"/>
+                  <a:lumOff val="50000"/>
+                </a:schemeClr>
+              </a:solidFill>
+              <a:latin typeface="Calibri Body"/>
+            </a:endParaRPr>
+          </a:p>
+          <a:p>
+            <a:pPr algn="l"/>
+            <a:endParaRPr lang="en-US" sz="2900" b="1" dirty="0">
+              <a:solidFill>
+                <a:schemeClr val="tx1">
+                  <a:lumMod val="50000"/>
+                  <a:lumOff val="50000"/>
+                </a:schemeClr>
+              </a:solidFill>
+              <a:latin typeface="Calibri Body"/>
+            </a:endParaRPr>
+          </a:p>
+          <a:p>
+            <a:pPr algn="l"/>
+            <a:endParaRPr lang="en-US" sz="2900" b="1" dirty="0">
+              <a:solidFill>
+                <a:schemeClr val="tx1">
+                  <a:lumMod val="50000"/>
+                  <a:lumOff val="50000"/>
+                </a:schemeClr>
+              </a:solidFill>
+              <a:latin typeface="Calibri Body"/>
+            </a:endParaRPr>
+          </a:p>
+          <a:p>
+            <a:pPr algn="l"/>
+            <a:endParaRPr lang="en-US" sz="2900" b="1" dirty="0">
+              <a:solidFill>
+                <a:schemeClr val="tx1">
+                  <a:lumMod val="50000"/>
+                  <a:lumOff val="50000"/>
+                </a:schemeClr>
+              </a:solidFill>
+              <a:latin typeface="Calibri Body"/>
+            </a:endParaRPr>
+          </a:p>
+          <a:p>
+            <a:pPr algn="l"/>
+            <a:endParaRPr lang="en-US" sz="2900" b="1" dirty="0">
+              <a:solidFill>
+                <a:schemeClr val="tx1">
+                  <a:lumMod val="50000"/>
+                  <a:lumOff val="50000"/>
+                </a:schemeClr>
+              </a:solidFill>
+              <a:latin typeface="Calibri Body"/>
+            </a:endParaRPr>
+          </a:p>
+        </p:txBody>
+      </p:sp>
+      <p:cxnSp>
+        <p:nvCxnSpPr>
+          <p:cNvPr id="8" name="Straight Connector 7">
+            <a:extLst>
+              <a:ext uri="{FF2B5EF4-FFF2-40B4-BE49-F238E27FC236}">
+                <a16:creationId xmlns:a16="http://schemas.microsoft.com/office/drawing/2014/main" id="{62BD6952-1062-89B7-92DF-AC7DD8CF2A4A}"/>
+              </a:ext>
+            </a:extLst>
+          </p:cNvPr>
+          <p:cNvCxnSpPr>
+            <a:cxnSpLocks/>
+            <a:stCxn id="9" idx="6"/>
+            <a:endCxn id="23" idx="2"/>
+          </p:cNvCxnSpPr>
+          <p:nvPr/>
+        </p:nvCxnSpPr>
+        <p:spPr>
+          <a:xfrm>
+            <a:off x="3578386" y="1223296"/>
+            <a:ext cx="2076063" cy="926550"/>
+          </a:xfrm>
+          <a:prstGeom prst="line">
+            <a:avLst/>
+          </a:prstGeom>
+          <a:ln w="38100" cap="flat" cmpd="sng" algn="ctr">
+            <a:solidFill>
+              <a:schemeClr val="dk1"/>
+            </a:solidFill>
+            <a:prstDash val="solid"/>
+            <a:round/>
+            <a:headEnd type="none" w="med" len="med"/>
+            <a:tailEnd type="arrow" w="med" len="med"/>
+          </a:ln>
+        </p:spPr>
+        <p:style>
+          <a:lnRef idx="0">
+            <a:scrgbClr r="0" g="0" b="0"/>
+          </a:lnRef>
+          <a:fillRef idx="0">
+            <a:scrgbClr r="0" g="0" b="0"/>
+          </a:fillRef>
+          <a:effectRef idx="0">
+            <a:scrgbClr r="0" g="0" b="0"/>
+          </a:effectRef>
+          <a:fontRef idx="minor">
+            <a:schemeClr val="tx1"/>
+          </a:fontRef>
+        </p:style>
+      </p:cxnSp>
+      <p:sp>
+        <p:nvSpPr>
+          <p:cNvPr id="9" name="Oval 8">
+            <a:extLst>
+              <a:ext uri="{FF2B5EF4-FFF2-40B4-BE49-F238E27FC236}">
+                <a16:creationId xmlns:a16="http://schemas.microsoft.com/office/drawing/2014/main" id="{548A0FB9-4E62-AC2D-0251-FB41F9AF2261}"/>
+              </a:ext>
+            </a:extLst>
+          </p:cNvPr>
+          <p:cNvSpPr/>
+          <p:nvPr/>
+        </p:nvSpPr>
+        <p:spPr>
+          <a:xfrm>
+            <a:off x="3031782" y="917952"/>
+            <a:ext cx="546604" cy="610688"/>
+          </a:xfrm>
+          <a:prstGeom prst="ellipse">
+            <a:avLst/>
+          </a:prstGeom>
+        </p:spPr>
+        <p:style>
+          <a:lnRef idx="0">
+            <a:schemeClr val="accent2"/>
+          </a:lnRef>
+          <a:fillRef idx="3">
+            <a:schemeClr val="accent2"/>
+          </a:fillRef>
+          <a:effectRef idx="3">
+            <a:schemeClr val="accent2"/>
+          </a:effectRef>
+          <a:fontRef idx="minor">
+            <a:schemeClr val="lt1"/>
+          </a:fontRef>
+        </p:style>
+        <p:txBody>
+          <a:bodyPr rtlCol="0" anchor="ctr"/>
+          <a:lstStyle/>
+          <a:p>
+            <a:pPr algn="ctr"/>
+            <a:endParaRPr lang="en-PH" sz="1500" b="1" dirty="0"/>
+          </a:p>
+        </p:txBody>
+      </p:sp>
+      <p:sp>
+        <p:nvSpPr>
+          <p:cNvPr id="10" name="Oval 9">
+            <a:extLst>
+              <a:ext uri="{FF2B5EF4-FFF2-40B4-BE49-F238E27FC236}">
+                <a16:creationId xmlns:a16="http://schemas.microsoft.com/office/drawing/2014/main" id="{DCAC633C-C33E-789C-F5DB-BD6005AA9F92}"/>
+              </a:ext>
+            </a:extLst>
+          </p:cNvPr>
+          <p:cNvSpPr/>
+          <p:nvPr/>
+        </p:nvSpPr>
+        <p:spPr>
+          <a:xfrm>
+            <a:off x="3049282" y="1921657"/>
+            <a:ext cx="546604" cy="610688"/>
+          </a:xfrm>
+          <a:prstGeom prst="ellipse">
+            <a:avLst/>
+          </a:prstGeom>
+        </p:spPr>
+        <p:style>
+          <a:lnRef idx="0">
+            <a:schemeClr val="accent2"/>
+          </a:lnRef>
+          <a:fillRef idx="3">
+            <a:schemeClr val="accent2"/>
+          </a:fillRef>
+          <a:effectRef idx="3">
+            <a:schemeClr val="accent2"/>
+          </a:effectRef>
+          <a:fontRef idx="minor">
+            <a:schemeClr val="lt1"/>
+          </a:fontRef>
+        </p:style>
+        <p:txBody>
+          <a:bodyPr rtlCol="0" anchor="ctr"/>
+          <a:lstStyle/>
+          <a:p>
+            <a:pPr algn="ctr"/>
+            <a:endParaRPr lang="en-PH" sz="1500" b="1" dirty="0"/>
+          </a:p>
+        </p:txBody>
+      </p:sp>
+      <p:sp>
+        <p:nvSpPr>
+          <p:cNvPr id="11" name="Oval 10">
+            <a:extLst>
+              <a:ext uri="{FF2B5EF4-FFF2-40B4-BE49-F238E27FC236}">
+                <a16:creationId xmlns:a16="http://schemas.microsoft.com/office/drawing/2014/main" id="{C0CA8C80-5977-87BE-E301-9C99DE35D04B}"/>
+              </a:ext>
+            </a:extLst>
+          </p:cNvPr>
+          <p:cNvSpPr/>
+          <p:nvPr/>
+        </p:nvSpPr>
+        <p:spPr>
+          <a:xfrm>
+            <a:off x="5654449" y="2945528"/>
+            <a:ext cx="546604" cy="610688"/>
+          </a:xfrm>
+          <a:prstGeom prst="ellipse">
+            <a:avLst/>
+          </a:prstGeom>
+        </p:spPr>
+        <p:style>
+          <a:lnRef idx="0">
+            <a:schemeClr val="accent2"/>
+          </a:lnRef>
+          <a:fillRef idx="3">
+            <a:schemeClr val="accent2"/>
+          </a:fillRef>
+          <a:effectRef idx="3">
+            <a:schemeClr val="accent2"/>
+          </a:effectRef>
+          <a:fontRef idx="minor">
+            <a:schemeClr val="lt1"/>
+          </a:fontRef>
+        </p:style>
+        <p:txBody>
+          <a:bodyPr rtlCol="0" anchor="ctr"/>
+          <a:lstStyle/>
+          <a:p>
+            <a:pPr algn="ctr"/>
+            <a:endParaRPr lang="en-PH" sz="1500" b="1" dirty="0"/>
+          </a:p>
+        </p:txBody>
+      </p:sp>
+      <p:sp>
+        <p:nvSpPr>
+          <p:cNvPr id="12" name="TextBox 11">
+            <a:extLst>
+              <a:ext uri="{FF2B5EF4-FFF2-40B4-BE49-F238E27FC236}">
+                <a16:creationId xmlns:a16="http://schemas.microsoft.com/office/drawing/2014/main" id="{407BE128-981B-A5BC-9F31-EB55F3E079E0}"/>
+              </a:ext>
+            </a:extLst>
+          </p:cNvPr>
+          <p:cNvSpPr txBox="1"/>
+          <p:nvPr/>
+        </p:nvSpPr>
+        <p:spPr>
+          <a:xfrm>
+            <a:off x="5927751" y="2270194"/>
+            <a:ext cx="202907" cy="315859"/>
+          </a:xfrm>
+          <a:prstGeom prst="rect">
+            <a:avLst/>
+          </a:prstGeom>
+          <a:noFill/>
+        </p:spPr>
+        <p:txBody>
+          <a:bodyPr wrap="square" rtlCol="0">
+            <a:spAutoFit/>
+          </a:bodyPr>
+          <a:lstStyle/>
+          <a:p>
+            <a:endParaRPr lang="en-PH" sz="1500" b="1" dirty="0"/>
+          </a:p>
+        </p:txBody>
+      </p:sp>
+      <p:cxnSp>
+        <p:nvCxnSpPr>
+          <p:cNvPr id="14" name="Straight Connector 13">
+            <a:extLst>
+              <a:ext uri="{FF2B5EF4-FFF2-40B4-BE49-F238E27FC236}">
+                <a16:creationId xmlns:a16="http://schemas.microsoft.com/office/drawing/2014/main" id="{82983A18-DAC7-042E-52E5-720E600D28F1}"/>
+              </a:ext>
+            </a:extLst>
+          </p:cNvPr>
+          <p:cNvCxnSpPr>
+            <a:cxnSpLocks/>
+            <a:stCxn id="15" idx="6"/>
+            <a:endCxn id="9" idx="2"/>
+          </p:cNvCxnSpPr>
+          <p:nvPr/>
+        </p:nvCxnSpPr>
+        <p:spPr>
+          <a:xfrm flipV="1">
+            <a:off x="1401184" y="1223296"/>
+            <a:ext cx="1630597" cy="1622390"/>
+          </a:xfrm>
+          <a:prstGeom prst="line">
+            <a:avLst/>
+          </a:prstGeom>
+          <a:ln w="38100" cap="flat" cmpd="sng" algn="ctr">
+            <a:solidFill>
+              <a:schemeClr val="dk1"/>
+            </a:solidFill>
+            <a:prstDash val="solid"/>
+            <a:round/>
+            <a:headEnd type="none" w="med" len="med"/>
+            <a:tailEnd type="arrow" w="med" len="med"/>
+          </a:ln>
+        </p:spPr>
+        <p:style>
+          <a:lnRef idx="0">
+            <a:scrgbClr r="0" g="0" b="0"/>
+          </a:lnRef>
+          <a:fillRef idx="0">
+            <a:scrgbClr r="0" g="0" b="0"/>
+          </a:fillRef>
+          <a:effectRef idx="0">
+            <a:scrgbClr r="0" g="0" b="0"/>
+          </a:effectRef>
+          <a:fontRef idx="minor">
+            <a:schemeClr val="tx1"/>
+          </a:fontRef>
+        </p:style>
+      </p:cxnSp>
+      <p:sp>
+        <p:nvSpPr>
+          <p:cNvPr id="15" name="Oval 14">
+            <a:extLst>
+              <a:ext uri="{FF2B5EF4-FFF2-40B4-BE49-F238E27FC236}">
+                <a16:creationId xmlns:a16="http://schemas.microsoft.com/office/drawing/2014/main" id="{23FEE049-E58F-94BE-8C84-A76988DDB725}"/>
+              </a:ext>
+            </a:extLst>
+          </p:cNvPr>
+          <p:cNvSpPr/>
+          <p:nvPr/>
+        </p:nvSpPr>
+        <p:spPr>
+          <a:xfrm>
+            <a:off x="854580" y="2540342"/>
+            <a:ext cx="546604" cy="610688"/>
+          </a:xfrm>
+          <a:prstGeom prst="ellipse">
+            <a:avLst/>
+          </a:prstGeom>
+        </p:spPr>
+        <p:style>
+          <a:lnRef idx="0">
+            <a:schemeClr val="accent2"/>
+          </a:lnRef>
+          <a:fillRef idx="3">
+            <a:schemeClr val="accent2"/>
+          </a:fillRef>
+          <a:effectRef idx="3">
+            <a:schemeClr val="accent2"/>
+          </a:effectRef>
+          <a:fontRef idx="minor">
+            <a:schemeClr val="lt1"/>
+          </a:fontRef>
+        </p:style>
+        <p:txBody>
+          <a:bodyPr rtlCol="0" anchor="ctr"/>
+          <a:lstStyle/>
+          <a:p>
+            <a:pPr algn="ctr"/>
+            <a:endParaRPr lang="en-PH" sz="1500" b="1" dirty="0"/>
+          </a:p>
+        </p:txBody>
+      </p:sp>
+      <p:sp>
+        <p:nvSpPr>
+          <p:cNvPr id="16" name="Oval 15">
+            <a:extLst>
+              <a:ext uri="{FF2B5EF4-FFF2-40B4-BE49-F238E27FC236}">
+                <a16:creationId xmlns:a16="http://schemas.microsoft.com/office/drawing/2014/main" id="{2043BE10-2E16-7FF1-DD9E-2DD57B8F37C1}"/>
+              </a:ext>
+            </a:extLst>
+          </p:cNvPr>
+          <p:cNvSpPr/>
+          <p:nvPr/>
+        </p:nvSpPr>
+        <p:spPr>
+          <a:xfrm>
+            <a:off x="854580" y="1252044"/>
+            <a:ext cx="546604" cy="610688"/>
+          </a:xfrm>
+          <a:prstGeom prst="ellipse">
+            <a:avLst/>
+          </a:prstGeom>
+        </p:spPr>
+        <p:style>
+          <a:lnRef idx="0">
+            <a:schemeClr val="accent2"/>
+          </a:lnRef>
+          <a:fillRef idx="3">
+            <a:schemeClr val="accent2"/>
+          </a:fillRef>
+          <a:effectRef idx="3">
+            <a:schemeClr val="accent2"/>
+          </a:effectRef>
+          <a:fontRef idx="minor">
+            <a:schemeClr val="lt1"/>
+          </a:fontRef>
+        </p:style>
+        <p:txBody>
+          <a:bodyPr rtlCol="0" anchor="ctr"/>
+          <a:lstStyle/>
+          <a:p>
+            <a:pPr algn="ctr"/>
+            <a:endParaRPr lang="en-PH" sz="1500" b="1" dirty="0"/>
+          </a:p>
+        </p:txBody>
+      </p:sp>
+      <p:sp>
+        <p:nvSpPr>
+          <p:cNvPr id="17" name="Oval 16">
+            <a:extLst>
+              <a:ext uri="{FF2B5EF4-FFF2-40B4-BE49-F238E27FC236}">
+                <a16:creationId xmlns:a16="http://schemas.microsoft.com/office/drawing/2014/main" id="{BEE52501-E0EA-3928-7174-C74CBDEA43D0}"/>
+              </a:ext>
+            </a:extLst>
+          </p:cNvPr>
+          <p:cNvSpPr/>
+          <p:nvPr/>
+        </p:nvSpPr>
+        <p:spPr>
+          <a:xfrm>
+            <a:off x="854580" y="3833238"/>
+            <a:ext cx="546604" cy="610688"/>
+          </a:xfrm>
+          <a:prstGeom prst="ellipse">
+            <a:avLst/>
+          </a:prstGeom>
+        </p:spPr>
+        <p:style>
+          <a:lnRef idx="0">
+            <a:schemeClr val="accent2"/>
+          </a:lnRef>
+          <a:fillRef idx="3">
+            <a:schemeClr val="accent2"/>
+          </a:fillRef>
+          <a:effectRef idx="3">
+            <a:schemeClr val="accent2"/>
+          </a:effectRef>
+          <a:fontRef idx="minor">
+            <a:schemeClr val="lt1"/>
+          </a:fontRef>
+        </p:style>
+        <p:txBody>
+          <a:bodyPr rtlCol="0" anchor="ctr"/>
+          <a:lstStyle/>
+          <a:p>
+            <a:pPr algn="ctr"/>
+            <a:endParaRPr lang="en-PH" sz="1500" b="1" dirty="0"/>
+          </a:p>
+        </p:txBody>
+      </p:sp>
+      <p:cxnSp>
+        <p:nvCxnSpPr>
+          <p:cNvPr id="18" name="Straight Connector 17">
+            <a:extLst>
+              <a:ext uri="{FF2B5EF4-FFF2-40B4-BE49-F238E27FC236}">
+                <a16:creationId xmlns:a16="http://schemas.microsoft.com/office/drawing/2014/main" id="{886A630A-F803-AD89-0BC6-9409B54B468A}"/>
+              </a:ext>
+            </a:extLst>
+          </p:cNvPr>
+          <p:cNvCxnSpPr>
+            <a:cxnSpLocks/>
+            <a:stCxn id="16" idx="6"/>
+            <a:endCxn id="9" idx="2"/>
+          </p:cNvCxnSpPr>
+          <p:nvPr/>
+        </p:nvCxnSpPr>
+        <p:spPr>
+          <a:xfrm flipV="1">
+            <a:off x="1401184" y="1223296"/>
+            <a:ext cx="1630597" cy="334092"/>
+          </a:xfrm>
+          <a:prstGeom prst="line">
+            <a:avLst/>
+          </a:prstGeom>
+          <a:ln w="38100" cap="flat" cmpd="sng" algn="ctr">
+            <a:solidFill>
+              <a:schemeClr val="dk1"/>
+            </a:solidFill>
+            <a:prstDash val="solid"/>
+            <a:round/>
+            <a:headEnd type="none" w="med" len="med"/>
+            <a:tailEnd type="arrow" w="med" len="med"/>
+          </a:ln>
+        </p:spPr>
+        <p:style>
+          <a:lnRef idx="0">
+            <a:scrgbClr r="0" g="0" b="0"/>
+          </a:lnRef>
+          <a:fillRef idx="0">
+            <a:scrgbClr r="0" g="0" b="0"/>
+          </a:fillRef>
+          <a:effectRef idx="0">
+            <a:scrgbClr r="0" g="0" b="0"/>
+          </a:effectRef>
+          <a:fontRef idx="minor">
+            <a:schemeClr val="tx1"/>
+          </a:fontRef>
+        </p:style>
+      </p:cxnSp>
+      <p:cxnSp>
+        <p:nvCxnSpPr>
+          <p:cNvPr id="19" name="Straight Connector 18">
+            <a:extLst>
+              <a:ext uri="{FF2B5EF4-FFF2-40B4-BE49-F238E27FC236}">
+                <a16:creationId xmlns:a16="http://schemas.microsoft.com/office/drawing/2014/main" id="{468EA371-18C6-BFF6-67B1-9A2F1CB1F5DB}"/>
+              </a:ext>
+            </a:extLst>
+          </p:cNvPr>
+          <p:cNvCxnSpPr>
+            <a:cxnSpLocks/>
+            <a:stCxn id="17" idx="6"/>
+            <a:endCxn id="10" idx="2"/>
+          </p:cNvCxnSpPr>
+          <p:nvPr/>
+        </p:nvCxnSpPr>
+        <p:spPr>
+          <a:xfrm flipV="1">
+            <a:off x="1401184" y="2227001"/>
+            <a:ext cx="1648098" cy="1911580"/>
+          </a:xfrm>
+          <a:prstGeom prst="line">
+            <a:avLst/>
+          </a:prstGeom>
+          <a:ln w="38100" cap="flat" cmpd="sng" algn="ctr">
+            <a:solidFill>
+              <a:schemeClr val="dk1"/>
+            </a:solidFill>
+            <a:prstDash val="solid"/>
+            <a:round/>
+            <a:headEnd type="none" w="med" len="med"/>
+            <a:tailEnd type="arrow" w="med" len="med"/>
+          </a:ln>
+        </p:spPr>
+        <p:style>
+          <a:lnRef idx="0">
+            <a:scrgbClr r="0" g="0" b="0"/>
+          </a:lnRef>
+          <a:fillRef idx="0">
+            <a:scrgbClr r="0" g="0" b="0"/>
+          </a:fillRef>
+          <a:effectRef idx="0">
+            <a:scrgbClr r="0" g="0" b="0"/>
+          </a:effectRef>
+          <a:fontRef idx="minor">
+            <a:schemeClr val="tx1"/>
+          </a:fontRef>
+        </p:style>
+      </p:cxnSp>
+      <p:cxnSp>
+        <p:nvCxnSpPr>
+          <p:cNvPr id="20" name="Straight Connector 19">
+            <a:extLst>
+              <a:ext uri="{FF2B5EF4-FFF2-40B4-BE49-F238E27FC236}">
+                <a16:creationId xmlns:a16="http://schemas.microsoft.com/office/drawing/2014/main" id="{8CF77459-3A6C-D0CF-FAFE-E8BAD3A81570}"/>
+              </a:ext>
+            </a:extLst>
+          </p:cNvPr>
+          <p:cNvCxnSpPr>
+            <a:cxnSpLocks/>
+            <a:endCxn id="9" idx="2"/>
+          </p:cNvCxnSpPr>
+          <p:nvPr/>
+        </p:nvCxnSpPr>
+        <p:spPr>
+          <a:xfrm flipV="1">
+            <a:off x="1436744" y="1223295"/>
+            <a:ext cx="1595037" cy="2870324"/>
+          </a:xfrm>
+          <a:prstGeom prst="line">
+            <a:avLst/>
+          </a:prstGeom>
+          <a:ln w="38100" cap="flat" cmpd="sng" algn="ctr">
+            <a:solidFill>
+              <a:schemeClr val="dk1"/>
+            </a:solidFill>
+            <a:prstDash val="solid"/>
+            <a:round/>
+            <a:headEnd type="none" w="med" len="med"/>
+            <a:tailEnd type="arrow" w="med" len="med"/>
+          </a:ln>
+        </p:spPr>
+        <p:style>
+          <a:lnRef idx="0">
+            <a:scrgbClr r="0" g="0" b="0"/>
+          </a:lnRef>
+          <a:fillRef idx="0">
+            <a:scrgbClr r="0" g="0" b="0"/>
+          </a:fillRef>
+          <a:effectRef idx="0">
+            <a:scrgbClr r="0" g="0" b="0"/>
+          </a:effectRef>
+          <a:fontRef idx="minor">
+            <a:schemeClr val="tx1"/>
+          </a:fontRef>
+        </p:style>
+      </p:cxnSp>
+      <p:cxnSp>
+        <p:nvCxnSpPr>
+          <p:cNvPr id="21" name="Straight Connector 20">
+            <a:extLst>
+              <a:ext uri="{FF2B5EF4-FFF2-40B4-BE49-F238E27FC236}">
+                <a16:creationId xmlns:a16="http://schemas.microsoft.com/office/drawing/2014/main" id="{B28D9132-DFCC-C168-A407-CACC7C786D2C}"/>
+              </a:ext>
+            </a:extLst>
+          </p:cNvPr>
+          <p:cNvCxnSpPr>
+            <a:cxnSpLocks/>
+            <a:stCxn id="16" idx="6"/>
+            <a:endCxn id="10" idx="2"/>
+          </p:cNvCxnSpPr>
+          <p:nvPr/>
+        </p:nvCxnSpPr>
+        <p:spPr>
+          <a:xfrm>
+            <a:off x="1401184" y="1557388"/>
+            <a:ext cx="1648098" cy="669613"/>
+          </a:xfrm>
+          <a:prstGeom prst="line">
+            <a:avLst/>
+          </a:prstGeom>
+          <a:ln w="38100" cap="flat" cmpd="sng" algn="ctr">
+            <a:solidFill>
+              <a:schemeClr val="dk1"/>
+            </a:solidFill>
+            <a:prstDash val="solid"/>
+            <a:round/>
+            <a:headEnd type="none" w="med" len="med"/>
+            <a:tailEnd type="arrow" w="med" len="med"/>
+          </a:ln>
+        </p:spPr>
+        <p:style>
+          <a:lnRef idx="0">
+            <a:scrgbClr r="0" g="0" b="0"/>
+          </a:lnRef>
+          <a:fillRef idx="0">
+            <a:scrgbClr r="0" g="0" b="0"/>
+          </a:fillRef>
+          <a:effectRef idx="0">
+            <a:scrgbClr r="0" g="0" b="0"/>
+          </a:effectRef>
+          <a:fontRef idx="minor">
+            <a:schemeClr val="tx1"/>
+          </a:fontRef>
+        </p:style>
+      </p:cxnSp>
+      <p:cxnSp>
+        <p:nvCxnSpPr>
+          <p:cNvPr id="22" name="Straight Connector 21">
+            <a:extLst>
+              <a:ext uri="{FF2B5EF4-FFF2-40B4-BE49-F238E27FC236}">
+                <a16:creationId xmlns:a16="http://schemas.microsoft.com/office/drawing/2014/main" id="{9A3C287B-6A6A-FEED-DF8A-D4FD18D0703F}"/>
+              </a:ext>
+            </a:extLst>
+          </p:cNvPr>
+          <p:cNvCxnSpPr>
+            <a:cxnSpLocks/>
+            <a:stCxn id="15" idx="6"/>
+            <a:endCxn id="10" idx="2"/>
+          </p:cNvCxnSpPr>
+          <p:nvPr/>
+        </p:nvCxnSpPr>
+        <p:spPr>
+          <a:xfrm flipV="1">
+            <a:off x="1401184" y="2227001"/>
+            <a:ext cx="1648098" cy="618685"/>
+          </a:xfrm>
+          <a:prstGeom prst="line">
+            <a:avLst/>
+          </a:prstGeom>
+          <a:ln w="38100" cap="flat" cmpd="sng" algn="ctr">
+            <a:solidFill>
+              <a:schemeClr val="dk1"/>
+            </a:solidFill>
+            <a:prstDash val="solid"/>
+            <a:round/>
+            <a:headEnd type="none" w="med" len="med"/>
+            <a:tailEnd type="arrow" w="med" len="med"/>
+          </a:ln>
+        </p:spPr>
+        <p:style>
+          <a:lnRef idx="0">
+            <a:scrgbClr r="0" g="0" b="0"/>
+          </a:lnRef>
+          <a:fillRef idx="0">
+            <a:scrgbClr r="0" g="0" b="0"/>
+          </a:fillRef>
+          <a:effectRef idx="0">
+            <a:scrgbClr r="0" g="0" b="0"/>
+          </a:effectRef>
+          <a:fontRef idx="minor">
+            <a:schemeClr val="tx1"/>
+          </a:fontRef>
+        </p:style>
+      </p:cxnSp>
+      <p:sp>
+        <p:nvSpPr>
+          <p:cNvPr id="23" name="Oval 22">
+            <a:extLst>
+              <a:ext uri="{FF2B5EF4-FFF2-40B4-BE49-F238E27FC236}">
+                <a16:creationId xmlns:a16="http://schemas.microsoft.com/office/drawing/2014/main" id="{B043A0DA-50F2-EE5E-D8AB-5E953A17B797}"/>
+              </a:ext>
+            </a:extLst>
+          </p:cNvPr>
+          <p:cNvSpPr/>
+          <p:nvPr/>
+        </p:nvSpPr>
+        <p:spPr>
+          <a:xfrm>
+            <a:off x="5654449" y="1844502"/>
+            <a:ext cx="546604" cy="610688"/>
+          </a:xfrm>
+          <a:prstGeom prst="ellipse">
+            <a:avLst/>
+          </a:prstGeom>
+        </p:spPr>
+        <p:style>
+          <a:lnRef idx="0">
+            <a:schemeClr val="accent2"/>
+          </a:lnRef>
+          <a:fillRef idx="3">
+            <a:schemeClr val="accent2"/>
+          </a:fillRef>
+          <a:effectRef idx="3">
+            <a:schemeClr val="accent2"/>
+          </a:effectRef>
+          <a:fontRef idx="minor">
+            <a:schemeClr val="lt1"/>
+          </a:fontRef>
+        </p:style>
+        <p:txBody>
+          <a:bodyPr rtlCol="0" anchor="ctr"/>
+          <a:lstStyle/>
+          <a:p>
+            <a:pPr algn="ctr"/>
+            <a:endParaRPr lang="en-PH" sz="1500" b="1" dirty="0"/>
+          </a:p>
+        </p:txBody>
+      </p:sp>
+      <p:cxnSp>
+        <p:nvCxnSpPr>
+          <p:cNvPr id="24" name="Straight Connector 23">
+            <a:extLst>
+              <a:ext uri="{FF2B5EF4-FFF2-40B4-BE49-F238E27FC236}">
+                <a16:creationId xmlns:a16="http://schemas.microsoft.com/office/drawing/2014/main" id="{E7F8851C-C10D-C708-7D7E-F26EC56135FD}"/>
+              </a:ext>
+            </a:extLst>
+          </p:cNvPr>
+          <p:cNvCxnSpPr>
+            <a:cxnSpLocks/>
+            <a:stCxn id="10" idx="6"/>
+            <a:endCxn id="11" idx="2"/>
+          </p:cNvCxnSpPr>
+          <p:nvPr/>
+        </p:nvCxnSpPr>
+        <p:spPr>
+          <a:xfrm>
+            <a:off x="3595886" y="2227001"/>
+            <a:ext cx="2058563" cy="1023871"/>
+          </a:xfrm>
+          <a:prstGeom prst="line">
+            <a:avLst/>
+          </a:prstGeom>
+          <a:ln w="38100" cap="flat" cmpd="sng" algn="ctr">
+            <a:solidFill>
+              <a:schemeClr val="dk1"/>
+            </a:solidFill>
+            <a:prstDash val="solid"/>
+            <a:round/>
+            <a:headEnd type="none" w="med" len="med"/>
+            <a:tailEnd type="arrow" w="med" len="med"/>
+          </a:ln>
+        </p:spPr>
+        <p:style>
+          <a:lnRef idx="0">
+            <a:scrgbClr r="0" g="0" b="0"/>
+          </a:lnRef>
+          <a:fillRef idx="0">
+            <a:scrgbClr r="0" g="0" b="0"/>
+          </a:fillRef>
+          <a:effectRef idx="0">
+            <a:scrgbClr r="0" g="0" b="0"/>
+          </a:effectRef>
+          <a:fontRef idx="minor">
+            <a:schemeClr val="tx1"/>
+          </a:fontRef>
+        </p:style>
+      </p:cxnSp>
+      <p:cxnSp>
+        <p:nvCxnSpPr>
+          <p:cNvPr id="34" name="Curved Connector 97">
+            <a:extLst>
+              <a:ext uri="{FF2B5EF4-FFF2-40B4-BE49-F238E27FC236}">
+                <a16:creationId xmlns:a16="http://schemas.microsoft.com/office/drawing/2014/main" id="{BED5477A-58DD-0188-E783-08C4DE1905BA}"/>
+              </a:ext>
+            </a:extLst>
+          </p:cNvPr>
+          <p:cNvCxnSpPr>
+            <a:cxnSpLocks/>
+          </p:cNvCxnSpPr>
+          <p:nvPr/>
+        </p:nvCxnSpPr>
+        <p:spPr>
+          <a:xfrm rot="10800000" flipV="1">
+            <a:off x="5795173" y="2037034"/>
+            <a:ext cx="265155" cy="262084"/>
+          </a:xfrm>
+          <a:prstGeom prst="curvedConnector3">
+            <a:avLst/>
+          </a:prstGeom>
+          <a:ln w="38100"/>
+        </p:spPr>
+        <p:style>
+          <a:lnRef idx="3">
+            <a:schemeClr val="dk1"/>
+          </a:lnRef>
+          <a:fillRef idx="0">
+            <a:schemeClr val="dk1"/>
+          </a:fillRef>
+          <a:effectRef idx="2">
+            <a:schemeClr val="dk1"/>
+          </a:effectRef>
+          <a:fontRef idx="minor">
+            <a:schemeClr val="tx1"/>
+          </a:fontRef>
+        </p:style>
+      </p:cxnSp>
+      <p:cxnSp>
+        <p:nvCxnSpPr>
+          <p:cNvPr id="35" name="Curved Connector 98">
+            <a:extLst>
+              <a:ext uri="{FF2B5EF4-FFF2-40B4-BE49-F238E27FC236}">
+                <a16:creationId xmlns:a16="http://schemas.microsoft.com/office/drawing/2014/main" id="{3F60D349-3179-B3A0-DE90-3F892A2B6F85}"/>
+              </a:ext>
+            </a:extLst>
+          </p:cNvPr>
+          <p:cNvCxnSpPr>
+            <a:cxnSpLocks/>
+          </p:cNvCxnSpPr>
+          <p:nvPr/>
+        </p:nvCxnSpPr>
+        <p:spPr>
+          <a:xfrm rot="10800000" flipV="1">
+            <a:off x="5795173" y="3117279"/>
+            <a:ext cx="265155" cy="262084"/>
+          </a:xfrm>
+          <a:prstGeom prst="curvedConnector3">
+            <a:avLst/>
+          </a:prstGeom>
+          <a:ln w="38100"/>
+        </p:spPr>
+        <p:style>
+          <a:lnRef idx="3">
+            <a:schemeClr val="dk1"/>
+          </a:lnRef>
+          <a:fillRef idx="0">
+            <a:schemeClr val="dk1"/>
+          </a:fillRef>
+          <a:effectRef idx="2">
+            <a:schemeClr val="dk1"/>
+          </a:effectRef>
+          <a:fontRef idx="minor">
+            <a:schemeClr val="tx1"/>
+          </a:fontRef>
+        </p:style>
+      </p:cxnSp>
+      <mc:AlternateContent xmlns:mc="http://schemas.openxmlformats.org/markup-compatibility/2006">
+        <mc:Choice xmlns:a14="http://schemas.microsoft.com/office/drawing/2010/main" Requires="a14">
+          <p:sp>
+            <p:nvSpPr>
+              <p:cNvPr id="36" name="TextBox 35">
+                <a:extLst>
+                  <a:ext uri="{FF2B5EF4-FFF2-40B4-BE49-F238E27FC236}">
+                    <a16:creationId xmlns:a16="http://schemas.microsoft.com/office/drawing/2014/main" id="{B37A35FB-8715-3AAD-DFF8-F839EBACAAA9}"/>
+                  </a:ext>
+                </a:extLst>
+              </p:cNvPr>
+              <p:cNvSpPr txBox="1"/>
+              <p:nvPr/>
+            </p:nvSpPr>
+            <p:spPr>
+              <a:xfrm>
+                <a:off x="5781881" y="1485133"/>
+                <a:ext cx="291738" cy="315859"/>
+              </a:xfrm>
+              <a:prstGeom prst="rect">
+                <a:avLst/>
+              </a:prstGeom>
+              <a:noFill/>
+            </p:spPr>
+            <p:txBody>
+              <a:bodyPr wrap="square" rtlCol="0">
+                <a:spAutoFit/>
+              </a:bodyPr>
+              <a:lstStyle/>
+              <a:p>
+                <a:pPr/>
+                <a14:m>
+                  <m:oMathPara xmlns:m="http://schemas.openxmlformats.org/officeDocument/2006/math">
+                    <m:oMathParaPr>
+                      <m:jc m:val="centerGroup"/>
+                    </m:oMathParaPr>
+                    <m:oMath xmlns:m="http://schemas.openxmlformats.org/officeDocument/2006/math">
+                      <m:sSub>
+                        <m:sSubPr>
+                          <m:ctrlPr>
+                            <a:rPr lang="en-US" sz="1500" b="1" i="1" dirty="0" smtClean="0">
+                              <a:latin typeface="Cambria Math" panose="02040503050406030204" pitchFamily="18" charset="0"/>
+                            </a:rPr>
+                          </m:ctrlPr>
+                        </m:sSubPr>
+                        <m:e>
+                          <m:r>
+                            <a:rPr lang="en-GB" sz="1500" b="1" i="1" dirty="0" smtClean="0">
+                              <a:latin typeface="Cambria Math" panose="02040503050406030204" pitchFamily="18" charset="0"/>
+                            </a:rPr>
+                            <m:t>𝑶</m:t>
+                          </m:r>
+                        </m:e>
+                        <m:sub>
+                          <m:r>
+                            <a:rPr lang="en-GB" sz="1500" b="1" i="1" dirty="0" smtClean="0">
+                              <a:latin typeface="Cambria Math" panose="02040503050406030204" pitchFamily="18" charset="0"/>
+                            </a:rPr>
+                            <m:t>𝟏</m:t>
+                          </m:r>
+                        </m:sub>
+                      </m:sSub>
+                    </m:oMath>
+                  </m:oMathPara>
+                </a14:m>
+                <a:endParaRPr lang="en-PH" sz="1500" b="1" dirty="0"/>
+              </a:p>
+            </p:txBody>
+          </p:sp>
+        </mc:Choice>
+        <mc:Fallback>
+          <p:sp>
+            <p:nvSpPr>
+              <p:cNvPr id="36" name="TextBox 35">
+                <a:extLst>
+                  <a:ext uri="{FF2B5EF4-FFF2-40B4-BE49-F238E27FC236}">
+                    <a16:creationId xmlns:a16="http://schemas.microsoft.com/office/drawing/2014/main" id="{B37A35FB-8715-3AAD-DFF8-F839EBACAAA9}"/>
+                  </a:ext>
+                </a:extLst>
+              </p:cNvPr>
+              <p:cNvSpPr txBox="1">
+                <a:spLocks noRot="1" noChangeAspect="1" noMove="1" noResize="1" noEditPoints="1" noAdjustHandles="1" noChangeArrowheads="1" noChangeShapeType="1" noTextEdit="1"/>
+              </p:cNvSpPr>
+              <p:nvPr/>
+            </p:nvSpPr>
+            <p:spPr>
+              <a:xfrm>
+                <a:off x="5781881" y="1485133"/>
+                <a:ext cx="291738" cy="315859"/>
+              </a:xfrm>
+              <a:prstGeom prst="rect">
+                <a:avLst/>
+              </a:prstGeom>
+              <a:blipFill>
+                <a:blip r:embed="rId4"/>
+                <a:stretch>
+                  <a:fillRect r="-20833"/>
+                </a:stretch>
+              </a:blipFill>
+            </p:spPr>
+            <p:txBody>
+              <a:bodyPr/>
+              <a:lstStyle/>
+              <a:p>
+                <a:r>
+                  <a:rPr lang="en-US">
+                    <a:noFill/>
+                  </a:rPr>
+                  <a:t> </a:t>
+                </a:r>
+              </a:p>
+            </p:txBody>
+          </p:sp>
+        </mc:Fallback>
+      </mc:AlternateContent>
+      <mc:AlternateContent xmlns:mc="http://schemas.openxmlformats.org/markup-compatibility/2006">
+        <mc:Choice xmlns:a14="http://schemas.microsoft.com/office/drawing/2010/main" Requires="a14">
+          <p:sp>
+            <p:nvSpPr>
+              <p:cNvPr id="37" name="TextBox 36">
+                <a:extLst>
+                  <a:ext uri="{FF2B5EF4-FFF2-40B4-BE49-F238E27FC236}">
+                    <a16:creationId xmlns:a16="http://schemas.microsoft.com/office/drawing/2014/main" id="{2E916CCE-12EF-F544-336C-753F430135CB}"/>
+                  </a:ext>
+                </a:extLst>
+              </p:cNvPr>
+              <p:cNvSpPr txBox="1"/>
+              <p:nvPr/>
+            </p:nvSpPr>
+            <p:spPr>
+              <a:xfrm>
+                <a:off x="5778545" y="2604461"/>
+                <a:ext cx="291738" cy="315859"/>
+              </a:xfrm>
+              <a:prstGeom prst="rect">
+                <a:avLst/>
+              </a:prstGeom>
+              <a:noFill/>
+            </p:spPr>
+            <p:txBody>
+              <a:bodyPr wrap="square" rtlCol="0">
+                <a:spAutoFit/>
+              </a:bodyPr>
+              <a:lstStyle/>
+              <a:p>
+                <a:pPr/>
+                <a14:m>
+                  <m:oMathPara xmlns:m="http://schemas.openxmlformats.org/officeDocument/2006/math">
+                    <m:oMathParaPr>
+                      <m:jc m:val="centerGroup"/>
+                    </m:oMathParaPr>
+                    <m:oMath xmlns:m="http://schemas.openxmlformats.org/officeDocument/2006/math">
+                      <m:sSub>
+                        <m:sSubPr>
+                          <m:ctrlPr>
+                            <a:rPr lang="en-US" sz="1500" b="1" i="1" dirty="0" smtClean="0">
+                              <a:latin typeface="Cambria Math" panose="02040503050406030204" pitchFamily="18" charset="0"/>
+                            </a:rPr>
+                          </m:ctrlPr>
+                        </m:sSubPr>
+                        <m:e>
+                          <m:r>
+                            <a:rPr lang="en-GB" sz="1500" b="1" i="1" dirty="0" smtClean="0">
+                              <a:latin typeface="Cambria Math" panose="02040503050406030204" pitchFamily="18" charset="0"/>
+                            </a:rPr>
+                            <m:t>𝑶</m:t>
+                          </m:r>
+                        </m:e>
+                        <m:sub>
+                          <m:r>
+                            <a:rPr lang="en-GB" sz="1500" b="1" i="1" dirty="0" smtClean="0">
+                              <a:latin typeface="Cambria Math" panose="02040503050406030204" pitchFamily="18" charset="0"/>
+                            </a:rPr>
+                            <m:t>𝟐</m:t>
+                          </m:r>
+                        </m:sub>
+                      </m:sSub>
+                    </m:oMath>
+                  </m:oMathPara>
+                </a14:m>
+                <a:endParaRPr lang="en-PH" sz="1500" b="1" dirty="0"/>
+              </a:p>
+            </p:txBody>
+          </p:sp>
+        </mc:Choice>
+        <mc:Fallback>
+          <p:sp>
+            <p:nvSpPr>
+              <p:cNvPr id="37" name="TextBox 36">
+                <a:extLst>
+                  <a:ext uri="{FF2B5EF4-FFF2-40B4-BE49-F238E27FC236}">
+                    <a16:creationId xmlns:a16="http://schemas.microsoft.com/office/drawing/2014/main" id="{2E916CCE-12EF-F544-336C-753F430135CB}"/>
+                  </a:ext>
+                </a:extLst>
+              </p:cNvPr>
+              <p:cNvSpPr txBox="1">
+                <a:spLocks noRot="1" noChangeAspect="1" noMove="1" noResize="1" noEditPoints="1" noAdjustHandles="1" noChangeArrowheads="1" noChangeShapeType="1" noTextEdit="1"/>
+              </p:cNvSpPr>
+              <p:nvPr/>
+            </p:nvSpPr>
+            <p:spPr>
+              <a:xfrm>
+                <a:off x="5778545" y="2604461"/>
+                <a:ext cx="291738" cy="315859"/>
+              </a:xfrm>
+              <a:prstGeom prst="rect">
+                <a:avLst/>
+              </a:prstGeom>
+              <a:blipFill>
+                <a:blip r:embed="rId5"/>
+                <a:stretch>
+                  <a:fillRect r="-20833"/>
+                </a:stretch>
+              </a:blipFill>
+            </p:spPr>
+            <p:txBody>
+              <a:bodyPr/>
+              <a:lstStyle/>
+              <a:p>
+                <a:r>
+                  <a:rPr lang="en-US">
+                    <a:noFill/>
+                  </a:rPr>
+                  <a:t> </a:t>
+                </a:r>
+              </a:p>
+            </p:txBody>
+          </p:sp>
+        </mc:Fallback>
+      </mc:AlternateContent>
+      <mc:AlternateContent xmlns:mc="http://schemas.openxmlformats.org/markup-compatibility/2006">
+        <mc:Choice xmlns:a14="http://schemas.microsoft.com/office/drawing/2010/main" Requires="a14">
+          <p:sp>
+            <p:nvSpPr>
+              <p:cNvPr id="38" name="TextBox 37">
+                <a:extLst>
+                  <a:ext uri="{FF2B5EF4-FFF2-40B4-BE49-F238E27FC236}">
+                    <a16:creationId xmlns:a16="http://schemas.microsoft.com/office/drawing/2014/main" id="{256CE47C-F318-5A35-0213-BFCBC3410B2D}"/>
+                  </a:ext>
+                </a:extLst>
+              </p:cNvPr>
+              <p:cNvSpPr txBox="1"/>
+              <p:nvPr/>
+            </p:nvSpPr>
+            <p:spPr>
+              <a:xfrm>
+                <a:off x="3122515" y="606481"/>
+                <a:ext cx="291738" cy="315859"/>
+              </a:xfrm>
+              <a:prstGeom prst="rect">
+                <a:avLst/>
+              </a:prstGeom>
+              <a:noFill/>
+            </p:spPr>
+            <p:txBody>
+              <a:bodyPr wrap="square" rtlCol="0">
+                <a:spAutoFit/>
+              </a:bodyPr>
+              <a:lstStyle/>
+              <a:p>
+                <a:pPr/>
+                <a14:m>
+                  <m:oMathPara xmlns:m="http://schemas.openxmlformats.org/officeDocument/2006/math">
+                    <m:oMathParaPr>
+                      <m:jc m:val="centerGroup"/>
+                    </m:oMathParaPr>
+                    <m:oMath xmlns:m="http://schemas.openxmlformats.org/officeDocument/2006/math">
+                      <m:sSub>
+                        <m:sSubPr>
+                          <m:ctrlPr>
+                            <a:rPr lang="en-US" sz="1500" b="1" i="1" dirty="0" smtClean="0">
+                              <a:latin typeface="Cambria Math" panose="02040503050406030204" pitchFamily="18" charset="0"/>
+                            </a:rPr>
+                          </m:ctrlPr>
+                        </m:sSubPr>
+                        <m:e>
+                          <m:r>
+                            <a:rPr lang="en-GB" sz="1500" b="1" i="1" dirty="0" smtClean="0">
+                              <a:latin typeface="Cambria Math" panose="02040503050406030204" pitchFamily="18" charset="0"/>
+                            </a:rPr>
+                            <m:t>𝒉</m:t>
+                          </m:r>
+                        </m:e>
+                        <m:sub>
+                          <m:r>
+                            <a:rPr lang="en-GB" sz="1500" b="1" i="1" dirty="0" smtClean="0">
+                              <a:latin typeface="Cambria Math" panose="02040503050406030204" pitchFamily="18" charset="0"/>
+                            </a:rPr>
+                            <m:t>𝟏</m:t>
+                          </m:r>
+                        </m:sub>
+                      </m:sSub>
+                    </m:oMath>
+                  </m:oMathPara>
+                </a14:m>
+                <a:endParaRPr lang="en-PH" sz="1500" b="1" dirty="0"/>
+              </a:p>
+            </p:txBody>
+          </p:sp>
+        </mc:Choice>
+        <mc:Fallback>
+          <p:sp>
+            <p:nvSpPr>
+              <p:cNvPr id="38" name="TextBox 37">
+                <a:extLst>
+                  <a:ext uri="{FF2B5EF4-FFF2-40B4-BE49-F238E27FC236}">
+                    <a16:creationId xmlns:a16="http://schemas.microsoft.com/office/drawing/2014/main" id="{256CE47C-F318-5A35-0213-BFCBC3410B2D}"/>
+                  </a:ext>
+                </a:extLst>
+              </p:cNvPr>
+              <p:cNvSpPr txBox="1">
+                <a:spLocks noRot="1" noChangeAspect="1" noMove="1" noResize="1" noEditPoints="1" noAdjustHandles="1" noChangeArrowheads="1" noChangeShapeType="1" noTextEdit="1"/>
+              </p:cNvSpPr>
+              <p:nvPr/>
+            </p:nvSpPr>
+            <p:spPr>
+              <a:xfrm>
+                <a:off x="3122515" y="606481"/>
+                <a:ext cx="291738" cy="315859"/>
+              </a:xfrm>
+              <a:prstGeom prst="rect">
+                <a:avLst/>
+              </a:prstGeom>
+              <a:blipFill>
+                <a:blip r:embed="rId6"/>
+                <a:stretch>
+                  <a:fillRect r="-16667"/>
+                </a:stretch>
+              </a:blipFill>
+            </p:spPr>
+            <p:txBody>
+              <a:bodyPr/>
+              <a:lstStyle/>
+              <a:p>
+                <a:r>
+                  <a:rPr lang="en-US">
+                    <a:noFill/>
+                  </a:rPr>
+                  <a:t> </a:t>
+                </a:r>
+              </a:p>
+            </p:txBody>
+          </p:sp>
+        </mc:Fallback>
+      </mc:AlternateContent>
+      <mc:AlternateContent xmlns:mc="http://schemas.openxmlformats.org/markup-compatibility/2006">
+        <mc:Choice xmlns:a14="http://schemas.microsoft.com/office/drawing/2010/main" Requires="a14">
+          <p:sp>
+            <p:nvSpPr>
+              <p:cNvPr id="39" name="TextBox 38">
+                <a:extLst>
+                  <a:ext uri="{FF2B5EF4-FFF2-40B4-BE49-F238E27FC236}">
+                    <a16:creationId xmlns:a16="http://schemas.microsoft.com/office/drawing/2014/main" id="{58A2DC81-EEE0-5465-B8BD-47BB419DFB57}"/>
+                  </a:ext>
+                </a:extLst>
+              </p:cNvPr>
+              <p:cNvSpPr txBox="1"/>
+              <p:nvPr/>
+            </p:nvSpPr>
+            <p:spPr>
+              <a:xfrm>
+                <a:off x="3171040" y="2798225"/>
+                <a:ext cx="291738" cy="275052"/>
+              </a:xfrm>
+              <a:prstGeom prst="rect">
+                <a:avLst/>
+              </a:prstGeom>
+              <a:noFill/>
+            </p:spPr>
+            <p:txBody>
+              <a:bodyPr wrap="square" rtlCol="0">
+                <a:spAutoFit/>
+              </a:bodyPr>
+              <a:lstStyle/>
+              <a:p>
+                <a:pPr/>
+                <a14:m>
+                  <m:oMathPara xmlns:m="http://schemas.openxmlformats.org/officeDocument/2006/math">
+                    <m:oMathParaPr>
+                      <m:jc m:val="centerGroup"/>
+                    </m:oMathParaPr>
+                    <m:oMath xmlns:m="http://schemas.openxmlformats.org/officeDocument/2006/math">
+                      <m:sSub>
+                        <m:sSubPr>
+                          <m:ctrlPr>
+                            <a:rPr lang="en-US" sz="1500" b="1" i="1" dirty="0" smtClean="0">
+                              <a:latin typeface="Cambria Math" panose="02040503050406030204" pitchFamily="18" charset="0"/>
+                            </a:rPr>
+                          </m:ctrlPr>
+                        </m:sSubPr>
+                        <m:e>
+                          <m:r>
+                            <a:rPr lang="en-GB" sz="1500" b="1" i="1" dirty="0" smtClean="0">
+                              <a:latin typeface="Cambria Math" panose="02040503050406030204" pitchFamily="18" charset="0"/>
+                            </a:rPr>
+                            <m:t>𝒉</m:t>
+                          </m:r>
+                        </m:e>
+                        <m:sub>
+                          <m:r>
+                            <a:rPr lang="en-GB" sz="1500" b="1" i="1" dirty="0" smtClean="0">
+                              <a:latin typeface="Cambria Math" panose="02040503050406030204" pitchFamily="18" charset="0"/>
+                            </a:rPr>
+                            <m:t>𝟑</m:t>
+                          </m:r>
+                        </m:sub>
+                      </m:sSub>
+                    </m:oMath>
+                  </m:oMathPara>
+                </a14:m>
+                <a:endParaRPr lang="en-PH" sz="1500" b="1" dirty="0"/>
+              </a:p>
+            </p:txBody>
+          </p:sp>
+        </mc:Choice>
+        <mc:Fallback>
+          <p:sp>
+            <p:nvSpPr>
+              <p:cNvPr id="39" name="TextBox 38">
+                <a:extLst>
+                  <a:ext uri="{FF2B5EF4-FFF2-40B4-BE49-F238E27FC236}">
+                    <a16:creationId xmlns:a16="http://schemas.microsoft.com/office/drawing/2014/main" id="{58A2DC81-EEE0-5465-B8BD-47BB419DFB57}"/>
+                  </a:ext>
+                </a:extLst>
+              </p:cNvPr>
+              <p:cNvSpPr txBox="1">
+                <a:spLocks noRot="1" noChangeAspect="1" noMove="1" noResize="1" noEditPoints="1" noAdjustHandles="1" noChangeArrowheads="1" noChangeShapeType="1" noTextEdit="1"/>
+              </p:cNvSpPr>
+              <p:nvPr/>
+            </p:nvSpPr>
+            <p:spPr>
+              <a:xfrm>
+                <a:off x="3171040" y="2798225"/>
+                <a:ext cx="291738" cy="275052"/>
+              </a:xfrm>
+              <a:prstGeom prst="rect">
+                <a:avLst/>
+              </a:prstGeom>
+              <a:blipFill>
+                <a:blip r:embed="rId7"/>
+                <a:stretch>
+                  <a:fillRect r="-16667" b="-13636"/>
+                </a:stretch>
+              </a:blipFill>
+            </p:spPr>
+            <p:txBody>
+              <a:bodyPr/>
+              <a:lstStyle/>
+              <a:p>
+                <a:r>
+                  <a:rPr lang="en-US">
+                    <a:noFill/>
+                  </a:rPr>
+                  <a:t> </a:t>
+                </a:r>
+              </a:p>
+            </p:txBody>
+          </p:sp>
+        </mc:Fallback>
+      </mc:AlternateContent>
+      <mc:AlternateContent xmlns:mc="http://schemas.openxmlformats.org/markup-compatibility/2006">
+        <mc:Choice xmlns:a14="http://schemas.microsoft.com/office/drawing/2010/main" Requires="a14">
+          <p:sp>
+            <p:nvSpPr>
+              <p:cNvPr id="40" name="TextBox 39">
+                <a:extLst>
+                  <a:ext uri="{FF2B5EF4-FFF2-40B4-BE49-F238E27FC236}">
+                    <a16:creationId xmlns:a16="http://schemas.microsoft.com/office/drawing/2014/main" id="{A2601732-961E-94D2-6419-C39B0342286D}"/>
+                  </a:ext>
+                </a:extLst>
+              </p:cNvPr>
+              <p:cNvSpPr txBox="1"/>
+              <p:nvPr/>
+            </p:nvSpPr>
+            <p:spPr>
+              <a:xfrm>
+                <a:off x="959004" y="2193464"/>
+                <a:ext cx="291738" cy="315859"/>
+              </a:xfrm>
+              <a:prstGeom prst="rect">
+                <a:avLst/>
+              </a:prstGeom>
+              <a:noFill/>
+            </p:spPr>
+            <p:txBody>
+              <a:bodyPr wrap="square" rtlCol="0">
+                <a:spAutoFit/>
+              </a:bodyPr>
+              <a:lstStyle/>
+              <a:p>
+                <a:pPr/>
+                <a14:m>
+                  <m:oMathPara xmlns:m="http://schemas.openxmlformats.org/officeDocument/2006/math">
+                    <m:oMathParaPr>
+                      <m:jc m:val="centerGroup"/>
+                    </m:oMathParaPr>
+                    <m:oMath xmlns:m="http://schemas.openxmlformats.org/officeDocument/2006/math">
+                      <m:sSub>
+                        <m:sSubPr>
+                          <m:ctrlPr>
+                            <a:rPr lang="en-US" sz="1500" b="1" i="1" dirty="0" smtClean="0">
+                              <a:latin typeface="Cambria Math" panose="02040503050406030204" pitchFamily="18" charset="0"/>
+                            </a:rPr>
+                          </m:ctrlPr>
+                        </m:sSubPr>
+                        <m:e>
+                          <m:r>
+                            <a:rPr lang="en-GB" sz="1500" b="1" i="1" dirty="0" smtClean="0">
+                              <a:latin typeface="Cambria Math" panose="02040503050406030204" pitchFamily="18" charset="0"/>
+                            </a:rPr>
+                            <m:t>𝑰</m:t>
+                          </m:r>
+                        </m:e>
+                        <m:sub>
+                          <m:r>
+                            <a:rPr lang="en-GB" sz="1500" b="1" i="1" dirty="0" smtClean="0">
+                              <a:latin typeface="Cambria Math" panose="02040503050406030204" pitchFamily="18" charset="0"/>
+                            </a:rPr>
+                            <m:t>𝟐</m:t>
+                          </m:r>
+                        </m:sub>
+                      </m:sSub>
+                    </m:oMath>
+                  </m:oMathPara>
+                </a14:m>
+                <a:endParaRPr lang="en-PH" sz="1500" b="1" dirty="0"/>
+              </a:p>
+            </p:txBody>
+          </p:sp>
+        </mc:Choice>
+        <mc:Fallback>
+          <p:sp>
+            <p:nvSpPr>
+              <p:cNvPr id="40" name="TextBox 39">
+                <a:extLst>
+                  <a:ext uri="{FF2B5EF4-FFF2-40B4-BE49-F238E27FC236}">
+                    <a16:creationId xmlns:a16="http://schemas.microsoft.com/office/drawing/2014/main" id="{A2601732-961E-94D2-6419-C39B0342286D}"/>
+                  </a:ext>
+                </a:extLst>
+              </p:cNvPr>
+              <p:cNvSpPr txBox="1">
+                <a:spLocks noRot="1" noChangeAspect="1" noMove="1" noResize="1" noEditPoints="1" noAdjustHandles="1" noChangeArrowheads="1" noChangeShapeType="1" noTextEdit="1"/>
+              </p:cNvSpPr>
+              <p:nvPr/>
+            </p:nvSpPr>
+            <p:spPr>
+              <a:xfrm>
+                <a:off x="959004" y="2193464"/>
+                <a:ext cx="291738" cy="315859"/>
+              </a:xfrm>
+              <a:prstGeom prst="rect">
+                <a:avLst/>
+              </a:prstGeom>
+              <a:blipFill>
+                <a:blip r:embed="rId8"/>
+                <a:stretch>
+                  <a:fillRect r="-4167"/>
+                </a:stretch>
+              </a:blipFill>
+            </p:spPr>
+            <p:txBody>
+              <a:bodyPr/>
+              <a:lstStyle/>
+              <a:p>
+                <a:r>
+                  <a:rPr lang="en-US">
+                    <a:noFill/>
+                  </a:rPr>
+                  <a:t> </a:t>
+                </a:r>
+              </a:p>
+            </p:txBody>
+          </p:sp>
+        </mc:Fallback>
+      </mc:AlternateContent>
+      <mc:AlternateContent xmlns:mc="http://schemas.openxmlformats.org/markup-compatibility/2006">
+        <mc:Choice xmlns:a14="http://schemas.microsoft.com/office/drawing/2010/main" Requires="a14">
+          <p:sp>
+            <p:nvSpPr>
+              <p:cNvPr id="41" name="TextBox 40">
+                <a:extLst>
+                  <a:ext uri="{FF2B5EF4-FFF2-40B4-BE49-F238E27FC236}">
+                    <a16:creationId xmlns:a16="http://schemas.microsoft.com/office/drawing/2014/main" id="{E7EFD5B6-EE91-64B3-5978-34BE73734AAF}"/>
+                  </a:ext>
+                </a:extLst>
+              </p:cNvPr>
+              <p:cNvSpPr txBox="1"/>
+              <p:nvPr/>
+            </p:nvSpPr>
+            <p:spPr>
+              <a:xfrm>
+                <a:off x="959004" y="3463246"/>
+                <a:ext cx="291738" cy="315859"/>
+              </a:xfrm>
+              <a:prstGeom prst="rect">
+                <a:avLst/>
+              </a:prstGeom>
+              <a:noFill/>
+            </p:spPr>
+            <p:txBody>
+              <a:bodyPr wrap="square" rtlCol="0">
+                <a:spAutoFit/>
+              </a:bodyPr>
+              <a:lstStyle/>
+              <a:p>
+                <a:pPr/>
+                <a14:m>
+                  <m:oMathPara xmlns:m="http://schemas.openxmlformats.org/officeDocument/2006/math">
+                    <m:oMathParaPr>
+                      <m:jc m:val="centerGroup"/>
+                    </m:oMathParaPr>
+                    <m:oMath xmlns:m="http://schemas.openxmlformats.org/officeDocument/2006/math">
+                      <m:sSub>
+                        <m:sSubPr>
+                          <m:ctrlPr>
+                            <a:rPr lang="en-US" sz="1500" b="1" i="1" dirty="0" smtClean="0">
+                              <a:latin typeface="Cambria Math" panose="02040503050406030204" pitchFamily="18" charset="0"/>
+                            </a:rPr>
+                          </m:ctrlPr>
+                        </m:sSubPr>
+                        <m:e>
+                          <m:r>
+                            <a:rPr lang="en-GB" sz="1500" b="1" i="1" dirty="0" smtClean="0">
+                              <a:latin typeface="Cambria Math" panose="02040503050406030204" pitchFamily="18" charset="0"/>
+                            </a:rPr>
+                            <m:t>𝑰</m:t>
+                          </m:r>
+                        </m:e>
+                        <m:sub>
+                          <m:r>
+                            <a:rPr lang="en-GB" sz="1500" b="1" i="1" dirty="0" smtClean="0">
+                              <a:latin typeface="Cambria Math" panose="02040503050406030204" pitchFamily="18" charset="0"/>
+                            </a:rPr>
+                            <m:t>𝟑</m:t>
+                          </m:r>
+                        </m:sub>
+                      </m:sSub>
+                    </m:oMath>
+                  </m:oMathPara>
+                </a14:m>
+                <a:endParaRPr lang="en-PH" sz="1500" b="1" dirty="0"/>
+              </a:p>
+            </p:txBody>
+          </p:sp>
+        </mc:Choice>
+        <mc:Fallback>
+          <p:sp>
+            <p:nvSpPr>
+              <p:cNvPr id="41" name="TextBox 40">
+                <a:extLst>
+                  <a:ext uri="{FF2B5EF4-FFF2-40B4-BE49-F238E27FC236}">
+                    <a16:creationId xmlns:a16="http://schemas.microsoft.com/office/drawing/2014/main" id="{E7EFD5B6-EE91-64B3-5978-34BE73734AAF}"/>
+                  </a:ext>
+                </a:extLst>
+              </p:cNvPr>
+              <p:cNvSpPr txBox="1">
+                <a:spLocks noRot="1" noChangeAspect="1" noMove="1" noResize="1" noEditPoints="1" noAdjustHandles="1" noChangeArrowheads="1" noChangeShapeType="1" noTextEdit="1"/>
+              </p:cNvSpPr>
+              <p:nvPr/>
+            </p:nvSpPr>
+            <p:spPr>
+              <a:xfrm>
+                <a:off x="959004" y="3463246"/>
+                <a:ext cx="291738" cy="315859"/>
+              </a:xfrm>
+              <a:prstGeom prst="rect">
+                <a:avLst/>
+              </a:prstGeom>
+              <a:blipFill>
+                <a:blip r:embed="rId9"/>
+                <a:stretch>
+                  <a:fillRect r="-4167"/>
+                </a:stretch>
+              </a:blipFill>
+            </p:spPr>
+            <p:txBody>
+              <a:bodyPr/>
+              <a:lstStyle/>
+              <a:p>
+                <a:r>
+                  <a:rPr lang="en-US">
+                    <a:noFill/>
+                  </a:rPr>
+                  <a:t> </a:t>
+                </a:r>
+              </a:p>
+            </p:txBody>
+          </p:sp>
+        </mc:Fallback>
+      </mc:AlternateContent>
+      <mc:AlternateContent xmlns:mc="http://schemas.openxmlformats.org/markup-compatibility/2006">
+        <mc:Choice xmlns:a14="http://schemas.microsoft.com/office/drawing/2010/main" Requires="a14">
+          <p:sp>
+            <p:nvSpPr>
+              <p:cNvPr id="42" name="TextBox 41">
+                <a:extLst>
+                  <a:ext uri="{FF2B5EF4-FFF2-40B4-BE49-F238E27FC236}">
+                    <a16:creationId xmlns:a16="http://schemas.microsoft.com/office/drawing/2014/main" id="{6FEDF28B-CC53-BEF2-C8DA-CD5696D7E117}"/>
+                  </a:ext>
+                </a:extLst>
+              </p:cNvPr>
+              <p:cNvSpPr txBox="1"/>
+              <p:nvPr/>
+            </p:nvSpPr>
+            <p:spPr>
+              <a:xfrm>
+                <a:off x="959004" y="882053"/>
+                <a:ext cx="291738" cy="315859"/>
+              </a:xfrm>
+              <a:prstGeom prst="rect">
+                <a:avLst/>
+              </a:prstGeom>
+              <a:noFill/>
+            </p:spPr>
+            <p:txBody>
+              <a:bodyPr wrap="square" rtlCol="0">
+                <a:spAutoFit/>
+              </a:bodyPr>
+              <a:lstStyle/>
+              <a:p>
+                <a:pPr/>
+                <a14:m>
+                  <m:oMathPara xmlns:m="http://schemas.openxmlformats.org/officeDocument/2006/math">
+                    <m:oMathParaPr>
+                      <m:jc m:val="centerGroup"/>
+                    </m:oMathParaPr>
+                    <m:oMath xmlns:m="http://schemas.openxmlformats.org/officeDocument/2006/math">
+                      <m:sSub>
+                        <m:sSubPr>
+                          <m:ctrlPr>
+                            <a:rPr lang="en-US" sz="1500" b="1" i="1" dirty="0" smtClean="0">
+                              <a:latin typeface="Cambria Math" panose="02040503050406030204" pitchFamily="18" charset="0"/>
+                            </a:rPr>
+                          </m:ctrlPr>
+                        </m:sSubPr>
+                        <m:e>
+                          <m:r>
+                            <a:rPr lang="en-GB" sz="1500" b="1" i="1" dirty="0" smtClean="0">
+                              <a:latin typeface="Cambria Math" panose="02040503050406030204" pitchFamily="18" charset="0"/>
+                            </a:rPr>
+                            <m:t>𝑰</m:t>
+                          </m:r>
+                        </m:e>
+                        <m:sub>
+                          <m:r>
+                            <a:rPr lang="en-GB" sz="1500" b="1" i="1" dirty="0" smtClean="0">
+                              <a:latin typeface="Cambria Math" panose="02040503050406030204" pitchFamily="18" charset="0"/>
+                            </a:rPr>
+                            <m:t>𝟏</m:t>
+                          </m:r>
+                        </m:sub>
+                      </m:sSub>
+                    </m:oMath>
+                  </m:oMathPara>
+                </a14:m>
+                <a:endParaRPr lang="en-PH" sz="1500" b="1" dirty="0"/>
+              </a:p>
+            </p:txBody>
+          </p:sp>
+        </mc:Choice>
+        <mc:Fallback>
+          <p:sp>
+            <p:nvSpPr>
+              <p:cNvPr id="42" name="TextBox 41">
+                <a:extLst>
+                  <a:ext uri="{FF2B5EF4-FFF2-40B4-BE49-F238E27FC236}">
+                    <a16:creationId xmlns:a16="http://schemas.microsoft.com/office/drawing/2014/main" id="{6FEDF28B-CC53-BEF2-C8DA-CD5696D7E117}"/>
+                  </a:ext>
+                </a:extLst>
+              </p:cNvPr>
+              <p:cNvSpPr txBox="1">
+                <a:spLocks noRot="1" noChangeAspect="1" noMove="1" noResize="1" noEditPoints="1" noAdjustHandles="1" noChangeArrowheads="1" noChangeShapeType="1" noTextEdit="1"/>
+              </p:cNvSpPr>
+              <p:nvPr/>
+            </p:nvSpPr>
+            <p:spPr>
+              <a:xfrm>
+                <a:off x="959004" y="882053"/>
+                <a:ext cx="291738" cy="315859"/>
+              </a:xfrm>
+              <a:prstGeom prst="rect">
+                <a:avLst/>
+              </a:prstGeom>
+              <a:blipFill>
+                <a:blip r:embed="rId10"/>
+                <a:stretch>
+                  <a:fillRect r="-4167"/>
+                </a:stretch>
+              </a:blipFill>
+            </p:spPr>
+            <p:txBody>
+              <a:bodyPr/>
+              <a:lstStyle/>
+              <a:p>
+                <a:r>
+                  <a:rPr lang="en-US">
+                    <a:noFill/>
+                  </a:rPr>
+                  <a:t> </a:t>
+                </a:r>
+              </a:p>
+            </p:txBody>
+          </p:sp>
+        </mc:Fallback>
+      </mc:AlternateContent>
+      <p:cxnSp>
+        <p:nvCxnSpPr>
+          <p:cNvPr id="43" name="Straight Connector 42">
+            <a:extLst>
+              <a:ext uri="{FF2B5EF4-FFF2-40B4-BE49-F238E27FC236}">
+                <a16:creationId xmlns:a16="http://schemas.microsoft.com/office/drawing/2014/main" id="{4B42D16E-E0DD-8F66-326E-2D37BD50CC4E}"/>
+              </a:ext>
+            </a:extLst>
+          </p:cNvPr>
+          <p:cNvCxnSpPr>
+            <a:cxnSpLocks/>
+            <a:stCxn id="10" idx="6"/>
+            <a:endCxn id="23" idx="2"/>
+          </p:cNvCxnSpPr>
+          <p:nvPr/>
+        </p:nvCxnSpPr>
+        <p:spPr>
+          <a:xfrm flipV="1">
+            <a:off x="3595886" y="2149845"/>
+            <a:ext cx="2058563" cy="77156"/>
+          </a:xfrm>
+          <a:prstGeom prst="line">
+            <a:avLst/>
+          </a:prstGeom>
+          <a:ln w="38100" cap="flat" cmpd="sng" algn="ctr">
+            <a:solidFill>
+              <a:schemeClr val="dk1"/>
+            </a:solidFill>
+            <a:prstDash val="solid"/>
+            <a:round/>
+            <a:headEnd type="none" w="med" len="med"/>
+            <a:tailEnd type="arrow" w="med" len="med"/>
+          </a:ln>
+        </p:spPr>
+        <p:style>
+          <a:lnRef idx="0">
+            <a:scrgbClr r="0" g="0" b="0"/>
+          </a:lnRef>
+          <a:fillRef idx="0">
+            <a:scrgbClr r="0" g="0" b="0"/>
+          </a:fillRef>
+          <a:effectRef idx="0">
+            <a:scrgbClr r="0" g="0" b="0"/>
+          </a:effectRef>
+          <a:fontRef idx="minor">
+            <a:schemeClr val="tx1"/>
+          </a:fontRef>
+        </p:style>
+      </p:cxnSp>
+      <p:cxnSp>
+        <p:nvCxnSpPr>
+          <p:cNvPr id="44" name="Straight Connector 43">
+            <a:extLst>
+              <a:ext uri="{FF2B5EF4-FFF2-40B4-BE49-F238E27FC236}">
+                <a16:creationId xmlns:a16="http://schemas.microsoft.com/office/drawing/2014/main" id="{77E12651-1D09-A5AF-C7F9-D9501D46CDE0}"/>
+              </a:ext>
+            </a:extLst>
+          </p:cNvPr>
+          <p:cNvCxnSpPr>
+            <a:cxnSpLocks/>
+            <a:stCxn id="9" idx="5"/>
+            <a:endCxn id="11" idx="2"/>
+          </p:cNvCxnSpPr>
+          <p:nvPr/>
+        </p:nvCxnSpPr>
+        <p:spPr>
+          <a:xfrm>
+            <a:off x="3498338" y="1439207"/>
+            <a:ext cx="2156111" cy="1811665"/>
+          </a:xfrm>
+          <a:prstGeom prst="line">
+            <a:avLst/>
+          </a:prstGeom>
+          <a:ln w="38100" cap="flat" cmpd="sng" algn="ctr">
+            <a:solidFill>
+              <a:schemeClr val="dk1"/>
+            </a:solidFill>
+            <a:prstDash val="solid"/>
+            <a:round/>
+            <a:headEnd type="none" w="med" len="med"/>
+            <a:tailEnd type="arrow" w="med" len="med"/>
+          </a:ln>
+        </p:spPr>
+        <p:style>
+          <a:lnRef idx="0">
+            <a:scrgbClr r="0" g="0" b="0"/>
+          </a:lnRef>
+          <a:fillRef idx="0">
+            <a:scrgbClr r="0" g="0" b="0"/>
+          </a:fillRef>
+          <a:effectRef idx="0">
+            <a:scrgbClr r="0" g="0" b="0"/>
+          </a:effectRef>
+          <a:fontRef idx="minor">
+            <a:schemeClr val="tx1"/>
+          </a:fontRef>
+        </p:style>
+      </p:cxnSp>
+      <p:sp>
+        <p:nvSpPr>
+          <p:cNvPr id="49" name="Oval 48">
+            <a:extLst>
+              <a:ext uri="{FF2B5EF4-FFF2-40B4-BE49-F238E27FC236}">
+                <a16:creationId xmlns:a16="http://schemas.microsoft.com/office/drawing/2014/main" id="{4CCAD598-ADEF-7588-7336-68B867A74E21}"/>
+              </a:ext>
+            </a:extLst>
+          </p:cNvPr>
+          <p:cNvSpPr/>
+          <p:nvPr/>
+        </p:nvSpPr>
+        <p:spPr>
+          <a:xfrm>
+            <a:off x="3049282" y="3134448"/>
+            <a:ext cx="546604" cy="610688"/>
+          </a:xfrm>
+          <a:prstGeom prst="ellipse">
+            <a:avLst/>
+          </a:prstGeom>
+        </p:spPr>
+        <p:style>
+          <a:lnRef idx="0">
+            <a:schemeClr val="accent2"/>
+          </a:lnRef>
+          <a:fillRef idx="3">
+            <a:schemeClr val="accent2"/>
+          </a:fillRef>
+          <a:effectRef idx="3">
+            <a:schemeClr val="accent2"/>
+          </a:effectRef>
+          <a:fontRef idx="minor">
+            <a:schemeClr val="lt1"/>
+          </a:fontRef>
+        </p:style>
+        <p:txBody>
+          <a:bodyPr rtlCol="0" anchor="ctr"/>
+          <a:lstStyle/>
+          <a:p>
+            <a:pPr algn="ctr"/>
+            <a:endParaRPr lang="en-PH" sz="1500" b="1" dirty="0"/>
+          </a:p>
+        </p:txBody>
+      </p:sp>
+      <p:sp>
+        <p:nvSpPr>
+          <p:cNvPr id="50" name="Oval 49">
+            <a:extLst>
+              <a:ext uri="{FF2B5EF4-FFF2-40B4-BE49-F238E27FC236}">
+                <a16:creationId xmlns:a16="http://schemas.microsoft.com/office/drawing/2014/main" id="{80BCCEF6-9F9A-FCB1-2F51-AB46424BDA84}"/>
+              </a:ext>
+            </a:extLst>
+          </p:cNvPr>
+          <p:cNvSpPr/>
+          <p:nvPr/>
+        </p:nvSpPr>
+        <p:spPr>
+          <a:xfrm>
+            <a:off x="3049282" y="4219679"/>
+            <a:ext cx="546604" cy="610688"/>
+          </a:xfrm>
+          <a:prstGeom prst="ellipse">
+            <a:avLst/>
+          </a:prstGeom>
+        </p:spPr>
+        <p:style>
+          <a:lnRef idx="0">
+            <a:schemeClr val="accent2"/>
+          </a:lnRef>
+          <a:fillRef idx="3">
+            <a:schemeClr val="accent2"/>
+          </a:fillRef>
+          <a:effectRef idx="3">
+            <a:schemeClr val="accent2"/>
+          </a:effectRef>
+          <a:fontRef idx="minor">
+            <a:schemeClr val="lt1"/>
+          </a:fontRef>
+        </p:style>
+        <p:txBody>
+          <a:bodyPr rtlCol="0" anchor="ctr"/>
+          <a:lstStyle/>
+          <a:p>
+            <a:pPr algn="ctr"/>
+            <a:endParaRPr lang="en-PH" sz="1500" b="1" dirty="0"/>
+          </a:p>
+        </p:txBody>
+      </p:sp>
+      <mc:AlternateContent xmlns:mc="http://schemas.openxmlformats.org/markup-compatibility/2006">
+        <mc:Choice xmlns:a14="http://schemas.microsoft.com/office/drawing/2010/main" Requires="a14">
+          <p:sp>
+            <p:nvSpPr>
+              <p:cNvPr id="66" name="TextBox 65">
+                <a:extLst>
+                  <a:ext uri="{FF2B5EF4-FFF2-40B4-BE49-F238E27FC236}">
+                    <a16:creationId xmlns:a16="http://schemas.microsoft.com/office/drawing/2014/main" id="{6E4E69C9-CC42-3798-639C-6C5EF350DDC7}"/>
+                  </a:ext>
+                </a:extLst>
+              </p:cNvPr>
+              <p:cNvSpPr txBox="1"/>
+              <p:nvPr/>
+            </p:nvSpPr>
+            <p:spPr>
+              <a:xfrm>
+                <a:off x="3159215" y="1663465"/>
+                <a:ext cx="291738" cy="275052"/>
+              </a:xfrm>
+              <a:prstGeom prst="rect">
+                <a:avLst/>
+              </a:prstGeom>
+              <a:noFill/>
+            </p:spPr>
+            <p:txBody>
+              <a:bodyPr wrap="square" rtlCol="0">
+                <a:spAutoFit/>
+              </a:bodyPr>
+              <a:lstStyle/>
+              <a:p>
+                <a:pPr/>
+                <a14:m>
+                  <m:oMathPara xmlns:m="http://schemas.openxmlformats.org/officeDocument/2006/math">
+                    <m:oMathParaPr>
+                      <m:jc m:val="centerGroup"/>
+                    </m:oMathParaPr>
+                    <m:oMath xmlns:m="http://schemas.openxmlformats.org/officeDocument/2006/math">
+                      <m:sSub>
+                        <m:sSubPr>
+                          <m:ctrlPr>
+                            <a:rPr lang="en-US" sz="1500" b="1" i="1" dirty="0" smtClean="0">
+                              <a:latin typeface="Cambria Math" panose="02040503050406030204" pitchFamily="18" charset="0"/>
+                            </a:rPr>
+                          </m:ctrlPr>
+                        </m:sSubPr>
+                        <m:e>
+                          <m:r>
+                            <a:rPr lang="en-GB" sz="1500" b="1" i="1" dirty="0" smtClean="0">
+                              <a:latin typeface="Cambria Math" panose="02040503050406030204" pitchFamily="18" charset="0"/>
+                            </a:rPr>
+                            <m:t>𝒉</m:t>
+                          </m:r>
+                        </m:e>
+                        <m:sub>
+                          <m:r>
+                            <a:rPr lang="en-GB" sz="1500" b="1" i="1" dirty="0" smtClean="0">
+                              <a:latin typeface="Cambria Math" panose="02040503050406030204" pitchFamily="18" charset="0"/>
+                            </a:rPr>
+                            <m:t>𝟐</m:t>
+                          </m:r>
+                        </m:sub>
+                      </m:sSub>
+                    </m:oMath>
+                  </m:oMathPara>
+                </a14:m>
+                <a:endParaRPr lang="en-PH" sz="1500" b="1" dirty="0"/>
+              </a:p>
+            </p:txBody>
+          </p:sp>
+        </mc:Choice>
+        <mc:Fallback>
+          <p:sp>
+            <p:nvSpPr>
+              <p:cNvPr id="66" name="TextBox 65">
+                <a:extLst>
+                  <a:ext uri="{FF2B5EF4-FFF2-40B4-BE49-F238E27FC236}">
+                    <a16:creationId xmlns:a16="http://schemas.microsoft.com/office/drawing/2014/main" id="{6E4E69C9-CC42-3798-639C-6C5EF350DDC7}"/>
+                  </a:ext>
+                </a:extLst>
+              </p:cNvPr>
+              <p:cNvSpPr txBox="1">
+                <a:spLocks noRot="1" noChangeAspect="1" noMove="1" noResize="1" noEditPoints="1" noAdjustHandles="1" noChangeArrowheads="1" noChangeShapeType="1" noTextEdit="1"/>
+              </p:cNvSpPr>
+              <p:nvPr/>
+            </p:nvSpPr>
+            <p:spPr>
+              <a:xfrm>
+                <a:off x="3159215" y="1663465"/>
+                <a:ext cx="291738" cy="275052"/>
+              </a:xfrm>
+              <a:prstGeom prst="rect">
+                <a:avLst/>
+              </a:prstGeom>
+              <a:blipFill>
+                <a:blip r:embed="rId11"/>
+                <a:stretch>
+                  <a:fillRect r="-16667" b="-13636"/>
+                </a:stretch>
+              </a:blipFill>
+            </p:spPr>
+            <p:txBody>
+              <a:bodyPr/>
+              <a:lstStyle/>
+              <a:p>
+                <a:r>
+                  <a:rPr lang="en-US">
+                    <a:noFill/>
+                  </a:rPr>
+                  <a:t> </a:t>
+                </a:r>
+              </a:p>
+            </p:txBody>
+          </p:sp>
+        </mc:Fallback>
+      </mc:AlternateContent>
+      <mc:AlternateContent xmlns:mc="http://schemas.openxmlformats.org/markup-compatibility/2006">
+        <mc:Choice xmlns:a14="http://schemas.microsoft.com/office/drawing/2010/main" Requires="a14">
+          <p:sp>
+            <p:nvSpPr>
+              <p:cNvPr id="67" name="TextBox 66">
+                <a:extLst>
+                  <a:ext uri="{FF2B5EF4-FFF2-40B4-BE49-F238E27FC236}">
+                    <a16:creationId xmlns:a16="http://schemas.microsoft.com/office/drawing/2014/main" id="{9CC2F065-48F2-965B-FDE7-9BB1BEA11A66}"/>
+                  </a:ext>
+                </a:extLst>
+              </p:cNvPr>
+              <p:cNvSpPr txBox="1"/>
+              <p:nvPr/>
+            </p:nvSpPr>
+            <p:spPr>
+              <a:xfrm>
+                <a:off x="3171040" y="3924911"/>
+                <a:ext cx="291738" cy="275052"/>
+              </a:xfrm>
+              <a:prstGeom prst="rect">
+                <a:avLst/>
+              </a:prstGeom>
+              <a:noFill/>
+            </p:spPr>
+            <p:txBody>
+              <a:bodyPr wrap="square" rtlCol="0">
+                <a:spAutoFit/>
+              </a:bodyPr>
+              <a:lstStyle/>
+              <a:p>
+                <a:pPr/>
+                <a14:m>
+                  <m:oMathPara xmlns:m="http://schemas.openxmlformats.org/officeDocument/2006/math">
+                    <m:oMathParaPr>
+                      <m:jc m:val="centerGroup"/>
+                    </m:oMathParaPr>
+                    <m:oMath xmlns:m="http://schemas.openxmlformats.org/officeDocument/2006/math">
+                      <m:sSub>
+                        <m:sSubPr>
+                          <m:ctrlPr>
+                            <a:rPr lang="en-US" sz="1500" b="1" i="1" dirty="0" smtClean="0">
+                              <a:latin typeface="Cambria Math" panose="02040503050406030204" pitchFamily="18" charset="0"/>
+                            </a:rPr>
+                          </m:ctrlPr>
+                        </m:sSubPr>
+                        <m:e>
+                          <m:r>
+                            <a:rPr lang="en-GB" sz="1500" b="1" i="1" dirty="0" smtClean="0">
+                              <a:latin typeface="Cambria Math" panose="02040503050406030204" pitchFamily="18" charset="0"/>
+                            </a:rPr>
+                            <m:t>𝒉</m:t>
+                          </m:r>
+                        </m:e>
+                        <m:sub>
+                          <m:r>
+                            <a:rPr lang="en-GB" sz="1500" b="1" i="1" dirty="0" smtClean="0">
+                              <a:latin typeface="Cambria Math" panose="02040503050406030204" pitchFamily="18" charset="0"/>
+                            </a:rPr>
+                            <m:t>𝟒</m:t>
+                          </m:r>
+                        </m:sub>
+                      </m:sSub>
+                    </m:oMath>
+                  </m:oMathPara>
+                </a14:m>
+                <a:endParaRPr lang="en-PH" sz="1500" b="1" dirty="0"/>
+              </a:p>
+            </p:txBody>
+          </p:sp>
+        </mc:Choice>
+        <mc:Fallback>
+          <p:sp>
+            <p:nvSpPr>
+              <p:cNvPr id="67" name="TextBox 66">
+                <a:extLst>
+                  <a:ext uri="{FF2B5EF4-FFF2-40B4-BE49-F238E27FC236}">
+                    <a16:creationId xmlns:a16="http://schemas.microsoft.com/office/drawing/2014/main" id="{9CC2F065-48F2-965B-FDE7-9BB1BEA11A66}"/>
+                  </a:ext>
+                </a:extLst>
+              </p:cNvPr>
+              <p:cNvSpPr txBox="1">
+                <a:spLocks noRot="1" noChangeAspect="1" noMove="1" noResize="1" noEditPoints="1" noAdjustHandles="1" noChangeArrowheads="1" noChangeShapeType="1" noTextEdit="1"/>
+              </p:cNvSpPr>
+              <p:nvPr/>
+            </p:nvSpPr>
+            <p:spPr>
+              <a:xfrm>
+                <a:off x="3171040" y="3924911"/>
+                <a:ext cx="291738" cy="275052"/>
+              </a:xfrm>
+              <a:prstGeom prst="rect">
+                <a:avLst/>
+              </a:prstGeom>
+              <a:blipFill>
+                <a:blip r:embed="rId12"/>
+                <a:stretch>
+                  <a:fillRect r="-16667" b="-13636"/>
+                </a:stretch>
+              </a:blipFill>
+            </p:spPr>
+            <p:txBody>
+              <a:bodyPr/>
+              <a:lstStyle/>
+              <a:p>
+                <a:r>
+                  <a:rPr lang="en-US">
+                    <a:noFill/>
+                  </a:rPr>
+                  <a:t> </a:t>
+                </a:r>
+              </a:p>
+            </p:txBody>
+          </p:sp>
+        </mc:Fallback>
+      </mc:AlternateContent>
+      <p:cxnSp>
+        <p:nvCxnSpPr>
+          <p:cNvPr id="73" name="Straight Connector 72">
+            <a:extLst>
+              <a:ext uri="{FF2B5EF4-FFF2-40B4-BE49-F238E27FC236}">
+                <a16:creationId xmlns:a16="http://schemas.microsoft.com/office/drawing/2014/main" id="{F6A0DFE0-9F09-45FD-4AF0-7F971F96C978}"/>
+              </a:ext>
+            </a:extLst>
+          </p:cNvPr>
+          <p:cNvCxnSpPr>
+            <a:cxnSpLocks/>
+            <a:stCxn id="17" idx="6"/>
+            <a:endCxn id="50" idx="1"/>
+          </p:cNvCxnSpPr>
+          <p:nvPr/>
+        </p:nvCxnSpPr>
+        <p:spPr>
+          <a:xfrm>
+            <a:off x="1401184" y="4138581"/>
+            <a:ext cx="1728146" cy="170531"/>
+          </a:xfrm>
+          <a:prstGeom prst="line">
+            <a:avLst/>
+          </a:prstGeom>
+          <a:ln w="38100" cap="flat" cmpd="sng" algn="ctr">
+            <a:solidFill>
+              <a:schemeClr val="dk1"/>
+            </a:solidFill>
+            <a:prstDash val="solid"/>
+            <a:round/>
+            <a:headEnd type="none" w="med" len="med"/>
+            <a:tailEnd type="arrow" w="med" len="med"/>
+          </a:ln>
+        </p:spPr>
+        <p:style>
+          <a:lnRef idx="0">
+            <a:scrgbClr r="0" g="0" b="0"/>
+          </a:lnRef>
+          <a:fillRef idx="0">
+            <a:scrgbClr r="0" g="0" b="0"/>
+          </a:fillRef>
+          <a:effectRef idx="0">
+            <a:scrgbClr r="0" g="0" b="0"/>
+          </a:effectRef>
+          <a:fontRef idx="minor">
+            <a:schemeClr val="tx1"/>
+          </a:fontRef>
+        </p:style>
+      </p:cxnSp>
+      <p:cxnSp>
+        <p:nvCxnSpPr>
+          <p:cNvPr id="76" name="Straight Connector 75">
+            <a:extLst>
+              <a:ext uri="{FF2B5EF4-FFF2-40B4-BE49-F238E27FC236}">
+                <a16:creationId xmlns:a16="http://schemas.microsoft.com/office/drawing/2014/main" id="{3036DF76-96E0-F8E5-BBA1-6FFD15F60153}"/>
+              </a:ext>
+            </a:extLst>
+          </p:cNvPr>
+          <p:cNvCxnSpPr>
+            <a:cxnSpLocks/>
+            <a:stCxn id="15" idx="6"/>
+            <a:endCxn id="50" idx="2"/>
+          </p:cNvCxnSpPr>
+          <p:nvPr/>
+        </p:nvCxnSpPr>
+        <p:spPr>
+          <a:xfrm>
+            <a:off x="1401184" y="2845686"/>
+            <a:ext cx="1648098" cy="1679337"/>
+          </a:xfrm>
+          <a:prstGeom prst="line">
+            <a:avLst/>
+          </a:prstGeom>
+          <a:ln w="38100" cap="flat" cmpd="sng" algn="ctr">
+            <a:solidFill>
+              <a:schemeClr val="dk1"/>
+            </a:solidFill>
+            <a:prstDash val="solid"/>
+            <a:round/>
+            <a:headEnd type="none" w="med" len="med"/>
+            <a:tailEnd type="arrow" w="med" len="med"/>
+          </a:ln>
+        </p:spPr>
+        <p:style>
+          <a:lnRef idx="0">
+            <a:scrgbClr r="0" g="0" b="0"/>
+          </a:lnRef>
+          <a:fillRef idx="0">
+            <a:scrgbClr r="0" g="0" b="0"/>
+          </a:fillRef>
+          <a:effectRef idx="0">
+            <a:scrgbClr r="0" g="0" b="0"/>
+          </a:effectRef>
+          <a:fontRef idx="minor">
+            <a:schemeClr val="tx1"/>
+          </a:fontRef>
+        </p:style>
+      </p:cxnSp>
+      <p:cxnSp>
+        <p:nvCxnSpPr>
+          <p:cNvPr id="79" name="Straight Connector 78">
+            <a:extLst>
+              <a:ext uri="{FF2B5EF4-FFF2-40B4-BE49-F238E27FC236}">
+                <a16:creationId xmlns:a16="http://schemas.microsoft.com/office/drawing/2014/main" id="{AC79B1C7-0ED3-4517-2CDE-FCDD054FC9D9}"/>
+              </a:ext>
+            </a:extLst>
+          </p:cNvPr>
+          <p:cNvCxnSpPr>
+            <a:cxnSpLocks/>
+            <a:stCxn id="15" idx="6"/>
+            <a:endCxn id="49" idx="2"/>
+          </p:cNvCxnSpPr>
+          <p:nvPr/>
+        </p:nvCxnSpPr>
+        <p:spPr>
+          <a:xfrm>
+            <a:off x="1401184" y="2845686"/>
+            <a:ext cx="1648098" cy="594106"/>
+          </a:xfrm>
+          <a:prstGeom prst="line">
+            <a:avLst/>
+          </a:prstGeom>
+          <a:ln w="38100" cap="flat" cmpd="sng" algn="ctr">
+            <a:solidFill>
+              <a:schemeClr val="dk1"/>
+            </a:solidFill>
+            <a:prstDash val="solid"/>
+            <a:round/>
+            <a:headEnd type="none" w="med" len="med"/>
+            <a:tailEnd type="arrow" w="med" len="med"/>
+          </a:ln>
+        </p:spPr>
+        <p:style>
+          <a:lnRef idx="0">
+            <a:scrgbClr r="0" g="0" b="0"/>
+          </a:lnRef>
+          <a:fillRef idx="0">
+            <a:scrgbClr r="0" g="0" b="0"/>
+          </a:fillRef>
+          <a:effectRef idx="0">
+            <a:scrgbClr r="0" g="0" b="0"/>
+          </a:effectRef>
+          <a:fontRef idx="minor">
+            <a:schemeClr val="tx1"/>
+          </a:fontRef>
+        </p:style>
+      </p:cxnSp>
+      <p:cxnSp>
+        <p:nvCxnSpPr>
+          <p:cNvPr id="82" name="Straight Connector 81">
+            <a:extLst>
+              <a:ext uri="{FF2B5EF4-FFF2-40B4-BE49-F238E27FC236}">
+                <a16:creationId xmlns:a16="http://schemas.microsoft.com/office/drawing/2014/main" id="{F1637927-8EB6-7738-9259-5EAF19F40CA1}"/>
+              </a:ext>
+            </a:extLst>
+          </p:cNvPr>
+          <p:cNvCxnSpPr>
+            <a:cxnSpLocks/>
+            <a:stCxn id="16" idx="6"/>
+            <a:endCxn id="49" idx="2"/>
+          </p:cNvCxnSpPr>
+          <p:nvPr/>
+        </p:nvCxnSpPr>
+        <p:spPr>
+          <a:xfrm>
+            <a:off x="1401184" y="1557388"/>
+            <a:ext cx="1648098" cy="1882404"/>
+          </a:xfrm>
+          <a:prstGeom prst="line">
+            <a:avLst/>
+          </a:prstGeom>
+          <a:ln w="38100" cap="flat" cmpd="sng" algn="ctr">
+            <a:solidFill>
+              <a:schemeClr val="dk1"/>
+            </a:solidFill>
+            <a:prstDash val="solid"/>
+            <a:round/>
+            <a:headEnd type="none" w="med" len="med"/>
+            <a:tailEnd type="arrow" w="med" len="med"/>
+          </a:ln>
+        </p:spPr>
+        <p:style>
+          <a:lnRef idx="0">
+            <a:scrgbClr r="0" g="0" b="0"/>
+          </a:lnRef>
+          <a:fillRef idx="0">
+            <a:scrgbClr r="0" g="0" b="0"/>
+          </a:fillRef>
+          <a:effectRef idx="0">
+            <a:scrgbClr r="0" g="0" b="0"/>
+          </a:effectRef>
+          <a:fontRef idx="minor">
+            <a:schemeClr val="tx1"/>
+          </a:fontRef>
+        </p:style>
+      </p:cxnSp>
+      <p:cxnSp>
+        <p:nvCxnSpPr>
+          <p:cNvPr id="86" name="Straight Connector 85">
+            <a:extLst>
+              <a:ext uri="{FF2B5EF4-FFF2-40B4-BE49-F238E27FC236}">
+                <a16:creationId xmlns:a16="http://schemas.microsoft.com/office/drawing/2014/main" id="{EA14D303-F1CA-756D-8177-C727467A4FB9}"/>
+              </a:ext>
+            </a:extLst>
+          </p:cNvPr>
+          <p:cNvCxnSpPr>
+            <a:cxnSpLocks/>
+            <a:stCxn id="16" idx="6"/>
+            <a:endCxn id="50" idx="2"/>
+          </p:cNvCxnSpPr>
+          <p:nvPr/>
+        </p:nvCxnSpPr>
+        <p:spPr>
+          <a:xfrm>
+            <a:off x="1401184" y="1557388"/>
+            <a:ext cx="1648098" cy="2967635"/>
+          </a:xfrm>
+          <a:prstGeom prst="line">
+            <a:avLst/>
+          </a:prstGeom>
+          <a:ln w="38100" cap="flat" cmpd="sng" algn="ctr">
+            <a:solidFill>
+              <a:schemeClr val="dk1"/>
+            </a:solidFill>
+            <a:prstDash val="solid"/>
+            <a:round/>
+            <a:headEnd type="none" w="med" len="med"/>
+            <a:tailEnd type="arrow" w="med" len="med"/>
+          </a:ln>
+        </p:spPr>
+        <p:style>
+          <a:lnRef idx="0">
+            <a:scrgbClr r="0" g="0" b="0"/>
+          </a:lnRef>
+          <a:fillRef idx="0">
+            <a:scrgbClr r="0" g="0" b="0"/>
+          </a:fillRef>
+          <a:effectRef idx="0">
+            <a:scrgbClr r="0" g="0" b="0"/>
+          </a:effectRef>
+          <a:fontRef idx="minor">
+            <a:schemeClr val="tx1"/>
+          </a:fontRef>
+        </p:style>
+      </p:cxnSp>
+      <p:cxnSp>
+        <p:nvCxnSpPr>
+          <p:cNvPr id="94" name="Straight Connector 93">
+            <a:extLst>
+              <a:ext uri="{FF2B5EF4-FFF2-40B4-BE49-F238E27FC236}">
+                <a16:creationId xmlns:a16="http://schemas.microsoft.com/office/drawing/2014/main" id="{AFD1458F-134C-300D-8089-1517E0D35497}"/>
+              </a:ext>
+            </a:extLst>
+          </p:cNvPr>
+          <p:cNvCxnSpPr>
+            <a:cxnSpLocks/>
+            <a:stCxn id="49" idx="6"/>
+            <a:endCxn id="11" idx="2"/>
+          </p:cNvCxnSpPr>
+          <p:nvPr/>
+        </p:nvCxnSpPr>
+        <p:spPr>
+          <a:xfrm flipV="1">
+            <a:off x="3595886" y="3250872"/>
+            <a:ext cx="2058563" cy="188920"/>
+          </a:xfrm>
+          <a:prstGeom prst="line">
+            <a:avLst/>
+          </a:prstGeom>
+          <a:ln w="38100" cap="flat" cmpd="sng" algn="ctr">
+            <a:solidFill>
+              <a:schemeClr val="dk1"/>
+            </a:solidFill>
+            <a:prstDash val="solid"/>
+            <a:round/>
+            <a:headEnd type="none" w="med" len="med"/>
+            <a:tailEnd type="arrow" w="med" len="med"/>
+          </a:ln>
+        </p:spPr>
+        <p:style>
+          <a:lnRef idx="0">
+            <a:scrgbClr r="0" g="0" b="0"/>
+          </a:lnRef>
+          <a:fillRef idx="0">
+            <a:scrgbClr r="0" g="0" b="0"/>
+          </a:fillRef>
+          <a:effectRef idx="0">
+            <a:scrgbClr r="0" g="0" b="0"/>
+          </a:effectRef>
+          <a:fontRef idx="minor">
+            <a:schemeClr val="tx1"/>
+          </a:fontRef>
+        </p:style>
+      </p:cxnSp>
+      <p:cxnSp>
+        <p:nvCxnSpPr>
+          <p:cNvPr id="97" name="Straight Connector 96">
+            <a:extLst>
+              <a:ext uri="{FF2B5EF4-FFF2-40B4-BE49-F238E27FC236}">
+                <a16:creationId xmlns:a16="http://schemas.microsoft.com/office/drawing/2014/main" id="{D556F0B0-45EA-7171-F23C-51FD8786DC6C}"/>
+              </a:ext>
+            </a:extLst>
+          </p:cNvPr>
+          <p:cNvCxnSpPr>
+            <a:cxnSpLocks/>
+            <a:stCxn id="49" idx="6"/>
+            <a:endCxn id="23" idx="2"/>
+          </p:cNvCxnSpPr>
+          <p:nvPr/>
+        </p:nvCxnSpPr>
+        <p:spPr>
+          <a:xfrm flipV="1">
+            <a:off x="3595886" y="2149845"/>
+            <a:ext cx="2058563" cy="1289946"/>
+          </a:xfrm>
+          <a:prstGeom prst="line">
+            <a:avLst/>
+          </a:prstGeom>
+          <a:ln w="38100" cap="flat" cmpd="sng" algn="ctr">
+            <a:solidFill>
+              <a:schemeClr val="dk1"/>
+            </a:solidFill>
+            <a:prstDash val="solid"/>
+            <a:round/>
+            <a:headEnd type="none" w="med" len="med"/>
+            <a:tailEnd type="arrow" w="med" len="med"/>
+          </a:ln>
+        </p:spPr>
+        <p:style>
+          <a:lnRef idx="0">
+            <a:scrgbClr r="0" g="0" b="0"/>
+          </a:lnRef>
+          <a:fillRef idx="0">
+            <a:scrgbClr r="0" g="0" b="0"/>
+          </a:fillRef>
+          <a:effectRef idx="0">
+            <a:scrgbClr r="0" g="0" b="0"/>
+          </a:effectRef>
+          <a:fontRef idx="minor">
+            <a:schemeClr val="tx1"/>
+          </a:fontRef>
+        </p:style>
+      </p:cxnSp>
+      <p:cxnSp>
+        <p:nvCxnSpPr>
+          <p:cNvPr id="100" name="Straight Connector 99">
+            <a:extLst>
+              <a:ext uri="{FF2B5EF4-FFF2-40B4-BE49-F238E27FC236}">
+                <a16:creationId xmlns:a16="http://schemas.microsoft.com/office/drawing/2014/main" id="{C749D45E-62FD-8F9D-0E3E-1AF35054E38C}"/>
+              </a:ext>
+            </a:extLst>
+          </p:cNvPr>
+          <p:cNvCxnSpPr>
+            <a:cxnSpLocks/>
+            <a:stCxn id="50" idx="6"/>
+            <a:endCxn id="23" idx="2"/>
+          </p:cNvCxnSpPr>
+          <p:nvPr/>
+        </p:nvCxnSpPr>
+        <p:spPr>
+          <a:xfrm flipV="1">
+            <a:off x="3595886" y="2149845"/>
+            <a:ext cx="2058563" cy="2375178"/>
+          </a:xfrm>
+          <a:prstGeom prst="line">
+            <a:avLst/>
+          </a:prstGeom>
+          <a:ln w="38100" cap="flat" cmpd="sng" algn="ctr">
+            <a:solidFill>
+              <a:schemeClr val="dk1"/>
+            </a:solidFill>
+            <a:prstDash val="solid"/>
+            <a:round/>
+            <a:headEnd type="none" w="med" len="med"/>
+            <a:tailEnd type="arrow" w="med" len="med"/>
+          </a:ln>
+        </p:spPr>
+        <p:style>
+          <a:lnRef idx="0">
+            <a:scrgbClr r="0" g="0" b="0"/>
+          </a:lnRef>
+          <a:fillRef idx="0">
+            <a:scrgbClr r="0" g="0" b="0"/>
+          </a:fillRef>
+          <a:effectRef idx="0">
+            <a:scrgbClr r="0" g="0" b="0"/>
+          </a:effectRef>
+          <a:fontRef idx="minor">
+            <a:schemeClr val="tx1"/>
+          </a:fontRef>
+        </p:style>
+      </p:cxnSp>
+      <p:cxnSp>
+        <p:nvCxnSpPr>
+          <p:cNvPr id="103" name="Straight Connector 102">
+            <a:extLst>
+              <a:ext uri="{FF2B5EF4-FFF2-40B4-BE49-F238E27FC236}">
+                <a16:creationId xmlns:a16="http://schemas.microsoft.com/office/drawing/2014/main" id="{AFAC5388-E41D-9742-BC2E-872718A49BFD}"/>
+              </a:ext>
+            </a:extLst>
+          </p:cNvPr>
+          <p:cNvCxnSpPr>
+            <a:cxnSpLocks/>
+            <a:stCxn id="50" idx="6"/>
+            <a:endCxn id="11" idx="2"/>
+          </p:cNvCxnSpPr>
+          <p:nvPr/>
+        </p:nvCxnSpPr>
+        <p:spPr>
+          <a:xfrm flipV="1">
+            <a:off x="3595886" y="3250872"/>
+            <a:ext cx="2058563" cy="1274151"/>
+          </a:xfrm>
+          <a:prstGeom prst="line">
+            <a:avLst/>
+          </a:prstGeom>
+          <a:ln w="38100" cap="flat" cmpd="sng" algn="ctr">
+            <a:solidFill>
+              <a:schemeClr val="dk1"/>
+            </a:solidFill>
+            <a:prstDash val="solid"/>
+            <a:round/>
+            <a:headEnd type="none" w="med" len="med"/>
+            <a:tailEnd type="arrow" w="med" len="med"/>
+          </a:ln>
+        </p:spPr>
+        <p:style>
+          <a:lnRef idx="0">
+            <a:scrgbClr r="0" g="0" b="0"/>
+          </a:lnRef>
+          <a:fillRef idx="0">
+            <a:scrgbClr r="0" g="0" b="0"/>
+          </a:fillRef>
+          <a:effectRef idx="0">
+            <a:scrgbClr r="0" g="0" b="0"/>
+          </a:effectRef>
+          <a:fontRef idx="minor">
+            <a:schemeClr val="tx1"/>
+          </a:fontRef>
+        </p:style>
+      </p:cxnSp>
+      <p:sp>
+        <p:nvSpPr>
+          <p:cNvPr id="26" name="TextBox 25">
+            <a:extLst>
+              <a:ext uri="{FF2B5EF4-FFF2-40B4-BE49-F238E27FC236}">
+                <a16:creationId xmlns:a16="http://schemas.microsoft.com/office/drawing/2014/main" id="{91B3B228-D0B8-3CC7-00D6-6BCEA71A59D1}"/>
+              </a:ext>
+            </a:extLst>
+          </p:cNvPr>
+          <p:cNvSpPr txBox="1"/>
+          <p:nvPr/>
+        </p:nvSpPr>
+        <p:spPr>
+          <a:xfrm>
+            <a:off x="6461453" y="3073277"/>
+            <a:ext cx="5289867" cy="1384995"/>
+          </a:xfrm>
+          <a:prstGeom prst="rect">
+            <a:avLst/>
+          </a:prstGeom>
+          <a:noFill/>
+        </p:spPr>
+        <p:txBody>
+          <a:bodyPr wrap="square">
+            <a:spAutoFit/>
+          </a:bodyPr>
+          <a:lstStyle/>
+          <a:p>
+            <a:pPr algn="l" fontAlgn="base"/>
+            <a:r>
+              <a:rPr lang="en-PH" sz="2100" dirty="0"/>
+              <a:t>By using dropout, in every iteration, </a:t>
+            </a:r>
+            <a:r>
+              <a:rPr lang="en-PH" sz="2100" b="1" dirty="0">
+                <a:solidFill>
+                  <a:srgbClr val="0070C0"/>
+                </a:solidFill>
+              </a:rPr>
+              <a:t>you will work on a smaller neural network than the previous one</a:t>
+            </a:r>
+            <a:r>
+              <a:rPr lang="en-PH" sz="2100" dirty="0"/>
+              <a:t> and therefore, it approaches regularization.</a:t>
+            </a:r>
+          </a:p>
+        </p:txBody>
+      </p:sp>
+      <p:sp>
+        <p:nvSpPr>
+          <p:cNvPr id="28" name="TextBox 27">
+            <a:extLst>
+              <a:ext uri="{FF2B5EF4-FFF2-40B4-BE49-F238E27FC236}">
+                <a16:creationId xmlns:a16="http://schemas.microsoft.com/office/drawing/2014/main" id="{915B4636-3E96-F1BE-A465-2D8BF57F56BA}"/>
+              </a:ext>
+            </a:extLst>
+          </p:cNvPr>
+          <p:cNvSpPr txBox="1"/>
+          <p:nvPr/>
+        </p:nvSpPr>
+        <p:spPr>
+          <a:xfrm>
+            <a:off x="6461453" y="917952"/>
+            <a:ext cx="5492475" cy="1384995"/>
+          </a:xfrm>
+          <a:prstGeom prst="rect">
+            <a:avLst/>
+          </a:prstGeom>
+          <a:noFill/>
+        </p:spPr>
+        <p:txBody>
+          <a:bodyPr wrap="square">
+            <a:spAutoFit/>
+          </a:bodyPr>
+          <a:lstStyle/>
+          <a:p>
+            <a:r>
+              <a:rPr lang="en-PH" sz="2100" dirty="0"/>
+              <a:t>In dropout, we </a:t>
+            </a:r>
+            <a:r>
+              <a:rPr lang="en-PH" sz="2100" b="1" dirty="0">
+                <a:solidFill>
+                  <a:srgbClr val="0070C0"/>
+                </a:solidFill>
+              </a:rPr>
+              <a:t>randomly shut down some of a layer’s neurons </a:t>
+            </a:r>
+            <a:r>
+              <a:rPr lang="en-PH" sz="2100" dirty="0"/>
+              <a:t>at each training step by zeroing out the neuron values. The fraction of neurons to be zeroed out is known as the </a:t>
+            </a:r>
+            <a:r>
+              <a:rPr lang="en-PH" sz="2100" b="1" dirty="0">
+                <a:solidFill>
+                  <a:srgbClr val="00B050"/>
+                </a:solidFill>
+              </a:rPr>
+              <a:t>dropout rate</a:t>
+            </a:r>
+            <a:endParaRPr lang="en-US" sz="2100" b="1" dirty="0">
+              <a:solidFill>
+                <a:srgbClr val="00B050"/>
+              </a:solidFill>
+            </a:endParaRPr>
+          </a:p>
+        </p:txBody>
+      </p:sp>
+    </p:spTree>
+    <p:extLst>
+      <p:ext uri="{BB962C8B-B14F-4D97-AF65-F5344CB8AC3E}">
+        <p14:creationId xmlns:p14="http://schemas.microsoft.com/office/powerpoint/2010/main" val="2467817164"/>
+      </p:ext>
+    </p:extLst>
+  </p:cSld>
+  <p:clrMapOvr>
+    <a:masterClrMapping/>
+  </p:clrMapOvr>
+  <p:timing>
+    <p:tnLst>
+      <p:par>
+        <p:cTn id="1" dur="indefinite" restart="never" nodeType="tmRoot">
+          <p:childTnLst>
+            <p:seq concurrent="1" nextAc="seek">
+              <p:cTn id="2" dur="indefinite" nodeType="mainSeq">
+                <p:childTnLst>
+                  <p:par>
+                    <p:cTn id="3" fill="hold">
+                      <p:stCondLst>
+                        <p:cond delay="indefinite"/>
+                      </p:stCondLst>
+                      <p:childTnLst>
+                        <p:par>
+                          <p:cTn id="4" fill="hold">
+                            <p:stCondLst>
+                              <p:cond delay="0"/>
+                            </p:stCondLst>
+                            <p:childTnLst>
+                              <p:par>
+                                <p:cTn id="5" presetID="9" presetClass="emph" presetSubtype="0" grpId="0" nodeType="clickEffect">
+                                  <p:stCondLst>
+                                    <p:cond delay="0"/>
+                                  </p:stCondLst>
+                                  <p:childTnLst>
+                                    <p:set>
+                                      <p:cBhvr>
+                                        <p:cTn id="6" dur="indefinite"/>
+                                        <p:tgtEl>
+                                          <p:spTgt spid="38"/>
+                                        </p:tgtEl>
+                                        <p:attrNameLst>
+                                          <p:attrName>style.opacity</p:attrName>
+                                        </p:attrNameLst>
+                                      </p:cBhvr>
+                                      <p:to>
+                                        <p:strVal val="0.25"/>
+                                      </p:to>
+                                    </p:set>
+                                    <p:animEffect filter="image" prLst="opacity: 0.25">
+                                      <p:cBhvr rctx="IE">
+                                        <p:cTn id="7" dur="indefinite"/>
+                                        <p:tgtEl>
+                                          <p:spTgt spid="38"/>
+                                        </p:tgtEl>
+                                      </p:cBhvr>
+                                    </p:animEffect>
+                                  </p:childTnLst>
+                                </p:cTn>
+                              </p:par>
+                              <p:par>
+                                <p:cTn id="8" presetID="9" presetClass="emph" presetSubtype="0" grpId="0" nodeType="withEffect">
+                                  <p:stCondLst>
+                                    <p:cond delay="0"/>
+                                  </p:stCondLst>
+                                  <p:childTnLst>
+                                    <p:set>
+                                      <p:cBhvr>
+                                        <p:cTn id="9" dur="indefinite"/>
+                                        <p:tgtEl>
+                                          <p:spTgt spid="9"/>
+                                        </p:tgtEl>
+                                        <p:attrNameLst>
+                                          <p:attrName>style.opacity</p:attrName>
+                                        </p:attrNameLst>
+                                      </p:cBhvr>
+                                      <p:to>
+                                        <p:strVal val="0.25"/>
+                                      </p:to>
+                                    </p:set>
+                                    <p:animEffect filter="image" prLst="opacity: 0.25">
+                                      <p:cBhvr rctx="IE">
+                                        <p:cTn id="10" dur="indefinite"/>
+                                        <p:tgtEl>
+                                          <p:spTgt spid="9"/>
+                                        </p:tgtEl>
+                                      </p:cBhvr>
+                                    </p:animEffect>
+                                  </p:childTnLst>
+                                </p:cTn>
+                              </p:par>
+                              <p:par>
+                                <p:cTn id="11" presetID="9" presetClass="emph" presetSubtype="0" grpId="0" nodeType="withEffect">
+                                  <p:stCondLst>
+                                    <p:cond delay="0"/>
+                                  </p:stCondLst>
+                                  <p:childTnLst>
+                                    <p:set>
+                                      <p:cBhvr>
+                                        <p:cTn id="12" dur="indefinite"/>
+                                        <p:tgtEl>
+                                          <p:spTgt spid="39"/>
+                                        </p:tgtEl>
+                                        <p:attrNameLst>
+                                          <p:attrName>style.opacity</p:attrName>
+                                        </p:attrNameLst>
+                                      </p:cBhvr>
+                                      <p:to>
+                                        <p:strVal val="0.25"/>
+                                      </p:to>
+                                    </p:set>
+                                    <p:animEffect filter="image" prLst="opacity: 0.25">
+                                      <p:cBhvr rctx="IE">
+                                        <p:cTn id="13" dur="indefinite"/>
+                                        <p:tgtEl>
+                                          <p:spTgt spid="39"/>
+                                        </p:tgtEl>
+                                      </p:cBhvr>
+                                    </p:animEffect>
+                                  </p:childTnLst>
+                                </p:cTn>
+                              </p:par>
+                              <p:par>
+                                <p:cTn id="14" presetID="9" presetClass="emph" presetSubtype="0" grpId="0" nodeType="withEffect">
+                                  <p:stCondLst>
+                                    <p:cond delay="0"/>
+                                  </p:stCondLst>
+                                  <p:childTnLst>
+                                    <p:set>
+                                      <p:cBhvr>
+                                        <p:cTn id="15" dur="indefinite"/>
+                                        <p:tgtEl>
+                                          <p:spTgt spid="49"/>
+                                        </p:tgtEl>
+                                        <p:attrNameLst>
+                                          <p:attrName>style.opacity</p:attrName>
+                                        </p:attrNameLst>
+                                      </p:cBhvr>
+                                      <p:to>
+                                        <p:strVal val="0.25"/>
+                                      </p:to>
+                                    </p:set>
+                                    <p:animEffect filter="image" prLst="opacity: 0.25">
+                                      <p:cBhvr rctx="IE">
+                                        <p:cTn id="16" dur="indefinite"/>
+                                        <p:tgtEl>
+                                          <p:spTgt spid="49"/>
+                                        </p:tgtEl>
+                                      </p:cBhvr>
+                                    </p:animEffect>
+                                  </p:childTnLst>
+                                </p:cTn>
+                              </p:par>
+                            </p:childTnLst>
+                          </p:cTn>
+                        </p:par>
+                      </p:childTnLst>
+                    </p:cTn>
+                  </p:par>
+                </p:childTnLst>
+              </p:cTn>
+              <p:prevCondLst>
+                <p:cond evt="onPrev" delay="0">
+                  <p:tgtEl>
+                    <p:sldTgt/>
+                  </p:tgtEl>
+                </p:cond>
+              </p:prevCondLst>
+              <p:nextCondLst>
+                <p:cond evt="onNext" delay="0">
+                  <p:tgtEl>
+                    <p:sldTgt/>
+                  </p:tgtEl>
+                </p:cond>
+              </p:nextCondLst>
+            </p:seq>
+          </p:childTnLst>
+        </p:cTn>
+      </p:par>
+    </p:tnLst>
+    <p:bldLst>
+      <p:bldP spid="9" grpId="0" animBg="1"/>
+      <p:bldP spid="38" grpId="0"/>
+      <p:bldP spid="39" grpId="0"/>
+      <p:bldP spid="49" grpId="0" animBg="1"/>
+    </p:bldLst>
+  </p:timing>
+</p:sld>
+</file>
+
+<file path=ppt/slides/slide11.xml><?xml version="1.0" encoding="utf-8"?>
+<p:sld xmlns:a="http://schemas.openxmlformats.org/drawingml/2006/main" xmlns:r="http://schemas.openxmlformats.org/officeDocument/2006/relationships" xmlns:p="http://schemas.openxmlformats.org/presentationml/2006/main">
+  <p:cSld>
+    <p:bg>
+      <p:bgPr>
+        <a:blipFill dpi="0" rotWithShape="1">
+          <a:blip r:embed="rId3">
+            <a:alphaModFix amt="99000"/>
+            <a:lum/>
+          </a:blip>
+          <a:srcRect/>
+          <a:stretch>
+            <a:fillRect t="89000" r="85000" b="-1000"/>
+          </a:stretch>
+        </a:blipFill>
+        <a:effectLst/>
+      </p:bgPr>
+    </p:bg>
+    <p:spTree>
+      <p:nvGrpSpPr>
+        <p:cNvPr id="1" name=""/>
+        <p:cNvGrpSpPr/>
+        <p:nvPr/>
+      </p:nvGrpSpPr>
+      <p:grpSpPr>
+        <a:xfrm>
+          <a:off x="0" y="0"/>
+          <a:ext cx="0" cy="0"/>
+          <a:chOff x="0" y="0"/>
+          <a:chExt cx="0" cy="0"/>
+        </a:xfrm>
+      </p:grpSpPr>
+      <p:sp>
+        <p:nvSpPr>
+          <p:cNvPr id="4" name="Footer Placeholder 3">
+            <a:extLst>
+              <a:ext uri="{FF2B5EF4-FFF2-40B4-BE49-F238E27FC236}">
+                <a16:creationId xmlns:a16="http://schemas.microsoft.com/office/drawing/2014/main" id="{638E7DE1-45EE-476A-A474-0F3C264AEDA3}"/>
+              </a:ext>
+            </a:extLst>
+          </p:cNvPr>
+          <p:cNvSpPr>
+            <a:spLocks noGrp="1"/>
+          </p:cNvSpPr>
+          <p:nvPr>
+            <p:ph type="ftr" sz="quarter" idx="11"/>
+          </p:nvPr>
+        </p:nvSpPr>
+        <p:spPr>
+          <a:xfrm>
+            <a:off x="0" y="6139541"/>
+            <a:ext cx="12192000" cy="718459"/>
+          </a:xfrm>
+          <a:ln w="28575">
+            <a:solidFill>
+              <a:schemeClr val="accent5">
+                <a:lumMod val="50000"/>
+              </a:schemeClr>
+            </a:solidFill>
+          </a:ln>
+        </p:spPr>
+        <p:txBody>
+          <a:bodyPr/>
+          <a:lstStyle/>
+          <a:p>
+            <a:pPr algn="r"/>
+            <a:r>
+              <a:rPr lang="en-US" b="1" dirty="0">
+                <a:solidFill>
+                  <a:schemeClr val="tx1"/>
+                </a:solidFill>
+              </a:rPr>
+              <a:t>CCDEPLRL</a:t>
+            </a:r>
+            <a:endParaRPr lang="en-PH" dirty="0"/>
+          </a:p>
+        </p:txBody>
+      </p:sp>
+      <p:sp>
+        <p:nvSpPr>
+          <p:cNvPr id="5" name="Title 1">
+            <a:extLst>
+              <a:ext uri="{FF2B5EF4-FFF2-40B4-BE49-F238E27FC236}">
+                <a16:creationId xmlns:a16="http://schemas.microsoft.com/office/drawing/2014/main" id="{2FC0FD6B-4817-4999-6E57-104507E162A9}"/>
+              </a:ext>
+            </a:extLst>
+          </p:cNvPr>
+          <p:cNvSpPr>
+            <a:spLocks noGrp="1"/>
+          </p:cNvSpPr>
+          <p:nvPr>
+            <p:ph type="ctrTitle"/>
+          </p:nvPr>
+        </p:nvSpPr>
+        <p:spPr>
+          <a:xfrm>
+            <a:off x="556160" y="359228"/>
+            <a:ext cx="11124465" cy="718459"/>
+          </a:xfrm>
+        </p:spPr>
+        <p:txBody>
+          <a:bodyPr>
+            <a:noAutofit/>
+          </a:bodyPr>
+          <a:lstStyle/>
+          <a:p>
+            <a:r>
+              <a:rPr lang="en-PH" sz="5000" b="1" dirty="0"/>
+              <a:t>Early Stopping</a:t>
+            </a:r>
+          </a:p>
+        </p:txBody>
+      </p:sp>
+      <p:sp>
+        <p:nvSpPr>
+          <p:cNvPr id="6" name="Title 1">
+            <a:extLst>
+              <a:ext uri="{FF2B5EF4-FFF2-40B4-BE49-F238E27FC236}">
+                <a16:creationId xmlns:a16="http://schemas.microsoft.com/office/drawing/2014/main" id="{78303857-FEFC-374F-1765-AD332A3050E0}"/>
+              </a:ext>
+            </a:extLst>
+          </p:cNvPr>
+          <p:cNvSpPr txBox="1">
+            <a:spLocks/>
+          </p:cNvSpPr>
+          <p:nvPr/>
+        </p:nvSpPr>
+        <p:spPr>
+          <a:xfrm>
+            <a:off x="511374" y="1054971"/>
+            <a:ext cx="11169252" cy="3138593"/>
+          </a:xfrm>
+          <a:prstGeom prst="rect">
+            <a:avLst/>
+          </a:prstGeom>
+        </p:spPr>
+        <p:txBody>
+          <a:bodyPr vert="horz" lIns="91440" tIns="45720" rIns="91440" bIns="45720" rtlCol="0" anchor="b">
+            <a:noAutofit/>
+          </a:bodyPr>
+          <a:lstStyle>
+            <a:lvl1pPr algn="ctr" defTabSz="914400" rtl="0" eaLnBrk="1" latinLnBrk="0" hangingPunct="1">
+              <a:lnSpc>
+                <a:spcPct val="90000"/>
+              </a:lnSpc>
+              <a:spcBef>
+                <a:spcPct val="0"/>
+              </a:spcBef>
+              <a:buNone/>
+              <a:defRPr sz="6000" kern="1200">
+                <a:solidFill>
+                  <a:schemeClr val="tx1"/>
+                </a:solidFill>
+                <a:latin typeface="+mj-lt"/>
+                <a:ea typeface="+mj-ea"/>
+                <a:cs typeface="+mj-cs"/>
+              </a:defRPr>
+            </a:lvl1pPr>
+          </a:lstStyle>
+          <a:p>
+            <a:pPr algn="l"/>
+            <a:endParaRPr lang="en-US" sz="2400" dirty="0">
+              <a:latin typeface="Calibri (Body)"/>
+            </a:endParaRPr>
+          </a:p>
+        </p:txBody>
+      </p:sp>
+      <p:sp>
+        <p:nvSpPr>
+          <p:cNvPr id="2" name="Title 1">
+            <a:extLst>
+              <a:ext uri="{FF2B5EF4-FFF2-40B4-BE49-F238E27FC236}">
+                <a16:creationId xmlns:a16="http://schemas.microsoft.com/office/drawing/2014/main" id="{F288F7EF-6382-AC54-6CB3-8FE80E3F5A56}"/>
+              </a:ext>
+            </a:extLst>
+          </p:cNvPr>
+          <p:cNvSpPr txBox="1">
+            <a:spLocks/>
+          </p:cNvSpPr>
+          <p:nvPr/>
+        </p:nvSpPr>
+        <p:spPr>
+          <a:xfrm>
+            <a:off x="459203" y="1283707"/>
+            <a:ext cx="11273589" cy="4290585"/>
+          </a:xfrm>
+          <a:prstGeom prst="rect">
+            <a:avLst/>
+          </a:prstGeom>
+        </p:spPr>
+        <p:txBody>
+          <a:bodyPr vert="horz" lIns="91440" tIns="45720" rIns="91440" bIns="45720" rtlCol="0" anchor="b">
+            <a:normAutofit fontScale="97500"/>
+          </a:bodyPr>
+          <a:lstStyle>
+            <a:lvl1pPr algn="ctr" defTabSz="914400" rtl="0" eaLnBrk="1" latinLnBrk="0" hangingPunct="1">
+              <a:lnSpc>
+                <a:spcPct val="90000"/>
+              </a:lnSpc>
+              <a:spcBef>
+                <a:spcPct val="0"/>
+              </a:spcBef>
+              <a:buNone/>
+              <a:defRPr sz="6000" kern="1200">
+                <a:solidFill>
+                  <a:schemeClr val="tx1"/>
+                </a:solidFill>
+                <a:latin typeface="+mj-lt"/>
+                <a:ea typeface="+mj-ea"/>
+                <a:cs typeface="+mj-cs"/>
+              </a:defRPr>
+            </a:lvl1pPr>
+          </a:lstStyle>
+          <a:p>
+            <a:pPr algn="l"/>
+            <a:endParaRPr lang="en-US" sz="2900" b="1" i="0" dirty="0">
+              <a:solidFill>
+                <a:srgbClr val="252C33"/>
+              </a:solidFill>
+              <a:effectLst/>
+              <a:latin typeface="Calibri Body"/>
+            </a:endParaRPr>
+          </a:p>
+          <a:p>
+            <a:pPr algn="l"/>
+            <a:endParaRPr lang="en-US" sz="2900" b="1" dirty="0">
+              <a:latin typeface="Calibri Body"/>
+            </a:endParaRPr>
+          </a:p>
+          <a:p>
+            <a:pPr algn="l"/>
+            <a:endParaRPr lang="en-US" sz="2900" b="1" dirty="0">
+              <a:latin typeface="Calibri Body"/>
+            </a:endParaRPr>
+          </a:p>
+          <a:p>
+            <a:pPr algn="l"/>
+            <a:endParaRPr lang="en-US" sz="2900" b="1" dirty="0">
+              <a:solidFill>
+                <a:schemeClr val="tx1">
+                  <a:lumMod val="50000"/>
+                  <a:lumOff val="50000"/>
+                </a:schemeClr>
+              </a:solidFill>
+              <a:latin typeface="Calibri Body"/>
+            </a:endParaRPr>
+          </a:p>
+          <a:p>
+            <a:pPr algn="l"/>
+            <a:endParaRPr lang="en-US" sz="2900" b="1" dirty="0">
+              <a:solidFill>
+                <a:schemeClr val="tx1">
+                  <a:lumMod val="50000"/>
+                  <a:lumOff val="50000"/>
+                </a:schemeClr>
+              </a:solidFill>
+              <a:latin typeface="Calibri Body"/>
+            </a:endParaRPr>
+          </a:p>
+          <a:p>
+            <a:pPr algn="l"/>
+            <a:endParaRPr lang="en-US" sz="2900" b="1" dirty="0">
+              <a:solidFill>
+                <a:schemeClr val="tx1">
+                  <a:lumMod val="50000"/>
+                  <a:lumOff val="50000"/>
+                </a:schemeClr>
+              </a:solidFill>
+              <a:latin typeface="Calibri Body"/>
+            </a:endParaRPr>
+          </a:p>
+          <a:p>
+            <a:pPr algn="l"/>
+            <a:endParaRPr lang="en-US" sz="2900" b="1" dirty="0">
+              <a:solidFill>
+                <a:schemeClr val="tx1">
+                  <a:lumMod val="50000"/>
+                  <a:lumOff val="50000"/>
+                </a:schemeClr>
+              </a:solidFill>
+              <a:latin typeface="Calibri Body"/>
+            </a:endParaRPr>
+          </a:p>
+          <a:p>
+            <a:pPr algn="l"/>
+            <a:endParaRPr lang="en-US" sz="2900" b="1" dirty="0">
+              <a:solidFill>
+                <a:schemeClr val="tx1">
+                  <a:lumMod val="50000"/>
+                  <a:lumOff val="50000"/>
+                </a:schemeClr>
+              </a:solidFill>
+              <a:latin typeface="Calibri Body"/>
+            </a:endParaRPr>
+          </a:p>
+        </p:txBody>
+      </p:sp>
+      <p:sp>
+        <p:nvSpPr>
+          <p:cNvPr id="7" name="TextBox 6">
+            <a:extLst>
+              <a:ext uri="{FF2B5EF4-FFF2-40B4-BE49-F238E27FC236}">
+                <a16:creationId xmlns:a16="http://schemas.microsoft.com/office/drawing/2014/main" id="{40004882-7997-3026-23FC-3956A8542726}"/>
+              </a:ext>
+            </a:extLst>
+          </p:cNvPr>
+          <p:cNvSpPr txBox="1"/>
+          <p:nvPr/>
+        </p:nvSpPr>
+        <p:spPr>
+          <a:xfrm>
+            <a:off x="511374" y="1489282"/>
+            <a:ext cx="11221418" cy="1200329"/>
+          </a:xfrm>
+          <a:prstGeom prst="rect">
+            <a:avLst/>
+          </a:prstGeom>
+          <a:noFill/>
+        </p:spPr>
+        <p:txBody>
+          <a:bodyPr wrap="square">
+            <a:spAutoFit/>
+          </a:bodyPr>
+          <a:lstStyle/>
+          <a:p>
+            <a:r>
+              <a:rPr lang="en-PH" sz="2400" dirty="0"/>
+              <a:t>In </a:t>
+            </a:r>
+            <a:r>
+              <a:rPr lang="en-PH" sz="2400" b="1" dirty="0">
+                <a:solidFill>
+                  <a:srgbClr val="00B050"/>
+                </a:solidFill>
+              </a:rPr>
+              <a:t>Regularization by Early Stopping</a:t>
+            </a:r>
+            <a:r>
+              <a:rPr lang="en-PH" sz="2400" dirty="0"/>
+              <a:t>, we </a:t>
+            </a:r>
+            <a:r>
+              <a:rPr lang="en-PH" sz="2400" b="1" dirty="0">
+                <a:solidFill>
+                  <a:srgbClr val="0070C0"/>
+                </a:solidFill>
+              </a:rPr>
+              <a:t>stop training the model when the performance on the validation set is getting worse </a:t>
+            </a:r>
+            <a:r>
+              <a:rPr lang="en-PH" sz="2400" dirty="0"/>
+              <a:t>increasing loss decreasing accuracy, or poorer scores of the scoring metric. </a:t>
+            </a:r>
+            <a:endParaRPr lang="en-US" sz="2400" dirty="0"/>
+          </a:p>
+        </p:txBody>
+      </p:sp>
+    </p:spTree>
+    <p:extLst>
+      <p:ext uri="{BB962C8B-B14F-4D97-AF65-F5344CB8AC3E}">
+        <p14:creationId xmlns:p14="http://schemas.microsoft.com/office/powerpoint/2010/main" val="1436415951"/>
       </p:ext>
     </p:extLst>
   </p:cSld>
@@ -3974,6 +8141,80 @@
           </a:p>
         </p:txBody>
       </p:sp>
+      <p:sp>
+        <p:nvSpPr>
+          <p:cNvPr id="3" name="TextBox 2">
+            <a:extLst>
+              <a:ext uri="{FF2B5EF4-FFF2-40B4-BE49-F238E27FC236}">
+                <a16:creationId xmlns:a16="http://schemas.microsoft.com/office/drawing/2014/main" id="{180DE245-BB15-5677-26ED-FF5CE025A08F}"/>
+              </a:ext>
+            </a:extLst>
+          </p:cNvPr>
+          <p:cNvSpPr txBox="1"/>
+          <p:nvPr/>
+        </p:nvSpPr>
+        <p:spPr>
+          <a:xfrm>
+            <a:off x="459203" y="1480090"/>
+            <a:ext cx="11273588" cy="2400657"/>
+          </a:xfrm>
+          <a:prstGeom prst="rect">
+            <a:avLst/>
+          </a:prstGeom>
+          <a:noFill/>
+        </p:spPr>
+        <p:txBody>
+          <a:bodyPr wrap="square">
+            <a:spAutoFit/>
+          </a:bodyPr>
+          <a:lstStyle/>
+          <a:p>
+            <a:pPr marL="342900" indent="-342900">
+              <a:buFont typeface="Wingdings" pitchFamily="2" charset="2"/>
+              <a:buChar char="Ø"/>
+            </a:pPr>
+            <a:r>
+              <a:rPr lang="en-PH" sz="3000" dirty="0"/>
+              <a:t>Introduction</a:t>
+            </a:r>
+          </a:p>
+          <a:p>
+            <a:pPr marL="342900" indent="-342900">
+              <a:buFont typeface="Wingdings" pitchFamily="2" charset="2"/>
+              <a:buChar char="Ø"/>
+            </a:pPr>
+            <a:endParaRPr lang="en-PH" sz="3000" dirty="0"/>
+          </a:p>
+          <a:p>
+            <a:pPr marL="342900" indent="-342900">
+              <a:buFont typeface="Wingdings" pitchFamily="2" charset="2"/>
+              <a:buChar char="Ø"/>
+            </a:pPr>
+            <a:r>
+              <a:rPr lang="en-PH" sz="3000" dirty="0"/>
+              <a:t>Bias and Variance</a:t>
+            </a:r>
+          </a:p>
+          <a:p>
+            <a:pPr marL="342900" indent="-342900">
+              <a:buFont typeface="Wingdings" pitchFamily="2" charset="2"/>
+              <a:buChar char="Ø"/>
+            </a:pPr>
+            <a:endParaRPr lang="en-PH" sz="3000" dirty="0"/>
+          </a:p>
+          <a:p>
+            <a:pPr marL="342900" indent="-342900">
+              <a:buFont typeface="Wingdings" pitchFamily="2" charset="2"/>
+              <a:buChar char="Ø"/>
+            </a:pPr>
+            <a:r>
+              <a:rPr lang="en-PH" sz="3000" dirty="0"/>
+              <a:t>Overfitting</a:t>
+            </a:r>
+            <a:endParaRPr lang="en-US" sz="3000" dirty="0"/>
+          </a:p>
+        </p:txBody>
+      </p:sp>
     </p:spTree>
     <p:extLst>
       <p:ext uri="{BB962C8B-B14F-4D97-AF65-F5344CB8AC3E}">
@@ -3984,6 +8225,5480 @@
   <p:clrMapOvr>
     <a:masterClrMapping/>
   </p:clrMapOvr>
+</p:sld>
+</file>
+
+<file path=ppt/slides/slide3.xml><?xml version="1.0" encoding="utf-8"?>
+<p:sld xmlns:a="http://schemas.openxmlformats.org/drawingml/2006/main" xmlns:r="http://schemas.openxmlformats.org/officeDocument/2006/relationships" xmlns:p="http://schemas.openxmlformats.org/presentationml/2006/main">
+  <p:cSld>
+    <p:bg>
+      <p:bgPr>
+        <a:blipFill dpi="0" rotWithShape="1">
+          <a:blip r:embed="rId3">
+            <a:alphaModFix amt="99000"/>
+            <a:lum/>
+          </a:blip>
+          <a:srcRect/>
+          <a:stretch>
+            <a:fillRect t="89000" r="85000" b="-1000"/>
+          </a:stretch>
+        </a:blipFill>
+        <a:effectLst/>
+      </p:bgPr>
+    </p:bg>
+    <p:spTree>
+      <p:nvGrpSpPr>
+        <p:cNvPr id="1" name=""/>
+        <p:cNvGrpSpPr/>
+        <p:nvPr/>
+      </p:nvGrpSpPr>
+      <p:grpSpPr>
+        <a:xfrm>
+          <a:off x="0" y="0"/>
+          <a:ext cx="0" cy="0"/>
+          <a:chOff x="0" y="0"/>
+          <a:chExt cx="0" cy="0"/>
+        </a:xfrm>
+      </p:grpSpPr>
+      <p:sp>
+        <p:nvSpPr>
+          <p:cNvPr id="4" name="Footer Placeholder 3">
+            <a:extLst>
+              <a:ext uri="{FF2B5EF4-FFF2-40B4-BE49-F238E27FC236}">
+                <a16:creationId xmlns:a16="http://schemas.microsoft.com/office/drawing/2014/main" id="{638E7DE1-45EE-476A-A474-0F3C264AEDA3}"/>
+              </a:ext>
+            </a:extLst>
+          </p:cNvPr>
+          <p:cNvSpPr>
+            <a:spLocks noGrp="1"/>
+          </p:cNvSpPr>
+          <p:nvPr>
+            <p:ph type="ftr" sz="quarter" idx="11"/>
+          </p:nvPr>
+        </p:nvSpPr>
+        <p:spPr>
+          <a:xfrm>
+            <a:off x="0" y="6139541"/>
+            <a:ext cx="12192000" cy="718459"/>
+          </a:xfrm>
+          <a:ln w="28575">
+            <a:solidFill>
+              <a:schemeClr val="accent5">
+                <a:lumMod val="50000"/>
+              </a:schemeClr>
+            </a:solidFill>
+          </a:ln>
+        </p:spPr>
+        <p:txBody>
+          <a:bodyPr/>
+          <a:lstStyle/>
+          <a:p>
+            <a:pPr algn="r"/>
+            <a:r>
+              <a:rPr lang="en-US" b="1" dirty="0">
+                <a:solidFill>
+                  <a:schemeClr val="tx1"/>
+                </a:solidFill>
+              </a:rPr>
+              <a:t>CCDEPLRL</a:t>
+            </a:r>
+            <a:endParaRPr lang="en-PH" dirty="0"/>
+          </a:p>
+        </p:txBody>
+      </p:sp>
+      <p:sp>
+        <p:nvSpPr>
+          <p:cNvPr id="5" name="Title 1">
+            <a:extLst>
+              <a:ext uri="{FF2B5EF4-FFF2-40B4-BE49-F238E27FC236}">
+                <a16:creationId xmlns:a16="http://schemas.microsoft.com/office/drawing/2014/main" id="{2FC0FD6B-4817-4999-6E57-104507E162A9}"/>
+              </a:ext>
+            </a:extLst>
+          </p:cNvPr>
+          <p:cNvSpPr>
+            <a:spLocks noGrp="1"/>
+          </p:cNvSpPr>
+          <p:nvPr>
+            <p:ph type="ctrTitle"/>
+          </p:nvPr>
+        </p:nvSpPr>
+        <p:spPr>
+          <a:xfrm>
+            <a:off x="556160" y="359228"/>
+            <a:ext cx="11124465" cy="718459"/>
+          </a:xfrm>
+        </p:spPr>
+        <p:txBody>
+          <a:bodyPr>
+            <a:noAutofit/>
+          </a:bodyPr>
+          <a:lstStyle/>
+          <a:p>
+            <a:r>
+              <a:rPr lang="en-PH" sz="5000" b="1" dirty="0"/>
+              <a:t>Introduction</a:t>
+            </a:r>
+          </a:p>
+        </p:txBody>
+      </p:sp>
+      <p:sp>
+        <p:nvSpPr>
+          <p:cNvPr id="6" name="Title 1">
+            <a:extLst>
+              <a:ext uri="{FF2B5EF4-FFF2-40B4-BE49-F238E27FC236}">
+                <a16:creationId xmlns:a16="http://schemas.microsoft.com/office/drawing/2014/main" id="{78303857-FEFC-374F-1765-AD332A3050E0}"/>
+              </a:ext>
+            </a:extLst>
+          </p:cNvPr>
+          <p:cNvSpPr txBox="1">
+            <a:spLocks/>
+          </p:cNvSpPr>
+          <p:nvPr/>
+        </p:nvSpPr>
+        <p:spPr>
+          <a:xfrm>
+            <a:off x="511374" y="1054971"/>
+            <a:ext cx="11169252" cy="3138593"/>
+          </a:xfrm>
+          <a:prstGeom prst="rect">
+            <a:avLst/>
+          </a:prstGeom>
+        </p:spPr>
+        <p:txBody>
+          <a:bodyPr vert="horz" lIns="91440" tIns="45720" rIns="91440" bIns="45720" rtlCol="0" anchor="b">
+            <a:noAutofit/>
+          </a:bodyPr>
+          <a:lstStyle>
+            <a:lvl1pPr algn="ctr" defTabSz="914400" rtl="0" eaLnBrk="1" latinLnBrk="0" hangingPunct="1">
+              <a:lnSpc>
+                <a:spcPct val="90000"/>
+              </a:lnSpc>
+              <a:spcBef>
+                <a:spcPct val="0"/>
+              </a:spcBef>
+              <a:buNone/>
+              <a:defRPr sz="6000" kern="1200">
+                <a:solidFill>
+                  <a:schemeClr val="tx1"/>
+                </a:solidFill>
+                <a:latin typeface="+mj-lt"/>
+                <a:ea typeface="+mj-ea"/>
+                <a:cs typeface="+mj-cs"/>
+              </a:defRPr>
+            </a:lvl1pPr>
+          </a:lstStyle>
+          <a:p>
+            <a:pPr algn="l"/>
+            <a:endParaRPr lang="en-US" sz="2400" dirty="0">
+              <a:latin typeface="Calibri (Body)"/>
+            </a:endParaRPr>
+          </a:p>
+        </p:txBody>
+      </p:sp>
+      <p:sp>
+        <p:nvSpPr>
+          <p:cNvPr id="2" name="Title 1">
+            <a:extLst>
+              <a:ext uri="{FF2B5EF4-FFF2-40B4-BE49-F238E27FC236}">
+                <a16:creationId xmlns:a16="http://schemas.microsoft.com/office/drawing/2014/main" id="{F288F7EF-6382-AC54-6CB3-8FE80E3F5A56}"/>
+              </a:ext>
+            </a:extLst>
+          </p:cNvPr>
+          <p:cNvSpPr txBox="1">
+            <a:spLocks/>
+          </p:cNvSpPr>
+          <p:nvPr/>
+        </p:nvSpPr>
+        <p:spPr>
+          <a:xfrm>
+            <a:off x="459203" y="1283707"/>
+            <a:ext cx="11273589" cy="4290585"/>
+          </a:xfrm>
+          <a:prstGeom prst="rect">
+            <a:avLst/>
+          </a:prstGeom>
+        </p:spPr>
+        <p:txBody>
+          <a:bodyPr vert="horz" lIns="91440" tIns="45720" rIns="91440" bIns="45720" rtlCol="0" anchor="b">
+            <a:normAutofit fontScale="97500"/>
+          </a:bodyPr>
+          <a:lstStyle>
+            <a:lvl1pPr algn="ctr" defTabSz="914400" rtl="0" eaLnBrk="1" latinLnBrk="0" hangingPunct="1">
+              <a:lnSpc>
+                <a:spcPct val="90000"/>
+              </a:lnSpc>
+              <a:spcBef>
+                <a:spcPct val="0"/>
+              </a:spcBef>
+              <a:buNone/>
+              <a:defRPr sz="6000" kern="1200">
+                <a:solidFill>
+                  <a:schemeClr val="tx1"/>
+                </a:solidFill>
+                <a:latin typeface="+mj-lt"/>
+                <a:ea typeface="+mj-ea"/>
+                <a:cs typeface="+mj-cs"/>
+              </a:defRPr>
+            </a:lvl1pPr>
+          </a:lstStyle>
+          <a:p>
+            <a:pPr algn="l"/>
+            <a:endParaRPr lang="en-US" sz="2900" b="1" i="0" dirty="0">
+              <a:solidFill>
+                <a:srgbClr val="252C33"/>
+              </a:solidFill>
+              <a:effectLst/>
+              <a:latin typeface="Calibri Body"/>
+            </a:endParaRPr>
+          </a:p>
+          <a:p>
+            <a:pPr algn="l"/>
+            <a:endParaRPr lang="en-US" sz="2900" b="1" dirty="0">
+              <a:latin typeface="Calibri Body"/>
+            </a:endParaRPr>
+          </a:p>
+          <a:p>
+            <a:pPr algn="l"/>
+            <a:endParaRPr lang="en-US" sz="2900" b="1" dirty="0">
+              <a:latin typeface="Calibri Body"/>
+            </a:endParaRPr>
+          </a:p>
+          <a:p>
+            <a:pPr algn="l"/>
+            <a:endParaRPr lang="en-US" sz="2900" b="1" dirty="0">
+              <a:solidFill>
+                <a:schemeClr val="tx1">
+                  <a:lumMod val="50000"/>
+                  <a:lumOff val="50000"/>
+                </a:schemeClr>
+              </a:solidFill>
+              <a:latin typeface="Calibri Body"/>
+            </a:endParaRPr>
+          </a:p>
+          <a:p>
+            <a:pPr algn="l"/>
+            <a:endParaRPr lang="en-US" sz="2900" b="1" dirty="0">
+              <a:solidFill>
+                <a:schemeClr val="tx1">
+                  <a:lumMod val="50000"/>
+                  <a:lumOff val="50000"/>
+                </a:schemeClr>
+              </a:solidFill>
+              <a:latin typeface="Calibri Body"/>
+            </a:endParaRPr>
+          </a:p>
+          <a:p>
+            <a:pPr algn="l"/>
+            <a:endParaRPr lang="en-US" sz="2900" b="1" dirty="0">
+              <a:solidFill>
+                <a:schemeClr val="tx1">
+                  <a:lumMod val="50000"/>
+                  <a:lumOff val="50000"/>
+                </a:schemeClr>
+              </a:solidFill>
+              <a:latin typeface="Calibri Body"/>
+            </a:endParaRPr>
+          </a:p>
+          <a:p>
+            <a:pPr algn="l"/>
+            <a:endParaRPr lang="en-US" sz="2900" b="1" dirty="0">
+              <a:solidFill>
+                <a:schemeClr val="tx1">
+                  <a:lumMod val="50000"/>
+                  <a:lumOff val="50000"/>
+                </a:schemeClr>
+              </a:solidFill>
+              <a:latin typeface="Calibri Body"/>
+            </a:endParaRPr>
+          </a:p>
+          <a:p>
+            <a:pPr algn="l"/>
+            <a:endParaRPr lang="en-US" sz="2900" b="1" dirty="0">
+              <a:solidFill>
+                <a:schemeClr val="tx1">
+                  <a:lumMod val="50000"/>
+                  <a:lumOff val="50000"/>
+                </a:schemeClr>
+              </a:solidFill>
+              <a:latin typeface="Calibri Body"/>
+            </a:endParaRPr>
+          </a:p>
+        </p:txBody>
+      </p:sp>
+      <p:sp>
+        <p:nvSpPr>
+          <p:cNvPr id="7" name="TextBox 6">
+            <a:extLst>
+              <a:ext uri="{FF2B5EF4-FFF2-40B4-BE49-F238E27FC236}">
+                <a16:creationId xmlns:a16="http://schemas.microsoft.com/office/drawing/2014/main" id="{F869D4BE-A1FC-8F6C-1511-07A467294779}"/>
+              </a:ext>
+            </a:extLst>
+          </p:cNvPr>
+          <p:cNvSpPr txBox="1"/>
+          <p:nvPr/>
+        </p:nvSpPr>
+        <p:spPr>
+          <a:xfrm>
+            <a:off x="459203" y="1480090"/>
+            <a:ext cx="11273588" cy="1200329"/>
+          </a:xfrm>
+          <a:prstGeom prst="rect">
+            <a:avLst/>
+          </a:prstGeom>
+          <a:noFill/>
+        </p:spPr>
+        <p:txBody>
+          <a:bodyPr wrap="square">
+            <a:spAutoFit/>
+          </a:bodyPr>
+          <a:lstStyle/>
+          <a:p>
+            <a:r>
+              <a:rPr lang="en-PH" sz="2400" dirty="0"/>
+              <a:t>A model is said to be a good machine learning model if it </a:t>
+            </a:r>
+            <a:r>
+              <a:rPr lang="en-PH" sz="2400" b="1" dirty="0">
+                <a:solidFill>
+                  <a:srgbClr val="00B050"/>
+                </a:solidFill>
+              </a:rPr>
+              <a:t>generalizes any new input data </a:t>
+            </a:r>
+            <a:r>
+              <a:rPr lang="en-PH" sz="2400" dirty="0"/>
+              <a:t>from the problem domain in a proper way. This helps us to make predictions about future data, that the data model has never seen. </a:t>
+            </a:r>
+            <a:endParaRPr lang="en-US" sz="2400" dirty="0"/>
+          </a:p>
+        </p:txBody>
+      </p:sp>
+      <p:sp>
+        <p:nvSpPr>
+          <p:cNvPr id="11" name="TextBox 10">
+            <a:extLst>
+              <a:ext uri="{FF2B5EF4-FFF2-40B4-BE49-F238E27FC236}">
+                <a16:creationId xmlns:a16="http://schemas.microsoft.com/office/drawing/2014/main" id="{FB619C4E-2909-51F9-0E16-F47B5931CC07}"/>
+              </a:ext>
+            </a:extLst>
+          </p:cNvPr>
+          <p:cNvSpPr txBox="1"/>
+          <p:nvPr/>
+        </p:nvSpPr>
+        <p:spPr>
+          <a:xfrm>
+            <a:off x="511371" y="2993235"/>
+            <a:ext cx="11169251" cy="1200329"/>
+          </a:xfrm>
+          <a:prstGeom prst="rect">
+            <a:avLst/>
+          </a:prstGeom>
+          <a:noFill/>
+        </p:spPr>
+        <p:txBody>
+          <a:bodyPr wrap="square">
+            <a:spAutoFit/>
+          </a:bodyPr>
+          <a:lstStyle/>
+          <a:p>
+            <a:r>
+              <a:rPr lang="en-PH" sz="2400" dirty="0"/>
+              <a:t>Suppose we want to check how well our machine learning model learns and generalizes to the new data. For that, we have </a:t>
+            </a:r>
+            <a:r>
+              <a:rPr lang="en-PH" sz="2400" b="1" dirty="0">
+                <a:solidFill>
+                  <a:srgbClr val="0070C0"/>
+                </a:solidFill>
+              </a:rPr>
+              <a:t>overfitting</a:t>
+            </a:r>
+            <a:r>
+              <a:rPr lang="en-PH" sz="2400" dirty="0"/>
+              <a:t> and </a:t>
+            </a:r>
+            <a:r>
+              <a:rPr lang="en-PH" sz="2400" b="1" dirty="0">
+                <a:solidFill>
+                  <a:srgbClr val="0070C0"/>
+                </a:solidFill>
+              </a:rPr>
+              <a:t>underfitting</a:t>
+            </a:r>
+            <a:r>
+              <a:rPr lang="en-PH" sz="2400" dirty="0"/>
+              <a:t>, which are majorly responsible for the poor performances of the machine learning algorithms.</a:t>
+            </a:r>
+            <a:endParaRPr lang="en-US" sz="2400" dirty="0"/>
+          </a:p>
+        </p:txBody>
+      </p:sp>
+    </p:spTree>
+    <p:extLst>
+      <p:ext uri="{BB962C8B-B14F-4D97-AF65-F5344CB8AC3E}">
+        <p14:creationId xmlns:p14="http://schemas.microsoft.com/office/powerpoint/2010/main" val="3631922139"/>
+      </p:ext>
+    </p:extLst>
+  </p:cSld>
+  <p:clrMapOvr>
+    <a:masterClrMapping/>
+  </p:clrMapOvr>
+</p:sld>
+</file>
+
+<file path=ppt/slides/slide4.xml><?xml version="1.0" encoding="utf-8"?>
+<p:sld xmlns:a="http://schemas.openxmlformats.org/drawingml/2006/main" xmlns:r="http://schemas.openxmlformats.org/officeDocument/2006/relationships" xmlns:p="http://schemas.openxmlformats.org/presentationml/2006/main">
+  <p:cSld>
+    <p:bg>
+      <p:bgPr>
+        <a:blipFill dpi="0" rotWithShape="1">
+          <a:blip r:embed="rId3">
+            <a:alphaModFix amt="99000"/>
+            <a:lum/>
+          </a:blip>
+          <a:srcRect/>
+          <a:stretch>
+            <a:fillRect t="89000" r="85000" b="-1000"/>
+          </a:stretch>
+        </a:blipFill>
+        <a:effectLst/>
+      </p:bgPr>
+    </p:bg>
+    <p:spTree>
+      <p:nvGrpSpPr>
+        <p:cNvPr id="1" name=""/>
+        <p:cNvGrpSpPr/>
+        <p:nvPr/>
+      </p:nvGrpSpPr>
+      <p:grpSpPr>
+        <a:xfrm>
+          <a:off x="0" y="0"/>
+          <a:ext cx="0" cy="0"/>
+          <a:chOff x="0" y="0"/>
+          <a:chExt cx="0" cy="0"/>
+        </a:xfrm>
+      </p:grpSpPr>
+      <p:sp>
+        <p:nvSpPr>
+          <p:cNvPr id="4" name="Footer Placeholder 3">
+            <a:extLst>
+              <a:ext uri="{FF2B5EF4-FFF2-40B4-BE49-F238E27FC236}">
+                <a16:creationId xmlns:a16="http://schemas.microsoft.com/office/drawing/2014/main" id="{638E7DE1-45EE-476A-A474-0F3C264AEDA3}"/>
+              </a:ext>
+            </a:extLst>
+          </p:cNvPr>
+          <p:cNvSpPr>
+            <a:spLocks noGrp="1"/>
+          </p:cNvSpPr>
+          <p:nvPr>
+            <p:ph type="ftr" sz="quarter" idx="11"/>
+          </p:nvPr>
+        </p:nvSpPr>
+        <p:spPr>
+          <a:xfrm>
+            <a:off x="0" y="6139541"/>
+            <a:ext cx="12192000" cy="718459"/>
+          </a:xfrm>
+          <a:ln w="28575">
+            <a:solidFill>
+              <a:schemeClr val="accent5">
+                <a:lumMod val="50000"/>
+              </a:schemeClr>
+            </a:solidFill>
+          </a:ln>
+        </p:spPr>
+        <p:txBody>
+          <a:bodyPr/>
+          <a:lstStyle/>
+          <a:p>
+            <a:pPr algn="r"/>
+            <a:r>
+              <a:rPr lang="en-US" b="1" dirty="0">
+                <a:solidFill>
+                  <a:schemeClr val="tx1"/>
+                </a:solidFill>
+              </a:rPr>
+              <a:t>CCDEPLRL</a:t>
+            </a:r>
+            <a:endParaRPr lang="en-PH" dirty="0"/>
+          </a:p>
+        </p:txBody>
+      </p:sp>
+      <p:sp>
+        <p:nvSpPr>
+          <p:cNvPr id="5" name="Title 1">
+            <a:extLst>
+              <a:ext uri="{FF2B5EF4-FFF2-40B4-BE49-F238E27FC236}">
+                <a16:creationId xmlns:a16="http://schemas.microsoft.com/office/drawing/2014/main" id="{2FC0FD6B-4817-4999-6E57-104507E162A9}"/>
+              </a:ext>
+            </a:extLst>
+          </p:cNvPr>
+          <p:cNvSpPr>
+            <a:spLocks noGrp="1"/>
+          </p:cNvSpPr>
+          <p:nvPr>
+            <p:ph type="ctrTitle"/>
+          </p:nvPr>
+        </p:nvSpPr>
+        <p:spPr>
+          <a:xfrm>
+            <a:off x="556160" y="359228"/>
+            <a:ext cx="11124465" cy="718459"/>
+          </a:xfrm>
+        </p:spPr>
+        <p:txBody>
+          <a:bodyPr>
+            <a:noAutofit/>
+          </a:bodyPr>
+          <a:lstStyle/>
+          <a:p>
+            <a:r>
+              <a:rPr lang="en-PH" sz="5000" b="1" dirty="0"/>
+              <a:t>Bias and Variance</a:t>
+            </a:r>
+          </a:p>
+        </p:txBody>
+      </p:sp>
+      <p:sp>
+        <p:nvSpPr>
+          <p:cNvPr id="6" name="Title 1">
+            <a:extLst>
+              <a:ext uri="{FF2B5EF4-FFF2-40B4-BE49-F238E27FC236}">
+                <a16:creationId xmlns:a16="http://schemas.microsoft.com/office/drawing/2014/main" id="{78303857-FEFC-374F-1765-AD332A3050E0}"/>
+              </a:ext>
+            </a:extLst>
+          </p:cNvPr>
+          <p:cNvSpPr txBox="1">
+            <a:spLocks/>
+          </p:cNvSpPr>
+          <p:nvPr/>
+        </p:nvSpPr>
+        <p:spPr>
+          <a:xfrm>
+            <a:off x="511374" y="1054971"/>
+            <a:ext cx="11169252" cy="3138593"/>
+          </a:xfrm>
+          <a:prstGeom prst="rect">
+            <a:avLst/>
+          </a:prstGeom>
+        </p:spPr>
+        <p:txBody>
+          <a:bodyPr vert="horz" lIns="91440" tIns="45720" rIns="91440" bIns="45720" rtlCol="0" anchor="b">
+            <a:noAutofit/>
+          </a:bodyPr>
+          <a:lstStyle>
+            <a:lvl1pPr algn="ctr" defTabSz="914400" rtl="0" eaLnBrk="1" latinLnBrk="0" hangingPunct="1">
+              <a:lnSpc>
+                <a:spcPct val="90000"/>
+              </a:lnSpc>
+              <a:spcBef>
+                <a:spcPct val="0"/>
+              </a:spcBef>
+              <a:buNone/>
+              <a:defRPr sz="6000" kern="1200">
+                <a:solidFill>
+                  <a:schemeClr val="tx1"/>
+                </a:solidFill>
+                <a:latin typeface="+mj-lt"/>
+                <a:ea typeface="+mj-ea"/>
+                <a:cs typeface="+mj-cs"/>
+              </a:defRPr>
+            </a:lvl1pPr>
+          </a:lstStyle>
+          <a:p>
+            <a:pPr algn="l"/>
+            <a:endParaRPr lang="en-US" sz="2400" dirty="0">
+              <a:latin typeface="Calibri (Body)"/>
+            </a:endParaRPr>
+          </a:p>
+        </p:txBody>
+      </p:sp>
+      <p:sp>
+        <p:nvSpPr>
+          <p:cNvPr id="2" name="Title 1">
+            <a:extLst>
+              <a:ext uri="{FF2B5EF4-FFF2-40B4-BE49-F238E27FC236}">
+                <a16:creationId xmlns:a16="http://schemas.microsoft.com/office/drawing/2014/main" id="{F288F7EF-6382-AC54-6CB3-8FE80E3F5A56}"/>
+              </a:ext>
+            </a:extLst>
+          </p:cNvPr>
+          <p:cNvSpPr txBox="1">
+            <a:spLocks/>
+          </p:cNvSpPr>
+          <p:nvPr/>
+        </p:nvSpPr>
+        <p:spPr>
+          <a:xfrm>
+            <a:off x="459203" y="1283707"/>
+            <a:ext cx="11273589" cy="4290585"/>
+          </a:xfrm>
+          <a:prstGeom prst="rect">
+            <a:avLst/>
+          </a:prstGeom>
+        </p:spPr>
+        <p:txBody>
+          <a:bodyPr vert="horz" lIns="91440" tIns="45720" rIns="91440" bIns="45720" rtlCol="0" anchor="b">
+            <a:normAutofit fontScale="97500"/>
+          </a:bodyPr>
+          <a:lstStyle>
+            <a:lvl1pPr algn="ctr" defTabSz="914400" rtl="0" eaLnBrk="1" latinLnBrk="0" hangingPunct="1">
+              <a:lnSpc>
+                <a:spcPct val="90000"/>
+              </a:lnSpc>
+              <a:spcBef>
+                <a:spcPct val="0"/>
+              </a:spcBef>
+              <a:buNone/>
+              <a:defRPr sz="6000" kern="1200">
+                <a:solidFill>
+                  <a:schemeClr val="tx1"/>
+                </a:solidFill>
+                <a:latin typeface="+mj-lt"/>
+                <a:ea typeface="+mj-ea"/>
+                <a:cs typeface="+mj-cs"/>
+              </a:defRPr>
+            </a:lvl1pPr>
+          </a:lstStyle>
+          <a:p>
+            <a:pPr algn="l"/>
+            <a:endParaRPr lang="en-US" sz="2900" b="1" i="0" dirty="0">
+              <a:solidFill>
+                <a:srgbClr val="252C33"/>
+              </a:solidFill>
+              <a:effectLst/>
+              <a:latin typeface="Calibri Body"/>
+            </a:endParaRPr>
+          </a:p>
+          <a:p>
+            <a:pPr algn="l"/>
+            <a:endParaRPr lang="en-US" sz="2900" b="1" dirty="0">
+              <a:latin typeface="Calibri Body"/>
+            </a:endParaRPr>
+          </a:p>
+          <a:p>
+            <a:pPr algn="l"/>
+            <a:endParaRPr lang="en-US" sz="2900" b="1" dirty="0">
+              <a:latin typeface="Calibri Body"/>
+            </a:endParaRPr>
+          </a:p>
+          <a:p>
+            <a:pPr algn="l"/>
+            <a:endParaRPr lang="en-US" sz="2900" b="1" dirty="0">
+              <a:solidFill>
+                <a:schemeClr val="tx1">
+                  <a:lumMod val="50000"/>
+                  <a:lumOff val="50000"/>
+                </a:schemeClr>
+              </a:solidFill>
+              <a:latin typeface="Calibri Body"/>
+            </a:endParaRPr>
+          </a:p>
+          <a:p>
+            <a:pPr algn="l"/>
+            <a:endParaRPr lang="en-US" sz="2900" b="1" dirty="0">
+              <a:solidFill>
+                <a:schemeClr val="tx1">
+                  <a:lumMod val="50000"/>
+                  <a:lumOff val="50000"/>
+                </a:schemeClr>
+              </a:solidFill>
+              <a:latin typeface="Calibri Body"/>
+            </a:endParaRPr>
+          </a:p>
+          <a:p>
+            <a:pPr algn="l"/>
+            <a:endParaRPr lang="en-US" sz="2900" b="1" dirty="0">
+              <a:solidFill>
+                <a:schemeClr val="tx1">
+                  <a:lumMod val="50000"/>
+                  <a:lumOff val="50000"/>
+                </a:schemeClr>
+              </a:solidFill>
+              <a:latin typeface="Calibri Body"/>
+            </a:endParaRPr>
+          </a:p>
+          <a:p>
+            <a:pPr algn="l"/>
+            <a:endParaRPr lang="en-US" sz="2900" b="1" dirty="0">
+              <a:solidFill>
+                <a:schemeClr val="tx1">
+                  <a:lumMod val="50000"/>
+                  <a:lumOff val="50000"/>
+                </a:schemeClr>
+              </a:solidFill>
+              <a:latin typeface="Calibri Body"/>
+            </a:endParaRPr>
+          </a:p>
+          <a:p>
+            <a:pPr algn="l"/>
+            <a:endParaRPr lang="en-US" sz="2900" b="1" dirty="0">
+              <a:solidFill>
+                <a:schemeClr val="tx1">
+                  <a:lumMod val="50000"/>
+                  <a:lumOff val="50000"/>
+                </a:schemeClr>
+              </a:solidFill>
+              <a:latin typeface="Calibri Body"/>
+            </a:endParaRPr>
+          </a:p>
+        </p:txBody>
+      </p:sp>
+      <p:sp>
+        <p:nvSpPr>
+          <p:cNvPr id="7" name="TextBox 6">
+            <a:extLst>
+              <a:ext uri="{FF2B5EF4-FFF2-40B4-BE49-F238E27FC236}">
+                <a16:creationId xmlns:a16="http://schemas.microsoft.com/office/drawing/2014/main" id="{F869D4BE-A1FC-8F6C-1511-07A467294779}"/>
+              </a:ext>
+            </a:extLst>
+          </p:cNvPr>
+          <p:cNvSpPr txBox="1"/>
+          <p:nvPr/>
+        </p:nvSpPr>
+        <p:spPr>
+          <a:xfrm>
+            <a:off x="407037" y="1642936"/>
+            <a:ext cx="11273588" cy="830997"/>
+          </a:xfrm>
+          <a:prstGeom prst="rect">
+            <a:avLst/>
+          </a:prstGeom>
+          <a:noFill/>
+        </p:spPr>
+        <p:txBody>
+          <a:bodyPr wrap="square">
+            <a:spAutoFit/>
+          </a:bodyPr>
+          <a:lstStyle/>
+          <a:p>
+            <a:pPr algn="l" fontAlgn="base"/>
+            <a:r>
+              <a:rPr lang="en-PH" sz="2400" b="1" dirty="0">
+                <a:solidFill>
+                  <a:srgbClr val="00B050"/>
+                </a:solidFill>
+              </a:rPr>
+              <a:t>Bias</a:t>
+            </a:r>
+            <a:r>
+              <a:rPr lang="en-PH" sz="2400" dirty="0"/>
+              <a:t> is the difference between the average prediction of our model and the correct value which we are trying to predict.</a:t>
+            </a:r>
+          </a:p>
+        </p:txBody>
+      </p:sp>
+      <p:sp>
+        <p:nvSpPr>
+          <p:cNvPr id="10" name="TextBox 9">
+            <a:extLst>
+              <a:ext uri="{FF2B5EF4-FFF2-40B4-BE49-F238E27FC236}">
+                <a16:creationId xmlns:a16="http://schemas.microsoft.com/office/drawing/2014/main" id="{002CBE14-4E99-2194-A9FB-F32398DE70F0}"/>
+              </a:ext>
+            </a:extLst>
+          </p:cNvPr>
+          <p:cNvSpPr txBox="1"/>
+          <p:nvPr/>
+        </p:nvSpPr>
+        <p:spPr>
+          <a:xfrm>
+            <a:off x="407037" y="3810664"/>
+            <a:ext cx="11273587" cy="830997"/>
+          </a:xfrm>
+          <a:prstGeom prst="rect">
+            <a:avLst/>
+          </a:prstGeom>
+          <a:noFill/>
+        </p:spPr>
+        <p:txBody>
+          <a:bodyPr wrap="square">
+            <a:spAutoFit/>
+          </a:bodyPr>
+          <a:lstStyle/>
+          <a:p>
+            <a:r>
+              <a:rPr lang="en-PH" sz="2400" dirty="0"/>
+              <a:t>Model with high bias pays very little attention to the training data and oversimplifies the model</a:t>
+            </a:r>
+            <a:endParaRPr lang="en-US" sz="2400" dirty="0"/>
+          </a:p>
+        </p:txBody>
+      </p:sp>
+      <p:sp>
+        <p:nvSpPr>
+          <p:cNvPr id="13" name="TextBox 12">
+            <a:extLst>
+              <a:ext uri="{FF2B5EF4-FFF2-40B4-BE49-F238E27FC236}">
+                <a16:creationId xmlns:a16="http://schemas.microsoft.com/office/drawing/2014/main" id="{DBB602AD-3325-B958-57D9-45CF408B6B2D}"/>
+              </a:ext>
+            </a:extLst>
+          </p:cNvPr>
+          <p:cNvSpPr txBox="1"/>
+          <p:nvPr/>
+        </p:nvSpPr>
+        <p:spPr>
+          <a:xfrm>
+            <a:off x="459202" y="2679953"/>
+            <a:ext cx="11221421" cy="830997"/>
+          </a:xfrm>
+          <a:prstGeom prst="rect">
+            <a:avLst/>
+          </a:prstGeom>
+          <a:noFill/>
+        </p:spPr>
+        <p:txBody>
+          <a:bodyPr wrap="square">
+            <a:spAutoFit/>
+          </a:bodyPr>
+          <a:lstStyle/>
+          <a:p>
+            <a:pPr algn="l" fontAlgn="base"/>
+            <a:r>
+              <a:rPr lang="en-PH" sz="2400" dirty="0"/>
+              <a:t>When a model has poor performance both on the training and testing data means high bias because of the simple model, indicating </a:t>
+            </a:r>
+            <a:r>
+              <a:rPr lang="en-PH" sz="2400" b="1" dirty="0">
+                <a:solidFill>
+                  <a:srgbClr val="0070C0"/>
+                </a:solidFill>
+              </a:rPr>
+              <a:t>underfitting</a:t>
+            </a:r>
+            <a:r>
+              <a:rPr lang="en-PH" sz="2400" dirty="0"/>
+              <a:t>.</a:t>
+            </a:r>
+          </a:p>
+        </p:txBody>
+      </p:sp>
+    </p:spTree>
+    <p:extLst>
+      <p:ext uri="{BB962C8B-B14F-4D97-AF65-F5344CB8AC3E}">
+        <p14:creationId xmlns:p14="http://schemas.microsoft.com/office/powerpoint/2010/main" val="306873093"/>
+      </p:ext>
+    </p:extLst>
+  </p:cSld>
+  <p:clrMapOvr>
+    <a:masterClrMapping/>
+  </p:clrMapOvr>
+</p:sld>
+</file>
+
+<file path=ppt/slides/slide5.xml><?xml version="1.0" encoding="utf-8"?>
+<p:sld xmlns:a="http://schemas.openxmlformats.org/drawingml/2006/main" xmlns:r="http://schemas.openxmlformats.org/officeDocument/2006/relationships" xmlns:p="http://schemas.openxmlformats.org/presentationml/2006/main">
+  <p:cSld>
+    <p:bg>
+      <p:bgPr>
+        <a:blipFill dpi="0" rotWithShape="1">
+          <a:blip r:embed="rId3">
+            <a:alphaModFix amt="99000"/>
+            <a:lum/>
+          </a:blip>
+          <a:srcRect/>
+          <a:stretch>
+            <a:fillRect t="89000" r="85000" b="-1000"/>
+          </a:stretch>
+        </a:blipFill>
+        <a:effectLst/>
+      </p:bgPr>
+    </p:bg>
+    <p:spTree>
+      <p:nvGrpSpPr>
+        <p:cNvPr id="1" name=""/>
+        <p:cNvGrpSpPr/>
+        <p:nvPr/>
+      </p:nvGrpSpPr>
+      <p:grpSpPr>
+        <a:xfrm>
+          <a:off x="0" y="0"/>
+          <a:ext cx="0" cy="0"/>
+          <a:chOff x="0" y="0"/>
+          <a:chExt cx="0" cy="0"/>
+        </a:xfrm>
+      </p:grpSpPr>
+      <p:sp>
+        <p:nvSpPr>
+          <p:cNvPr id="4" name="Footer Placeholder 3">
+            <a:extLst>
+              <a:ext uri="{FF2B5EF4-FFF2-40B4-BE49-F238E27FC236}">
+                <a16:creationId xmlns:a16="http://schemas.microsoft.com/office/drawing/2014/main" id="{638E7DE1-45EE-476A-A474-0F3C264AEDA3}"/>
+              </a:ext>
+            </a:extLst>
+          </p:cNvPr>
+          <p:cNvSpPr>
+            <a:spLocks noGrp="1"/>
+          </p:cNvSpPr>
+          <p:nvPr>
+            <p:ph type="ftr" sz="quarter" idx="11"/>
+          </p:nvPr>
+        </p:nvSpPr>
+        <p:spPr>
+          <a:xfrm>
+            <a:off x="0" y="6139541"/>
+            <a:ext cx="12192000" cy="718459"/>
+          </a:xfrm>
+          <a:ln w="28575">
+            <a:solidFill>
+              <a:schemeClr val="accent5">
+                <a:lumMod val="50000"/>
+              </a:schemeClr>
+            </a:solidFill>
+          </a:ln>
+        </p:spPr>
+        <p:txBody>
+          <a:bodyPr/>
+          <a:lstStyle/>
+          <a:p>
+            <a:pPr algn="r"/>
+            <a:r>
+              <a:rPr lang="en-US" b="1" dirty="0">
+                <a:solidFill>
+                  <a:schemeClr val="tx1"/>
+                </a:solidFill>
+              </a:rPr>
+              <a:t>CCDEPLRL</a:t>
+            </a:r>
+            <a:endParaRPr lang="en-PH" dirty="0"/>
+          </a:p>
+        </p:txBody>
+      </p:sp>
+      <p:sp>
+        <p:nvSpPr>
+          <p:cNvPr id="5" name="Title 1">
+            <a:extLst>
+              <a:ext uri="{FF2B5EF4-FFF2-40B4-BE49-F238E27FC236}">
+                <a16:creationId xmlns:a16="http://schemas.microsoft.com/office/drawing/2014/main" id="{2FC0FD6B-4817-4999-6E57-104507E162A9}"/>
+              </a:ext>
+            </a:extLst>
+          </p:cNvPr>
+          <p:cNvSpPr>
+            <a:spLocks noGrp="1"/>
+          </p:cNvSpPr>
+          <p:nvPr>
+            <p:ph type="ctrTitle"/>
+          </p:nvPr>
+        </p:nvSpPr>
+        <p:spPr>
+          <a:xfrm>
+            <a:off x="556160" y="359228"/>
+            <a:ext cx="11124465" cy="718459"/>
+          </a:xfrm>
+        </p:spPr>
+        <p:txBody>
+          <a:bodyPr>
+            <a:noAutofit/>
+          </a:bodyPr>
+          <a:lstStyle/>
+          <a:p>
+            <a:r>
+              <a:rPr lang="en-PH" sz="5000" b="1" dirty="0"/>
+              <a:t>Bias and Variance</a:t>
+            </a:r>
+          </a:p>
+        </p:txBody>
+      </p:sp>
+      <p:sp>
+        <p:nvSpPr>
+          <p:cNvPr id="6" name="Title 1">
+            <a:extLst>
+              <a:ext uri="{FF2B5EF4-FFF2-40B4-BE49-F238E27FC236}">
+                <a16:creationId xmlns:a16="http://schemas.microsoft.com/office/drawing/2014/main" id="{78303857-FEFC-374F-1765-AD332A3050E0}"/>
+              </a:ext>
+            </a:extLst>
+          </p:cNvPr>
+          <p:cNvSpPr txBox="1">
+            <a:spLocks/>
+          </p:cNvSpPr>
+          <p:nvPr/>
+        </p:nvSpPr>
+        <p:spPr>
+          <a:xfrm>
+            <a:off x="511374" y="1054971"/>
+            <a:ext cx="11169252" cy="3138593"/>
+          </a:xfrm>
+          <a:prstGeom prst="rect">
+            <a:avLst/>
+          </a:prstGeom>
+        </p:spPr>
+        <p:txBody>
+          <a:bodyPr vert="horz" lIns="91440" tIns="45720" rIns="91440" bIns="45720" rtlCol="0" anchor="b">
+            <a:noAutofit/>
+          </a:bodyPr>
+          <a:lstStyle>
+            <a:lvl1pPr algn="ctr" defTabSz="914400" rtl="0" eaLnBrk="1" latinLnBrk="0" hangingPunct="1">
+              <a:lnSpc>
+                <a:spcPct val="90000"/>
+              </a:lnSpc>
+              <a:spcBef>
+                <a:spcPct val="0"/>
+              </a:spcBef>
+              <a:buNone/>
+              <a:defRPr sz="6000" kern="1200">
+                <a:solidFill>
+                  <a:schemeClr val="tx1"/>
+                </a:solidFill>
+                <a:latin typeface="+mj-lt"/>
+                <a:ea typeface="+mj-ea"/>
+                <a:cs typeface="+mj-cs"/>
+              </a:defRPr>
+            </a:lvl1pPr>
+          </a:lstStyle>
+          <a:p>
+            <a:pPr algn="l"/>
+            <a:endParaRPr lang="en-US" sz="2400" dirty="0">
+              <a:latin typeface="Calibri (Body)"/>
+            </a:endParaRPr>
+          </a:p>
+        </p:txBody>
+      </p:sp>
+      <p:sp>
+        <p:nvSpPr>
+          <p:cNvPr id="2" name="Title 1">
+            <a:extLst>
+              <a:ext uri="{FF2B5EF4-FFF2-40B4-BE49-F238E27FC236}">
+                <a16:creationId xmlns:a16="http://schemas.microsoft.com/office/drawing/2014/main" id="{F288F7EF-6382-AC54-6CB3-8FE80E3F5A56}"/>
+              </a:ext>
+            </a:extLst>
+          </p:cNvPr>
+          <p:cNvSpPr txBox="1">
+            <a:spLocks/>
+          </p:cNvSpPr>
+          <p:nvPr/>
+        </p:nvSpPr>
+        <p:spPr>
+          <a:xfrm>
+            <a:off x="459203" y="1283707"/>
+            <a:ext cx="11273589" cy="4290585"/>
+          </a:xfrm>
+          <a:prstGeom prst="rect">
+            <a:avLst/>
+          </a:prstGeom>
+        </p:spPr>
+        <p:txBody>
+          <a:bodyPr vert="horz" lIns="91440" tIns="45720" rIns="91440" bIns="45720" rtlCol="0" anchor="b">
+            <a:normAutofit fontScale="97500"/>
+          </a:bodyPr>
+          <a:lstStyle>
+            <a:lvl1pPr algn="ctr" defTabSz="914400" rtl="0" eaLnBrk="1" latinLnBrk="0" hangingPunct="1">
+              <a:lnSpc>
+                <a:spcPct val="90000"/>
+              </a:lnSpc>
+              <a:spcBef>
+                <a:spcPct val="0"/>
+              </a:spcBef>
+              <a:buNone/>
+              <a:defRPr sz="6000" kern="1200">
+                <a:solidFill>
+                  <a:schemeClr val="tx1"/>
+                </a:solidFill>
+                <a:latin typeface="+mj-lt"/>
+                <a:ea typeface="+mj-ea"/>
+                <a:cs typeface="+mj-cs"/>
+              </a:defRPr>
+            </a:lvl1pPr>
+          </a:lstStyle>
+          <a:p>
+            <a:pPr algn="l"/>
+            <a:endParaRPr lang="en-US" sz="2900" b="1" i="0" dirty="0">
+              <a:solidFill>
+                <a:srgbClr val="252C33"/>
+              </a:solidFill>
+              <a:effectLst/>
+              <a:latin typeface="Calibri Body"/>
+            </a:endParaRPr>
+          </a:p>
+          <a:p>
+            <a:pPr algn="l"/>
+            <a:endParaRPr lang="en-US" sz="2900" b="1" dirty="0">
+              <a:latin typeface="Calibri Body"/>
+            </a:endParaRPr>
+          </a:p>
+          <a:p>
+            <a:pPr algn="l"/>
+            <a:endParaRPr lang="en-US" sz="2900" b="1" dirty="0">
+              <a:latin typeface="Calibri Body"/>
+            </a:endParaRPr>
+          </a:p>
+          <a:p>
+            <a:pPr algn="l"/>
+            <a:endParaRPr lang="en-US" sz="2900" b="1" dirty="0">
+              <a:solidFill>
+                <a:schemeClr val="tx1">
+                  <a:lumMod val="50000"/>
+                  <a:lumOff val="50000"/>
+                </a:schemeClr>
+              </a:solidFill>
+              <a:latin typeface="Calibri Body"/>
+            </a:endParaRPr>
+          </a:p>
+          <a:p>
+            <a:pPr algn="l"/>
+            <a:endParaRPr lang="en-US" sz="2900" b="1" dirty="0">
+              <a:solidFill>
+                <a:schemeClr val="tx1">
+                  <a:lumMod val="50000"/>
+                  <a:lumOff val="50000"/>
+                </a:schemeClr>
+              </a:solidFill>
+              <a:latin typeface="Calibri Body"/>
+            </a:endParaRPr>
+          </a:p>
+          <a:p>
+            <a:pPr algn="l"/>
+            <a:endParaRPr lang="en-US" sz="2900" b="1" dirty="0">
+              <a:solidFill>
+                <a:schemeClr val="tx1">
+                  <a:lumMod val="50000"/>
+                  <a:lumOff val="50000"/>
+                </a:schemeClr>
+              </a:solidFill>
+              <a:latin typeface="Calibri Body"/>
+            </a:endParaRPr>
+          </a:p>
+          <a:p>
+            <a:pPr algn="l"/>
+            <a:endParaRPr lang="en-US" sz="2900" b="1" dirty="0">
+              <a:solidFill>
+                <a:schemeClr val="tx1">
+                  <a:lumMod val="50000"/>
+                  <a:lumOff val="50000"/>
+                </a:schemeClr>
+              </a:solidFill>
+              <a:latin typeface="Calibri Body"/>
+            </a:endParaRPr>
+          </a:p>
+          <a:p>
+            <a:pPr algn="l"/>
+            <a:endParaRPr lang="en-US" sz="2900" b="1" dirty="0">
+              <a:solidFill>
+                <a:schemeClr val="tx1">
+                  <a:lumMod val="50000"/>
+                  <a:lumOff val="50000"/>
+                </a:schemeClr>
+              </a:solidFill>
+              <a:latin typeface="Calibri Body"/>
+            </a:endParaRPr>
+          </a:p>
+        </p:txBody>
+      </p:sp>
+      <p:sp>
+        <p:nvSpPr>
+          <p:cNvPr id="11" name="TextBox 10">
+            <a:extLst>
+              <a:ext uri="{FF2B5EF4-FFF2-40B4-BE49-F238E27FC236}">
+                <a16:creationId xmlns:a16="http://schemas.microsoft.com/office/drawing/2014/main" id="{FB619C4E-2909-51F9-0E16-F47B5931CC07}"/>
+              </a:ext>
+            </a:extLst>
+          </p:cNvPr>
+          <p:cNvSpPr txBox="1"/>
+          <p:nvPr/>
+        </p:nvSpPr>
+        <p:spPr>
+          <a:xfrm>
+            <a:off x="533766" y="1773430"/>
+            <a:ext cx="11169251" cy="1569660"/>
+          </a:xfrm>
+          <a:prstGeom prst="rect">
+            <a:avLst/>
+          </a:prstGeom>
+          <a:noFill/>
+        </p:spPr>
+        <p:txBody>
+          <a:bodyPr wrap="square">
+            <a:spAutoFit/>
+          </a:bodyPr>
+          <a:lstStyle/>
+          <a:p>
+            <a:pPr algn="l" fontAlgn="base"/>
+            <a:r>
+              <a:rPr lang="en-PH" sz="2400" b="1" dirty="0">
+                <a:solidFill>
+                  <a:srgbClr val="00B050"/>
+                </a:solidFill>
+              </a:rPr>
+              <a:t>Variance</a:t>
+            </a:r>
+            <a:r>
+              <a:rPr lang="en-PH" sz="2400" dirty="0"/>
+              <a:t> is the amount by which the performance of a predictive model changes when it is trained on different subsets of the training data.  </a:t>
+            </a:r>
+          </a:p>
+          <a:p>
+            <a:pPr algn="l" fontAlgn="base"/>
+            <a:endParaRPr lang="en-PH" sz="2400" dirty="0"/>
+          </a:p>
+          <a:p>
+            <a:pPr algn="l" fontAlgn="base"/>
+            <a:r>
+              <a:rPr lang="en-PH" sz="2400" dirty="0"/>
+              <a:t>It is a measure of how much it can adjust on a new subset of the training dataset. </a:t>
+            </a:r>
+          </a:p>
+        </p:txBody>
+      </p:sp>
+      <p:sp>
+        <p:nvSpPr>
+          <p:cNvPr id="8" name="TextBox 7">
+            <a:extLst>
+              <a:ext uri="{FF2B5EF4-FFF2-40B4-BE49-F238E27FC236}">
+                <a16:creationId xmlns:a16="http://schemas.microsoft.com/office/drawing/2014/main" id="{9166E1CF-8757-6674-437E-ABAFF0194335}"/>
+              </a:ext>
+            </a:extLst>
+          </p:cNvPr>
+          <p:cNvSpPr txBox="1"/>
+          <p:nvPr/>
+        </p:nvSpPr>
+        <p:spPr>
+          <a:xfrm>
+            <a:off x="556158" y="3571826"/>
+            <a:ext cx="11124465" cy="1938992"/>
+          </a:xfrm>
+          <a:prstGeom prst="rect">
+            <a:avLst/>
+          </a:prstGeom>
+          <a:noFill/>
+        </p:spPr>
+        <p:txBody>
+          <a:bodyPr wrap="square">
+            <a:spAutoFit/>
+          </a:bodyPr>
+          <a:lstStyle/>
+          <a:p>
+            <a:pPr algn="l" fontAlgn="base"/>
+            <a:r>
+              <a:rPr lang="en-PH" sz="2400" dirty="0"/>
+              <a:t>High variance occurs when a model </a:t>
+            </a:r>
+            <a:r>
+              <a:rPr lang="en-PH" sz="2400" b="1" dirty="0">
+                <a:solidFill>
+                  <a:srgbClr val="0070C0"/>
+                </a:solidFill>
+              </a:rPr>
+              <a:t>learns the training data’s noise rather than the underlying pattern</a:t>
+            </a:r>
+            <a:r>
+              <a:rPr lang="en-PH" sz="2400" dirty="0"/>
+              <a:t>. </a:t>
+            </a:r>
+          </a:p>
+          <a:p>
+            <a:pPr algn="l" fontAlgn="base"/>
+            <a:endParaRPr lang="en-PH" sz="2400" dirty="0"/>
+          </a:p>
+          <a:p>
+            <a:pPr algn="l" fontAlgn="base"/>
+            <a:r>
+              <a:rPr lang="en-PH" sz="2400" dirty="0"/>
+              <a:t>As a result, the model performs well on the training data but poorly on the testing data, indicating overfitting.</a:t>
+            </a:r>
+          </a:p>
+        </p:txBody>
+      </p:sp>
+    </p:spTree>
+    <p:extLst>
+      <p:ext uri="{BB962C8B-B14F-4D97-AF65-F5344CB8AC3E}">
+        <p14:creationId xmlns:p14="http://schemas.microsoft.com/office/powerpoint/2010/main" val="2085896121"/>
+      </p:ext>
+    </p:extLst>
+  </p:cSld>
+  <p:clrMapOvr>
+    <a:masterClrMapping/>
+  </p:clrMapOvr>
+</p:sld>
+</file>
+
+<file path=ppt/slides/slide6.xml><?xml version="1.0" encoding="utf-8"?>
+<p:sld xmlns:a="http://schemas.openxmlformats.org/drawingml/2006/main" xmlns:r="http://schemas.openxmlformats.org/officeDocument/2006/relationships" xmlns:p="http://schemas.openxmlformats.org/presentationml/2006/main">
+  <p:cSld>
+    <p:bg>
+      <p:bgPr>
+        <a:blipFill dpi="0" rotWithShape="1">
+          <a:blip r:embed="rId3">
+            <a:alphaModFix amt="99000"/>
+            <a:lum/>
+          </a:blip>
+          <a:srcRect/>
+          <a:stretch>
+            <a:fillRect t="89000" r="85000" b="-1000"/>
+          </a:stretch>
+        </a:blipFill>
+        <a:effectLst/>
+      </p:bgPr>
+    </p:bg>
+    <p:spTree>
+      <p:nvGrpSpPr>
+        <p:cNvPr id="1" name=""/>
+        <p:cNvGrpSpPr/>
+        <p:nvPr/>
+      </p:nvGrpSpPr>
+      <p:grpSpPr>
+        <a:xfrm>
+          <a:off x="0" y="0"/>
+          <a:ext cx="0" cy="0"/>
+          <a:chOff x="0" y="0"/>
+          <a:chExt cx="0" cy="0"/>
+        </a:xfrm>
+      </p:grpSpPr>
+      <p:sp>
+        <p:nvSpPr>
+          <p:cNvPr id="4" name="Footer Placeholder 3">
+            <a:extLst>
+              <a:ext uri="{FF2B5EF4-FFF2-40B4-BE49-F238E27FC236}">
+                <a16:creationId xmlns:a16="http://schemas.microsoft.com/office/drawing/2014/main" id="{638E7DE1-45EE-476A-A474-0F3C264AEDA3}"/>
+              </a:ext>
+            </a:extLst>
+          </p:cNvPr>
+          <p:cNvSpPr>
+            <a:spLocks noGrp="1"/>
+          </p:cNvSpPr>
+          <p:nvPr>
+            <p:ph type="ftr" sz="quarter" idx="11"/>
+          </p:nvPr>
+        </p:nvSpPr>
+        <p:spPr>
+          <a:xfrm>
+            <a:off x="0" y="6139541"/>
+            <a:ext cx="12192000" cy="718459"/>
+          </a:xfrm>
+          <a:ln w="28575">
+            <a:solidFill>
+              <a:schemeClr val="accent5">
+                <a:lumMod val="50000"/>
+              </a:schemeClr>
+            </a:solidFill>
+          </a:ln>
+        </p:spPr>
+        <p:txBody>
+          <a:bodyPr/>
+          <a:lstStyle/>
+          <a:p>
+            <a:pPr algn="r"/>
+            <a:r>
+              <a:rPr lang="en-US" b="1" dirty="0">
+                <a:solidFill>
+                  <a:schemeClr val="tx1"/>
+                </a:solidFill>
+              </a:rPr>
+              <a:t>CCDEPLRL</a:t>
+            </a:r>
+            <a:endParaRPr lang="en-PH" dirty="0"/>
+          </a:p>
+        </p:txBody>
+      </p:sp>
+      <p:sp>
+        <p:nvSpPr>
+          <p:cNvPr id="5" name="Title 1">
+            <a:extLst>
+              <a:ext uri="{FF2B5EF4-FFF2-40B4-BE49-F238E27FC236}">
+                <a16:creationId xmlns:a16="http://schemas.microsoft.com/office/drawing/2014/main" id="{2FC0FD6B-4817-4999-6E57-104507E162A9}"/>
+              </a:ext>
+            </a:extLst>
+          </p:cNvPr>
+          <p:cNvSpPr>
+            <a:spLocks noGrp="1"/>
+          </p:cNvSpPr>
+          <p:nvPr>
+            <p:ph type="ctrTitle"/>
+          </p:nvPr>
+        </p:nvSpPr>
+        <p:spPr>
+          <a:xfrm>
+            <a:off x="556160" y="359228"/>
+            <a:ext cx="11124465" cy="718459"/>
+          </a:xfrm>
+        </p:spPr>
+        <p:txBody>
+          <a:bodyPr>
+            <a:noAutofit/>
+          </a:bodyPr>
+          <a:lstStyle/>
+          <a:p>
+            <a:r>
+              <a:rPr lang="en-PH" sz="5000" b="1" dirty="0"/>
+              <a:t>What is Overfitting?</a:t>
+            </a:r>
+          </a:p>
+        </p:txBody>
+      </p:sp>
+      <p:sp>
+        <p:nvSpPr>
+          <p:cNvPr id="6" name="Title 1">
+            <a:extLst>
+              <a:ext uri="{FF2B5EF4-FFF2-40B4-BE49-F238E27FC236}">
+                <a16:creationId xmlns:a16="http://schemas.microsoft.com/office/drawing/2014/main" id="{78303857-FEFC-374F-1765-AD332A3050E0}"/>
+              </a:ext>
+            </a:extLst>
+          </p:cNvPr>
+          <p:cNvSpPr txBox="1">
+            <a:spLocks/>
+          </p:cNvSpPr>
+          <p:nvPr/>
+        </p:nvSpPr>
+        <p:spPr>
+          <a:xfrm>
+            <a:off x="511374" y="1054971"/>
+            <a:ext cx="11169252" cy="3138593"/>
+          </a:xfrm>
+          <a:prstGeom prst="rect">
+            <a:avLst/>
+          </a:prstGeom>
+        </p:spPr>
+        <p:txBody>
+          <a:bodyPr vert="horz" lIns="91440" tIns="45720" rIns="91440" bIns="45720" rtlCol="0" anchor="b">
+            <a:noAutofit/>
+          </a:bodyPr>
+          <a:lstStyle>
+            <a:lvl1pPr algn="ctr" defTabSz="914400" rtl="0" eaLnBrk="1" latinLnBrk="0" hangingPunct="1">
+              <a:lnSpc>
+                <a:spcPct val="90000"/>
+              </a:lnSpc>
+              <a:spcBef>
+                <a:spcPct val="0"/>
+              </a:spcBef>
+              <a:buNone/>
+              <a:defRPr sz="6000" kern="1200">
+                <a:solidFill>
+                  <a:schemeClr val="tx1"/>
+                </a:solidFill>
+                <a:latin typeface="+mj-lt"/>
+                <a:ea typeface="+mj-ea"/>
+                <a:cs typeface="+mj-cs"/>
+              </a:defRPr>
+            </a:lvl1pPr>
+          </a:lstStyle>
+          <a:p>
+            <a:pPr algn="l"/>
+            <a:endParaRPr lang="en-US" sz="2400" dirty="0">
+              <a:latin typeface="Calibri (Body)"/>
+            </a:endParaRPr>
+          </a:p>
+        </p:txBody>
+      </p:sp>
+      <p:sp>
+        <p:nvSpPr>
+          <p:cNvPr id="2" name="Title 1">
+            <a:extLst>
+              <a:ext uri="{FF2B5EF4-FFF2-40B4-BE49-F238E27FC236}">
+                <a16:creationId xmlns:a16="http://schemas.microsoft.com/office/drawing/2014/main" id="{F288F7EF-6382-AC54-6CB3-8FE80E3F5A56}"/>
+              </a:ext>
+            </a:extLst>
+          </p:cNvPr>
+          <p:cNvSpPr txBox="1">
+            <a:spLocks/>
+          </p:cNvSpPr>
+          <p:nvPr/>
+        </p:nvSpPr>
+        <p:spPr>
+          <a:xfrm>
+            <a:off x="459203" y="1283707"/>
+            <a:ext cx="11273589" cy="4290585"/>
+          </a:xfrm>
+          <a:prstGeom prst="rect">
+            <a:avLst/>
+          </a:prstGeom>
+        </p:spPr>
+        <p:txBody>
+          <a:bodyPr vert="horz" lIns="91440" tIns="45720" rIns="91440" bIns="45720" rtlCol="0" anchor="b">
+            <a:normAutofit fontScale="97500"/>
+          </a:bodyPr>
+          <a:lstStyle>
+            <a:lvl1pPr algn="ctr" defTabSz="914400" rtl="0" eaLnBrk="1" latinLnBrk="0" hangingPunct="1">
+              <a:lnSpc>
+                <a:spcPct val="90000"/>
+              </a:lnSpc>
+              <a:spcBef>
+                <a:spcPct val="0"/>
+              </a:spcBef>
+              <a:buNone/>
+              <a:defRPr sz="6000" kern="1200">
+                <a:solidFill>
+                  <a:schemeClr val="tx1"/>
+                </a:solidFill>
+                <a:latin typeface="+mj-lt"/>
+                <a:ea typeface="+mj-ea"/>
+                <a:cs typeface="+mj-cs"/>
+              </a:defRPr>
+            </a:lvl1pPr>
+          </a:lstStyle>
+          <a:p>
+            <a:pPr algn="l"/>
+            <a:endParaRPr lang="en-US" sz="2900" b="1" i="0" dirty="0">
+              <a:solidFill>
+                <a:srgbClr val="252C33"/>
+              </a:solidFill>
+              <a:effectLst/>
+              <a:latin typeface="Calibri Body"/>
+            </a:endParaRPr>
+          </a:p>
+          <a:p>
+            <a:pPr algn="l"/>
+            <a:endParaRPr lang="en-US" sz="2900" b="1" dirty="0">
+              <a:latin typeface="Calibri Body"/>
+            </a:endParaRPr>
+          </a:p>
+          <a:p>
+            <a:pPr algn="l"/>
+            <a:endParaRPr lang="en-US" sz="2900" b="1" dirty="0">
+              <a:latin typeface="Calibri Body"/>
+            </a:endParaRPr>
+          </a:p>
+          <a:p>
+            <a:pPr algn="l"/>
+            <a:endParaRPr lang="en-US" sz="2900" b="1" dirty="0">
+              <a:solidFill>
+                <a:schemeClr val="tx1">
+                  <a:lumMod val="50000"/>
+                  <a:lumOff val="50000"/>
+                </a:schemeClr>
+              </a:solidFill>
+              <a:latin typeface="Calibri Body"/>
+            </a:endParaRPr>
+          </a:p>
+          <a:p>
+            <a:pPr algn="l"/>
+            <a:endParaRPr lang="en-US" sz="2900" b="1" dirty="0">
+              <a:solidFill>
+                <a:schemeClr val="tx1">
+                  <a:lumMod val="50000"/>
+                  <a:lumOff val="50000"/>
+                </a:schemeClr>
+              </a:solidFill>
+              <a:latin typeface="Calibri Body"/>
+            </a:endParaRPr>
+          </a:p>
+          <a:p>
+            <a:pPr algn="l"/>
+            <a:endParaRPr lang="en-US" sz="2900" b="1" dirty="0">
+              <a:solidFill>
+                <a:schemeClr val="tx1">
+                  <a:lumMod val="50000"/>
+                  <a:lumOff val="50000"/>
+                </a:schemeClr>
+              </a:solidFill>
+              <a:latin typeface="Calibri Body"/>
+            </a:endParaRPr>
+          </a:p>
+          <a:p>
+            <a:pPr algn="l"/>
+            <a:endParaRPr lang="en-US" sz="2900" b="1" dirty="0">
+              <a:solidFill>
+                <a:schemeClr val="tx1">
+                  <a:lumMod val="50000"/>
+                  <a:lumOff val="50000"/>
+                </a:schemeClr>
+              </a:solidFill>
+              <a:latin typeface="Calibri Body"/>
+            </a:endParaRPr>
+          </a:p>
+          <a:p>
+            <a:pPr algn="l"/>
+            <a:endParaRPr lang="en-US" sz="2900" b="1" dirty="0">
+              <a:solidFill>
+                <a:schemeClr val="tx1">
+                  <a:lumMod val="50000"/>
+                  <a:lumOff val="50000"/>
+                </a:schemeClr>
+              </a:solidFill>
+              <a:latin typeface="Calibri Body"/>
+            </a:endParaRPr>
+          </a:p>
+        </p:txBody>
+      </p:sp>
+      <p:sp>
+        <p:nvSpPr>
+          <p:cNvPr id="7" name="TextBox 6">
+            <a:extLst>
+              <a:ext uri="{FF2B5EF4-FFF2-40B4-BE49-F238E27FC236}">
+                <a16:creationId xmlns:a16="http://schemas.microsoft.com/office/drawing/2014/main" id="{F869D4BE-A1FC-8F6C-1511-07A467294779}"/>
+              </a:ext>
+            </a:extLst>
+          </p:cNvPr>
+          <p:cNvSpPr txBox="1"/>
+          <p:nvPr/>
+        </p:nvSpPr>
+        <p:spPr>
+          <a:xfrm>
+            <a:off x="459203" y="1480090"/>
+            <a:ext cx="11273588" cy="830997"/>
+          </a:xfrm>
+          <a:prstGeom prst="rect">
+            <a:avLst/>
+          </a:prstGeom>
+          <a:noFill/>
+        </p:spPr>
+        <p:txBody>
+          <a:bodyPr wrap="square">
+            <a:spAutoFit/>
+          </a:bodyPr>
+          <a:lstStyle/>
+          <a:p>
+            <a:r>
+              <a:rPr lang="en-PH" sz="2400" dirty="0"/>
+              <a:t>Overfitting is an undesirable machine learning behavior that occurs when the machine learning model gives accurate predictions for training data but not for new data. </a:t>
+            </a:r>
+            <a:endParaRPr lang="en-US" sz="2400" dirty="0"/>
+          </a:p>
+        </p:txBody>
+      </p:sp>
+      <p:pic>
+        <p:nvPicPr>
+          <p:cNvPr id="9" name="Picture 8" descr="A diagram of values and values&#10;&#10;Description automatically generated">
+            <a:extLst>
+              <a:ext uri="{FF2B5EF4-FFF2-40B4-BE49-F238E27FC236}">
+                <a16:creationId xmlns:a16="http://schemas.microsoft.com/office/drawing/2014/main" id="{4C3EC320-AE9B-5A60-7B80-E7FC9EFFE552}"/>
+              </a:ext>
+            </a:extLst>
+          </p:cNvPr>
+          <p:cNvPicPr>
+            <a:picLocks noChangeAspect="1"/>
+          </p:cNvPicPr>
+          <p:nvPr/>
+        </p:nvPicPr>
+        <p:blipFill rotWithShape="1">
+          <a:blip r:embed="rId4">
+            <a:extLst>
+              <a:ext uri="{28A0092B-C50C-407E-A947-70E740481C1C}">
+                <a14:useLocalDpi xmlns:a14="http://schemas.microsoft.com/office/drawing/2010/main" val="0"/>
+              </a:ext>
+            </a:extLst>
+          </a:blip>
+          <a:srcRect t="29001"/>
+          <a:stretch/>
+        </p:blipFill>
+        <p:spPr>
+          <a:xfrm>
+            <a:off x="1215259" y="2507470"/>
+            <a:ext cx="9806266" cy="3494283"/>
+          </a:xfrm>
+          <a:prstGeom prst="rect">
+            <a:avLst/>
+          </a:prstGeom>
+        </p:spPr>
+      </p:pic>
+    </p:spTree>
+    <p:extLst>
+      <p:ext uri="{BB962C8B-B14F-4D97-AF65-F5344CB8AC3E}">
+        <p14:creationId xmlns:p14="http://schemas.microsoft.com/office/powerpoint/2010/main" val="3373421110"/>
+      </p:ext>
+    </p:extLst>
+  </p:cSld>
+  <p:clrMapOvr>
+    <a:masterClrMapping/>
+  </p:clrMapOvr>
+</p:sld>
+</file>
+
+<file path=ppt/slides/slide7.xml><?xml version="1.0" encoding="utf-8"?>
+<p:sld xmlns:a="http://schemas.openxmlformats.org/drawingml/2006/main" xmlns:r="http://schemas.openxmlformats.org/officeDocument/2006/relationships" xmlns:p="http://schemas.openxmlformats.org/presentationml/2006/main">
+  <p:cSld>
+    <p:bg>
+      <p:bgPr>
+        <a:blipFill dpi="0" rotWithShape="1">
+          <a:blip r:embed="rId3">
+            <a:alphaModFix amt="99000"/>
+            <a:lum/>
+          </a:blip>
+          <a:srcRect/>
+          <a:stretch>
+            <a:fillRect t="89000" r="85000" b="-1000"/>
+          </a:stretch>
+        </a:blipFill>
+        <a:effectLst/>
+      </p:bgPr>
+    </p:bg>
+    <p:spTree>
+      <p:nvGrpSpPr>
+        <p:cNvPr id="1" name=""/>
+        <p:cNvGrpSpPr/>
+        <p:nvPr/>
+      </p:nvGrpSpPr>
+      <p:grpSpPr>
+        <a:xfrm>
+          <a:off x="0" y="0"/>
+          <a:ext cx="0" cy="0"/>
+          <a:chOff x="0" y="0"/>
+          <a:chExt cx="0" cy="0"/>
+        </a:xfrm>
+      </p:grpSpPr>
+      <p:sp>
+        <p:nvSpPr>
+          <p:cNvPr id="4" name="Footer Placeholder 3">
+            <a:extLst>
+              <a:ext uri="{FF2B5EF4-FFF2-40B4-BE49-F238E27FC236}">
+                <a16:creationId xmlns:a16="http://schemas.microsoft.com/office/drawing/2014/main" id="{638E7DE1-45EE-476A-A474-0F3C264AEDA3}"/>
+              </a:ext>
+            </a:extLst>
+          </p:cNvPr>
+          <p:cNvSpPr>
+            <a:spLocks noGrp="1"/>
+          </p:cNvSpPr>
+          <p:nvPr>
+            <p:ph type="ftr" sz="quarter" idx="11"/>
+          </p:nvPr>
+        </p:nvSpPr>
+        <p:spPr>
+          <a:xfrm>
+            <a:off x="0" y="6139541"/>
+            <a:ext cx="12192000" cy="718459"/>
+          </a:xfrm>
+          <a:ln w="28575">
+            <a:solidFill>
+              <a:schemeClr val="accent5">
+                <a:lumMod val="50000"/>
+              </a:schemeClr>
+            </a:solidFill>
+          </a:ln>
+        </p:spPr>
+        <p:txBody>
+          <a:bodyPr/>
+          <a:lstStyle/>
+          <a:p>
+            <a:pPr algn="r"/>
+            <a:r>
+              <a:rPr lang="en-US" b="1" dirty="0">
+                <a:solidFill>
+                  <a:schemeClr val="tx1"/>
+                </a:solidFill>
+              </a:rPr>
+              <a:t>CCDEPLRL</a:t>
+            </a:r>
+            <a:endParaRPr lang="en-PH" dirty="0"/>
+          </a:p>
+        </p:txBody>
+      </p:sp>
+      <p:sp>
+        <p:nvSpPr>
+          <p:cNvPr id="5" name="Title 1">
+            <a:extLst>
+              <a:ext uri="{FF2B5EF4-FFF2-40B4-BE49-F238E27FC236}">
+                <a16:creationId xmlns:a16="http://schemas.microsoft.com/office/drawing/2014/main" id="{2FC0FD6B-4817-4999-6E57-104507E162A9}"/>
+              </a:ext>
+            </a:extLst>
+          </p:cNvPr>
+          <p:cNvSpPr>
+            <a:spLocks noGrp="1"/>
+          </p:cNvSpPr>
+          <p:nvPr>
+            <p:ph type="ctrTitle"/>
+          </p:nvPr>
+        </p:nvSpPr>
+        <p:spPr>
+          <a:xfrm>
+            <a:off x="556160" y="359228"/>
+            <a:ext cx="11124465" cy="718459"/>
+          </a:xfrm>
+        </p:spPr>
+        <p:txBody>
+          <a:bodyPr>
+            <a:noAutofit/>
+          </a:bodyPr>
+          <a:lstStyle/>
+          <a:p>
+            <a:r>
+              <a:rPr lang="en-PH" sz="5000" b="1" dirty="0"/>
+              <a:t>Why does overfitting occur?</a:t>
+            </a:r>
+          </a:p>
+        </p:txBody>
+      </p:sp>
+      <p:sp>
+        <p:nvSpPr>
+          <p:cNvPr id="6" name="Title 1">
+            <a:extLst>
+              <a:ext uri="{FF2B5EF4-FFF2-40B4-BE49-F238E27FC236}">
+                <a16:creationId xmlns:a16="http://schemas.microsoft.com/office/drawing/2014/main" id="{78303857-FEFC-374F-1765-AD332A3050E0}"/>
+              </a:ext>
+            </a:extLst>
+          </p:cNvPr>
+          <p:cNvSpPr txBox="1">
+            <a:spLocks/>
+          </p:cNvSpPr>
+          <p:nvPr/>
+        </p:nvSpPr>
+        <p:spPr>
+          <a:xfrm>
+            <a:off x="511374" y="1054971"/>
+            <a:ext cx="11169252" cy="3138593"/>
+          </a:xfrm>
+          <a:prstGeom prst="rect">
+            <a:avLst/>
+          </a:prstGeom>
+        </p:spPr>
+        <p:txBody>
+          <a:bodyPr vert="horz" lIns="91440" tIns="45720" rIns="91440" bIns="45720" rtlCol="0" anchor="b">
+            <a:noAutofit/>
+          </a:bodyPr>
+          <a:lstStyle>
+            <a:lvl1pPr algn="ctr" defTabSz="914400" rtl="0" eaLnBrk="1" latinLnBrk="0" hangingPunct="1">
+              <a:lnSpc>
+                <a:spcPct val="90000"/>
+              </a:lnSpc>
+              <a:spcBef>
+                <a:spcPct val="0"/>
+              </a:spcBef>
+              <a:buNone/>
+              <a:defRPr sz="6000" kern="1200">
+                <a:solidFill>
+                  <a:schemeClr val="tx1"/>
+                </a:solidFill>
+                <a:latin typeface="+mj-lt"/>
+                <a:ea typeface="+mj-ea"/>
+                <a:cs typeface="+mj-cs"/>
+              </a:defRPr>
+            </a:lvl1pPr>
+          </a:lstStyle>
+          <a:p>
+            <a:pPr algn="l"/>
+            <a:endParaRPr lang="en-US" sz="2400" dirty="0">
+              <a:latin typeface="Calibri (Body)"/>
+            </a:endParaRPr>
+          </a:p>
+        </p:txBody>
+      </p:sp>
+      <p:sp>
+        <p:nvSpPr>
+          <p:cNvPr id="2" name="Title 1">
+            <a:extLst>
+              <a:ext uri="{FF2B5EF4-FFF2-40B4-BE49-F238E27FC236}">
+                <a16:creationId xmlns:a16="http://schemas.microsoft.com/office/drawing/2014/main" id="{F288F7EF-6382-AC54-6CB3-8FE80E3F5A56}"/>
+              </a:ext>
+            </a:extLst>
+          </p:cNvPr>
+          <p:cNvSpPr txBox="1">
+            <a:spLocks/>
+          </p:cNvSpPr>
+          <p:nvPr/>
+        </p:nvSpPr>
+        <p:spPr>
+          <a:xfrm>
+            <a:off x="459203" y="1283707"/>
+            <a:ext cx="11273589" cy="4290585"/>
+          </a:xfrm>
+          <a:prstGeom prst="rect">
+            <a:avLst/>
+          </a:prstGeom>
+        </p:spPr>
+        <p:txBody>
+          <a:bodyPr vert="horz" lIns="91440" tIns="45720" rIns="91440" bIns="45720" rtlCol="0" anchor="b">
+            <a:normAutofit fontScale="97500"/>
+          </a:bodyPr>
+          <a:lstStyle>
+            <a:lvl1pPr algn="ctr" defTabSz="914400" rtl="0" eaLnBrk="1" latinLnBrk="0" hangingPunct="1">
+              <a:lnSpc>
+                <a:spcPct val="90000"/>
+              </a:lnSpc>
+              <a:spcBef>
+                <a:spcPct val="0"/>
+              </a:spcBef>
+              <a:buNone/>
+              <a:defRPr sz="6000" kern="1200">
+                <a:solidFill>
+                  <a:schemeClr val="tx1"/>
+                </a:solidFill>
+                <a:latin typeface="+mj-lt"/>
+                <a:ea typeface="+mj-ea"/>
+                <a:cs typeface="+mj-cs"/>
+              </a:defRPr>
+            </a:lvl1pPr>
+          </a:lstStyle>
+          <a:p>
+            <a:pPr algn="l"/>
+            <a:endParaRPr lang="en-US" sz="2900" b="1" i="0" dirty="0">
+              <a:solidFill>
+                <a:srgbClr val="252C33"/>
+              </a:solidFill>
+              <a:effectLst/>
+              <a:latin typeface="Calibri Body"/>
+            </a:endParaRPr>
+          </a:p>
+          <a:p>
+            <a:pPr algn="l"/>
+            <a:endParaRPr lang="en-US" sz="2900" b="1" dirty="0">
+              <a:latin typeface="Calibri Body"/>
+            </a:endParaRPr>
+          </a:p>
+          <a:p>
+            <a:pPr algn="l"/>
+            <a:endParaRPr lang="en-US" sz="2900" b="1" dirty="0">
+              <a:latin typeface="Calibri Body"/>
+            </a:endParaRPr>
+          </a:p>
+          <a:p>
+            <a:pPr algn="l"/>
+            <a:endParaRPr lang="en-US" sz="2900" b="1" dirty="0">
+              <a:solidFill>
+                <a:schemeClr val="tx1">
+                  <a:lumMod val="50000"/>
+                  <a:lumOff val="50000"/>
+                </a:schemeClr>
+              </a:solidFill>
+              <a:latin typeface="Calibri Body"/>
+            </a:endParaRPr>
+          </a:p>
+          <a:p>
+            <a:pPr algn="l"/>
+            <a:endParaRPr lang="en-US" sz="2900" b="1" dirty="0">
+              <a:solidFill>
+                <a:schemeClr val="tx1">
+                  <a:lumMod val="50000"/>
+                  <a:lumOff val="50000"/>
+                </a:schemeClr>
+              </a:solidFill>
+              <a:latin typeface="Calibri Body"/>
+            </a:endParaRPr>
+          </a:p>
+          <a:p>
+            <a:pPr algn="l"/>
+            <a:endParaRPr lang="en-US" sz="2900" b="1" dirty="0">
+              <a:solidFill>
+                <a:schemeClr val="tx1">
+                  <a:lumMod val="50000"/>
+                  <a:lumOff val="50000"/>
+                </a:schemeClr>
+              </a:solidFill>
+              <a:latin typeface="Calibri Body"/>
+            </a:endParaRPr>
+          </a:p>
+          <a:p>
+            <a:pPr algn="l"/>
+            <a:endParaRPr lang="en-US" sz="2900" b="1" dirty="0">
+              <a:solidFill>
+                <a:schemeClr val="tx1">
+                  <a:lumMod val="50000"/>
+                  <a:lumOff val="50000"/>
+                </a:schemeClr>
+              </a:solidFill>
+              <a:latin typeface="Calibri Body"/>
+            </a:endParaRPr>
+          </a:p>
+          <a:p>
+            <a:pPr algn="l"/>
+            <a:endParaRPr lang="en-US" sz="2900" b="1" dirty="0">
+              <a:solidFill>
+                <a:schemeClr val="tx1">
+                  <a:lumMod val="50000"/>
+                  <a:lumOff val="50000"/>
+                </a:schemeClr>
+              </a:solidFill>
+              <a:latin typeface="Calibri Body"/>
+            </a:endParaRPr>
+          </a:p>
+        </p:txBody>
+      </p:sp>
+      <p:sp>
+        <p:nvSpPr>
+          <p:cNvPr id="7" name="TextBox 6">
+            <a:extLst>
+              <a:ext uri="{FF2B5EF4-FFF2-40B4-BE49-F238E27FC236}">
+                <a16:creationId xmlns:a16="http://schemas.microsoft.com/office/drawing/2014/main" id="{F869D4BE-A1FC-8F6C-1511-07A467294779}"/>
+              </a:ext>
+            </a:extLst>
+          </p:cNvPr>
+          <p:cNvSpPr txBox="1"/>
+          <p:nvPr/>
+        </p:nvSpPr>
+        <p:spPr>
+          <a:xfrm>
+            <a:off x="459203" y="1480090"/>
+            <a:ext cx="11273588" cy="3416320"/>
+          </a:xfrm>
+          <a:prstGeom prst="rect">
+            <a:avLst/>
+          </a:prstGeom>
+          <a:noFill/>
+        </p:spPr>
+        <p:txBody>
+          <a:bodyPr wrap="square">
+            <a:spAutoFit/>
+          </a:bodyPr>
+          <a:lstStyle/>
+          <a:p>
+            <a:pPr marL="342900" indent="-342900">
+              <a:buFont typeface="Arial" panose="020B0604020202020204" pitchFamily="34" charset="0"/>
+              <a:buChar char="•"/>
+            </a:pPr>
+            <a:r>
+              <a:rPr lang="en-PH" sz="2400" dirty="0"/>
+              <a:t>The </a:t>
+            </a:r>
+            <a:r>
+              <a:rPr lang="en-PH" sz="2400" b="1" dirty="0">
+                <a:solidFill>
+                  <a:srgbClr val="0070C0"/>
+                </a:solidFill>
+              </a:rPr>
+              <a:t>training data size is too small </a:t>
+            </a:r>
+            <a:r>
+              <a:rPr lang="en-PH" sz="2400" dirty="0"/>
+              <a:t>and does not contain enough data samples to accurately represent all possible input data values.</a:t>
+            </a:r>
+          </a:p>
+          <a:p>
+            <a:pPr marL="342900" indent="-342900">
+              <a:buFont typeface="Arial" panose="020B0604020202020204" pitchFamily="34" charset="0"/>
+              <a:buChar char="•"/>
+            </a:pPr>
+            <a:endParaRPr lang="en-PH" sz="2400" dirty="0"/>
+          </a:p>
+          <a:p>
+            <a:pPr marL="342900" indent="-342900">
+              <a:buFont typeface="Arial" panose="020B0604020202020204" pitchFamily="34" charset="0"/>
+              <a:buChar char="•"/>
+            </a:pPr>
+            <a:r>
+              <a:rPr lang="en-PH" sz="2400" dirty="0"/>
+              <a:t>The training data </a:t>
+            </a:r>
+            <a:r>
+              <a:rPr lang="en-PH" sz="2400" b="1" dirty="0">
+                <a:solidFill>
+                  <a:srgbClr val="0070C0"/>
+                </a:solidFill>
+              </a:rPr>
+              <a:t>contains large amounts of irrelevant information</a:t>
+            </a:r>
+            <a:r>
+              <a:rPr lang="en-PH" sz="2400" dirty="0"/>
+              <a:t>, called </a:t>
+            </a:r>
+            <a:r>
+              <a:rPr lang="en-PH" sz="2400" b="1" dirty="0">
+                <a:solidFill>
+                  <a:srgbClr val="7030A0"/>
+                </a:solidFill>
+              </a:rPr>
+              <a:t>noisy data</a:t>
+            </a:r>
+            <a:r>
+              <a:rPr lang="en-PH" sz="2400" dirty="0"/>
+              <a:t>.</a:t>
+            </a:r>
+          </a:p>
+          <a:p>
+            <a:pPr marL="342900" indent="-342900">
+              <a:buFont typeface="Arial" panose="020B0604020202020204" pitchFamily="34" charset="0"/>
+              <a:buChar char="•"/>
+            </a:pPr>
+            <a:endParaRPr lang="en-PH" sz="2400" dirty="0"/>
+          </a:p>
+          <a:p>
+            <a:pPr marL="342900" indent="-342900">
+              <a:buFont typeface="Arial" panose="020B0604020202020204" pitchFamily="34" charset="0"/>
+              <a:buChar char="•"/>
+            </a:pPr>
+            <a:r>
+              <a:rPr lang="en-PH" sz="2400" dirty="0"/>
+              <a:t>The model </a:t>
+            </a:r>
+            <a:r>
+              <a:rPr lang="en-PH" sz="2400" b="1" dirty="0">
+                <a:solidFill>
+                  <a:srgbClr val="0070C0"/>
+                </a:solidFill>
+              </a:rPr>
+              <a:t>trains for too long </a:t>
+            </a:r>
+            <a:r>
+              <a:rPr lang="en-PH" sz="2400" dirty="0"/>
+              <a:t>on a single sample set of data.</a:t>
+            </a:r>
+          </a:p>
+          <a:p>
+            <a:endParaRPr lang="en-PH" sz="2400" dirty="0"/>
+          </a:p>
+          <a:p>
+            <a:pPr marL="342900" indent="-342900">
+              <a:buFont typeface="Arial" panose="020B0604020202020204" pitchFamily="34" charset="0"/>
+              <a:buChar char="•"/>
+            </a:pPr>
+            <a:r>
+              <a:rPr lang="en-PH" sz="2400" dirty="0"/>
+              <a:t>The </a:t>
+            </a:r>
+            <a:r>
+              <a:rPr lang="en-PH" sz="2400" b="1" dirty="0">
+                <a:solidFill>
+                  <a:srgbClr val="0070C0"/>
+                </a:solidFill>
+              </a:rPr>
+              <a:t>model complexity is high </a:t>
+            </a:r>
+            <a:r>
+              <a:rPr lang="en-PH" sz="2400" dirty="0"/>
+              <a:t>(e.g. </a:t>
+            </a:r>
+            <a:r>
+              <a:rPr lang="en-PH" sz="2400" i="1" dirty="0"/>
+              <a:t>too many neurons, too many hidden layers</a:t>
+            </a:r>
+            <a:r>
+              <a:rPr lang="en-PH" sz="2400" dirty="0"/>
+              <a:t>), so it learns the noise within the training data.</a:t>
+            </a:r>
+            <a:endParaRPr lang="en-US" sz="2400" dirty="0"/>
+          </a:p>
+        </p:txBody>
+      </p:sp>
+    </p:spTree>
+    <p:extLst>
+      <p:ext uri="{BB962C8B-B14F-4D97-AF65-F5344CB8AC3E}">
+        <p14:creationId xmlns:p14="http://schemas.microsoft.com/office/powerpoint/2010/main" val="3015025374"/>
+      </p:ext>
+    </p:extLst>
+  </p:cSld>
+  <p:clrMapOvr>
+    <a:masterClrMapping/>
+  </p:clrMapOvr>
+</p:sld>
+</file>
+
+<file path=ppt/slides/slide8.xml><?xml version="1.0" encoding="utf-8"?>
+<p:sld xmlns:a="http://schemas.openxmlformats.org/drawingml/2006/main" xmlns:r="http://schemas.openxmlformats.org/officeDocument/2006/relationships" xmlns:p="http://schemas.openxmlformats.org/presentationml/2006/main">
+  <p:cSld>
+    <p:bg>
+      <p:bgPr>
+        <a:blipFill dpi="0" rotWithShape="1">
+          <a:blip r:embed="rId3">
+            <a:alphaModFix amt="99000"/>
+            <a:lum/>
+          </a:blip>
+          <a:srcRect/>
+          <a:stretch>
+            <a:fillRect t="89000" r="85000" b="-1000"/>
+          </a:stretch>
+        </a:blipFill>
+        <a:effectLst/>
+      </p:bgPr>
+    </p:bg>
+    <p:spTree>
+      <p:nvGrpSpPr>
+        <p:cNvPr id="1" name=""/>
+        <p:cNvGrpSpPr/>
+        <p:nvPr/>
+      </p:nvGrpSpPr>
+      <p:grpSpPr>
+        <a:xfrm>
+          <a:off x="0" y="0"/>
+          <a:ext cx="0" cy="0"/>
+          <a:chOff x="0" y="0"/>
+          <a:chExt cx="0" cy="0"/>
+        </a:xfrm>
+      </p:grpSpPr>
+      <p:sp>
+        <p:nvSpPr>
+          <p:cNvPr id="4" name="Footer Placeholder 3">
+            <a:extLst>
+              <a:ext uri="{FF2B5EF4-FFF2-40B4-BE49-F238E27FC236}">
+                <a16:creationId xmlns:a16="http://schemas.microsoft.com/office/drawing/2014/main" id="{638E7DE1-45EE-476A-A474-0F3C264AEDA3}"/>
+              </a:ext>
+            </a:extLst>
+          </p:cNvPr>
+          <p:cNvSpPr>
+            <a:spLocks noGrp="1"/>
+          </p:cNvSpPr>
+          <p:nvPr>
+            <p:ph type="ftr" sz="quarter" idx="11"/>
+          </p:nvPr>
+        </p:nvSpPr>
+        <p:spPr>
+          <a:xfrm>
+            <a:off x="0" y="6139541"/>
+            <a:ext cx="12192000" cy="718459"/>
+          </a:xfrm>
+          <a:ln w="28575">
+            <a:solidFill>
+              <a:schemeClr val="accent5">
+                <a:lumMod val="50000"/>
+              </a:schemeClr>
+            </a:solidFill>
+          </a:ln>
+        </p:spPr>
+        <p:txBody>
+          <a:bodyPr/>
+          <a:lstStyle/>
+          <a:p>
+            <a:pPr algn="r"/>
+            <a:r>
+              <a:rPr lang="en-US" b="1" dirty="0">
+                <a:solidFill>
+                  <a:schemeClr val="tx1"/>
+                </a:solidFill>
+              </a:rPr>
+              <a:t>CCDEPLRL</a:t>
+            </a:r>
+            <a:endParaRPr lang="en-PH" dirty="0"/>
+          </a:p>
+        </p:txBody>
+      </p:sp>
+      <p:sp>
+        <p:nvSpPr>
+          <p:cNvPr id="5" name="Title 1">
+            <a:extLst>
+              <a:ext uri="{FF2B5EF4-FFF2-40B4-BE49-F238E27FC236}">
+                <a16:creationId xmlns:a16="http://schemas.microsoft.com/office/drawing/2014/main" id="{2FC0FD6B-4817-4999-6E57-104507E162A9}"/>
+              </a:ext>
+            </a:extLst>
+          </p:cNvPr>
+          <p:cNvSpPr>
+            <a:spLocks noGrp="1"/>
+          </p:cNvSpPr>
+          <p:nvPr>
+            <p:ph type="ctrTitle"/>
+          </p:nvPr>
+        </p:nvSpPr>
+        <p:spPr>
+          <a:xfrm>
+            <a:off x="556160" y="359228"/>
+            <a:ext cx="11124465" cy="718459"/>
+          </a:xfrm>
+        </p:spPr>
+        <p:txBody>
+          <a:bodyPr>
+            <a:noAutofit/>
+          </a:bodyPr>
+          <a:lstStyle/>
+          <a:p>
+            <a:r>
+              <a:rPr lang="en-PH" sz="5000" b="1" dirty="0"/>
+              <a:t>How to reduce overfitting?</a:t>
+            </a:r>
+          </a:p>
+        </p:txBody>
+      </p:sp>
+      <p:sp>
+        <p:nvSpPr>
+          <p:cNvPr id="6" name="Title 1">
+            <a:extLst>
+              <a:ext uri="{FF2B5EF4-FFF2-40B4-BE49-F238E27FC236}">
+                <a16:creationId xmlns:a16="http://schemas.microsoft.com/office/drawing/2014/main" id="{78303857-FEFC-374F-1765-AD332A3050E0}"/>
+              </a:ext>
+            </a:extLst>
+          </p:cNvPr>
+          <p:cNvSpPr txBox="1">
+            <a:spLocks/>
+          </p:cNvSpPr>
+          <p:nvPr/>
+        </p:nvSpPr>
+        <p:spPr>
+          <a:xfrm>
+            <a:off x="511374" y="1054971"/>
+            <a:ext cx="11169252" cy="3138593"/>
+          </a:xfrm>
+          <a:prstGeom prst="rect">
+            <a:avLst/>
+          </a:prstGeom>
+        </p:spPr>
+        <p:txBody>
+          <a:bodyPr vert="horz" lIns="91440" tIns="45720" rIns="91440" bIns="45720" rtlCol="0" anchor="b">
+            <a:noAutofit/>
+          </a:bodyPr>
+          <a:lstStyle>
+            <a:lvl1pPr algn="ctr" defTabSz="914400" rtl="0" eaLnBrk="1" latinLnBrk="0" hangingPunct="1">
+              <a:lnSpc>
+                <a:spcPct val="90000"/>
+              </a:lnSpc>
+              <a:spcBef>
+                <a:spcPct val="0"/>
+              </a:spcBef>
+              <a:buNone/>
+              <a:defRPr sz="6000" kern="1200">
+                <a:solidFill>
+                  <a:schemeClr val="tx1"/>
+                </a:solidFill>
+                <a:latin typeface="+mj-lt"/>
+                <a:ea typeface="+mj-ea"/>
+                <a:cs typeface="+mj-cs"/>
+              </a:defRPr>
+            </a:lvl1pPr>
+          </a:lstStyle>
+          <a:p>
+            <a:pPr algn="l"/>
+            <a:endParaRPr lang="en-US" sz="2400" dirty="0">
+              <a:latin typeface="Calibri (Body)"/>
+            </a:endParaRPr>
+          </a:p>
+        </p:txBody>
+      </p:sp>
+      <p:sp>
+        <p:nvSpPr>
+          <p:cNvPr id="2" name="Title 1">
+            <a:extLst>
+              <a:ext uri="{FF2B5EF4-FFF2-40B4-BE49-F238E27FC236}">
+                <a16:creationId xmlns:a16="http://schemas.microsoft.com/office/drawing/2014/main" id="{F288F7EF-6382-AC54-6CB3-8FE80E3F5A56}"/>
+              </a:ext>
+            </a:extLst>
+          </p:cNvPr>
+          <p:cNvSpPr txBox="1">
+            <a:spLocks/>
+          </p:cNvSpPr>
+          <p:nvPr/>
+        </p:nvSpPr>
+        <p:spPr>
+          <a:xfrm>
+            <a:off x="459203" y="1283707"/>
+            <a:ext cx="11273589" cy="4290585"/>
+          </a:xfrm>
+          <a:prstGeom prst="rect">
+            <a:avLst/>
+          </a:prstGeom>
+        </p:spPr>
+        <p:txBody>
+          <a:bodyPr vert="horz" lIns="91440" tIns="45720" rIns="91440" bIns="45720" rtlCol="0" anchor="b">
+            <a:normAutofit fontScale="97500"/>
+          </a:bodyPr>
+          <a:lstStyle>
+            <a:lvl1pPr algn="ctr" defTabSz="914400" rtl="0" eaLnBrk="1" latinLnBrk="0" hangingPunct="1">
+              <a:lnSpc>
+                <a:spcPct val="90000"/>
+              </a:lnSpc>
+              <a:spcBef>
+                <a:spcPct val="0"/>
+              </a:spcBef>
+              <a:buNone/>
+              <a:defRPr sz="6000" kern="1200">
+                <a:solidFill>
+                  <a:schemeClr val="tx1"/>
+                </a:solidFill>
+                <a:latin typeface="+mj-lt"/>
+                <a:ea typeface="+mj-ea"/>
+                <a:cs typeface="+mj-cs"/>
+              </a:defRPr>
+            </a:lvl1pPr>
+          </a:lstStyle>
+          <a:p>
+            <a:pPr algn="l"/>
+            <a:endParaRPr lang="en-US" sz="2900" b="1" i="0" dirty="0">
+              <a:solidFill>
+                <a:srgbClr val="252C33"/>
+              </a:solidFill>
+              <a:effectLst/>
+              <a:latin typeface="Calibri Body"/>
+            </a:endParaRPr>
+          </a:p>
+          <a:p>
+            <a:pPr algn="l"/>
+            <a:endParaRPr lang="en-US" sz="2900" b="1" dirty="0">
+              <a:latin typeface="Calibri Body"/>
+            </a:endParaRPr>
+          </a:p>
+          <a:p>
+            <a:pPr algn="l"/>
+            <a:endParaRPr lang="en-US" sz="2900" b="1" dirty="0">
+              <a:latin typeface="Calibri Body"/>
+            </a:endParaRPr>
+          </a:p>
+          <a:p>
+            <a:pPr algn="l"/>
+            <a:endParaRPr lang="en-US" sz="2900" b="1" dirty="0">
+              <a:solidFill>
+                <a:schemeClr val="tx1">
+                  <a:lumMod val="50000"/>
+                  <a:lumOff val="50000"/>
+                </a:schemeClr>
+              </a:solidFill>
+              <a:latin typeface="Calibri Body"/>
+            </a:endParaRPr>
+          </a:p>
+          <a:p>
+            <a:pPr algn="l"/>
+            <a:endParaRPr lang="en-US" sz="2900" b="1" dirty="0">
+              <a:solidFill>
+                <a:schemeClr val="tx1">
+                  <a:lumMod val="50000"/>
+                  <a:lumOff val="50000"/>
+                </a:schemeClr>
+              </a:solidFill>
+              <a:latin typeface="Calibri Body"/>
+            </a:endParaRPr>
+          </a:p>
+          <a:p>
+            <a:pPr algn="l"/>
+            <a:endParaRPr lang="en-US" sz="2900" b="1" dirty="0">
+              <a:solidFill>
+                <a:schemeClr val="tx1">
+                  <a:lumMod val="50000"/>
+                  <a:lumOff val="50000"/>
+                </a:schemeClr>
+              </a:solidFill>
+              <a:latin typeface="Calibri Body"/>
+            </a:endParaRPr>
+          </a:p>
+          <a:p>
+            <a:pPr algn="l"/>
+            <a:endParaRPr lang="en-US" sz="2900" b="1" dirty="0">
+              <a:solidFill>
+                <a:schemeClr val="tx1">
+                  <a:lumMod val="50000"/>
+                  <a:lumOff val="50000"/>
+                </a:schemeClr>
+              </a:solidFill>
+              <a:latin typeface="Calibri Body"/>
+            </a:endParaRPr>
+          </a:p>
+          <a:p>
+            <a:pPr algn="l"/>
+            <a:endParaRPr lang="en-US" sz="2900" b="1" dirty="0">
+              <a:solidFill>
+                <a:schemeClr val="tx1">
+                  <a:lumMod val="50000"/>
+                  <a:lumOff val="50000"/>
+                </a:schemeClr>
+              </a:solidFill>
+              <a:latin typeface="Calibri Body"/>
+            </a:endParaRPr>
+          </a:p>
+        </p:txBody>
+      </p:sp>
+      <p:sp>
+        <p:nvSpPr>
+          <p:cNvPr id="7" name="TextBox 6">
+            <a:extLst>
+              <a:ext uri="{FF2B5EF4-FFF2-40B4-BE49-F238E27FC236}">
+                <a16:creationId xmlns:a16="http://schemas.microsoft.com/office/drawing/2014/main" id="{F869D4BE-A1FC-8F6C-1511-07A467294779}"/>
+              </a:ext>
+            </a:extLst>
+          </p:cNvPr>
+          <p:cNvSpPr txBox="1"/>
+          <p:nvPr/>
+        </p:nvSpPr>
+        <p:spPr>
+          <a:xfrm>
+            <a:off x="898526" y="4231027"/>
+            <a:ext cx="3799646" cy="461665"/>
+          </a:xfrm>
+          <a:prstGeom prst="rect">
+            <a:avLst/>
+          </a:prstGeom>
+          <a:noFill/>
+        </p:spPr>
+        <p:txBody>
+          <a:bodyPr wrap="square">
+            <a:spAutoFit/>
+          </a:bodyPr>
+          <a:lstStyle/>
+          <a:p>
+            <a:r>
+              <a:rPr lang="en-PH" sz="2400" b="1" dirty="0"/>
+              <a:t>Regularization by dropout</a:t>
+            </a:r>
+          </a:p>
+        </p:txBody>
+      </p:sp>
+      <p:pic>
+        <p:nvPicPr>
+          <p:cNvPr id="8" name="Picture 7" descr="A diagram of a network&#10;&#10;Description automatically generated">
+            <a:extLst>
+              <a:ext uri="{FF2B5EF4-FFF2-40B4-BE49-F238E27FC236}">
+                <a16:creationId xmlns:a16="http://schemas.microsoft.com/office/drawing/2014/main" id="{33BA2FD4-59B3-5E67-6FA6-BA92EC8C56CB}"/>
+              </a:ext>
+            </a:extLst>
+          </p:cNvPr>
+          <p:cNvPicPr>
+            <a:picLocks noChangeAspect="1"/>
+          </p:cNvPicPr>
+          <p:nvPr/>
+        </p:nvPicPr>
+        <p:blipFill>
+          <a:blip r:embed="rId4">
+            <a:extLst>
+              <a:ext uri="{28A0092B-C50C-407E-A947-70E740481C1C}">
+                <a14:useLocalDpi xmlns:a14="http://schemas.microsoft.com/office/drawing/2010/main" val="0"/>
+              </a:ext>
+            </a:extLst>
+          </a:blip>
+          <a:stretch>
+            <a:fillRect/>
+          </a:stretch>
+        </p:blipFill>
+        <p:spPr>
+          <a:xfrm>
+            <a:off x="1337849" y="2138138"/>
+            <a:ext cx="2921000" cy="1701800"/>
+          </a:xfrm>
+          <a:prstGeom prst="rect">
+            <a:avLst/>
+          </a:prstGeom>
+        </p:spPr>
+      </p:pic>
+      <p:sp>
+        <p:nvSpPr>
+          <p:cNvPr id="10" name="TextBox 9">
+            <a:extLst>
+              <a:ext uri="{FF2B5EF4-FFF2-40B4-BE49-F238E27FC236}">
+                <a16:creationId xmlns:a16="http://schemas.microsoft.com/office/drawing/2014/main" id="{9FA6C452-832F-E090-6D89-E6FD46B0E1E5}"/>
+              </a:ext>
+            </a:extLst>
+          </p:cNvPr>
+          <p:cNvSpPr txBox="1"/>
+          <p:nvPr/>
+        </p:nvSpPr>
+        <p:spPr>
+          <a:xfrm>
+            <a:off x="6338170" y="4245356"/>
+            <a:ext cx="4258849" cy="461665"/>
+          </a:xfrm>
+          <a:prstGeom prst="rect">
+            <a:avLst/>
+          </a:prstGeom>
+          <a:noFill/>
+        </p:spPr>
+        <p:txBody>
+          <a:bodyPr wrap="square">
+            <a:spAutoFit/>
+          </a:bodyPr>
+          <a:lstStyle/>
+          <a:p>
+            <a:r>
+              <a:rPr lang="en-PH" sz="2400" b="1" dirty="0"/>
+              <a:t>Regularization by early stopping</a:t>
+            </a:r>
+            <a:endParaRPr lang="en-US" sz="2400" b="1" dirty="0"/>
+          </a:p>
+        </p:txBody>
+      </p:sp>
+      <p:pic>
+        <p:nvPicPr>
+          <p:cNvPr id="12" name="Picture 11" descr="A graph of a line&#10;&#10;Description automatically generated with medium confidence">
+            <a:extLst>
+              <a:ext uri="{FF2B5EF4-FFF2-40B4-BE49-F238E27FC236}">
+                <a16:creationId xmlns:a16="http://schemas.microsoft.com/office/drawing/2014/main" id="{F7F7BFA3-D34D-B9BE-6E98-A8329375A42E}"/>
+              </a:ext>
+            </a:extLst>
+          </p:cNvPr>
+          <p:cNvPicPr>
+            <a:picLocks noChangeAspect="1"/>
+          </p:cNvPicPr>
+          <p:nvPr/>
+        </p:nvPicPr>
+        <p:blipFill>
+          <a:blip r:embed="rId5">
+            <a:extLst>
+              <a:ext uri="{28A0092B-C50C-407E-A947-70E740481C1C}">
+                <a14:useLocalDpi xmlns:a14="http://schemas.microsoft.com/office/drawing/2010/main" val="0"/>
+              </a:ext>
+            </a:extLst>
+          </a:blip>
+          <a:stretch>
+            <a:fillRect/>
+          </a:stretch>
+        </p:blipFill>
+        <p:spPr>
+          <a:xfrm>
+            <a:off x="6418309" y="1642936"/>
+            <a:ext cx="4178710" cy="2543819"/>
+          </a:xfrm>
+          <a:prstGeom prst="rect">
+            <a:avLst/>
+          </a:prstGeom>
+        </p:spPr>
+      </p:pic>
+    </p:spTree>
+    <p:extLst>
+      <p:ext uri="{BB962C8B-B14F-4D97-AF65-F5344CB8AC3E}">
+        <p14:creationId xmlns:p14="http://schemas.microsoft.com/office/powerpoint/2010/main" val="3242118118"/>
+      </p:ext>
+    </p:extLst>
+  </p:cSld>
+  <p:clrMapOvr>
+    <a:masterClrMapping/>
+  </p:clrMapOvr>
+</p:sld>
+</file>
+
+<file path=ppt/slides/slide9.xml><?xml version="1.0" encoding="utf-8"?>
+<p:sld xmlns:a="http://schemas.openxmlformats.org/drawingml/2006/main" xmlns:r="http://schemas.openxmlformats.org/officeDocument/2006/relationships" xmlns:p="http://schemas.openxmlformats.org/presentationml/2006/main">
+  <p:cSld>
+    <p:bg>
+      <p:bgPr>
+        <a:blipFill dpi="0" rotWithShape="1">
+          <a:blip r:embed="rId3">
+            <a:alphaModFix amt="99000"/>
+            <a:lum/>
+          </a:blip>
+          <a:srcRect/>
+          <a:stretch>
+            <a:fillRect t="89000" r="85000" b="-1000"/>
+          </a:stretch>
+        </a:blipFill>
+        <a:effectLst/>
+      </p:bgPr>
+    </p:bg>
+    <p:spTree>
+      <p:nvGrpSpPr>
+        <p:cNvPr id="1" name=""/>
+        <p:cNvGrpSpPr/>
+        <p:nvPr/>
+      </p:nvGrpSpPr>
+      <p:grpSpPr>
+        <a:xfrm>
+          <a:off x="0" y="0"/>
+          <a:ext cx="0" cy="0"/>
+          <a:chOff x="0" y="0"/>
+          <a:chExt cx="0" cy="0"/>
+        </a:xfrm>
+      </p:grpSpPr>
+      <p:sp>
+        <p:nvSpPr>
+          <p:cNvPr id="4" name="Footer Placeholder 3">
+            <a:extLst>
+              <a:ext uri="{FF2B5EF4-FFF2-40B4-BE49-F238E27FC236}">
+                <a16:creationId xmlns:a16="http://schemas.microsoft.com/office/drawing/2014/main" id="{638E7DE1-45EE-476A-A474-0F3C264AEDA3}"/>
+              </a:ext>
+            </a:extLst>
+          </p:cNvPr>
+          <p:cNvSpPr>
+            <a:spLocks noGrp="1"/>
+          </p:cNvSpPr>
+          <p:nvPr>
+            <p:ph type="ftr" sz="quarter" idx="11"/>
+          </p:nvPr>
+        </p:nvSpPr>
+        <p:spPr>
+          <a:xfrm>
+            <a:off x="0" y="6139541"/>
+            <a:ext cx="12192000" cy="718459"/>
+          </a:xfrm>
+          <a:ln w="28575">
+            <a:solidFill>
+              <a:schemeClr val="accent5">
+                <a:lumMod val="50000"/>
+              </a:schemeClr>
+            </a:solidFill>
+          </a:ln>
+        </p:spPr>
+        <p:txBody>
+          <a:bodyPr/>
+          <a:lstStyle/>
+          <a:p>
+            <a:pPr algn="r"/>
+            <a:r>
+              <a:rPr lang="en-US" b="1" dirty="0">
+                <a:solidFill>
+                  <a:schemeClr val="tx1"/>
+                </a:solidFill>
+              </a:rPr>
+              <a:t>CCDEPLRL</a:t>
+            </a:r>
+            <a:endParaRPr lang="en-PH" dirty="0"/>
+          </a:p>
+        </p:txBody>
+      </p:sp>
+      <p:sp>
+        <p:nvSpPr>
+          <p:cNvPr id="5" name="Title 1">
+            <a:extLst>
+              <a:ext uri="{FF2B5EF4-FFF2-40B4-BE49-F238E27FC236}">
+                <a16:creationId xmlns:a16="http://schemas.microsoft.com/office/drawing/2014/main" id="{2FC0FD6B-4817-4999-6E57-104507E162A9}"/>
+              </a:ext>
+            </a:extLst>
+          </p:cNvPr>
+          <p:cNvSpPr>
+            <a:spLocks noGrp="1"/>
+          </p:cNvSpPr>
+          <p:nvPr>
+            <p:ph type="ctrTitle"/>
+          </p:nvPr>
+        </p:nvSpPr>
+        <p:spPr>
+          <a:xfrm>
+            <a:off x="556160" y="359228"/>
+            <a:ext cx="11124465" cy="718459"/>
+          </a:xfrm>
+        </p:spPr>
+        <p:txBody>
+          <a:bodyPr>
+            <a:noAutofit/>
+          </a:bodyPr>
+          <a:lstStyle/>
+          <a:p>
+            <a:r>
+              <a:rPr lang="en-PH" sz="5000" b="1" dirty="0"/>
+              <a:t>Dropout</a:t>
+            </a:r>
+          </a:p>
+        </p:txBody>
+      </p:sp>
+      <p:sp>
+        <p:nvSpPr>
+          <p:cNvPr id="6" name="Title 1">
+            <a:extLst>
+              <a:ext uri="{FF2B5EF4-FFF2-40B4-BE49-F238E27FC236}">
+                <a16:creationId xmlns:a16="http://schemas.microsoft.com/office/drawing/2014/main" id="{78303857-FEFC-374F-1765-AD332A3050E0}"/>
+              </a:ext>
+            </a:extLst>
+          </p:cNvPr>
+          <p:cNvSpPr txBox="1">
+            <a:spLocks/>
+          </p:cNvSpPr>
+          <p:nvPr/>
+        </p:nvSpPr>
+        <p:spPr>
+          <a:xfrm>
+            <a:off x="511374" y="1054971"/>
+            <a:ext cx="11169252" cy="3138593"/>
+          </a:xfrm>
+          <a:prstGeom prst="rect">
+            <a:avLst/>
+          </a:prstGeom>
+        </p:spPr>
+        <p:txBody>
+          <a:bodyPr vert="horz" lIns="91440" tIns="45720" rIns="91440" bIns="45720" rtlCol="0" anchor="b">
+            <a:noAutofit/>
+          </a:bodyPr>
+          <a:lstStyle>
+            <a:lvl1pPr algn="ctr" defTabSz="914400" rtl="0" eaLnBrk="1" latinLnBrk="0" hangingPunct="1">
+              <a:lnSpc>
+                <a:spcPct val="90000"/>
+              </a:lnSpc>
+              <a:spcBef>
+                <a:spcPct val="0"/>
+              </a:spcBef>
+              <a:buNone/>
+              <a:defRPr sz="6000" kern="1200">
+                <a:solidFill>
+                  <a:schemeClr val="tx1"/>
+                </a:solidFill>
+                <a:latin typeface="+mj-lt"/>
+                <a:ea typeface="+mj-ea"/>
+                <a:cs typeface="+mj-cs"/>
+              </a:defRPr>
+            </a:lvl1pPr>
+          </a:lstStyle>
+          <a:p>
+            <a:pPr algn="l"/>
+            <a:endParaRPr lang="en-US" sz="2400" dirty="0">
+              <a:latin typeface="Calibri (Body)"/>
+            </a:endParaRPr>
+          </a:p>
+        </p:txBody>
+      </p:sp>
+      <p:sp>
+        <p:nvSpPr>
+          <p:cNvPr id="2" name="Title 1">
+            <a:extLst>
+              <a:ext uri="{FF2B5EF4-FFF2-40B4-BE49-F238E27FC236}">
+                <a16:creationId xmlns:a16="http://schemas.microsoft.com/office/drawing/2014/main" id="{F288F7EF-6382-AC54-6CB3-8FE80E3F5A56}"/>
+              </a:ext>
+            </a:extLst>
+          </p:cNvPr>
+          <p:cNvSpPr txBox="1">
+            <a:spLocks/>
+          </p:cNvSpPr>
+          <p:nvPr/>
+        </p:nvSpPr>
+        <p:spPr>
+          <a:xfrm>
+            <a:off x="459203" y="1283707"/>
+            <a:ext cx="11273589" cy="4290585"/>
+          </a:xfrm>
+          <a:prstGeom prst="rect">
+            <a:avLst/>
+          </a:prstGeom>
+        </p:spPr>
+        <p:txBody>
+          <a:bodyPr vert="horz" lIns="91440" tIns="45720" rIns="91440" bIns="45720" rtlCol="0" anchor="b">
+            <a:normAutofit fontScale="97500"/>
+          </a:bodyPr>
+          <a:lstStyle>
+            <a:lvl1pPr algn="ctr" defTabSz="914400" rtl="0" eaLnBrk="1" latinLnBrk="0" hangingPunct="1">
+              <a:lnSpc>
+                <a:spcPct val="90000"/>
+              </a:lnSpc>
+              <a:spcBef>
+                <a:spcPct val="0"/>
+              </a:spcBef>
+              <a:buNone/>
+              <a:defRPr sz="6000" kern="1200">
+                <a:solidFill>
+                  <a:schemeClr val="tx1"/>
+                </a:solidFill>
+                <a:latin typeface="+mj-lt"/>
+                <a:ea typeface="+mj-ea"/>
+                <a:cs typeface="+mj-cs"/>
+              </a:defRPr>
+            </a:lvl1pPr>
+          </a:lstStyle>
+          <a:p>
+            <a:pPr algn="l"/>
+            <a:endParaRPr lang="en-US" sz="2900" b="1" i="0" dirty="0">
+              <a:solidFill>
+                <a:srgbClr val="252C33"/>
+              </a:solidFill>
+              <a:effectLst/>
+              <a:latin typeface="Calibri Body"/>
+            </a:endParaRPr>
+          </a:p>
+          <a:p>
+            <a:pPr algn="l"/>
+            <a:endParaRPr lang="en-US" sz="2900" b="1" dirty="0">
+              <a:latin typeface="Calibri Body"/>
+            </a:endParaRPr>
+          </a:p>
+          <a:p>
+            <a:pPr algn="l"/>
+            <a:endParaRPr lang="en-US" sz="2900" b="1" dirty="0">
+              <a:latin typeface="Calibri Body"/>
+            </a:endParaRPr>
+          </a:p>
+          <a:p>
+            <a:pPr algn="l"/>
+            <a:endParaRPr lang="en-US" sz="2900" b="1" dirty="0">
+              <a:solidFill>
+                <a:schemeClr val="tx1">
+                  <a:lumMod val="50000"/>
+                  <a:lumOff val="50000"/>
+                </a:schemeClr>
+              </a:solidFill>
+              <a:latin typeface="Calibri Body"/>
+            </a:endParaRPr>
+          </a:p>
+          <a:p>
+            <a:pPr algn="l"/>
+            <a:endParaRPr lang="en-US" sz="2900" b="1" dirty="0">
+              <a:solidFill>
+                <a:schemeClr val="tx1">
+                  <a:lumMod val="50000"/>
+                  <a:lumOff val="50000"/>
+                </a:schemeClr>
+              </a:solidFill>
+              <a:latin typeface="Calibri Body"/>
+            </a:endParaRPr>
+          </a:p>
+          <a:p>
+            <a:pPr algn="l"/>
+            <a:endParaRPr lang="en-US" sz="2900" b="1" dirty="0">
+              <a:solidFill>
+                <a:schemeClr val="tx1">
+                  <a:lumMod val="50000"/>
+                  <a:lumOff val="50000"/>
+                </a:schemeClr>
+              </a:solidFill>
+              <a:latin typeface="Calibri Body"/>
+            </a:endParaRPr>
+          </a:p>
+          <a:p>
+            <a:pPr algn="l"/>
+            <a:endParaRPr lang="en-US" sz="2900" b="1" dirty="0">
+              <a:solidFill>
+                <a:schemeClr val="tx1">
+                  <a:lumMod val="50000"/>
+                  <a:lumOff val="50000"/>
+                </a:schemeClr>
+              </a:solidFill>
+              <a:latin typeface="Calibri Body"/>
+            </a:endParaRPr>
+          </a:p>
+          <a:p>
+            <a:pPr algn="l"/>
+            <a:endParaRPr lang="en-US" sz="2900" b="1" dirty="0">
+              <a:solidFill>
+                <a:schemeClr val="tx1">
+                  <a:lumMod val="50000"/>
+                  <a:lumOff val="50000"/>
+                </a:schemeClr>
+              </a:solidFill>
+              <a:latin typeface="Calibri Body"/>
+            </a:endParaRPr>
+          </a:p>
+        </p:txBody>
+      </p:sp>
+      <p:cxnSp>
+        <p:nvCxnSpPr>
+          <p:cNvPr id="8" name="Straight Connector 7">
+            <a:extLst>
+              <a:ext uri="{FF2B5EF4-FFF2-40B4-BE49-F238E27FC236}">
+                <a16:creationId xmlns:a16="http://schemas.microsoft.com/office/drawing/2014/main" id="{62BD6952-1062-89B7-92DF-AC7DD8CF2A4A}"/>
+              </a:ext>
+            </a:extLst>
+          </p:cNvPr>
+          <p:cNvCxnSpPr>
+            <a:cxnSpLocks/>
+            <a:stCxn id="9" idx="6"/>
+            <a:endCxn id="23" idx="2"/>
+          </p:cNvCxnSpPr>
+          <p:nvPr/>
+        </p:nvCxnSpPr>
+        <p:spPr>
+          <a:xfrm>
+            <a:off x="6181709" y="1737468"/>
+            <a:ext cx="2599435" cy="1088626"/>
+          </a:xfrm>
+          <a:prstGeom prst="line">
+            <a:avLst/>
+          </a:prstGeom>
+          <a:ln w="38100" cap="flat" cmpd="sng" algn="ctr">
+            <a:solidFill>
+              <a:schemeClr val="dk1"/>
+            </a:solidFill>
+            <a:prstDash val="solid"/>
+            <a:round/>
+            <a:headEnd type="none" w="med" len="med"/>
+            <a:tailEnd type="arrow" w="med" len="med"/>
+          </a:ln>
+        </p:spPr>
+        <p:style>
+          <a:lnRef idx="0">
+            <a:scrgbClr r="0" g="0" b="0"/>
+          </a:lnRef>
+          <a:fillRef idx="0">
+            <a:scrgbClr r="0" g="0" b="0"/>
+          </a:fillRef>
+          <a:effectRef idx="0">
+            <a:scrgbClr r="0" g="0" b="0"/>
+          </a:effectRef>
+          <a:fontRef idx="minor">
+            <a:schemeClr val="tx1"/>
+          </a:fontRef>
+        </p:style>
+      </p:cxnSp>
+      <p:sp>
+        <p:nvSpPr>
+          <p:cNvPr id="9" name="Oval 8">
+            <a:extLst>
+              <a:ext uri="{FF2B5EF4-FFF2-40B4-BE49-F238E27FC236}">
+                <a16:creationId xmlns:a16="http://schemas.microsoft.com/office/drawing/2014/main" id="{548A0FB9-4E62-AC2D-0251-FB41F9AF2261}"/>
+              </a:ext>
+            </a:extLst>
+          </p:cNvPr>
+          <p:cNvSpPr/>
+          <p:nvPr/>
+        </p:nvSpPr>
+        <p:spPr>
+          <a:xfrm>
+            <a:off x="5497307" y="1378712"/>
+            <a:ext cx="684402" cy="717512"/>
+          </a:xfrm>
+          <a:prstGeom prst="ellipse">
+            <a:avLst/>
+          </a:prstGeom>
+        </p:spPr>
+        <p:style>
+          <a:lnRef idx="0">
+            <a:schemeClr val="accent2"/>
+          </a:lnRef>
+          <a:fillRef idx="3">
+            <a:schemeClr val="accent2"/>
+          </a:fillRef>
+          <a:effectRef idx="3">
+            <a:schemeClr val="accent2"/>
+          </a:effectRef>
+          <a:fontRef idx="minor">
+            <a:schemeClr val="lt1"/>
+          </a:fontRef>
+        </p:style>
+        <p:txBody>
+          <a:bodyPr rtlCol="0" anchor="ctr"/>
+          <a:lstStyle/>
+          <a:p>
+            <a:pPr algn="ctr"/>
+            <a:endParaRPr lang="en-PH" sz="1500" b="1" dirty="0"/>
+          </a:p>
+        </p:txBody>
+      </p:sp>
+      <p:sp>
+        <p:nvSpPr>
+          <p:cNvPr id="10" name="Oval 9">
+            <a:extLst>
+              <a:ext uri="{FF2B5EF4-FFF2-40B4-BE49-F238E27FC236}">
+                <a16:creationId xmlns:a16="http://schemas.microsoft.com/office/drawing/2014/main" id="{DCAC633C-C33E-789C-F5DB-BD6005AA9F92}"/>
+              </a:ext>
+            </a:extLst>
+          </p:cNvPr>
+          <p:cNvSpPr/>
+          <p:nvPr/>
+        </p:nvSpPr>
+        <p:spPr>
+          <a:xfrm>
+            <a:off x="5519219" y="2557990"/>
+            <a:ext cx="684402" cy="717512"/>
+          </a:xfrm>
+          <a:prstGeom prst="ellipse">
+            <a:avLst/>
+          </a:prstGeom>
+        </p:spPr>
+        <p:style>
+          <a:lnRef idx="0">
+            <a:schemeClr val="accent2"/>
+          </a:lnRef>
+          <a:fillRef idx="3">
+            <a:schemeClr val="accent2"/>
+          </a:fillRef>
+          <a:effectRef idx="3">
+            <a:schemeClr val="accent2"/>
+          </a:effectRef>
+          <a:fontRef idx="minor">
+            <a:schemeClr val="lt1"/>
+          </a:fontRef>
+        </p:style>
+        <p:txBody>
+          <a:bodyPr rtlCol="0" anchor="ctr"/>
+          <a:lstStyle/>
+          <a:p>
+            <a:pPr algn="ctr"/>
+            <a:endParaRPr lang="en-PH" sz="1500" b="1" dirty="0"/>
+          </a:p>
+        </p:txBody>
+      </p:sp>
+      <p:sp>
+        <p:nvSpPr>
+          <p:cNvPr id="11" name="Oval 10">
+            <a:extLst>
+              <a:ext uri="{FF2B5EF4-FFF2-40B4-BE49-F238E27FC236}">
+                <a16:creationId xmlns:a16="http://schemas.microsoft.com/office/drawing/2014/main" id="{C0CA8C80-5977-87BE-E301-9C99DE35D04B}"/>
+              </a:ext>
+            </a:extLst>
+          </p:cNvPr>
+          <p:cNvSpPr/>
+          <p:nvPr/>
+        </p:nvSpPr>
+        <p:spPr>
+          <a:xfrm>
+            <a:off x="8781144" y="3760961"/>
+            <a:ext cx="684402" cy="717512"/>
+          </a:xfrm>
+          <a:prstGeom prst="ellipse">
+            <a:avLst/>
+          </a:prstGeom>
+        </p:spPr>
+        <p:style>
+          <a:lnRef idx="0">
+            <a:schemeClr val="accent2"/>
+          </a:lnRef>
+          <a:fillRef idx="3">
+            <a:schemeClr val="accent2"/>
+          </a:fillRef>
+          <a:effectRef idx="3">
+            <a:schemeClr val="accent2"/>
+          </a:effectRef>
+          <a:fontRef idx="minor">
+            <a:schemeClr val="lt1"/>
+          </a:fontRef>
+        </p:style>
+        <p:txBody>
+          <a:bodyPr rtlCol="0" anchor="ctr"/>
+          <a:lstStyle/>
+          <a:p>
+            <a:pPr algn="ctr"/>
+            <a:endParaRPr lang="en-PH" sz="1500" b="1" dirty="0"/>
+          </a:p>
+        </p:txBody>
+      </p:sp>
+      <p:sp>
+        <p:nvSpPr>
+          <p:cNvPr id="12" name="TextBox 11">
+            <a:extLst>
+              <a:ext uri="{FF2B5EF4-FFF2-40B4-BE49-F238E27FC236}">
+                <a16:creationId xmlns:a16="http://schemas.microsoft.com/office/drawing/2014/main" id="{407BE128-981B-A5BC-9F31-EB55F3E079E0}"/>
+              </a:ext>
+            </a:extLst>
+          </p:cNvPr>
+          <p:cNvSpPr txBox="1"/>
+          <p:nvPr/>
+        </p:nvSpPr>
+        <p:spPr>
+          <a:xfrm>
+            <a:off x="9123345" y="2967494"/>
+            <a:ext cx="254059" cy="371110"/>
+          </a:xfrm>
+          <a:prstGeom prst="rect">
+            <a:avLst/>
+          </a:prstGeom>
+          <a:noFill/>
+        </p:spPr>
+        <p:txBody>
+          <a:bodyPr wrap="square" rtlCol="0">
+            <a:spAutoFit/>
+          </a:bodyPr>
+          <a:lstStyle/>
+          <a:p>
+            <a:endParaRPr lang="en-PH" sz="1500" b="1" dirty="0"/>
+          </a:p>
+        </p:txBody>
+      </p:sp>
+      <p:cxnSp>
+        <p:nvCxnSpPr>
+          <p:cNvPr id="14" name="Straight Connector 13">
+            <a:extLst>
+              <a:ext uri="{FF2B5EF4-FFF2-40B4-BE49-F238E27FC236}">
+                <a16:creationId xmlns:a16="http://schemas.microsoft.com/office/drawing/2014/main" id="{82983A18-DAC7-042E-52E5-720E600D28F1}"/>
+              </a:ext>
+            </a:extLst>
+          </p:cNvPr>
+          <p:cNvCxnSpPr>
+            <a:cxnSpLocks/>
+            <a:stCxn id="15" idx="6"/>
+            <a:endCxn id="9" idx="2"/>
+          </p:cNvCxnSpPr>
+          <p:nvPr/>
+        </p:nvCxnSpPr>
+        <p:spPr>
+          <a:xfrm flipV="1">
+            <a:off x="3455639" y="1737468"/>
+            <a:ext cx="2041668" cy="1906186"/>
+          </a:xfrm>
+          <a:prstGeom prst="line">
+            <a:avLst/>
+          </a:prstGeom>
+          <a:ln w="38100" cap="flat" cmpd="sng" algn="ctr">
+            <a:solidFill>
+              <a:schemeClr val="dk1"/>
+            </a:solidFill>
+            <a:prstDash val="solid"/>
+            <a:round/>
+            <a:headEnd type="none" w="med" len="med"/>
+            <a:tailEnd type="arrow" w="med" len="med"/>
+          </a:ln>
+        </p:spPr>
+        <p:style>
+          <a:lnRef idx="0">
+            <a:scrgbClr r="0" g="0" b="0"/>
+          </a:lnRef>
+          <a:fillRef idx="0">
+            <a:scrgbClr r="0" g="0" b="0"/>
+          </a:fillRef>
+          <a:effectRef idx="0">
+            <a:scrgbClr r="0" g="0" b="0"/>
+          </a:effectRef>
+          <a:fontRef idx="minor">
+            <a:schemeClr val="tx1"/>
+          </a:fontRef>
+        </p:style>
+      </p:cxnSp>
+      <p:sp>
+        <p:nvSpPr>
+          <p:cNvPr id="15" name="Oval 14">
+            <a:extLst>
+              <a:ext uri="{FF2B5EF4-FFF2-40B4-BE49-F238E27FC236}">
+                <a16:creationId xmlns:a16="http://schemas.microsoft.com/office/drawing/2014/main" id="{23FEE049-E58F-94BE-8C84-A76988DDB725}"/>
+              </a:ext>
+            </a:extLst>
+          </p:cNvPr>
+          <p:cNvSpPr/>
+          <p:nvPr/>
+        </p:nvSpPr>
+        <p:spPr>
+          <a:xfrm>
+            <a:off x="2771237" y="3284898"/>
+            <a:ext cx="684402" cy="717512"/>
+          </a:xfrm>
+          <a:prstGeom prst="ellipse">
+            <a:avLst/>
+          </a:prstGeom>
+        </p:spPr>
+        <p:style>
+          <a:lnRef idx="0">
+            <a:schemeClr val="accent2"/>
+          </a:lnRef>
+          <a:fillRef idx="3">
+            <a:schemeClr val="accent2"/>
+          </a:fillRef>
+          <a:effectRef idx="3">
+            <a:schemeClr val="accent2"/>
+          </a:effectRef>
+          <a:fontRef idx="minor">
+            <a:schemeClr val="lt1"/>
+          </a:fontRef>
+        </p:style>
+        <p:txBody>
+          <a:bodyPr rtlCol="0" anchor="ctr"/>
+          <a:lstStyle/>
+          <a:p>
+            <a:pPr algn="ctr"/>
+            <a:endParaRPr lang="en-PH" sz="1500" b="1" dirty="0"/>
+          </a:p>
+        </p:txBody>
+      </p:sp>
+      <p:sp>
+        <p:nvSpPr>
+          <p:cNvPr id="16" name="Oval 15">
+            <a:extLst>
+              <a:ext uri="{FF2B5EF4-FFF2-40B4-BE49-F238E27FC236}">
+                <a16:creationId xmlns:a16="http://schemas.microsoft.com/office/drawing/2014/main" id="{2043BE10-2E16-7FF1-DD9E-2DD57B8F37C1}"/>
+              </a:ext>
+            </a:extLst>
+          </p:cNvPr>
+          <p:cNvSpPr/>
+          <p:nvPr/>
+        </p:nvSpPr>
+        <p:spPr>
+          <a:xfrm>
+            <a:off x="2771237" y="1771245"/>
+            <a:ext cx="684402" cy="717512"/>
+          </a:xfrm>
+          <a:prstGeom prst="ellipse">
+            <a:avLst/>
+          </a:prstGeom>
+        </p:spPr>
+        <p:style>
+          <a:lnRef idx="0">
+            <a:schemeClr val="accent2"/>
+          </a:lnRef>
+          <a:fillRef idx="3">
+            <a:schemeClr val="accent2"/>
+          </a:fillRef>
+          <a:effectRef idx="3">
+            <a:schemeClr val="accent2"/>
+          </a:effectRef>
+          <a:fontRef idx="minor">
+            <a:schemeClr val="lt1"/>
+          </a:fontRef>
+        </p:style>
+        <p:txBody>
+          <a:bodyPr rtlCol="0" anchor="ctr"/>
+          <a:lstStyle/>
+          <a:p>
+            <a:pPr algn="ctr"/>
+            <a:endParaRPr lang="en-PH" sz="1500" b="1" dirty="0"/>
+          </a:p>
+        </p:txBody>
+      </p:sp>
+      <p:sp>
+        <p:nvSpPr>
+          <p:cNvPr id="17" name="Oval 16">
+            <a:extLst>
+              <a:ext uri="{FF2B5EF4-FFF2-40B4-BE49-F238E27FC236}">
+                <a16:creationId xmlns:a16="http://schemas.microsoft.com/office/drawing/2014/main" id="{BEE52501-E0EA-3928-7174-C74CBDEA43D0}"/>
+              </a:ext>
+            </a:extLst>
+          </p:cNvPr>
+          <p:cNvSpPr/>
+          <p:nvPr/>
+        </p:nvSpPr>
+        <p:spPr>
+          <a:xfrm>
+            <a:off x="2771237" y="4803953"/>
+            <a:ext cx="684402" cy="717512"/>
+          </a:xfrm>
+          <a:prstGeom prst="ellipse">
+            <a:avLst/>
+          </a:prstGeom>
+        </p:spPr>
+        <p:style>
+          <a:lnRef idx="0">
+            <a:schemeClr val="accent2"/>
+          </a:lnRef>
+          <a:fillRef idx="3">
+            <a:schemeClr val="accent2"/>
+          </a:fillRef>
+          <a:effectRef idx="3">
+            <a:schemeClr val="accent2"/>
+          </a:effectRef>
+          <a:fontRef idx="minor">
+            <a:schemeClr val="lt1"/>
+          </a:fontRef>
+        </p:style>
+        <p:txBody>
+          <a:bodyPr rtlCol="0" anchor="ctr"/>
+          <a:lstStyle/>
+          <a:p>
+            <a:pPr algn="ctr"/>
+            <a:endParaRPr lang="en-PH" sz="1500" b="1" dirty="0"/>
+          </a:p>
+        </p:txBody>
+      </p:sp>
+      <p:cxnSp>
+        <p:nvCxnSpPr>
+          <p:cNvPr id="18" name="Straight Connector 17">
+            <a:extLst>
+              <a:ext uri="{FF2B5EF4-FFF2-40B4-BE49-F238E27FC236}">
+                <a16:creationId xmlns:a16="http://schemas.microsoft.com/office/drawing/2014/main" id="{886A630A-F803-AD89-0BC6-9409B54B468A}"/>
+              </a:ext>
+            </a:extLst>
+          </p:cNvPr>
+          <p:cNvCxnSpPr>
+            <a:cxnSpLocks/>
+            <a:stCxn id="16" idx="6"/>
+            <a:endCxn id="9" idx="2"/>
+          </p:cNvCxnSpPr>
+          <p:nvPr/>
+        </p:nvCxnSpPr>
+        <p:spPr>
+          <a:xfrm flipV="1">
+            <a:off x="3455639" y="1737468"/>
+            <a:ext cx="2041668" cy="392533"/>
+          </a:xfrm>
+          <a:prstGeom prst="line">
+            <a:avLst/>
+          </a:prstGeom>
+          <a:ln w="38100" cap="flat" cmpd="sng" algn="ctr">
+            <a:solidFill>
+              <a:schemeClr val="dk1"/>
+            </a:solidFill>
+            <a:prstDash val="solid"/>
+            <a:round/>
+            <a:headEnd type="none" w="med" len="med"/>
+            <a:tailEnd type="arrow" w="med" len="med"/>
+          </a:ln>
+        </p:spPr>
+        <p:style>
+          <a:lnRef idx="0">
+            <a:scrgbClr r="0" g="0" b="0"/>
+          </a:lnRef>
+          <a:fillRef idx="0">
+            <a:scrgbClr r="0" g="0" b="0"/>
+          </a:fillRef>
+          <a:effectRef idx="0">
+            <a:scrgbClr r="0" g="0" b="0"/>
+          </a:effectRef>
+          <a:fontRef idx="minor">
+            <a:schemeClr val="tx1"/>
+          </a:fontRef>
+        </p:style>
+      </p:cxnSp>
+      <p:cxnSp>
+        <p:nvCxnSpPr>
+          <p:cNvPr id="19" name="Straight Connector 18">
+            <a:extLst>
+              <a:ext uri="{FF2B5EF4-FFF2-40B4-BE49-F238E27FC236}">
+                <a16:creationId xmlns:a16="http://schemas.microsoft.com/office/drawing/2014/main" id="{468EA371-18C6-BFF6-67B1-9A2F1CB1F5DB}"/>
+              </a:ext>
+            </a:extLst>
+          </p:cNvPr>
+          <p:cNvCxnSpPr>
+            <a:cxnSpLocks/>
+            <a:stCxn id="17" idx="6"/>
+            <a:endCxn id="10" idx="2"/>
+          </p:cNvCxnSpPr>
+          <p:nvPr/>
+        </p:nvCxnSpPr>
+        <p:spPr>
+          <a:xfrm flipV="1">
+            <a:off x="3455639" y="2916746"/>
+            <a:ext cx="2063580" cy="2245963"/>
+          </a:xfrm>
+          <a:prstGeom prst="line">
+            <a:avLst/>
+          </a:prstGeom>
+          <a:ln w="38100" cap="flat" cmpd="sng" algn="ctr">
+            <a:solidFill>
+              <a:schemeClr val="dk1"/>
+            </a:solidFill>
+            <a:prstDash val="solid"/>
+            <a:round/>
+            <a:headEnd type="none" w="med" len="med"/>
+            <a:tailEnd type="arrow" w="med" len="med"/>
+          </a:ln>
+        </p:spPr>
+        <p:style>
+          <a:lnRef idx="0">
+            <a:scrgbClr r="0" g="0" b="0"/>
+          </a:lnRef>
+          <a:fillRef idx="0">
+            <a:scrgbClr r="0" g="0" b="0"/>
+          </a:fillRef>
+          <a:effectRef idx="0">
+            <a:scrgbClr r="0" g="0" b="0"/>
+          </a:effectRef>
+          <a:fontRef idx="minor">
+            <a:schemeClr val="tx1"/>
+          </a:fontRef>
+        </p:style>
+      </p:cxnSp>
+      <p:cxnSp>
+        <p:nvCxnSpPr>
+          <p:cNvPr id="20" name="Straight Connector 19">
+            <a:extLst>
+              <a:ext uri="{FF2B5EF4-FFF2-40B4-BE49-F238E27FC236}">
+                <a16:creationId xmlns:a16="http://schemas.microsoft.com/office/drawing/2014/main" id="{8CF77459-3A6C-D0CF-FAFE-E8BAD3A81570}"/>
+              </a:ext>
+            </a:extLst>
+          </p:cNvPr>
+          <p:cNvCxnSpPr>
+            <a:cxnSpLocks/>
+            <a:endCxn id="9" idx="2"/>
+          </p:cNvCxnSpPr>
+          <p:nvPr/>
+        </p:nvCxnSpPr>
+        <p:spPr>
+          <a:xfrm flipV="1">
+            <a:off x="3500164" y="1737468"/>
+            <a:ext cx="1997143" cy="3372414"/>
+          </a:xfrm>
+          <a:prstGeom prst="line">
+            <a:avLst/>
+          </a:prstGeom>
+          <a:ln w="38100" cap="flat" cmpd="sng" algn="ctr">
+            <a:solidFill>
+              <a:schemeClr val="dk1"/>
+            </a:solidFill>
+            <a:prstDash val="solid"/>
+            <a:round/>
+            <a:headEnd type="none" w="med" len="med"/>
+            <a:tailEnd type="arrow" w="med" len="med"/>
+          </a:ln>
+        </p:spPr>
+        <p:style>
+          <a:lnRef idx="0">
+            <a:scrgbClr r="0" g="0" b="0"/>
+          </a:lnRef>
+          <a:fillRef idx="0">
+            <a:scrgbClr r="0" g="0" b="0"/>
+          </a:fillRef>
+          <a:effectRef idx="0">
+            <a:scrgbClr r="0" g="0" b="0"/>
+          </a:effectRef>
+          <a:fontRef idx="minor">
+            <a:schemeClr val="tx1"/>
+          </a:fontRef>
+        </p:style>
+      </p:cxnSp>
+      <p:cxnSp>
+        <p:nvCxnSpPr>
+          <p:cNvPr id="21" name="Straight Connector 20">
+            <a:extLst>
+              <a:ext uri="{FF2B5EF4-FFF2-40B4-BE49-F238E27FC236}">
+                <a16:creationId xmlns:a16="http://schemas.microsoft.com/office/drawing/2014/main" id="{B28D9132-DFCC-C168-A407-CACC7C786D2C}"/>
+              </a:ext>
+            </a:extLst>
+          </p:cNvPr>
+          <p:cNvCxnSpPr>
+            <a:cxnSpLocks/>
+            <a:stCxn id="16" idx="6"/>
+            <a:endCxn id="10" idx="2"/>
+          </p:cNvCxnSpPr>
+          <p:nvPr/>
+        </p:nvCxnSpPr>
+        <p:spPr>
+          <a:xfrm>
+            <a:off x="3455639" y="2130001"/>
+            <a:ext cx="2063580" cy="786745"/>
+          </a:xfrm>
+          <a:prstGeom prst="line">
+            <a:avLst/>
+          </a:prstGeom>
+          <a:ln w="38100" cap="flat" cmpd="sng" algn="ctr">
+            <a:solidFill>
+              <a:schemeClr val="dk1"/>
+            </a:solidFill>
+            <a:prstDash val="solid"/>
+            <a:round/>
+            <a:headEnd type="none" w="med" len="med"/>
+            <a:tailEnd type="arrow" w="med" len="med"/>
+          </a:ln>
+        </p:spPr>
+        <p:style>
+          <a:lnRef idx="0">
+            <a:scrgbClr r="0" g="0" b="0"/>
+          </a:lnRef>
+          <a:fillRef idx="0">
+            <a:scrgbClr r="0" g="0" b="0"/>
+          </a:fillRef>
+          <a:effectRef idx="0">
+            <a:scrgbClr r="0" g="0" b="0"/>
+          </a:effectRef>
+          <a:fontRef idx="minor">
+            <a:schemeClr val="tx1"/>
+          </a:fontRef>
+        </p:style>
+      </p:cxnSp>
+      <p:cxnSp>
+        <p:nvCxnSpPr>
+          <p:cNvPr id="22" name="Straight Connector 21">
+            <a:extLst>
+              <a:ext uri="{FF2B5EF4-FFF2-40B4-BE49-F238E27FC236}">
+                <a16:creationId xmlns:a16="http://schemas.microsoft.com/office/drawing/2014/main" id="{9A3C287B-6A6A-FEED-DF8A-D4FD18D0703F}"/>
+              </a:ext>
+            </a:extLst>
+          </p:cNvPr>
+          <p:cNvCxnSpPr>
+            <a:cxnSpLocks/>
+            <a:stCxn id="15" idx="6"/>
+            <a:endCxn id="10" idx="2"/>
+          </p:cNvCxnSpPr>
+          <p:nvPr/>
+        </p:nvCxnSpPr>
+        <p:spPr>
+          <a:xfrm flipV="1">
+            <a:off x="3455639" y="2916746"/>
+            <a:ext cx="2063580" cy="726908"/>
+          </a:xfrm>
+          <a:prstGeom prst="line">
+            <a:avLst/>
+          </a:prstGeom>
+          <a:ln w="38100" cap="flat" cmpd="sng" algn="ctr">
+            <a:solidFill>
+              <a:schemeClr val="dk1"/>
+            </a:solidFill>
+            <a:prstDash val="solid"/>
+            <a:round/>
+            <a:headEnd type="none" w="med" len="med"/>
+            <a:tailEnd type="arrow" w="med" len="med"/>
+          </a:ln>
+        </p:spPr>
+        <p:style>
+          <a:lnRef idx="0">
+            <a:scrgbClr r="0" g="0" b="0"/>
+          </a:lnRef>
+          <a:fillRef idx="0">
+            <a:scrgbClr r="0" g="0" b="0"/>
+          </a:fillRef>
+          <a:effectRef idx="0">
+            <a:scrgbClr r="0" g="0" b="0"/>
+          </a:effectRef>
+          <a:fontRef idx="minor">
+            <a:schemeClr val="tx1"/>
+          </a:fontRef>
+        </p:style>
+      </p:cxnSp>
+      <p:sp>
+        <p:nvSpPr>
+          <p:cNvPr id="23" name="Oval 22">
+            <a:extLst>
+              <a:ext uri="{FF2B5EF4-FFF2-40B4-BE49-F238E27FC236}">
+                <a16:creationId xmlns:a16="http://schemas.microsoft.com/office/drawing/2014/main" id="{B043A0DA-50F2-EE5E-D8AB-5E953A17B797}"/>
+              </a:ext>
+            </a:extLst>
+          </p:cNvPr>
+          <p:cNvSpPr/>
+          <p:nvPr/>
+        </p:nvSpPr>
+        <p:spPr>
+          <a:xfrm>
+            <a:off x="8781144" y="2467338"/>
+            <a:ext cx="684402" cy="717512"/>
+          </a:xfrm>
+          <a:prstGeom prst="ellipse">
+            <a:avLst/>
+          </a:prstGeom>
+        </p:spPr>
+        <p:style>
+          <a:lnRef idx="0">
+            <a:schemeClr val="accent2"/>
+          </a:lnRef>
+          <a:fillRef idx="3">
+            <a:schemeClr val="accent2"/>
+          </a:fillRef>
+          <a:effectRef idx="3">
+            <a:schemeClr val="accent2"/>
+          </a:effectRef>
+          <a:fontRef idx="minor">
+            <a:schemeClr val="lt1"/>
+          </a:fontRef>
+        </p:style>
+        <p:txBody>
+          <a:bodyPr rtlCol="0" anchor="ctr"/>
+          <a:lstStyle/>
+          <a:p>
+            <a:pPr algn="ctr"/>
+            <a:endParaRPr lang="en-PH" sz="1500" b="1" dirty="0"/>
+          </a:p>
+        </p:txBody>
+      </p:sp>
+      <p:cxnSp>
+        <p:nvCxnSpPr>
+          <p:cNvPr id="24" name="Straight Connector 23">
+            <a:extLst>
+              <a:ext uri="{FF2B5EF4-FFF2-40B4-BE49-F238E27FC236}">
+                <a16:creationId xmlns:a16="http://schemas.microsoft.com/office/drawing/2014/main" id="{E7F8851C-C10D-C708-7D7E-F26EC56135FD}"/>
+              </a:ext>
+            </a:extLst>
+          </p:cNvPr>
+          <p:cNvCxnSpPr>
+            <a:cxnSpLocks/>
+            <a:stCxn id="10" idx="6"/>
+            <a:endCxn id="11" idx="2"/>
+          </p:cNvCxnSpPr>
+          <p:nvPr/>
+        </p:nvCxnSpPr>
+        <p:spPr>
+          <a:xfrm>
+            <a:off x="6203621" y="2916746"/>
+            <a:ext cx="2577523" cy="1202971"/>
+          </a:xfrm>
+          <a:prstGeom prst="line">
+            <a:avLst/>
+          </a:prstGeom>
+          <a:ln w="38100" cap="flat" cmpd="sng" algn="ctr">
+            <a:solidFill>
+              <a:schemeClr val="dk1"/>
+            </a:solidFill>
+            <a:prstDash val="solid"/>
+            <a:round/>
+            <a:headEnd type="none" w="med" len="med"/>
+            <a:tailEnd type="arrow" w="med" len="med"/>
+          </a:ln>
+        </p:spPr>
+        <p:style>
+          <a:lnRef idx="0">
+            <a:scrgbClr r="0" g="0" b="0"/>
+          </a:lnRef>
+          <a:fillRef idx="0">
+            <a:scrgbClr r="0" g="0" b="0"/>
+          </a:fillRef>
+          <a:effectRef idx="0">
+            <a:scrgbClr r="0" g="0" b="0"/>
+          </a:effectRef>
+          <a:fontRef idx="minor">
+            <a:schemeClr val="tx1"/>
+          </a:fontRef>
+        </p:style>
+      </p:cxnSp>
+      <p:cxnSp>
+        <p:nvCxnSpPr>
+          <p:cNvPr id="34" name="Curved Connector 97">
+            <a:extLst>
+              <a:ext uri="{FF2B5EF4-FFF2-40B4-BE49-F238E27FC236}">
+                <a16:creationId xmlns:a16="http://schemas.microsoft.com/office/drawing/2014/main" id="{BED5477A-58DD-0188-E783-08C4DE1905BA}"/>
+              </a:ext>
+            </a:extLst>
+          </p:cNvPr>
+          <p:cNvCxnSpPr>
+            <a:cxnSpLocks/>
+          </p:cNvCxnSpPr>
+          <p:nvPr/>
+        </p:nvCxnSpPr>
+        <p:spPr>
+          <a:xfrm rot="10800000" flipV="1">
+            <a:off x="8957345" y="2693549"/>
+            <a:ext cx="332000" cy="307929"/>
+          </a:xfrm>
+          <a:prstGeom prst="curvedConnector3">
+            <a:avLst/>
+          </a:prstGeom>
+          <a:ln w="38100"/>
+        </p:spPr>
+        <p:style>
+          <a:lnRef idx="3">
+            <a:schemeClr val="dk1"/>
+          </a:lnRef>
+          <a:fillRef idx="0">
+            <a:schemeClr val="dk1"/>
+          </a:fillRef>
+          <a:effectRef idx="2">
+            <a:schemeClr val="dk1"/>
+          </a:effectRef>
+          <a:fontRef idx="minor">
+            <a:schemeClr val="tx1"/>
+          </a:fontRef>
+        </p:style>
+      </p:cxnSp>
+      <p:cxnSp>
+        <p:nvCxnSpPr>
+          <p:cNvPr id="35" name="Curved Connector 98">
+            <a:extLst>
+              <a:ext uri="{FF2B5EF4-FFF2-40B4-BE49-F238E27FC236}">
+                <a16:creationId xmlns:a16="http://schemas.microsoft.com/office/drawing/2014/main" id="{3F60D349-3179-B3A0-DE90-3F892A2B6F85}"/>
+              </a:ext>
+            </a:extLst>
+          </p:cNvPr>
+          <p:cNvCxnSpPr>
+            <a:cxnSpLocks/>
+          </p:cNvCxnSpPr>
+          <p:nvPr/>
+        </p:nvCxnSpPr>
+        <p:spPr>
+          <a:xfrm rot="10800000" flipV="1">
+            <a:off x="8957344" y="3962756"/>
+            <a:ext cx="332000" cy="307929"/>
+          </a:xfrm>
+          <a:prstGeom prst="curvedConnector3">
+            <a:avLst/>
+          </a:prstGeom>
+          <a:ln w="38100"/>
+        </p:spPr>
+        <p:style>
+          <a:lnRef idx="3">
+            <a:schemeClr val="dk1"/>
+          </a:lnRef>
+          <a:fillRef idx="0">
+            <a:schemeClr val="dk1"/>
+          </a:fillRef>
+          <a:effectRef idx="2">
+            <a:schemeClr val="dk1"/>
+          </a:effectRef>
+          <a:fontRef idx="minor">
+            <a:schemeClr val="tx1"/>
+          </a:fontRef>
+        </p:style>
+      </p:cxnSp>
+      <mc:AlternateContent xmlns:mc="http://schemas.openxmlformats.org/markup-compatibility/2006">
+        <mc:Choice xmlns:a14="http://schemas.microsoft.com/office/drawing/2010/main" Requires="a14">
+          <p:sp>
+            <p:nvSpPr>
+              <p:cNvPr id="36" name="TextBox 35">
+                <a:extLst>
+                  <a:ext uri="{FF2B5EF4-FFF2-40B4-BE49-F238E27FC236}">
+                    <a16:creationId xmlns:a16="http://schemas.microsoft.com/office/drawing/2014/main" id="{B37A35FB-8715-3AAD-DFF8-F839EBACAAA9}"/>
+                  </a:ext>
+                </a:extLst>
+              </p:cNvPr>
+              <p:cNvSpPr txBox="1"/>
+              <p:nvPr/>
+            </p:nvSpPr>
+            <p:spPr>
+              <a:xfrm>
+                <a:off x="8940702" y="2045107"/>
+                <a:ext cx="365284" cy="371110"/>
+              </a:xfrm>
+              <a:prstGeom prst="rect">
+                <a:avLst/>
+              </a:prstGeom>
+              <a:noFill/>
+            </p:spPr>
+            <p:txBody>
+              <a:bodyPr wrap="square" rtlCol="0">
+                <a:spAutoFit/>
+              </a:bodyPr>
+              <a:lstStyle/>
+              <a:p>
+                <a:pPr/>
+                <a14:m>
+                  <m:oMathPara xmlns:m="http://schemas.openxmlformats.org/officeDocument/2006/math">
+                    <m:oMathParaPr>
+                      <m:jc m:val="centerGroup"/>
+                    </m:oMathParaPr>
+                    <m:oMath xmlns:m="http://schemas.openxmlformats.org/officeDocument/2006/math">
+                      <m:sSub>
+                        <m:sSubPr>
+                          <m:ctrlPr>
+                            <a:rPr lang="en-US" sz="1500" b="1" i="1" dirty="0" smtClean="0">
+                              <a:latin typeface="Cambria Math" panose="02040503050406030204" pitchFamily="18" charset="0"/>
+                            </a:rPr>
+                          </m:ctrlPr>
+                        </m:sSubPr>
+                        <m:e>
+                          <m:r>
+                            <a:rPr lang="en-GB" sz="1500" b="1" i="1" dirty="0" smtClean="0">
+                              <a:latin typeface="Cambria Math" panose="02040503050406030204" pitchFamily="18" charset="0"/>
+                            </a:rPr>
+                            <m:t>𝑶</m:t>
+                          </m:r>
+                        </m:e>
+                        <m:sub>
+                          <m:r>
+                            <a:rPr lang="en-GB" sz="1500" b="1" i="1" dirty="0" smtClean="0">
+                              <a:latin typeface="Cambria Math" panose="02040503050406030204" pitchFamily="18" charset="0"/>
+                            </a:rPr>
+                            <m:t>𝟏</m:t>
+                          </m:r>
+                        </m:sub>
+                      </m:sSub>
+                    </m:oMath>
+                  </m:oMathPara>
+                </a14:m>
+                <a:endParaRPr lang="en-PH" sz="1500" b="1" dirty="0"/>
+              </a:p>
+            </p:txBody>
+          </p:sp>
+        </mc:Choice>
+        <mc:Fallback>
+          <p:sp>
+            <p:nvSpPr>
+              <p:cNvPr id="36" name="TextBox 35">
+                <a:extLst>
+                  <a:ext uri="{FF2B5EF4-FFF2-40B4-BE49-F238E27FC236}">
+                    <a16:creationId xmlns:a16="http://schemas.microsoft.com/office/drawing/2014/main" id="{B37A35FB-8715-3AAD-DFF8-F839EBACAAA9}"/>
+                  </a:ext>
+                </a:extLst>
+              </p:cNvPr>
+              <p:cNvSpPr txBox="1">
+                <a:spLocks noRot="1" noChangeAspect="1" noMove="1" noResize="1" noEditPoints="1" noAdjustHandles="1" noChangeArrowheads="1" noChangeShapeType="1" noTextEdit="1"/>
+              </p:cNvSpPr>
+              <p:nvPr/>
+            </p:nvSpPr>
+            <p:spPr>
+              <a:xfrm>
+                <a:off x="8940702" y="2045107"/>
+                <a:ext cx="365284" cy="371110"/>
+              </a:xfrm>
+              <a:prstGeom prst="rect">
+                <a:avLst/>
+              </a:prstGeom>
+              <a:blipFill>
+                <a:blip r:embed="rId4"/>
+                <a:stretch>
+                  <a:fillRect/>
+                </a:stretch>
+              </a:blipFill>
+            </p:spPr>
+            <p:txBody>
+              <a:bodyPr/>
+              <a:lstStyle/>
+              <a:p>
+                <a:r>
+                  <a:rPr lang="en-US">
+                    <a:noFill/>
+                  </a:rPr>
+                  <a:t> </a:t>
+                </a:r>
+              </a:p>
+            </p:txBody>
+          </p:sp>
+        </mc:Fallback>
+      </mc:AlternateContent>
+      <mc:AlternateContent xmlns:mc="http://schemas.openxmlformats.org/markup-compatibility/2006">
+        <mc:Choice xmlns:a14="http://schemas.microsoft.com/office/drawing/2010/main" Requires="a14">
+          <p:sp>
+            <p:nvSpPr>
+              <p:cNvPr id="37" name="TextBox 36">
+                <a:extLst>
+                  <a:ext uri="{FF2B5EF4-FFF2-40B4-BE49-F238E27FC236}">
+                    <a16:creationId xmlns:a16="http://schemas.microsoft.com/office/drawing/2014/main" id="{2E916CCE-12EF-F544-336C-753F430135CB}"/>
+                  </a:ext>
+                </a:extLst>
+              </p:cNvPr>
+              <p:cNvSpPr txBox="1"/>
+              <p:nvPr/>
+            </p:nvSpPr>
+            <p:spPr>
+              <a:xfrm>
+                <a:off x="8936525" y="3360233"/>
+                <a:ext cx="365284" cy="371110"/>
+              </a:xfrm>
+              <a:prstGeom prst="rect">
+                <a:avLst/>
+              </a:prstGeom>
+              <a:noFill/>
+            </p:spPr>
+            <p:txBody>
+              <a:bodyPr wrap="square" rtlCol="0">
+                <a:spAutoFit/>
+              </a:bodyPr>
+              <a:lstStyle/>
+              <a:p>
+                <a:pPr/>
+                <a14:m>
+                  <m:oMathPara xmlns:m="http://schemas.openxmlformats.org/officeDocument/2006/math">
+                    <m:oMathParaPr>
+                      <m:jc m:val="centerGroup"/>
+                    </m:oMathParaPr>
+                    <m:oMath xmlns:m="http://schemas.openxmlformats.org/officeDocument/2006/math">
+                      <m:sSub>
+                        <m:sSubPr>
+                          <m:ctrlPr>
+                            <a:rPr lang="en-US" sz="1500" b="1" i="1" dirty="0" smtClean="0">
+                              <a:latin typeface="Cambria Math" panose="02040503050406030204" pitchFamily="18" charset="0"/>
+                            </a:rPr>
+                          </m:ctrlPr>
+                        </m:sSubPr>
+                        <m:e>
+                          <m:r>
+                            <a:rPr lang="en-GB" sz="1500" b="1" i="1" dirty="0" smtClean="0">
+                              <a:latin typeface="Cambria Math" panose="02040503050406030204" pitchFamily="18" charset="0"/>
+                            </a:rPr>
+                            <m:t>𝑶</m:t>
+                          </m:r>
+                        </m:e>
+                        <m:sub>
+                          <m:r>
+                            <a:rPr lang="en-GB" sz="1500" b="1" i="1" dirty="0" smtClean="0">
+                              <a:latin typeface="Cambria Math" panose="02040503050406030204" pitchFamily="18" charset="0"/>
+                            </a:rPr>
+                            <m:t>𝟐</m:t>
+                          </m:r>
+                        </m:sub>
+                      </m:sSub>
+                    </m:oMath>
+                  </m:oMathPara>
+                </a14:m>
+                <a:endParaRPr lang="en-PH" sz="1500" b="1" dirty="0"/>
+              </a:p>
+            </p:txBody>
+          </p:sp>
+        </mc:Choice>
+        <mc:Fallback>
+          <p:sp>
+            <p:nvSpPr>
+              <p:cNvPr id="37" name="TextBox 36">
+                <a:extLst>
+                  <a:ext uri="{FF2B5EF4-FFF2-40B4-BE49-F238E27FC236}">
+                    <a16:creationId xmlns:a16="http://schemas.microsoft.com/office/drawing/2014/main" id="{2E916CCE-12EF-F544-336C-753F430135CB}"/>
+                  </a:ext>
+                </a:extLst>
+              </p:cNvPr>
+              <p:cNvSpPr txBox="1">
+                <a:spLocks noRot="1" noChangeAspect="1" noMove="1" noResize="1" noEditPoints="1" noAdjustHandles="1" noChangeArrowheads="1" noChangeShapeType="1" noTextEdit="1"/>
+              </p:cNvSpPr>
+              <p:nvPr/>
+            </p:nvSpPr>
+            <p:spPr>
+              <a:xfrm>
+                <a:off x="8936525" y="3360233"/>
+                <a:ext cx="365284" cy="371110"/>
+              </a:xfrm>
+              <a:prstGeom prst="rect">
+                <a:avLst/>
+              </a:prstGeom>
+              <a:blipFill>
+                <a:blip r:embed="rId5"/>
+                <a:stretch>
+                  <a:fillRect/>
+                </a:stretch>
+              </a:blipFill>
+            </p:spPr>
+            <p:txBody>
+              <a:bodyPr/>
+              <a:lstStyle/>
+              <a:p>
+                <a:r>
+                  <a:rPr lang="en-US">
+                    <a:noFill/>
+                  </a:rPr>
+                  <a:t> </a:t>
+                </a:r>
+              </a:p>
+            </p:txBody>
+          </p:sp>
+        </mc:Fallback>
+      </mc:AlternateContent>
+      <mc:AlternateContent xmlns:mc="http://schemas.openxmlformats.org/markup-compatibility/2006">
+        <mc:Choice xmlns:a14="http://schemas.microsoft.com/office/drawing/2010/main" Requires="a14">
+          <p:sp>
+            <p:nvSpPr>
+              <p:cNvPr id="38" name="TextBox 37">
+                <a:extLst>
+                  <a:ext uri="{FF2B5EF4-FFF2-40B4-BE49-F238E27FC236}">
+                    <a16:creationId xmlns:a16="http://schemas.microsoft.com/office/drawing/2014/main" id="{256CE47C-F318-5A35-0213-BFCBC3410B2D}"/>
+                  </a:ext>
+                </a:extLst>
+              </p:cNvPr>
+              <p:cNvSpPr txBox="1"/>
+              <p:nvPr/>
+            </p:nvSpPr>
+            <p:spPr>
+              <a:xfrm>
+                <a:off x="5671672" y="1053236"/>
+                <a:ext cx="365284" cy="371110"/>
+              </a:xfrm>
+              <a:prstGeom prst="rect">
+                <a:avLst/>
+              </a:prstGeom>
+              <a:noFill/>
+            </p:spPr>
+            <p:txBody>
+              <a:bodyPr wrap="square" rtlCol="0">
+                <a:spAutoFit/>
+              </a:bodyPr>
+              <a:lstStyle/>
+              <a:p>
+                <a:pPr/>
+                <a14:m>
+                  <m:oMathPara xmlns:m="http://schemas.openxmlformats.org/officeDocument/2006/math">
+                    <m:oMathParaPr>
+                      <m:jc m:val="centerGroup"/>
+                    </m:oMathParaPr>
+                    <m:oMath xmlns:m="http://schemas.openxmlformats.org/officeDocument/2006/math">
+                      <m:sSub>
+                        <m:sSubPr>
+                          <m:ctrlPr>
+                            <a:rPr lang="en-US" sz="1500" b="1" i="1" dirty="0" smtClean="0">
+                              <a:latin typeface="Cambria Math" panose="02040503050406030204" pitchFamily="18" charset="0"/>
+                            </a:rPr>
+                          </m:ctrlPr>
+                        </m:sSubPr>
+                        <m:e>
+                          <m:r>
+                            <a:rPr lang="en-GB" sz="1500" b="1" i="1" dirty="0" smtClean="0">
+                              <a:latin typeface="Cambria Math" panose="02040503050406030204" pitchFamily="18" charset="0"/>
+                            </a:rPr>
+                            <m:t>𝒉</m:t>
+                          </m:r>
+                        </m:e>
+                        <m:sub>
+                          <m:r>
+                            <a:rPr lang="en-GB" sz="1500" b="1" i="1" dirty="0" smtClean="0">
+                              <a:latin typeface="Cambria Math" panose="02040503050406030204" pitchFamily="18" charset="0"/>
+                            </a:rPr>
+                            <m:t>𝟏</m:t>
+                          </m:r>
+                        </m:sub>
+                      </m:sSub>
+                    </m:oMath>
+                  </m:oMathPara>
+                </a14:m>
+                <a:endParaRPr lang="en-PH" sz="1500" b="1" dirty="0"/>
+              </a:p>
+            </p:txBody>
+          </p:sp>
+        </mc:Choice>
+        <mc:Fallback>
+          <p:sp>
+            <p:nvSpPr>
+              <p:cNvPr id="38" name="TextBox 37">
+                <a:extLst>
+                  <a:ext uri="{FF2B5EF4-FFF2-40B4-BE49-F238E27FC236}">
+                    <a16:creationId xmlns:a16="http://schemas.microsoft.com/office/drawing/2014/main" id="{256CE47C-F318-5A35-0213-BFCBC3410B2D}"/>
+                  </a:ext>
+                </a:extLst>
+              </p:cNvPr>
+              <p:cNvSpPr txBox="1">
+                <a:spLocks noRot="1" noChangeAspect="1" noMove="1" noResize="1" noEditPoints="1" noAdjustHandles="1" noChangeArrowheads="1" noChangeShapeType="1" noTextEdit="1"/>
+              </p:cNvSpPr>
+              <p:nvPr/>
+            </p:nvSpPr>
+            <p:spPr>
+              <a:xfrm>
+                <a:off x="5671672" y="1053236"/>
+                <a:ext cx="365284" cy="371110"/>
+              </a:xfrm>
+              <a:prstGeom prst="rect">
+                <a:avLst/>
+              </a:prstGeom>
+              <a:blipFill>
+                <a:blip r:embed="rId6"/>
+                <a:stretch>
+                  <a:fillRect/>
+                </a:stretch>
+              </a:blipFill>
+            </p:spPr>
+            <p:txBody>
+              <a:bodyPr/>
+              <a:lstStyle/>
+              <a:p>
+                <a:r>
+                  <a:rPr lang="en-US">
+                    <a:noFill/>
+                  </a:rPr>
+                  <a:t> </a:t>
+                </a:r>
+              </a:p>
+            </p:txBody>
+          </p:sp>
+        </mc:Fallback>
+      </mc:AlternateContent>
+      <mc:AlternateContent xmlns:mc="http://schemas.openxmlformats.org/markup-compatibility/2006">
+        <mc:Choice xmlns:a14="http://schemas.microsoft.com/office/drawing/2010/main" Requires="a14">
+          <p:sp>
+            <p:nvSpPr>
+              <p:cNvPr id="39" name="TextBox 38">
+                <a:extLst>
+                  <a:ext uri="{FF2B5EF4-FFF2-40B4-BE49-F238E27FC236}">
+                    <a16:creationId xmlns:a16="http://schemas.microsoft.com/office/drawing/2014/main" id="{58A2DC81-EEE0-5465-B8BD-47BB419DFB57}"/>
+                  </a:ext>
+                </a:extLst>
+              </p:cNvPr>
+              <p:cNvSpPr txBox="1"/>
+              <p:nvPr/>
+            </p:nvSpPr>
+            <p:spPr>
+              <a:xfrm>
+                <a:off x="5671672" y="3587891"/>
+                <a:ext cx="365284" cy="323165"/>
+              </a:xfrm>
+              <a:prstGeom prst="rect">
+                <a:avLst/>
+              </a:prstGeom>
+              <a:noFill/>
+            </p:spPr>
+            <p:txBody>
+              <a:bodyPr wrap="square" rtlCol="0">
+                <a:spAutoFit/>
+              </a:bodyPr>
+              <a:lstStyle/>
+              <a:p>
+                <a:pPr/>
+                <a14:m>
+                  <m:oMathPara xmlns:m="http://schemas.openxmlformats.org/officeDocument/2006/math">
+                    <m:oMathParaPr>
+                      <m:jc m:val="centerGroup"/>
+                    </m:oMathParaPr>
+                    <m:oMath xmlns:m="http://schemas.openxmlformats.org/officeDocument/2006/math">
+                      <m:sSub>
+                        <m:sSubPr>
+                          <m:ctrlPr>
+                            <a:rPr lang="en-US" sz="1500" b="1" i="1" dirty="0" smtClean="0">
+                              <a:latin typeface="Cambria Math" panose="02040503050406030204" pitchFamily="18" charset="0"/>
+                            </a:rPr>
+                          </m:ctrlPr>
+                        </m:sSubPr>
+                        <m:e>
+                          <m:r>
+                            <a:rPr lang="en-GB" sz="1500" b="1" i="1" dirty="0" smtClean="0">
+                              <a:latin typeface="Cambria Math" panose="02040503050406030204" pitchFamily="18" charset="0"/>
+                            </a:rPr>
+                            <m:t>𝒉</m:t>
+                          </m:r>
+                        </m:e>
+                        <m:sub>
+                          <m:r>
+                            <a:rPr lang="en-GB" sz="1500" b="1" i="1" dirty="0" smtClean="0">
+                              <a:latin typeface="Cambria Math" panose="02040503050406030204" pitchFamily="18" charset="0"/>
+                            </a:rPr>
+                            <m:t>𝟑</m:t>
+                          </m:r>
+                        </m:sub>
+                      </m:sSub>
+                    </m:oMath>
+                  </m:oMathPara>
+                </a14:m>
+                <a:endParaRPr lang="en-PH" sz="1500" b="1" dirty="0"/>
+              </a:p>
+            </p:txBody>
+          </p:sp>
+        </mc:Choice>
+        <mc:Fallback>
+          <p:sp>
+            <p:nvSpPr>
+              <p:cNvPr id="39" name="TextBox 38">
+                <a:extLst>
+                  <a:ext uri="{FF2B5EF4-FFF2-40B4-BE49-F238E27FC236}">
+                    <a16:creationId xmlns:a16="http://schemas.microsoft.com/office/drawing/2014/main" id="{58A2DC81-EEE0-5465-B8BD-47BB419DFB57}"/>
+                  </a:ext>
+                </a:extLst>
+              </p:cNvPr>
+              <p:cNvSpPr txBox="1">
+                <a:spLocks noRot="1" noChangeAspect="1" noMove="1" noResize="1" noEditPoints="1" noAdjustHandles="1" noChangeArrowheads="1" noChangeShapeType="1" noTextEdit="1"/>
+              </p:cNvSpPr>
+              <p:nvPr/>
+            </p:nvSpPr>
+            <p:spPr>
+              <a:xfrm>
+                <a:off x="5671672" y="3587891"/>
+                <a:ext cx="365284" cy="323165"/>
+              </a:xfrm>
+              <a:prstGeom prst="rect">
+                <a:avLst/>
+              </a:prstGeom>
+              <a:blipFill>
+                <a:blip r:embed="rId7"/>
+                <a:stretch>
+                  <a:fillRect/>
+                </a:stretch>
+              </a:blipFill>
+            </p:spPr>
+            <p:txBody>
+              <a:bodyPr/>
+              <a:lstStyle/>
+              <a:p>
+                <a:r>
+                  <a:rPr lang="en-US">
+                    <a:noFill/>
+                  </a:rPr>
+                  <a:t> </a:t>
+                </a:r>
+              </a:p>
+            </p:txBody>
+          </p:sp>
+        </mc:Fallback>
+      </mc:AlternateContent>
+      <mc:AlternateContent xmlns:mc="http://schemas.openxmlformats.org/markup-compatibility/2006">
+        <mc:Choice xmlns:a14="http://schemas.microsoft.com/office/drawing/2010/main" Requires="a14">
+          <p:sp>
+            <p:nvSpPr>
+              <p:cNvPr id="40" name="TextBox 39">
+                <a:extLst>
+                  <a:ext uri="{FF2B5EF4-FFF2-40B4-BE49-F238E27FC236}">
+                    <a16:creationId xmlns:a16="http://schemas.microsoft.com/office/drawing/2014/main" id="{A2601732-961E-94D2-6419-C39B0342286D}"/>
+                  </a:ext>
+                </a:extLst>
+              </p:cNvPr>
+              <p:cNvSpPr txBox="1"/>
+              <p:nvPr/>
+            </p:nvSpPr>
+            <p:spPr>
+              <a:xfrm>
+                <a:off x="2901986" y="2877342"/>
+                <a:ext cx="365284" cy="371110"/>
+              </a:xfrm>
+              <a:prstGeom prst="rect">
+                <a:avLst/>
+              </a:prstGeom>
+              <a:noFill/>
+            </p:spPr>
+            <p:txBody>
+              <a:bodyPr wrap="square" rtlCol="0">
+                <a:spAutoFit/>
+              </a:bodyPr>
+              <a:lstStyle/>
+              <a:p>
+                <a:pPr/>
+                <a14:m>
+                  <m:oMathPara xmlns:m="http://schemas.openxmlformats.org/officeDocument/2006/math">
+                    <m:oMathParaPr>
+                      <m:jc m:val="centerGroup"/>
+                    </m:oMathParaPr>
+                    <m:oMath xmlns:m="http://schemas.openxmlformats.org/officeDocument/2006/math">
+                      <m:sSub>
+                        <m:sSubPr>
+                          <m:ctrlPr>
+                            <a:rPr lang="en-US" sz="1500" b="1" i="1" dirty="0" smtClean="0">
+                              <a:latin typeface="Cambria Math" panose="02040503050406030204" pitchFamily="18" charset="0"/>
+                            </a:rPr>
+                          </m:ctrlPr>
+                        </m:sSubPr>
+                        <m:e>
+                          <m:r>
+                            <a:rPr lang="en-GB" sz="1500" b="1" i="1" dirty="0" smtClean="0">
+                              <a:latin typeface="Cambria Math" panose="02040503050406030204" pitchFamily="18" charset="0"/>
+                            </a:rPr>
+                            <m:t>𝑰</m:t>
+                          </m:r>
+                        </m:e>
+                        <m:sub>
+                          <m:r>
+                            <a:rPr lang="en-GB" sz="1500" b="1" i="1" dirty="0" smtClean="0">
+                              <a:latin typeface="Cambria Math" panose="02040503050406030204" pitchFamily="18" charset="0"/>
+                            </a:rPr>
+                            <m:t>𝟐</m:t>
+                          </m:r>
+                        </m:sub>
+                      </m:sSub>
+                    </m:oMath>
+                  </m:oMathPara>
+                </a14:m>
+                <a:endParaRPr lang="en-PH" sz="1500" b="1" dirty="0"/>
+              </a:p>
+            </p:txBody>
+          </p:sp>
+        </mc:Choice>
+        <mc:Fallback>
+          <p:sp>
+            <p:nvSpPr>
+              <p:cNvPr id="40" name="TextBox 39">
+                <a:extLst>
+                  <a:ext uri="{FF2B5EF4-FFF2-40B4-BE49-F238E27FC236}">
+                    <a16:creationId xmlns:a16="http://schemas.microsoft.com/office/drawing/2014/main" id="{A2601732-961E-94D2-6419-C39B0342286D}"/>
+                  </a:ext>
+                </a:extLst>
+              </p:cNvPr>
+              <p:cNvSpPr txBox="1">
+                <a:spLocks noRot="1" noChangeAspect="1" noMove="1" noResize="1" noEditPoints="1" noAdjustHandles="1" noChangeArrowheads="1" noChangeShapeType="1" noTextEdit="1"/>
+              </p:cNvSpPr>
+              <p:nvPr/>
+            </p:nvSpPr>
+            <p:spPr>
+              <a:xfrm>
+                <a:off x="2901986" y="2877342"/>
+                <a:ext cx="365284" cy="371110"/>
+              </a:xfrm>
+              <a:prstGeom prst="rect">
+                <a:avLst/>
+              </a:prstGeom>
+              <a:blipFill>
+                <a:blip r:embed="rId8"/>
+                <a:stretch>
+                  <a:fillRect/>
+                </a:stretch>
+              </a:blipFill>
+            </p:spPr>
+            <p:txBody>
+              <a:bodyPr/>
+              <a:lstStyle/>
+              <a:p>
+                <a:r>
+                  <a:rPr lang="en-US">
+                    <a:noFill/>
+                  </a:rPr>
+                  <a:t> </a:t>
+                </a:r>
+              </a:p>
+            </p:txBody>
+          </p:sp>
+        </mc:Fallback>
+      </mc:AlternateContent>
+      <mc:AlternateContent xmlns:mc="http://schemas.openxmlformats.org/markup-compatibility/2006">
+        <mc:Choice xmlns:a14="http://schemas.microsoft.com/office/drawing/2010/main" Requires="a14">
+          <p:sp>
+            <p:nvSpPr>
+              <p:cNvPr id="41" name="TextBox 40">
+                <a:extLst>
+                  <a:ext uri="{FF2B5EF4-FFF2-40B4-BE49-F238E27FC236}">
+                    <a16:creationId xmlns:a16="http://schemas.microsoft.com/office/drawing/2014/main" id="{E7EFD5B6-EE91-64B3-5978-34BE73734AAF}"/>
+                  </a:ext>
+                </a:extLst>
+              </p:cNvPr>
+              <p:cNvSpPr txBox="1"/>
+              <p:nvPr/>
+            </p:nvSpPr>
+            <p:spPr>
+              <a:xfrm>
+                <a:off x="2901986" y="4369241"/>
+                <a:ext cx="365284" cy="371110"/>
+              </a:xfrm>
+              <a:prstGeom prst="rect">
+                <a:avLst/>
+              </a:prstGeom>
+              <a:noFill/>
+            </p:spPr>
+            <p:txBody>
+              <a:bodyPr wrap="square" rtlCol="0">
+                <a:spAutoFit/>
+              </a:bodyPr>
+              <a:lstStyle/>
+              <a:p>
+                <a:pPr/>
+                <a14:m>
+                  <m:oMathPara xmlns:m="http://schemas.openxmlformats.org/officeDocument/2006/math">
+                    <m:oMathParaPr>
+                      <m:jc m:val="centerGroup"/>
+                    </m:oMathParaPr>
+                    <m:oMath xmlns:m="http://schemas.openxmlformats.org/officeDocument/2006/math">
+                      <m:sSub>
+                        <m:sSubPr>
+                          <m:ctrlPr>
+                            <a:rPr lang="en-US" sz="1500" b="1" i="1" dirty="0" smtClean="0">
+                              <a:latin typeface="Cambria Math" panose="02040503050406030204" pitchFamily="18" charset="0"/>
+                            </a:rPr>
+                          </m:ctrlPr>
+                        </m:sSubPr>
+                        <m:e>
+                          <m:r>
+                            <a:rPr lang="en-GB" sz="1500" b="1" i="1" dirty="0" smtClean="0">
+                              <a:latin typeface="Cambria Math" panose="02040503050406030204" pitchFamily="18" charset="0"/>
+                            </a:rPr>
+                            <m:t>𝑰</m:t>
+                          </m:r>
+                        </m:e>
+                        <m:sub>
+                          <m:r>
+                            <a:rPr lang="en-GB" sz="1500" b="1" i="1" dirty="0" smtClean="0">
+                              <a:latin typeface="Cambria Math" panose="02040503050406030204" pitchFamily="18" charset="0"/>
+                            </a:rPr>
+                            <m:t>𝟑</m:t>
+                          </m:r>
+                        </m:sub>
+                      </m:sSub>
+                    </m:oMath>
+                  </m:oMathPara>
+                </a14:m>
+                <a:endParaRPr lang="en-PH" sz="1500" b="1" dirty="0"/>
+              </a:p>
+            </p:txBody>
+          </p:sp>
+        </mc:Choice>
+        <mc:Fallback>
+          <p:sp>
+            <p:nvSpPr>
+              <p:cNvPr id="41" name="TextBox 40">
+                <a:extLst>
+                  <a:ext uri="{FF2B5EF4-FFF2-40B4-BE49-F238E27FC236}">
+                    <a16:creationId xmlns:a16="http://schemas.microsoft.com/office/drawing/2014/main" id="{E7EFD5B6-EE91-64B3-5978-34BE73734AAF}"/>
+                  </a:ext>
+                </a:extLst>
+              </p:cNvPr>
+              <p:cNvSpPr txBox="1">
+                <a:spLocks noRot="1" noChangeAspect="1" noMove="1" noResize="1" noEditPoints="1" noAdjustHandles="1" noChangeArrowheads="1" noChangeShapeType="1" noTextEdit="1"/>
+              </p:cNvSpPr>
+              <p:nvPr/>
+            </p:nvSpPr>
+            <p:spPr>
+              <a:xfrm>
+                <a:off x="2901986" y="4369241"/>
+                <a:ext cx="365284" cy="371110"/>
+              </a:xfrm>
+              <a:prstGeom prst="rect">
+                <a:avLst/>
+              </a:prstGeom>
+              <a:blipFill>
+                <a:blip r:embed="rId9"/>
+                <a:stretch>
+                  <a:fillRect/>
+                </a:stretch>
+              </a:blipFill>
+            </p:spPr>
+            <p:txBody>
+              <a:bodyPr/>
+              <a:lstStyle/>
+              <a:p>
+                <a:r>
+                  <a:rPr lang="en-US">
+                    <a:noFill/>
+                  </a:rPr>
+                  <a:t> </a:t>
+                </a:r>
+              </a:p>
+            </p:txBody>
+          </p:sp>
+        </mc:Fallback>
+      </mc:AlternateContent>
+      <mc:AlternateContent xmlns:mc="http://schemas.openxmlformats.org/markup-compatibility/2006">
+        <mc:Choice xmlns:a14="http://schemas.microsoft.com/office/drawing/2010/main" Requires="a14">
+          <p:sp>
+            <p:nvSpPr>
+              <p:cNvPr id="42" name="TextBox 41">
+                <a:extLst>
+                  <a:ext uri="{FF2B5EF4-FFF2-40B4-BE49-F238E27FC236}">
+                    <a16:creationId xmlns:a16="http://schemas.microsoft.com/office/drawing/2014/main" id="{6FEDF28B-CC53-BEF2-C8DA-CD5696D7E117}"/>
+                  </a:ext>
+                </a:extLst>
+              </p:cNvPr>
+              <p:cNvSpPr txBox="1"/>
+              <p:nvPr/>
+            </p:nvSpPr>
+            <p:spPr>
+              <a:xfrm>
+                <a:off x="2901986" y="1336533"/>
+                <a:ext cx="365284" cy="371110"/>
+              </a:xfrm>
+              <a:prstGeom prst="rect">
+                <a:avLst/>
+              </a:prstGeom>
+              <a:noFill/>
+            </p:spPr>
+            <p:txBody>
+              <a:bodyPr wrap="square" rtlCol="0">
+                <a:spAutoFit/>
+              </a:bodyPr>
+              <a:lstStyle/>
+              <a:p>
+                <a:pPr/>
+                <a14:m>
+                  <m:oMathPara xmlns:m="http://schemas.openxmlformats.org/officeDocument/2006/math">
+                    <m:oMathParaPr>
+                      <m:jc m:val="centerGroup"/>
+                    </m:oMathParaPr>
+                    <m:oMath xmlns:m="http://schemas.openxmlformats.org/officeDocument/2006/math">
+                      <m:sSub>
+                        <m:sSubPr>
+                          <m:ctrlPr>
+                            <a:rPr lang="en-US" sz="1500" b="1" i="1" dirty="0" smtClean="0">
+                              <a:latin typeface="Cambria Math" panose="02040503050406030204" pitchFamily="18" charset="0"/>
+                            </a:rPr>
+                          </m:ctrlPr>
+                        </m:sSubPr>
+                        <m:e>
+                          <m:r>
+                            <a:rPr lang="en-GB" sz="1500" b="1" i="1" dirty="0" smtClean="0">
+                              <a:latin typeface="Cambria Math" panose="02040503050406030204" pitchFamily="18" charset="0"/>
+                            </a:rPr>
+                            <m:t>𝑰</m:t>
+                          </m:r>
+                        </m:e>
+                        <m:sub>
+                          <m:r>
+                            <a:rPr lang="en-GB" sz="1500" b="1" i="1" dirty="0" smtClean="0">
+                              <a:latin typeface="Cambria Math" panose="02040503050406030204" pitchFamily="18" charset="0"/>
+                            </a:rPr>
+                            <m:t>𝟏</m:t>
+                          </m:r>
+                        </m:sub>
+                      </m:sSub>
+                    </m:oMath>
+                  </m:oMathPara>
+                </a14:m>
+                <a:endParaRPr lang="en-PH" sz="1500" b="1" dirty="0"/>
+              </a:p>
+            </p:txBody>
+          </p:sp>
+        </mc:Choice>
+        <mc:Fallback>
+          <p:sp>
+            <p:nvSpPr>
+              <p:cNvPr id="42" name="TextBox 41">
+                <a:extLst>
+                  <a:ext uri="{FF2B5EF4-FFF2-40B4-BE49-F238E27FC236}">
+                    <a16:creationId xmlns:a16="http://schemas.microsoft.com/office/drawing/2014/main" id="{6FEDF28B-CC53-BEF2-C8DA-CD5696D7E117}"/>
+                  </a:ext>
+                </a:extLst>
+              </p:cNvPr>
+              <p:cNvSpPr txBox="1">
+                <a:spLocks noRot="1" noChangeAspect="1" noMove="1" noResize="1" noEditPoints="1" noAdjustHandles="1" noChangeArrowheads="1" noChangeShapeType="1" noTextEdit="1"/>
+              </p:cNvSpPr>
+              <p:nvPr/>
+            </p:nvSpPr>
+            <p:spPr>
+              <a:xfrm>
+                <a:off x="2901986" y="1336533"/>
+                <a:ext cx="365284" cy="371110"/>
+              </a:xfrm>
+              <a:prstGeom prst="rect">
+                <a:avLst/>
+              </a:prstGeom>
+              <a:blipFill>
+                <a:blip r:embed="rId10"/>
+                <a:stretch>
+                  <a:fillRect/>
+                </a:stretch>
+              </a:blipFill>
+            </p:spPr>
+            <p:txBody>
+              <a:bodyPr/>
+              <a:lstStyle/>
+              <a:p>
+                <a:r>
+                  <a:rPr lang="en-US">
+                    <a:noFill/>
+                  </a:rPr>
+                  <a:t> </a:t>
+                </a:r>
+              </a:p>
+            </p:txBody>
+          </p:sp>
+        </mc:Fallback>
+      </mc:AlternateContent>
+      <p:cxnSp>
+        <p:nvCxnSpPr>
+          <p:cNvPr id="43" name="Straight Connector 42">
+            <a:extLst>
+              <a:ext uri="{FF2B5EF4-FFF2-40B4-BE49-F238E27FC236}">
+                <a16:creationId xmlns:a16="http://schemas.microsoft.com/office/drawing/2014/main" id="{4B42D16E-E0DD-8F66-326E-2D37BD50CC4E}"/>
+              </a:ext>
+            </a:extLst>
+          </p:cNvPr>
+          <p:cNvCxnSpPr>
+            <a:cxnSpLocks/>
+            <a:stCxn id="10" idx="6"/>
+            <a:endCxn id="23" idx="2"/>
+          </p:cNvCxnSpPr>
+          <p:nvPr/>
+        </p:nvCxnSpPr>
+        <p:spPr>
+          <a:xfrm flipV="1">
+            <a:off x="6203621" y="2826094"/>
+            <a:ext cx="2577523" cy="90652"/>
+          </a:xfrm>
+          <a:prstGeom prst="line">
+            <a:avLst/>
+          </a:prstGeom>
+          <a:ln w="38100" cap="flat" cmpd="sng" algn="ctr">
+            <a:solidFill>
+              <a:schemeClr val="dk1"/>
+            </a:solidFill>
+            <a:prstDash val="solid"/>
+            <a:round/>
+            <a:headEnd type="none" w="med" len="med"/>
+            <a:tailEnd type="arrow" w="med" len="med"/>
+          </a:ln>
+        </p:spPr>
+        <p:style>
+          <a:lnRef idx="0">
+            <a:scrgbClr r="0" g="0" b="0"/>
+          </a:lnRef>
+          <a:fillRef idx="0">
+            <a:scrgbClr r="0" g="0" b="0"/>
+          </a:fillRef>
+          <a:effectRef idx="0">
+            <a:scrgbClr r="0" g="0" b="0"/>
+          </a:effectRef>
+          <a:fontRef idx="minor">
+            <a:schemeClr val="tx1"/>
+          </a:fontRef>
+        </p:style>
+      </p:cxnSp>
+      <p:cxnSp>
+        <p:nvCxnSpPr>
+          <p:cNvPr id="44" name="Straight Connector 43">
+            <a:extLst>
+              <a:ext uri="{FF2B5EF4-FFF2-40B4-BE49-F238E27FC236}">
+                <a16:creationId xmlns:a16="http://schemas.microsoft.com/office/drawing/2014/main" id="{77E12651-1D09-A5AF-C7F9-D9501D46CDE0}"/>
+              </a:ext>
+            </a:extLst>
+          </p:cNvPr>
+          <p:cNvCxnSpPr>
+            <a:cxnSpLocks/>
+            <a:stCxn id="9" idx="5"/>
+            <a:endCxn id="11" idx="2"/>
+          </p:cNvCxnSpPr>
+          <p:nvPr/>
+        </p:nvCxnSpPr>
+        <p:spPr>
+          <a:xfrm>
+            <a:off x="6081481" y="1991147"/>
+            <a:ext cx="2699663" cy="2128570"/>
+          </a:xfrm>
+          <a:prstGeom prst="line">
+            <a:avLst/>
+          </a:prstGeom>
+          <a:ln w="38100" cap="flat" cmpd="sng" algn="ctr">
+            <a:solidFill>
+              <a:schemeClr val="dk1"/>
+            </a:solidFill>
+            <a:prstDash val="solid"/>
+            <a:round/>
+            <a:headEnd type="none" w="med" len="med"/>
+            <a:tailEnd type="arrow" w="med" len="med"/>
+          </a:ln>
+        </p:spPr>
+        <p:style>
+          <a:lnRef idx="0">
+            <a:scrgbClr r="0" g="0" b="0"/>
+          </a:lnRef>
+          <a:fillRef idx="0">
+            <a:scrgbClr r="0" g="0" b="0"/>
+          </a:fillRef>
+          <a:effectRef idx="0">
+            <a:scrgbClr r="0" g="0" b="0"/>
+          </a:effectRef>
+          <a:fontRef idx="minor">
+            <a:schemeClr val="tx1"/>
+          </a:fontRef>
+        </p:style>
+      </p:cxnSp>
+      <p:sp>
+        <p:nvSpPr>
+          <p:cNvPr id="49" name="Oval 48">
+            <a:extLst>
+              <a:ext uri="{FF2B5EF4-FFF2-40B4-BE49-F238E27FC236}">
+                <a16:creationId xmlns:a16="http://schemas.microsoft.com/office/drawing/2014/main" id="{4CCAD598-ADEF-7588-7336-68B867A74E21}"/>
+              </a:ext>
+            </a:extLst>
+          </p:cNvPr>
+          <p:cNvSpPr/>
+          <p:nvPr/>
+        </p:nvSpPr>
+        <p:spPr>
+          <a:xfrm>
+            <a:off x="5519219" y="3982928"/>
+            <a:ext cx="684402" cy="717512"/>
+          </a:xfrm>
+          <a:prstGeom prst="ellipse">
+            <a:avLst/>
+          </a:prstGeom>
+        </p:spPr>
+        <p:style>
+          <a:lnRef idx="0">
+            <a:schemeClr val="accent2"/>
+          </a:lnRef>
+          <a:fillRef idx="3">
+            <a:schemeClr val="accent2"/>
+          </a:fillRef>
+          <a:effectRef idx="3">
+            <a:schemeClr val="accent2"/>
+          </a:effectRef>
+          <a:fontRef idx="minor">
+            <a:schemeClr val="lt1"/>
+          </a:fontRef>
+        </p:style>
+        <p:txBody>
+          <a:bodyPr rtlCol="0" anchor="ctr"/>
+          <a:lstStyle/>
+          <a:p>
+            <a:pPr algn="ctr"/>
+            <a:endParaRPr lang="en-PH" sz="1500" b="1" dirty="0"/>
+          </a:p>
+        </p:txBody>
+      </p:sp>
+      <p:sp>
+        <p:nvSpPr>
+          <p:cNvPr id="50" name="Oval 49">
+            <a:extLst>
+              <a:ext uri="{FF2B5EF4-FFF2-40B4-BE49-F238E27FC236}">
+                <a16:creationId xmlns:a16="http://schemas.microsoft.com/office/drawing/2014/main" id="{80BCCEF6-9F9A-FCB1-2F51-AB46424BDA84}"/>
+              </a:ext>
+            </a:extLst>
+          </p:cNvPr>
+          <p:cNvSpPr/>
+          <p:nvPr/>
+        </p:nvSpPr>
+        <p:spPr>
+          <a:xfrm>
+            <a:off x="5519219" y="5257993"/>
+            <a:ext cx="684402" cy="717512"/>
+          </a:xfrm>
+          <a:prstGeom prst="ellipse">
+            <a:avLst/>
+          </a:prstGeom>
+        </p:spPr>
+        <p:style>
+          <a:lnRef idx="0">
+            <a:schemeClr val="accent2"/>
+          </a:lnRef>
+          <a:fillRef idx="3">
+            <a:schemeClr val="accent2"/>
+          </a:fillRef>
+          <a:effectRef idx="3">
+            <a:schemeClr val="accent2"/>
+          </a:effectRef>
+          <a:fontRef idx="minor">
+            <a:schemeClr val="lt1"/>
+          </a:fontRef>
+        </p:style>
+        <p:txBody>
+          <a:bodyPr rtlCol="0" anchor="ctr"/>
+          <a:lstStyle/>
+          <a:p>
+            <a:pPr algn="ctr"/>
+            <a:endParaRPr lang="en-PH" sz="1500" b="1" dirty="0"/>
+          </a:p>
+        </p:txBody>
+      </p:sp>
+      <mc:AlternateContent xmlns:mc="http://schemas.openxmlformats.org/markup-compatibility/2006">
+        <mc:Choice xmlns:a14="http://schemas.microsoft.com/office/drawing/2010/main" Requires="a14">
+          <p:sp>
+            <p:nvSpPr>
+              <p:cNvPr id="66" name="TextBox 65">
+                <a:extLst>
+                  <a:ext uri="{FF2B5EF4-FFF2-40B4-BE49-F238E27FC236}">
+                    <a16:creationId xmlns:a16="http://schemas.microsoft.com/office/drawing/2014/main" id="{6E4E69C9-CC42-3798-639C-6C5EF350DDC7}"/>
+                  </a:ext>
+                </a:extLst>
+              </p:cNvPr>
+              <p:cNvSpPr txBox="1"/>
+              <p:nvPr/>
+            </p:nvSpPr>
+            <p:spPr>
+              <a:xfrm>
+                <a:off x="5656866" y="2254634"/>
+                <a:ext cx="365284" cy="323165"/>
+              </a:xfrm>
+              <a:prstGeom prst="rect">
+                <a:avLst/>
+              </a:prstGeom>
+              <a:noFill/>
+            </p:spPr>
+            <p:txBody>
+              <a:bodyPr wrap="square" rtlCol="0">
+                <a:spAutoFit/>
+              </a:bodyPr>
+              <a:lstStyle/>
+              <a:p>
+                <a:pPr/>
+                <a14:m>
+                  <m:oMathPara xmlns:m="http://schemas.openxmlformats.org/officeDocument/2006/math">
+                    <m:oMathParaPr>
+                      <m:jc m:val="centerGroup"/>
+                    </m:oMathParaPr>
+                    <m:oMath xmlns:m="http://schemas.openxmlformats.org/officeDocument/2006/math">
+                      <m:sSub>
+                        <m:sSubPr>
+                          <m:ctrlPr>
+                            <a:rPr lang="en-US" sz="1500" b="1" i="1" dirty="0" smtClean="0">
+                              <a:latin typeface="Cambria Math" panose="02040503050406030204" pitchFamily="18" charset="0"/>
+                            </a:rPr>
+                          </m:ctrlPr>
+                        </m:sSubPr>
+                        <m:e>
+                          <m:r>
+                            <a:rPr lang="en-GB" sz="1500" b="1" i="1" dirty="0" smtClean="0">
+                              <a:latin typeface="Cambria Math" panose="02040503050406030204" pitchFamily="18" charset="0"/>
+                            </a:rPr>
+                            <m:t>𝒉</m:t>
+                          </m:r>
+                        </m:e>
+                        <m:sub>
+                          <m:r>
+                            <a:rPr lang="en-GB" sz="1500" b="1" i="1" dirty="0" smtClean="0">
+                              <a:latin typeface="Cambria Math" panose="02040503050406030204" pitchFamily="18" charset="0"/>
+                            </a:rPr>
+                            <m:t>𝟐</m:t>
+                          </m:r>
+                        </m:sub>
+                      </m:sSub>
+                    </m:oMath>
+                  </m:oMathPara>
+                </a14:m>
+                <a:endParaRPr lang="en-PH" sz="1500" b="1" dirty="0"/>
+              </a:p>
+            </p:txBody>
+          </p:sp>
+        </mc:Choice>
+        <mc:Fallback>
+          <p:sp>
+            <p:nvSpPr>
+              <p:cNvPr id="66" name="TextBox 65">
+                <a:extLst>
+                  <a:ext uri="{FF2B5EF4-FFF2-40B4-BE49-F238E27FC236}">
+                    <a16:creationId xmlns:a16="http://schemas.microsoft.com/office/drawing/2014/main" id="{6E4E69C9-CC42-3798-639C-6C5EF350DDC7}"/>
+                  </a:ext>
+                </a:extLst>
+              </p:cNvPr>
+              <p:cNvSpPr txBox="1">
+                <a:spLocks noRot="1" noChangeAspect="1" noMove="1" noResize="1" noEditPoints="1" noAdjustHandles="1" noChangeArrowheads="1" noChangeShapeType="1" noTextEdit="1"/>
+              </p:cNvSpPr>
+              <p:nvPr/>
+            </p:nvSpPr>
+            <p:spPr>
+              <a:xfrm>
+                <a:off x="5656866" y="2254634"/>
+                <a:ext cx="365284" cy="323165"/>
+              </a:xfrm>
+              <a:prstGeom prst="rect">
+                <a:avLst/>
+              </a:prstGeom>
+              <a:blipFill>
+                <a:blip r:embed="rId11"/>
+                <a:stretch>
+                  <a:fillRect/>
+                </a:stretch>
+              </a:blipFill>
+            </p:spPr>
+            <p:txBody>
+              <a:bodyPr/>
+              <a:lstStyle/>
+              <a:p>
+                <a:r>
+                  <a:rPr lang="en-US">
+                    <a:noFill/>
+                  </a:rPr>
+                  <a:t> </a:t>
+                </a:r>
+              </a:p>
+            </p:txBody>
+          </p:sp>
+        </mc:Fallback>
+      </mc:AlternateContent>
+      <mc:AlternateContent xmlns:mc="http://schemas.openxmlformats.org/markup-compatibility/2006">
+        <mc:Choice xmlns:a14="http://schemas.microsoft.com/office/drawing/2010/main" Requires="a14">
+          <p:sp>
+            <p:nvSpPr>
+              <p:cNvPr id="67" name="TextBox 66">
+                <a:extLst>
+                  <a:ext uri="{FF2B5EF4-FFF2-40B4-BE49-F238E27FC236}">
+                    <a16:creationId xmlns:a16="http://schemas.microsoft.com/office/drawing/2014/main" id="{9CC2F065-48F2-965B-FDE7-9BB1BEA11A66}"/>
+                  </a:ext>
+                </a:extLst>
+              </p:cNvPr>
+              <p:cNvSpPr txBox="1"/>
+              <p:nvPr/>
+            </p:nvSpPr>
+            <p:spPr>
+              <a:xfrm>
+                <a:off x="5671672" y="4911662"/>
+                <a:ext cx="365284" cy="323165"/>
+              </a:xfrm>
+              <a:prstGeom prst="rect">
+                <a:avLst/>
+              </a:prstGeom>
+              <a:noFill/>
+            </p:spPr>
+            <p:txBody>
+              <a:bodyPr wrap="square" rtlCol="0">
+                <a:spAutoFit/>
+              </a:bodyPr>
+              <a:lstStyle/>
+              <a:p>
+                <a:pPr/>
+                <a14:m>
+                  <m:oMathPara xmlns:m="http://schemas.openxmlformats.org/officeDocument/2006/math">
+                    <m:oMathParaPr>
+                      <m:jc m:val="centerGroup"/>
+                    </m:oMathParaPr>
+                    <m:oMath xmlns:m="http://schemas.openxmlformats.org/officeDocument/2006/math">
+                      <m:sSub>
+                        <m:sSubPr>
+                          <m:ctrlPr>
+                            <a:rPr lang="en-US" sz="1500" b="1" i="1" dirty="0" smtClean="0">
+                              <a:latin typeface="Cambria Math" panose="02040503050406030204" pitchFamily="18" charset="0"/>
+                            </a:rPr>
+                          </m:ctrlPr>
+                        </m:sSubPr>
+                        <m:e>
+                          <m:r>
+                            <a:rPr lang="en-GB" sz="1500" b="1" i="1" dirty="0" smtClean="0">
+                              <a:latin typeface="Cambria Math" panose="02040503050406030204" pitchFamily="18" charset="0"/>
+                            </a:rPr>
+                            <m:t>𝒉</m:t>
+                          </m:r>
+                        </m:e>
+                        <m:sub>
+                          <m:r>
+                            <a:rPr lang="en-GB" sz="1500" b="1" i="1" dirty="0" smtClean="0">
+                              <a:latin typeface="Cambria Math" panose="02040503050406030204" pitchFamily="18" charset="0"/>
+                            </a:rPr>
+                            <m:t>𝟒</m:t>
+                          </m:r>
+                        </m:sub>
+                      </m:sSub>
+                    </m:oMath>
+                  </m:oMathPara>
+                </a14:m>
+                <a:endParaRPr lang="en-PH" sz="1500" b="1" dirty="0"/>
+              </a:p>
+            </p:txBody>
+          </p:sp>
+        </mc:Choice>
+        <mc:Fallback>
+          <p:sp>
+            <p:nvSpPr>
+              <p:cNvPr id="67" name="TextBox 66">
+                <a:extLst>
+                  <a:ext uri="{FF2B5EF4-FFF2-40B4-BE49-F238E27FC236}">
+                    <a16:creationId xmlns:a16="http://schemas.microsoft.com/office/drawing/2014/main" id="{9CC2F065-48F2-965B-FDE7-9BB1BEA11A66}"/>
+                  </a:ext>
+                </a:extLst>
+              </p:cNvPr>
+              <p:cNvSpPr txBox="1">
+                <a:spLocks noRot="1" noChangeAspect="1" noMove="1" noResize="1" noEditPoints="1" noAdjustHandles="1" noChangeArrowheads="1" noChangeShapeType="1" noTextEdit="1"/>
+              </p:cNvSpPr>
+              <p:nvPr/>
+            </p:nvSpPr>
+            <p:spPr>
+              <a:xfrm>
+                <a:off x="5671672" y="4911662"/>
+                <a:ext cx="365284" cy="323165"/>
+              </a:xfrm>
+              <a:prstGeom prst="rect">
+                <a:avLst/>
+              </a:prstGeom>
+              <a:blipFill>
+                <a:blip r:embed="rId12"/>
+                <a:stretch>
+                  <a:fillRect/>
+                </a:stretch>
+              </a:blipFill>
+            </p:spPr>
+            <p:txBody>
+              <a:bodyPr/>
+              <a:lstStyle/>
+              <a:p>
+                <a:r>
+                  <a:rPr lang="en-US">
+                    <a:noFill/>
+                  </a:rPr>
+                  <a:t> </a:t>
+                </a:r>
+              </a:p>
+            </p:txBody>
+          </p:sp>
+        </mc:Fallback>
+      </mc:AlternateContent>
+      <p:cxnSp>
+        <p:nvCxnSpPr>
+          <p:cNvPr id="73" name="Straight Connector 72">
+            <a:extLst>
+              <a:ext uri="{FF2B5EF4-FFF2-40B4-BE49-F238E27FC236}">
+                <a16:creationId xmlns:a16="http://schemas.microsoft.com/office/drawing/2014/main" id="{F6A0DFE0-9F09-45FD-4AF0-7F971F96C978}"/>
+              </a:ext>
+            </a:extLst>
+          </p:cNvPr>
+          <p:cNvCxnSpPr>
+            <a:cxnSpLocks/>
+            <a:stCxn id="17" idx="6"/>
+            <a:endCxn id="50" idx="1"/>
+          </p:cNvCxnSpPr>
+          <p:nvPr/>
+        </p:nvCxnSpPr>
+        <p:spPr>
+          <a:xfrm>
+            <a:off x="3455639" y="5162709"/>
+            <a:ext cx="2163808" cy="200361"/>
+          </a:xfrm>
+          <a:prstGeom prst="line">
+            <a:avLst/>
+          </a:prstGeom>
+          <a:ln w="38100" cap="flat" cmpd="sng" algn="ctr">
+            <a:solidFill>
+              <a:schemeClr val="dk1"/>
+            </a:solidFill>
+            <a:prstDash val="solid"/>
+            <a:round/>
+            <a:headEnd type="none" w="med" len="med"/>
+            <a:tailEnd type="arrow" w="med" len="med"/>
+          </a:ln>
+        </p:spPr>
+        <p:style>
+          <a:lnRef idx="0">
+            <a:scrgbClr r="0" g="0" b="0"/>
+          </a:lnRef>
+          <a:fillRef idx="0">
+            <a:scrgbClr r="0" g="0" b="0"/>
+          </a:fillRef>
+          <a:effectRef idx="0">
+            <a:scrgbClr r="0" g="0" b="0"/>
+          </a:effectRef>
+          <a:fontRef idx="minor">
+            <a:schemeClr val="tx1"/>
+          </a:fontRef>
+        </p:style>
+      </p:cxnSp>
+      <p:cxnSp>
+        <p:nvCxnSpPr>
+          <p:cNvPr id="76" name="Straight Connector 75">
+            <a:extLst>
+              <a:ext uri="{FF2B5EF4-FFF2-40B4-BE49-F238E27FC236}">
+                <a16:creationId xmlns:a16="http://schemas.microsoft.com/office/drawing/2014/main" id="{3036DF76-96E0-F8E5-BBA1-6FFD15F60153}"/>
+              </a:ext>
+            </a:extLst>
+          </p:cNvPr>
+          <p:cNvCxnSpPr>
+            <a:cxnSpLocks/>
+            <a:stCxn id="15" idx="6"/>
+            <a:endCxn id="50" idx="2"/>
+          </p:cNvCxnSpPr>
+          <p:nvPr/>
+        </p:nvCxnSpPr>
+        <p:spPr>
+          <a:xfrm>
+            <a:off x="3455639" y="3643654"/>
+            <a:ext cx="2063580" cy="1973095"/>
+          </a:xfrm>
+          <a:prstGeom prst="line">
+            <a:avLst/>
+          </a:prstGeom>
+          <a:ln w="38100" cap="flat" cmpd="sng" algn="ctr">
+            <a:solidFill>
+              <a:schemeClr val="dk1"/>
+            </a:solidFill>
+            <a:prstDash val="solid"/>
+            <a:round/>
+            <a:headEnd type="none" w="med" len="med"/>
+            <a:tailEnd type="arrow" w="med" len="med"/>
+          </a:ln>
+        </p:spPr>
+        <p:style>
+          <a:lnRef idx="0">
+            <a:scrgbClr r="0" g="0" b="0"/>
+          </a:lnRef>
+          <a:fillRef idx="0">
+            <a:scrgbClr r="0" g="0" b="0"/>
+          </a:fillRef>
+          <a:effectRef idx="0">
+            <a:scrgbClr r="0" g="0" b="0"/>
+          </a:effectRef>
+          <a:fontRef idx="minor">
+            <a:schemeClr val="tx1"/>
+          </a:fontRef>
+        </p:style>
+      </p:cxnSp>
+      <p:cxnSp>
+        <p:nvCxnSpPr>
+          <p:cNvPr id="79" name="Straight Connector 78">
+            <a:extLst>
+              <a:ext uri="{FF2B5EF4-FFF2-40B4-BE49-F238E27FC236}">
+                <a16:creationId xmlns:a16="http://schemas.microsoft.com/office/drawing/2014/main" id="{AC79B1C7-0ED3-4517-2CDE-FCDD054FC9D9}"/>
+              </a:ext>
+            </a:extLst>
+          </p:cNvPr>
+          <p:cNvCxnSpPr>
+            <a:cxnSpLocks/>
+            <a:stCxn id="15" idx="6"/>
+            <a:endCxn id="49" idx="2"/>
+          </p:cNvCxnSpPr>
+          <p:nvPr/>
+        </p:nvCxnSpPr>
+        <p:spPr>
+          <a:xfrm>
+            <a:off x="3455639" y="3643654"/>
+            <a:ext cx="2063580" cy="698030"/>
+          </a:xfrm>
+          <a:prstGeom prst="line">
+            <a:avLst/>
+          </a:prstGeom>
+          <a:ln w="38100" cap="flat" cmpd="sng" algn="ctr">
+            <a:solidFill>
+              <a:schemeClr val="dk1"/>
+            </a:solidFill>
+            <a:prstDash val="solid"/>
+            <a:round/>
+            <a:headEnd type="none" w="med" len="med"/>
+            <a:tailEnd type="arrow" w="med" len="med"/>
+          </a:ln>
+        </p:spPr>
+        <p:style>
+          <a:lnRef idx="0">
+            <a:scrgbClr r="0" g="0" b="0"/>
+          </a:lnRef>
+          <a:fillRef idx="0">
+            <a:scrgbClr r="0" g="0" b="0"/>
+          </a:fillRef>
+          <a:effectRef idx="0">
+            <a:scrgbClr r="0" g="0" b="0"/>
+          </a:effectRef>
+          <a:fontRef idx="minor">
+            <a:schemeClr val="tx1"/>
+          </a:fontRef>
+        </p:style>
+      </p:cxnSp>
+      <p:cxnSp>
+        <p:nvCxnSpPr>
+          <p:cNvPr id="82" name="Straight Connector 81">
+            <a:extLst>
+              <a:ext uri="{FF2B5EF4-FFF2-40B4-BE49-F238E27FC236}">
+                <a16:creationId xmlns:a16="http://schemas.microsoft.com/office/drawing/2014/main" id="{F1637927-8EB6-7738-9259-5EAF19F40CA1}"/>
+              </a:ext>
+            </a:extLst>
+          </p:cNvPr>
+          <p:cNvCxnSpPr>
+            <a:cxnSpLocks/>
+            <a:stCxn id="16" idx="6"/>
+            <a:endCxn id="49" idx="2"/>
+          </p:cNvCxnSpPr>
+          <p:nvPr/>
+        </p:nvCxnSpPr>
+        <p:spPr>
+          <a:xfrm>
+            <a:off x="3455639" y="2130001"/>
+            <a:ext cx="2063580" cy="2211683"/>
+          </a:xfrm>
+          <a:prstGeom prst="line">
+            <a:avLst/>
+          </a:prstGeom>
+          <a:ln w="38100" cap="flat" cmpd="sng" algn="ctr">
+            <a:solidFill>
+              <a:schemeClr val="dk1"/>
+            </a:solidFill>
+            <a:prstDash val="solid"/>
+            <a:round/>
+            <a:headEnd type="none" w="med" len="med"/>
+            <a:tailEnd type="arrow" w="med" len="med"/>
+          </a:ln>
+        </p:spPr>
+        <p:style>
+          <a:lnRef idx="0">
+            <a:scrgbClr r="0" g="0" b="0"/>
+          </a:lnRef>
+          <a:fillRef idx="0">
+            <a:scrgbClr r="0" g="0" b="0"/>
+          </a:fillRef>
+          <a:effectRef idx="0">
+            <a:scrgbClr r="0" g="0" b="0"/>
+          </a:effectRef>
+          <a:fontRef idx="minor">
+            <a:schemeClr val="tx1"/>
+          </a:fontRef>
+        </p:style>
+      </p:cxnSp>
+      <p:cxnSp>
+        <p:nvCxnSpPr>
+          <p:cNvPr id="86" name="Straight Connector 85">
+            <a:extLst>
+              <a:ext uri="{FF2B5EF4-FFF2-40B4-BE49-F238E27FC236}">
+                <a16:creationId xmlns:a16="http://schemas.microsoft.com/office/drawing/2014/main" id="{EA14D303-F1CA-756D-8177-C727467A4FB9}"/>
+              </a:ext>
+            </a:extLst>
+          </p:cNvPr>
+          <p:cNvCxnSpPr>
+            <a:cxnSpLocks/>
+            <a:stCxn id="16" idx="6"/>
+            <a:endCxn id="50" idx="2"/>
+          </p:cNvCxnSpPr>
+          <p:nvPr/>
+        </p:nvCxnSpPr>
+        <p:spPr>
+          <a:xfrm>
+            <a:off x="3455639" y="2130001"/>
+            <a:ext cx="2063580" cy="3486748"/>
+          </a:xfrm>
+          <a:prstGeom prst="line">
+            <a:avLst/>
+          </a:prstGeom>
+          <a:ln w="38100" cap="flat" cmpd="sng" algn="ctr">
+            <a:solidFill>
+              <a:schemeClr val="dk1"/>
+            </a:solidFill>
+            <a:prstDash val="solid"/>
+            <a:round/>
+            <a:headEnd type="none" w="med" len="med"/>
+            <a:tailEnd type="arrow" w="med" len="med"/>
+          </a:ln>
+        </p:spPr>
+        <p:style>
+          <a:lnRef idx="0">
+            <a:scrgbClr r="0" g="0" b="0"/>
+          </a:lnRef>
+          <a:fillRef idx="0">
+            <a:scrgbClr r="0" g="0" b="0"/>
+          </a:fillRef>
+          <a:effectRef idx="0">
+            <a:scrgbClr r="0" g="0" b="0"/>
+          </a:effectRef>
+          <a:fontRef idx="minor">
+            <a:schemeClr val="tx1"/>
+          </a:fontRef>
+        </p:style>
+      </p:cxnSp>
+      <p:cxnSp>
+        <p:nvCxnSpPr>
+          <p:cNvPr id="94" name="Straight Connector 93">
+            <a:extLst>
+              <a:ext uri="{FF2B5EF4-FFF2-40B4-BE49-F238E27FC236}">
+                <a16:creationId xmlns:a16="http://schemas.microsoft.com/office/drawing/2014/main" id="{AFD1458F-134C-300D-8089-1517E0D35497}"/>
+              </a:ext>
+            </a:extLst>
+          </p:cNvPr>
+          <p:cNvCxnSpPr>
+            <a:cxnSpLocks/>
+            <a:stCxn id="49" idx="6"/>
+            <a:endCxn id="11" idx="2"/>
+          </p:cNvCxnSpPr>
+          <p:nvPr/>
+        </p:nvCxnSpPr>
+        <p:spPr>
+          <a:xfrm flipV="1">
+            <a:off x="6203621" y="4119717"/>
+            <a:ext cx="2577523" cy="221967"/>
+          </a:xfrm>
+          <a:prstGeom prst="line">
+            <a:avLst/>
+          </a:prstGeom>
+          <a:ln w="38100" cap="flat" cmpd="sng" algn="ctr">
+            <a:solidFill>
+              <a:schemeClr val="dk1"/>
+            </a:solidFill>
+            <a:prstDash val="solid"/>
+            <a:round/>
+            <a:headEnd type="none" w="med" len="med"/>
+            <a:tailEnd type="arrow" w="med" len="med"/>
+          </a:ln>
+        </p:spPr>
+        <p:style>
+          <a:lnRef idx="0">
+            <a:scrgbClr r="0" g="0" b="0"/>
+          </a:lnRef>
+          <a:fillRef idx="0">
+            <a:scrgbClr r="0" g="0" b="0"/>
+          </a:fillRef>
+          <a:effectRef idx="0">
+            <a:scrgbClr r="0" g="0" b="0"/>
+          </a:effectRef>
+          <a:fontRef idx="minor">
+            <a:schemeClr val="tx1"/>
+          </a:fontRef>
+        </p:style>
+      </p:cxnSp>
+      <p:cxnSp>
+        <p:nvCxnSpPr>
+          <p:cNvPr id="97" name="Straight Connector 96">
+            <a:extLst>
+              <a:ext uri="{FF2B5EF4-FFF2-40B4-BE49-F238E27FC236}">
+                <a16:creationId xmlns:a16="http://schemas.microsoft.com/office/drawing/2014/main" id="{D556F0B0-45EA-7171-F23C-51FD8786DC6C}"/>
+              </a:ext>
+            </a:extLst>
+          </p:cNvPr>
+          <p:cNvCxnSpPr>
+            <a:cxnSpLocks/>
+            <a:stCxn id="49" idx="6"/>
+            <a:endCxn id="23" idx="2"/>
+          </p:cNvCxnSpPr>
+          <p:nvPr/>
+        </p:nvCxnSpPr>
+        <p:spPr>
+          <a:xfrm flipV="1">
+            <a:off x="6203621" y="2826094"/>
+            <a:ext cx="2577523" cy="1515590"/>
+          </a:xfrm>
+          <a:prstGeom prst="line">
+            <a:avLst/>
+          </a:prstGeom>
+          <a:ln w="38100" cap="flat" cmpd="sng" algn="ctr">
+            <a:solidFill>
+              <a:schemeClr val="dk1"/>
+            </a:solidFill>
+            <a:prstDash val="solid"/>
+            <a:round/>
+            <a:headEnd type="none" w="med" len="med"/>
+            <a:tailEnd type="arrow" w="med" len="med"/>
+          </a:ln>
+        </p:spPr>
+        <p:style>
+          <a:lnRef idx="0">
+            <a:scrgbClr r="0" g="0" b="0"/>
+          </a:lnRef>
+          <a:fillRef idx="0">
+            <a:scrgbClr r="0" g="0" b="0"/>
+          </a:fillRef>
+          <a:effectRef idx="0">
+            <a:scrgbClr r="0" g="0" b="0"/>
+          </a:effectRef>
+          <a:fontRef idx="minor">
+            <a:schemeClr val="tx1"/>
+          </a:fontRef>
+        </p:style>
+      </p:cxnSp>
+      <p:cxnSp>
+        <p:nvCxnSpPr>
+          <p:cNvPr id="100" name="Straight Connector 99">
+            <a:extLst>
+              <a:ext uri="{FF2B5EF4-FFF2-40B4-BE49-F238E27FC236}">
+                <a16:creationId xmlns:a16="http://schemas.microsoft.com/office/drawing/2014/main" id="{C749D45E-62FD-8F9D-0E3E-1AF35054E38C}"/>
+              </a:ext>
+            </a:extLst>
+          </p:cNvPr>
+          <p:cNvCxnSpPr>
+            <a:cxnSpLocks/>
+            <a:stCxn id="50" idx="6"/>
+            <a:endCxn id="23" idx="2"/>
+          </p:cNvCxnSpPr>
+          <p:nvPr/>
+        </p:nvCxnSpPr>
+        <p:spPr>
+          <a:xfrm flipV="1">
+            <a:off x="6203621" y="2826094"/>
+            <a:ext cx="2577523" cy="2790655"/>
+          </a:xfrm>
+          <a:prstGeom prst="line">
+            <a:avLst/>
+          </a:prstGeom>
+          <a:ln w="38100" cap="flat" cmpd="sng" algn="ctr">
+            <a:solidFill>
+              <a:schemeClr val="dk1"/>
+            </a:solidFill>
+            <a:prstDash val="solid"/>
+            <a:round/>
+            <a:headEnd type="none" w="med" len="med"/>
+            <a:tailEnd type="arrow" w="med" len="med"/>
+          </a:ln>
+        </p:spPr>
+        <p:style>
+          <a:lnRef idx="0">
+            <a:scrgbClr r="0" g="0" b="0"/>
+          </a:lnRef>
+          <a:fillRef idx="0">
+            <a:scrgbClr r="0" g="0" b="0"/>
+          </a:fillRef>
+          <a:effectRef idx="0">
+            <a:scrgbClr r="0" g="0" b="0"/>
+          </a:effectRef>
+          <a:fontRef idx="minor">
+            <a:schemeClr val="tx1"/>
+          </a:fontRef>
+        </p:style>
+      </p:cxnSp>
+      <p:cxnSp>
+        <p:nvCxnSpPr>
+          <p:cNvPr id="103" name="Straight Connector 102">
+            <a:extLst>
+              <a:ext uri="{FF2B5EF4-FFF2-40B4-BE49-F238E27FC236}">
+                <a16:creationId xmlns:a16="http://schemas.microsoft.com/office/drawing/2014/main" id="{AFAC5388-E41D-9742-BC2E-872718A49BFD}"/>
+              </a:ext>
+            </a:extLst>
+          </p:cNvPr>
+          <p:cNvCxnSpPr>
+            <a:cxnSpLocks/>
+            <a:stCxn id="50" idx="6"/>
+            <a:endCxn id="11" idx="2"/>
+          </p:cNvCxnSpPr>
+          <p:nvPr/>
+        </p:nvCxnSpPr>
+        <p:spPr>
+          <a:xfrm flipV="1">
+            <a:off x="6203621" y="4119717"/>
+            <a:ext cx="2577523" cy="1497032"/>
+          </a:xfrm>
+          <a:prstGeom prst="line">
+            <a:avLst/>
+          </a:prstGeom>
+          <a:ln w="38100" cap="flat" cmpd="sng" algn="ctr">
+            <a:solidFill>
+              <a:schemeClr val="dk1"/>
+            </a:solidFill>
+            <a:prstDash val="solid"/>
+            <a:round/>
+            <a:headEnd type="none" w="med" len="med"/>
+            <a:tailEnd type="arrow" w="med" len="med"/>
+          </a:ln>
+        </p:spPr>
+        <p:style>
+          <a:lnRef idx="0">
+            <a:scrgbClr r="0" g="0" b="0"/>
+          </a:lnRef>
+          <a:fillRef idx="0">
+            <a:scrgbClr r="0" g="0" b="0"/>
+          </a:fillRef>
+          <a:effectRef idx="0">
+            <a:scrgbClr r="0" g="0" b="0"/>
+          </a:effectRef>
+          <a:fontRef idx="minor">
+            <a:schemeClr val="tx1"/>
+          </a:fontRef>
+        </p:style>
+      </p:cxnSp>
+    </p:spTree>
+    <p:extLst>
+      <p:ext uri="{BB962C8B-B14F-4D97-AF65-F5344CB8AC3E}">
+        <p14:creationId xmlns:p14="http://schemas.microsoft.com/office/powerpoint/2010/main" val="1309891095"/>
+      </p:ext>
+    </p:extLst>
+  </p:cSld>
+  <p:clrMapOvr>
+    <a:masterClrMapping/>
+  </p:clrMapOvr>
+  <p:timing>
+    <p:tnLst>
+      <p:par>
+        <p:cTn id="1" dur="indefinite" restart="never" nodeType="tmRoot">
+          <p:childTnLst>
+            <p:seq concurrent="1" nextAc="seek">
+              <p:cTn id="2" dur="indefinite" nodeType="mainSeq">
+                <p:childTnLst>
+                  <p:par>
+                    <p:cTn id="3" fill="hold">
+                      <p:stCondLst>
+                        <p:cond delay="indefinite"/>
+                      </p:stCondLst>
+                      <p:childTnLst>
+                        <p:par>
+                          <p:cTn id="4" fill="hold">
+                            <p:stCondLst>
+                              <p:cond delay="0"/>
+                            </p:stCondLst>
+                            <p:childTnLst>
+                              <p:par>
+                                <p:cTn id="5" presetID="9" presetClass="emph" presetSubtype="0" grpId="0" nodeType="clickEffect">
+                                  <p:stCondLst>
+                                    <p:cond delay="0"/>
+                                  </p:stCondLst>
+                                  <p:childTnLst>
+                                    <p:set>
+                                      <p:cBhvr>
+                                        <p:cTn id="6" dur="indefinite"/>
+                                        <p:tgtEl>
+                                          <p:spTgt spid="9"/>
+                                        </p:tgtEl>
+                                        <p:attrNameLst>
+                                          <p:attrName>style.opacity</p:attrName>
+                                        </p:attrNameLst>
+                                      </p:cBhvr>
+                                      <p:to>
+                                        <p:strVal val="0.25"/>
+                                      </p:to>
+                                    </p:set>
+                                    <p:animEffect filter="image" prLst="opacity: 0.25">
+                                      <p:cBhvr rctx="IE">
+                                        <p:cTn id="7" dur="indefinite"/>
+                                        <p:tgtEl>
+                                          <p:spTgt spid="9"/>
+                                        </p:tgtEl>
+                                      </p:cBhvr>
+                                    </p:animEffect>
+                                  </p:childTnLst>
+                                </p:cTn>
+                              </p:par>
+                              <p:par>
+                                <p:cTn id="8" presetID="9" presetClass="emph" presetSubtype="0" grpId="0" nodeType="withEffect">
+                                  <p:stCondLst>
+                                    <p:cond delay="0"/>
+                                  </p:stCondLst>
+                                  <p:childTnLst>
+                                    <p:set>
+                                      <p:cBhvr>
+                                        <p:cTn id="9" dur="indefinite"/>
+                                        <p:tgtEl>
+                                          <p:spTgt spid="49"/>
+                                        </p:tgtEl>
+                                        <p:attrNameLst>
+                                          <p:attrName>style.opacity</p:attrName>
+                                        </p:attrNameLst>
+                                      </p:cBhvr>
+                                      <p:to>
+                                        <p:strVal val="0.25"/>
+                                      </p:to>
+                                    </p:set>
+                                    <p:animEffect filter="image" prLst="opacity: 0.25">
+                                      <p:cBhvr rctx="IE">
+                                        <p:cTn id="10" dur="indefinite"/>
+                                        <p:tgtEl>
+                                          <p:spTgt spid="49"/>
+                                        </p:tgtEl>
+                                      </p:cBhvr>
+                                    </p:animEffect>
+                                  </p:childTnLst>
+                                </p:cTn>
+                              </p:par>
+                            </p:childTnLst>
+                          </p:cTn>
+                        </p:par>
+                      </p:childTnLst>
+                    </p:cTn>
+                  </p:par>
+                </p:childTnLst>
+              </p:cTn>
+              <p:prevCondLst>
+                <p:cond evt="onPrev" delay="0">
+                  <p:tgtEl>
+                    <p:sldTgt/>
+                  </p:tgtEl>
+                </p:cond>
+              </p:prevCondLst>
+              <p:nextCondLst>
+                <p:cond evt="onNext" delay="0">
+                  <p:tgtEl>
+                    <p:sldTgt/>
+                  </p:tgtEl>
+                </p:cond>
+              </p:nextCondLst>
+            </p:seq>
+          </p:childTnLst>
+        </p:cTn>
+      </p:par>
+    </p:tnLst>
+    <p:bldLst>
+      <p:bldP spid="9" grpId="0" animBg="1"/>
+      <p:bldP spid="49" grpId="0" animBg="1"/>
+    </p:bldLst>
+  </p:timing>
 </p:sld>
 </file>
 
@@ -4544,6 +14259,21 @@
 </file>
 
 <file path=customXml/item1.xml><?xml version="1.0" encoding="utf-8"?>
+<p:properties xmlns:p="http://schemas.microsoft.com/office/2006/metadata/properties" xmlns:xsi="http://www.w3.org/2001/XMLSchema-instance" xmlns:pc="http://schemas.microsoft.com/office/infopath/2007/PartnerControls">
+  <documentManagement/>
+</p:properties>
+</file>
+
+<file path=customXml/item2.xml><?xml version="1.0" encoding="utf-8"?>
+<?mso-contentType ?>
+<FormTemplates xmlns="http://schemas.microsoft.com/sharepoint/v3/contenttype/forms">
+  <Display>DocumentLibraryForm</Display>
+  <Edit>DocumentLibraryForm</Edit>
+  <New>DocumentLibraryForm</New>
+</FormTemplates>
+</file>
+
+<file path=customXml/item3.xml><?xml version="1.0" encoding="utf-8"?>
 <ct:contentTypeSchema xmlns:ct="http://schemas.microsoft.com/office/2006/metadata/contentType" xmlns:ma="http://schemas.microsoft.com/office/2006/metadata/properties/metaAttributes" ct:_="" ma:_="" ma:contentTypeName="Document" ma:contentTypeID="0x0101007188BDCA587B344BBA6CB1A93FAE6998" ma:contentTypeVersion="2" ma:contentTypeDescription="Create a new document." ma:contentTypeScope="" ma:versionID="7a8e4b6720badb2566a0cfeddfaf2856">
   <xsd:schema xmlns:xsd="http://www.w3.org/2001/XMLSchema" xmlns:xs="http://www.w3.org/2001/XMLSchema" xmlns:p="http://schemas.microsoft.com/office/2006/metadata/properties" xmlns:ns2="ba111d12-426d-4af0-bcb6-460e36974645" targetNamespace="http://schemas.microsoft.com/office/2006/metadata/properties" ma:root="true" ma:fieldsID="989b05398519136c88ba0a8d54e3c3da" ns2:_="">
     <xsd:import namespace="ba111d12-426d-4af0-bcb6-460e36974645"/>
@@ -4675,22 +14405,24 @@
 </ct:contentTypeSchema>
 </file>
 
-<file path=customXml/item2.xml><?xml version="1.0" encoding="utf-8"?>
-<?mso-contentType ?>
-<FormTemplates xmlns="http://schemas.microsoft.com/sharepoint/v3/contenttype/forms">
-  <Display>DocumentLibraryForm</Display>
-  <Edit>DocumentLibraryForm</Edit>
-  <New>DocumentLibraryForm</New>
-</FormTemplates>
+<file path=customXml/itemProps1.xml><?xml version="1.0" encoding="utf-8"?>
+<ds:datastoreItem xmlns:ds="http://schemas.openxmlformats.org/officeDocument/2006/customXml" ds:itemID="{7ACF14CA-9E7F-410C-99DF-E0FAFDE78C11}">
+  <ds:schemaRefs>
+    <ds:schemaRef ds:uri="http://schemas.microsoft.com/office/2006/metadata/properties"/>
+    <ds:schemaRef ds:uri="http://schemas.microsoft.com/office/infopath/2007/PartnerControls"/>
+  </ds:schemaRefs>
+</ds:datastoreItem>
 </file>
 
-<file path=customXml/item3.xml><?xml version="1.0" encoding="utf-8"?>
-<p:properties xmlns:p="http://schemas.microsoft.com/office/2006/metadata/properties" xmlns:xsi="http://www.w3.org/2001/XMLSchema-instance" xmlns:pc="http://schemas.microsoft.com/office/infopath/2007/PartnerControls">
-  <documentManagement/>
-</p:properties>
+<file path=customXml/itemProps2.xml><?xml version="1.0" encoding="utf-8"?>
+<ds:datastoreItem xmlns:ds="http://schemas.openxmlformats.org/officeDocument/2006/customXml" ds:itemID="{6C1A3F1B-CE3A-47AB-9F84-47E786467973}">
+  <ds:schemaRefs>
+    <ds:schemaRef ds:uri="http://schemas.microsoft.com/sharepoint/v3/contenttype/forms"/>
+  </ds:schemaRefs>
+</ds:datastoreItem>
 </file>
 
-<file path=customXml/itemProps1.xml><?xml version="1.0" encoding="utf-8"?>
+<file path=customXml/itemProps3.xml><?xml version="1.0" encoding="utf-8"?>
 <ds:datastoreItem xmlns:ds="http://schemas.openxmlformats.org/officeDocument/2006/customXml" ds:itemID="{D622FF19-6ECD-4B79-A412-9430824D2BB6}">
   <ds:schemaRefs>
     <ds:schemaRef ds:uri="http://schemas.microsoft.com/office/2006/metadata/contentType"/>
@@ -4706,21 +14438,4 @@
     <ds:schemaRef ds:uri="http://schemas.microsoft.com/internal/obd"/>
   </ds:schemaRefs>
 </ds:datastoreItem>
-</file>
-
-<file path=customXml/itemProps2.xml><?xml version="1.0" encoding="utf-8"?>
-<ds:datastoreItem xmlns:ds="http://schemas.openxmlformats.org/officeDocument/2006/customXml" ds:itemID="{6C1A3F1B-CE3A-47AB-9F84-47E786467973}">
-  <ds:schemaRefs>
-    <ds:schemaRef ds:uri="http://schemas.microsoft.com/sharepoint/v3/contenttype/forms"/>
-  </ds:schemaRefs>
-</ds:datastoreItem>
-</file>
-
-<file path=customXml/itemProps3.xml><?xml version="1.0" encoding="utf-8"?>
-<ds:datastoreItem xmlns:ds="http://schemas.openxmlformats.org/officeDocument/2006/customXml" ds:itemID="{7ACF14CA-9E7F-410C-99DF-E0FAFDE78C11}">
-  <ds:schemaRefs>
-    <ds:schemaRef ds:uri="http://schemas.microsoft.com/office/2006/metadata/properties"/>
-    <ds:schemaRef ds:uri="http://schemas.microsoft.com/office/infopath/2007/PartnerControls"/>
-  </ds:schemaRefs>
-</ds:datastoreItem>
 </file>